--- a/20231209.pptx
+++ b/20231209.pptx
@@ -2215,7 +2215,7 @@
   <pc:docChgLst>
     <pc:chgData name="明阳 阮" userId="a4dcf2889a22c6f9" providerId="LiveId" clId="{607C1844-05CD-4CC9-972F-CAE573386568}"/>
     <pc:docChg chg="undo redo custSel addSld delSld modSld sldOrd">
-      <pc:chgData name="明阳 阮" userId="a4dcf2889a22c6f9" providerId="LiveId" clId="{607C1844-05CD-4CC9-972F-CAE573386568}" dt="2023-12-05T11:01:28.491" v="2611" actId="20577"/>
+      <pc:chgData name="明阳 阮" userId="a4dcf2889a22c6f9" providerId="LiveId" clId="{607C1844-05CD-4CC9-972F-CAE573386568}" dt="2023-12-05T11:08:36.173" v="2773" actId="20577"/>
       <pc:docMkLst>
         <pc:docMk/>
       </pc:docMkLst>
@@ -3426,21 +3426,37 @@
           </ac:picMkLst>
         </pc:picChg>
       </pc:sldChg>
-      <pc:sldChg chg="new">
-        <pc:chgData name="明阳 阮" userId="a4dcf2889a22c6f9" providerId="LiveId" clId="{607C1844-05CD-4CC9-972F-CAE573386568}" dt="2023-12-05T04:43:24.857" v="1241" actId="680"/>
+      <pc:sldChg chg="addSp delSp modSp new mod">
+        <pc:chgData name="明阳 阮" userId="a4dcf2889a22c6f9" providerId="LiveId" clId="{607C1844-05CD-4CC9-972F-CAE573386568}" dt="2023-12-05T11:08:21.397" v="2667" actId="21"/>
         <pc:sldMkLst>
           <pc:docMk/>
           <pc:sldMk cId="3138551618" sldId="273"/>
         </pc:sldMkLst>
+        <pc:spChg chg="add del mod">
+          <ac:chgData name="明阳 阮" userId="a4dcf2889a22c6f9" providerId="LiveId" clId="{607C1844-05CD-4CC9-972F-CAE573386568}" dt="2023-12-05T11:08:21.397" v="2667" actId="21"/>
+          <ac:spMkLst>
+            <pc:docMk/>
+            <pc:sldMk cId="3138551618" sldId="273"/>
+            <ac:spMk id="2" creationId="{78C8BCC4-61DF-94DB-839A-922AC15EA4F1}"/>
+          </ac:spMkLst>
+        </pc:spChg>
+        <pc:spChg chg="add del mod">
+          <ac:chgData name="明阳 阮" userId="a4dcf2889a22c6f9" providerId="LiveId" clId="{607C1844-05CD-4CC9-972F-CAE573386568}" dt="2023-12-05T11:08:21.397" v="2667" actId="21"/>
+          <ac:spMkLst>
+            <pc:docMk/>
+            <pc:sldMk cId="3138551618" sldId="273"/>
+            <ac:spMk id="3" creationId="{FCB1AD26-1E32-BDDE-A71D-2C4B9F280AD6}"/>
+          </ac:spMkLst>
+        </pc:spChg>
       </pc:sldChg>
       <pc:sldChg chg="addSp modSp add mod ord">
-        <pc:chgData name="明阳 阮" userId="a4dcf2889a22c6f9" providerId="LiveId" clId="{607C1844-05CD-4CC9-972F-CAE573386568}" dt="2023-12-05T11:01:28.491" v="2611" actId="20577"/>
+        <pc:chgData name="明阳 阮" userId="a4dcf2889a22c6f9" providerId="LiveId" clId="{607C1844-05CD-4CC9-972F-CAE573386568}" dt="2023-12-05T11:07:53.662" v="2666" actId="20577"/>
         <pc:sldMkLst>
           <pc:docMk/>
           <pc:sldMk cId="1019687452" sldId="274"/>
         </pc:sldMkLst>
         <pc:spChg chg="add mod">
-          <ac:chgData name="明阳 阮" userId="a4dcf2889a22c6f9" providerId="LiveId" clId="{607C1844-05CD-4CC9-972F-CAE573386568}" dt="2023-12-05T04:50:20.851" v="1262" actId="20577"/>
+          <ac:chgData name="明阳 阮" userId="a4dcf2889a22c6f9" providerId="LiveId" clId="{607C1844-05CD-4CC9-972F-CAE573386568}" dt="2023-12-05T11:07:53.662" v="2666" actId="20577"/>
           <ac:spMkLst>
             <pc:docMk/>
             <pc:sldMk cId="1019687452" sldId="274"/>
@@ -3505,7 +3521,7 @@
         </pc:picChg>
       </pc:sldChg>
       <pc:sldChg chg="addSp modSp add mod">
-        <pc:chgData name="明阳 阮" userId="a4dcf2889a22c6f9" providerId="LiveId" clId="{607C1844-05CD-4CC9-972F-CAE573386568}" dt="2023-12-05T11:00:37.813" v="2563" actId="2711"/>
+        <pc:chgData name="明阳 阮" userId="a4dcf2889a22c6f9" providerId="LiveId" clId="{607C1844-05CD-4CC9-972F-CAE573386568}" dt="2023-12-05T11:08:36.173" v="2773" actId="20577"/>
         <pc:sldMkLst>
           <pc:docMk/>
           <pc:sldMk cId="3395683612" sldId="275"/>
@@ -3519,7 +3535,7 @@
           </ac:spMkLst>
         </pc:spChg>
         <pc:spChg chg="add mod">
-          <ac:chgData name="明阳 阮" userId="a4dcf2889a22c6f9" providerId="LiveId" clId="{607C1844-05CD-4CC9-972F-CAE573386568}" dt="2023-12-05T11:00:15.236" v="2561" actId="20577"/>
+          <ac:chgData name="明阳 阮" userId="a4dcf2889a22c6f9" providerId="LiveId" clId="{607C1844-05CD-4CC9-972F-CAE573386568}" dt="2023-12-05T11:08:36.173" v="2773" actId="20577"/>
           <ac:spMkLst>
             <pc:docMk/>
             <pc:sldMk cId="3395683612" sldId="275"/>
@@ -3532,6 +3548,22 @@
             <pc:docMk/>
             <pc:sldMk cId="3395683612" sldId="275"/>
             <ac:spMk id="4" creationId="{616E366B-0542-5CF1-65F1-549C2E01D08E}"/>
+          </ac:spMkLst>
+        </pc:spChg>
+        <pc:spChg chg="add mod">
+          <ac:chgData name="明阳 阮" userId="a4dcf2889a22c6f9" providerId="LiveId" clId="{607C1844-05CD-4CC9-972F-CAE573386568}" dt="2023-12-05T11:08:33.673" v="2772" actId="1035"/>
+          <ac:spMkLst>
+            <pc:docMk/>
+            <pc:sldMk cId="3395683612" sldId="275"/>
+            <ac:spMk id="5" creationId="{9ACC0ACB-44AD-92FA-57C7-A6DF9F907E86}"/>
+          </ac:spMkLst>
+        </pc:spChg>
+        <pc:spChg chg="add mod">
+          <ac:chgData name="明阳 阮" userId="a4dcf2889a22c6f9" providerId="LiveId" clId="{607C1844-05CD-4CC9-972F-CAE573386568}" dt="2023-12-05T11:08:33.673" v="2772" actId="1035"/>
+          <ac:spMkLst>
+            <pc:docMk/>
+            <pc:sldMk cId="3395683612" sldId="275"/>
+            <ac:spMk id="6" creationId="{65086E03-1AF3-CECC-18D0-0FEF484A09AC}"/>
           </ac:spMkLst>
         </pc:spChg>
       </pc:sldChg>
@@ -14960,7 +14992,7 @@
         <p:spPr>
           <a:xfrm>
             <a:off x="793850" y="220961"/>
-            <a:ext cx="1107996" cy="646331"/>
+            <a:ext cx="2031325" cy="646331"/>
           </a:xfrm>
           <a:prstGeom prst="rect">
             <a:avLst/>
@@ -14985,7 +15017,7 @@
                 <a:latin typeface="BIZ UDPゴシック" panose="020B0400000000000000" pitchFamily="50" charset="-128"/>
                 <a:ea typeface="BIZ UDPゴシック" panose="020B0400000000000000" pitchFamily="50" charset="-128"/>
               </a:rPr>
-              <a:t>結果</a:t>
+              <a:t>計算結果</a:t>
             </a:r>
             <a:endParaRPr lang="en-US" altLang="ja-JP" sz="3600" b="1" dirty="0">
               <a:effectLst>
@@ -15421,7 +15453,7 @@
         <p:spPr>
           <a:xfrm>
             <a:off x="793849" y="973146"/>
-            <a:ext cx="10543335" cy="4832092"/>
+            <a:ext cx="10543335" cy="2677656"/>
           </a:xfrm>
           <a:prstGeom prst="rect">
             <a:avLst/>
@@ -15481,16 +15513,6 @@
             </a:endParaRPr>
           </a:p>
           <a:p>
-            <a:endParaRPr lang="en-US" altLang="ja-JP" sz="2800" b="0" i="0" dirty="0">
-              <a:solidFill>
-                <a:srgbClr val="374151"/>
-              </a:solidFill>
-              <a:effectLst/>
-              <a:latin typeface="BIZ UDPゴシック" panose="020B0400000000000000" pitchFamily="50" charset="-128"/>
-              <a:ea typeface="BIZ UDPゴシック" panose="020B0400000000000000" pitchFamily="50" charset="-128"/>
-            </a:endParaRPr>
-          </a:p>
-          <a:p>
             <a:pPr marL="457200" indent="-457200">
               <a:buFont typeface="Arial" panose="020B0604020202020204" pitchFamily="34" charset="0"/>
               <a:buChar char="•"/>
@@ -15615,70 +15637,6 @@
                 <a:srgbClr val="374151"/>
               </a:solidFill>
               <a:effectLst/>
-              <a:latin typeface="BIZ UDPゴシック" panose="020B0400000000000000" pitchFamily="50" charset="-128"/>
-              <a:ea typeface="BIZ UDPゴシック" panose="020B0400000000000000" pitchFamily="50" charset="-128"/>
-            </a:endParaRPr>
-          </a:p>
-          <a:p>
-            <a:endParaRPr lang="en-US" altLang="ja-JP" sz="2800" b="0" i="0" dirty="0">
-              <a:solidFill>
-                <a:srgbClr val="374151"/>
-              </a:solidFill>
-              <a:effectLst/>
-              <a:latin typeface="BIZ UDPゴシック" panose="020B0400000000000000" pitchFamily="50" charset="-128"/>
-              <a:ea typeface="BIZ UDPゴシック" panose="020B0400000000000000" pitchFamily="50" charset="-128"/>
-            </a:endParaRPr>
-          </a:p>
-          <a:p>
-            <a:endParaRPr lang="en-US" altLang="ja-JP" sz="2800" b="0" i="0" dirty="0">
-              <a:solidFill>
-                <a:srgbClr val="374151"/>
-              </a:solidFill>
-              <a:effectLst/>
-              <a:latin typeface="BIZ UDPゴシック" panose="020B0400000000000000" pitchFamily="50" charset="-128"/>
-              <a:ea typeface="BIZ UDPゴシック" panose="020B0400000000000000" pitchFamily="50" charset="-128"/>
-            </a:endParaRPr>
-          </a:p>
-          <a:p>
-            <a:pPr marL="457200" indent="-457200">
-              <a:buFont typeface="Arial" panose="020B0604020202020204" pitchFamily="34" charset="0"/>
-              <a:buChar char="•"/>
-            </a:pPr>
-            <a:r>
-              <a:rPr lang="ja-JP" altLang="en-US" sz="2800" b="0" i="0" dirty="0">
-                <a:solidFill>
-                  <a:srgbClr val="374151"/>
-                </a:solidFill>
-                <a:effectLst/>
-                <a:latin typeface="BIZ UDPゴシック" panose="020B0400000000000000" pitchFamily="50" charset="-128"/>
-                <a:ea typeface="BIZ UDPゴシック" panose="020B0400000000000000" pitchFamily="50" charset="-128"/>
-              </a:rPr>
-              <a:t>これに基づき、本研究では</a:t>
-            </a:r>
-            <a:r>
-              <a:rPr lang="en-US" altLang="ja-JP" sz="2800" b="0" i="0" dirty="0">
-                <a:solidFill>
-                  <a:srgbClr val="374151"/>
-                </a:solidFill>
-                <a:effectLst/>
-                <a:latin typeface="Times New Roman" panose="02020603050405020304" pitchFamily="18" charset="0"/>
-                <a:ea typeface="BIZ UDPゴシック" panose="020B0400000000000000" pitchFamily="50" charset="-128"/>
-                <a:cs typeface="Times New Roman" panose="02020603050405020304" pitchFamily="18" charset="0"/>
-              </a:rPr>
-              <a:t>ωB97XD/6-311++G(d , p)</a:t>
-            </a:r>
-            <a:r>
-              <a:rPr lang="ja-JP" altLang="en-US" sz="2800" b="0" i="0" dirty="0">
-                <a:solidFill>
-                  <a:srgbClr val="374151"/>
-                </a:solidFill>
-                <a:effectLst/>
-                <a:latin typeface="BIZ UDPゴシック" panose="020B0400000000000000" pitchFamily="50" charset="-128"/>
-                <a:ea typeface="BIZ UDPゴシック" panose="020B0400000000000000" pitchFamily="50" charset="-128"/>
-              </a:rPr>
-              <a:t>の計算レベルを用いて、重水素濃縮機構の解明を進める予定。</a:t>
-            </a:r>
-            <a:endParaRPr lang="en-US" altLang="ja-JP" sz="2800" dirty="0">
               <a:latin typeface="BIZ UDPゴシック" panose="020B0400000000000000" pitchFamily="50" charset="-128"/>
               <a:ea typeface="BIZ UDPゴシック" panose="020B0400000000000000" pitchFamily="50" charset="-128"/>
             </a:endParaRPr>
@@ -15785,6 +15743,138 @@
               <a:latin typeface="Times New Roman" panose="02020603050405020304" pitchFamily="18" charset="0"/>
               <a:cs typeface="Times New Roman" panose="02020603050405020304" pitchFamily="18" charset="0"/>
             </a:endParaRPr>
+          </a:p>
+        </p:txBody>
+      </p:sp>
+      <p:sp>
+        <p:nvSpPr>
+          <p:cNvPr id="5" name="テキスト ボックス 4">
+            <a:extLst>
+              <a:ext uri="{FF2B5EF4-FFF2-40B4-BE49-F238E27FC236}">
+                <a16:creationId xmlns:a16="http://schemas.microsoft.com/office/drawing/2014/main" id="{9ACC0ACB-44AD-92FA-57C7-A6DF9F907E86}"/>
+              </a:ext>
+            </a:extLst>
+          </p:cNvPr>
+          <p:cNvSpPr txBox="1"/>
+          <p:nvPr/>
+        </p:nvSpPr>
+        <p:spPr>
+          <a:xfrm>
+            <a:off x="793850" y="4105453"/>
+            <a:ext cx="2492990" cy="646331"/>
+          </a:xfrm>
+          <a:prstGeom prst="rect">
+            <a:avLst/>
+          </a:prstGeom>
+          <a:noFill/>
+        </p:spPr>
+        <p:txBody>
+          <a:bodyPr wrap="none" rtlCol="0">
+            <a:spAutoFit/>
+          </a:bodyPr>
+          <a:lstStyle/>
+          <a:p>
+            <a:r>
+              <a:rPr lang="ja-JP" altLang="en-US" sz="3600" b="1" dirty="0">
+                <a:effectLst>
+                  <a:outerShdw blurRad="38100" dist="38100" dir="2700000" algn="tl">
+                    <a:srgbClr val="000000">
+                      <a:alpha val="43137"/>
+                    </a:srgbClr>
+                  </a:outerShdw>
+                </a:effectLst>
+                <a:latin typeface="BIZ UDPゴシック" panose="020B0400000000000000" pitchFamily="50" charset="-128"/>
+                <a:ea typeface="BIZ UDPゴシック" panose="020B0400000000000000" pitchFamily="50" charset="-128"/>
+              </a:rPr>
+              <a:t>今後の予定</a:t>
+            </a:r>
+            <a:endParaRPr lang="en-US" altLang="ja-JP" sz="3600" b="1" dirty="0">
+              <a:effectLst>
+                <a:outerShdw blurRad="38100" dist="38100" dir="2700000" algn="tl">
+                  <a:srgbClr val="000000">
+                    <a:alpha val="43137"/>
+                  </a:srgbClr>
+                </a:outerShdw>
+              </a:effectLst>
+              <a:latin typeface="BIZ UDPゴシック" panose="020B0400000000000000" pitchFamily="50" charset="-128"/>
+              <a:ea typeface="BIZ UDPゴシック" panose="020B0400000000000000" pitchFamily="50" charset="-128"/>
+            </a:endParaRPr>
+          </a:p>
+        </p:txBody>
+      </p:sp>
+      <p:sp>
+        <p:nvSpPr>
+          <p:cNvPr id="6" name="テキスト ボックス 5">
+            <a:extLst>
+              <a:ext uri="{FF2B5EF4-FFF2-40B4-BE49-F238E27FC236}">
+                <a16:creationId xmlns:a16="http://schemas.microsoft.com/office/drawing/2014/main" id="{65086E03-1AF3-CECC-18D0-0FEF484A09AC}"/>
+              </a:ext>
+            </a:extLst>
+          </p:cNvPr>
+          <p:cNvSpPr txBox="1"/>
+          <p:nvPr/>
+        </p:nvSpPr>
+        <p:spPr>
+          <a:xfrm>
+            <a:off x="793849" y="4857638"/>
+            <a:ext cx="10309579" cy="1384995"/>
+          </a:xfrm>
+          <a:prstGeom prst="rect">
+            <a:avLst/>
+          </a:prstGeom>
+          <a:noFill/>
+        </p:spPr>
+        <p:txBody>
+          <a:bodyPr wrap="square" rtlCol="0">
+            <a:spAutoFit/>
+          </a:bodyPr>
+          <a:lstStyle/>
+          <a:p>
+            <a:pPr marL="457200" indent="-457200">
+              <a:buFont typeface="Arial" panose="020B0604020202020204" pitchFamily="34" charset="0"/>
+              <a:buChar char="•"/>
+            </a:pPr>
+            <a:r>
+              <a:rPr lang="ja-JP" altLang="en-US" sz="2800" b="0" i="0" dirty="0">
+                <a:solidFill>
+                  <a:srgbClr val="374151"/>
+                </a:solidFill>
+                <a:effectLst/>
+                <a:latin typeface="BIZ UDPゴシック" panose="020B0400000000000000" pitchFamily="50" charset="-128"/>
+                <a:ea typeface="BIZ UDPゴシック" panose="020B0400000000000000" pitchFamily="50" charset="-128"/>
+              </a:rPr>
+              <a:t>これに基づき、本研究では</a:t>
+            </a:r>
+            <a:r>
+              <a:rPr lang="en-US" altLang="ja-JP" sz="2800" b="0" i="0" dirty="0">
+                <a:solidFill>
+                  <a:srgbClr val="374151"/>
+                </a:solidFill>
+                <a:effectLst/>
+                <a:latin typeface="Times New Roman" panose="02020603050405020304" pitchFamily="18" charset="0"/>
+                <a:ea typeface="BIZ UDPゴシック" panose="020B0400000000000000" pitchFamily="50" charset="-128"/>
+                <a:cs typeface="Times New Roman" panose="02020603050405020304" pitchFamily="18" charset="0"/>
+              </a:rPr>
+              <a:t>ωB97XD/6-311++G(d , p)</a:t>
+            </a:r>
+            <a:r>
+              <a:rPr lang="ja-JP" altLang="en-US" sz="2800" b="0" i="0" dirty="0">
+                <a:solidFill>
+                  <a:srgbClr val="374151"/>
+                </a:solidFill>
+                <a:effectLst/>
+                <a:latin typeface="BIZ UDPゴシック" panose="020B0400000000000000" pitchFamily="50" charset="-128"/>
+                <a:ea typeface="BIZ UDPゴシック" panose="020B0400000000000000" pitchFamily="50" charset="-128"/>
+              </a:rPr>
+              <a:t>の計算レベルを用いて、重水素濃縮機構の解明を進める予定。</a:t>
+            </a:r>
+            <a:endParaRPr lang="en-US" altLang="ja-JP" sz="2800" dirty="0">
+              <a:latin typeface="BIZ UDPゴシック" panose="020B0400000000000000" pitchFamily="50" charset="-128"/>
+              <a:ea typeface="BIZ UDPゴシック" panose="020B0400000000000000" pitchFamily="50" charset="-128"/>
+            </a:endParaRPr>
+          </a:p>
+          <a:p>
+            <a:endParaRPr lang="en-US" altLang="ja-JP" sz="2800" b="1" dirty="0"/>
           </a:p>
         </p:txBody>
       </p:sp>

--- a/20231209.pptx
+++ b/20231209.pptx
@@ -130,1970 +130,6 @@
 <file path=ppt/changesInfos/changesInfo1.xml><?xml version="1.0" encoding="utf-8"?>
 <pc:chgInfo xmlns:a="http://schemas.openxmlformats.org/drawingml/2006/main" xmlns:r="http://schemas.openxmlformats.org/officeDocument/2006/relationships" xmlns:ac="http://schemas.microsoft.com/office/drawing/2013/main/command" xmlns:pc="http://schemas.microsoft.com/office/powerpoint/2013/main/command">
   <pc:docChgLst>
-    <pc:chgData name="明阳 阮" userId="a4dcf2889a22c6f9" providerId="LiveId" clId="{389D68A1-24FC-423B-B5DD-8195EC5F55C7}"/>
-    <pc:docChg chg="undo custSel addSld delSld modSld sldOrd">
-      <pc:chgData name="明阳 阮" userId="a4dcf2889a22c6f9" providerId="LiveId" clId="{389D68A1-24FC-423B-B5DD-8195EC5F55C7}" dt="2023-10-26T07:24:04.566" v="4032" actId="1076"/>
-      <pc:docMkLst>
-        <pc:docMk/>
-      </pc:docMkLst>
-      <pc:sldChg chg="delSp modSp add mod ord">
-        <pc:chgData name="明阳 阮" userId="a4dcf2889a22c6f9" providerId="LiveId" clId="{389D68A1-24FC-423B-B5DD-8195EC5F55C7}" dt="2023-10-26T02:09:01.964" v="2995"/>
-        <pc:sldMkLst>
-          <pc:docMk/>
-          <pc:sldMk cId="3425265946" sldId="256"/>
-        </pc:sldMkLst>
-        <pc:spChg chg="del">
-          <ac:chgData name="明阳 阮" userId="a4dcf2889a22c6f9" providerId="LiveId" clId="{389D68A1-24FC-423B-B5DD-8195EC5F55C7}" dt="2023-10-23T02:39:51.801" v="163" actId="478"/>
-          <ac:spMkLst>
-            <pc:docMk/>
-            <pc:sldMk cId="3425265946" sldId="256"/>
-            <ac:spMk id="3" creationId="{0775608E-F3A1-97CA-2C98-E6BDDB21FAFA}"/>
-          </ac:spMkLst>
-        </pc:spChg>
-        <pc:spChg chg="mod">
-          <ac:chgData name="明阳 阮" userId="a4dcf2889a22c6f9" providerId="LiveId" clId="{389D68A1-24FC-423B-B5DD-8195EC5F55C7}" dt="2023-10-25T08:57:44.692" v="2805" actId="113"/>
-          <ac:spMkLst>
-            <pc:docMk/>
-            <pc:sldMk cId="3425265946" sldId="256"/>
-            <ac:spMk id="5" creationId="{78FBD0DF-594A-4659-7E0D-4920283AAA08}"/>
-          </ac:spMkLst>
-        </pc:spChg>
-      </pc:sldChg>
-      <pc:sldChg chg="del">
-        <pc:chgData name="明阳 阮" userId="a4dcf2889a22c6f9" providerId="LiveId" clId="{389D68A1-24FC-423B-B5DD-8195EC5F55C7}" dt="2023-10-23T02:30:55.744" v="1" actId="47"/>
-        <pc:sldMkLst>
-          <pc:docMk/>
-          <pc:sldMk cId="3516759928" sldId="256"/>
-        </pc:sldMkLst>
-      </pc:sldChg>
-      <pc:sldChg chg="addSp delSp modSp new mod">
-        <pc:chgData name="明阳 阮" userId="a4dcf2889a22c6f9" providerId="LiveId" clId="{389D68A1-24FC-423B-B5DD-8195EC5F55C7}" dt="2023-10-26T07:24:04.566" v="4032" actId="1076"/>
-        <pc:sldMkLst>
-          <pc:docMk/>
-          <pc:sldMk cId="1893828342" sldId="257"/>
-        </pc:sldMkLst>
-        <pc:spChg chg="add mod">
-          <ac:chgData name="明阳 阮" userId="a4dcf2889a22c6f9" providerId="LiveId" clId="{389D68A1-24FC-423B-B5DD-8195EC5F55C7}" dt="2023-10-23T02:48:04.214" v="214" actId="20577"/>
-          <ac:spMkLst>
-            <pc:docMk/>
-            <pc:sldMk cId="1893828342" sldId="257"/>
-            <ac:spMk id="2" creationId="{127B3BAF-7D69-7016-0F81-30E5C2D25E8B}"/>
-          </ac:spMkLst>
-        </pc:spChg>
-        <pc:spChg chg="add mod">
-          <ac:chgData name="明阳 阮" userId="a4dcf2889a22c6f9" providerId="LiveId" clId="{389D68A1-24FC-423B-B5DD-8195EC5F55C7}" dt="2023-10-26T07:23:34.680" v="4031" actId="1036"/>
-          <ac:spMkLst>
-            <pc:docMk/>
-            <pc:sldMk cId="1893828342" sldId="257"/>
-            <ac:spMk id="3" creationId="{00853866-167B-87E3-E0BD-8494D71EC976}"/>
-          </ac:spMkLst>
-        </pc:spChg>
-        <pc:spChg chg="add del mod">
-          <ac:chgData name="明阳 阮" userId="a4dcf2889a22c6f9" providerId="LiveId" clId="{389D68A1-24FC-423B-B5DD-8195EC5F55C7}" dt="2023-10-25T08:41:51.454" v="2595" actId="21"/>
-          <ac:spMkLst>
-            <pc:docMk/>
-            <pc:sldMk cId="1893828342" sldId="257"/>
-            <ac:spMk id="4" creationId="{B55AA1C3-2D61-59B4-7CE5-F0EC966390BB}"/>
-          </ac:spMkLst>
-        </pc:spChg>
-        <pc:spChg chg="add del mod">
-          <ac:chgData name="明阳 阮" userId="a4dcf2889a22c6f9" providerId="LiveId" clId="{389D68A1-24FC-423B-B5DD-8195EC5F55C7}" dt="2023-10-23T02:32:18.525" v="24" actId="478"/>
-          <ac:spMkLst>
-            <pc:docMk/>
-            <pc:sldMk cId="1893828342" sldId="257"/>
-            <ac:spMk id="4" creationId="{CDD19AC1-EA5E-03D4-A5E7-D65E065B07E5}"/>
-          </ac:spMkLst>
-        </pc:spChg>
-        <pc:spChg chg="add mod">
-          <ac:chgData name="明阳 阮" userId="a4dcf2889a22c6f9" providerId="LiveId" clId="{389D68A1-24FC-423B-B5DD-8195EC5F55C7}" dt="2023-10-26T01:17:57.761" v="2857"/>
-          <ac:spMkLst>
-            <pc:docMk/>
-            <pc:sldMk cId="1893828342" sldId="257"/>
-            <ac:spMk id="4" creationId="{F8B8AE64-A1C5-1FE2-AA67-313313C9EC48}"/>
-          </ac:spMkLst>
-        </pc:spChg>
-        <pc:spChg chg="add del mod">
-          <ac:chgData name="明阳 阮" userId="a4dcf2889a22c6f9" providerId="LiveId" clId="{389D68A1-24FC-423B-B5DD-8195EC5F55C7}" dt="2023-10-26T07:23:34.680" v="4031" actId="1036"/>
-          <ac:spMkLst>
-            <pc:docMk/>
-            <pc:sldMk cId="1893828342" sldId="257"/>
-            <ac:spMk id="5" creationId="{2DF684F6-9647-BECA-8EE0-524858E75142}"/>
-          </ac:spMkLst>
-        </pc:spChg>
-        <pc:spChg chg="add mod">
-          <ac:chgData name="明阳 阮" userId="a4dcf2889a22c6f9" providerId="LiveId" clId="{389D68A1-24FC-423B-B5DD-8195EC5F55C7}" dt="2023-10-26T07:23:34.680" v="4031" actId="1036"/>
-          <ac:spMkLst>
-            <pc:docMk/>
-            <pc:sldMk cId="1893828342" sldId="257"/>
-            <ac:spMk id="6" creationId="{21896B62-7E22-FCEB-C86E-72C379C0E603}"/>
-          </ac:spMkLst>
-        </pc:spChg>
-        <pc:spChg chg="add del mod">
-          <ac:chgData name="明阳 阮" userId="a4dcf2889a22c6f9" providerId="LiveId" clId="{389D68A1-24FC-423B-B5DD-8195EC5F55C7}" dt="2023-10-23T02:34:26.740" v="80" actId="478"/>
-          <ac:spMkLst>
-            <pc:docMk/>
-            <pc:sldMk cId="1893828342" sldId="257"/>
-            <ac:spMk id="6" creationId="{D0987124-58BB-94C9-46A8-D0AD66C31B7E}"/>
-          </ac:spMkLst>
-        </pc:spChg>
-        <pc:spChg chg="add mod">
-          <ac:chgData name="明阳 阮" userId="a4dcf2889a22c6f9" providerId="LiveId" clId="{389D68A1-24FC-423B-B5DD-8195EC5F55C7}" dt="2023-10-26T03:30:25.641" v="3952" actId="1076"/>
-          <ac:spMkLst>
-            <pc:docMk/>
-            <pc:sldMk cId="1893828342" sldId="257"/>
-            <ac:spMk id="7" creationId="{10DEA8DA-7A0A-C094-4252-40618C6C76BE}"/>
-          </ac:spMkLst>
-        </pc:spChg>
-        <pc:spChg chg="add del mod">
-          <ac:chgData name="明阳 阮" userId="a4dcf2889a22c6f9" providerId="LiveId" clId="{389D68A1-24FC-423B-B5DD-8195EC5F55C7}" dt="2023-10-23T02:34:26.740" v="80" actId="478"/>
-          <ac:spMkLst>
-            <pc:docMk/>
-            <pc:sldMk cId="1893828342" sldId="257"/>
-            <ac:spMk id="7" creationId="{54E3B638-F1B8-2B32-11E5-D66A399AEE22}"/>
-          </ac:spMkLst>
-        </pc:spChg>
-        <pc:spChg chg="add mod">
-          <ac:chgData name="明阳 阮" userId="a4dcf2889a22c6f9" providerId="LiveId" clId="{389D68A1-24FC-423B-B5DD-8195EC5F55C7}" dt="2023-10-26T07:23:34.680" v="4031" actId="1036"/>
-          <ac:spMkLst>
-            <pc:docMk/>
-            <pc:sldMk cId="1893828342" sldId="257"/>
-            <ac:spMk id="8" creationId="{A7D29084-086C-A6EA-181A-A4AAFD210197}"/>
-          </ac:spMkLst>
-        </pc:spChg>
-        <pc:spChg chg="add del mod">
-          <ac:chgData name="明阳 阮" userId="a4dcf2889a22c6f9" providerId="LiveId" clId="{389D68A1-24FC-423B-B5DD-8195EC5F55C7}" dt="2023-10-26T03:21:53.204" v="3743"/>
-          <ac:spMkLst>
-            <pc:docMk/>
-            <pc:sldMk cId="1893828342" sldId="257"/>
-            <ac:spMk id="10" creationId="{4A71AD3C-0ECC-6A8A-CDCE-FA65BF3789CC}"/>
-          </ac:spMkLst>
-        </pc:spChg>
-        <pc:spChg chg="add del mod">
-          <ac:chgData name="明阳 阮" userId="a4dcf2889a22c6f9" providerId="LiveId" clId="{389D68A1-24FC-423B-B5DD-8195EC5F55C7}" dt="2023-10-25T07:48:45.435" v="2387" actId="478"/>
-          <ac:spMkLst>
-            <pc:docMk/>
-            <pc:sldMk cId="1893828342" sldId="257"/>
-            <ac:spMk id="10" creationId="{B44D9F84-2867-5E35-E543-92598B3C2CC2}"/>
-          </ac:spMkLst>
-        </pc:spChg>
-        <pc:spChg chg="add del">
-          <ac:chgData name="明阳 阮" userId="a4dcf2889a22c6f9" providerId="LiveId" clId="{389D68A1-24FC-423B-B5DD-8195EC5F55C7}" dt="2023-10-26T02:15:04.300" v="3068" actId="22"/>
-          <ac:spMkLst>
-            <pc:docMk/>
-            <pc:sldMk cId="1893828342" sldId="257"/>
-            <ac:spMk id="12" creationId="{6FDBCC17-82B4-81AF-953F-9337B4D49FA0}"/>
-          </ac:spMkLst>
-        </pc:spChg>
-        <pc:spChg chg="add del mod">
-          <ac:chgData name="明阳 阮" userId="a4dcf2889a22c6f9" providerId="LiveId" clId="{389D68A1-24FC-423B-B5DD-8195EC5F55C7}" dt="2023-10-26T07:23:21.042" v="3983" actId="478"/>
-          <ac:spMkLst>
-            <pc:docMk/>
-            <pc:sldMk cId="1893828342" sldId="257"/>
-            <ac:spMk id="13" creationId="{A7EB5FFD-7205-5D15-4571-146405DAB754}"/>
-          </ac:spMkLst>
-        </pc:spChg>
-        <pc:spChg chg="add del mod">
-          <ac:chgData name="明阳 阮" userId="a4dcf2889a22c6f9" providerId="LiveId" clId="{389D68A1-24FC-423B-B5DD-8195EC5F55C7}" dt="2023-10-26T03:21:53.219" v="3745"/>
-          <ac:spMkLst>
-            <pc:docMk/>
-            <pc:sldMk cId="1893828342" sldId="257"/>
-            <ac:spMk id="14" creationId="{0F700008-A6FF-FABA-CA03-799354D042AC}"/>
-          </ac:spMkLst>
-        </pc:spChg>
-        <pc:spChg chg="add del mod">
-          <ac:chgData name="明阳 阮" userId="a4dcf2889a22c6f9" providerId="LiveId" clId="{389D68A1-24FC-423B-B5DD-8195EC5F55C7}" dt="2023-10-25T08:44:04.949" v="2636" actId="478"/>
-          <ac:spMkLst>
-            <pc:docMk/>
-            <pc:sldMk cId="1893828342" sldId="257"/>
-            <ac:spMk id="15" creationId="{4B90AC33-8E8F-4570-B6BB-D0D002900F4C}"/>
-          </ac:spMkLst>
-        </pc:spChg>
-        <pc:spChg chg="add del mod">
-          <ac:chgData name="明阳 阮" userId="a4dcf2889a22c6f9" providerId="LiveId" clId="{389D68A1-24FC-423B-B5DD-8195EC5F55C7}" dt="2023-10-26T02:44:00.970" v="3235" actId="478"/>
-          <ac:spMkLst>
-            <pc:docMk/>
-            <pc:sldMk cId="1893828342" sldId="257"/>
-            <ac:spMk id="15" creationId="{95F2F1A4-E21A-2A51-9C9A-996AD2657F07}"/>
-          </ac:spMkLst>
-        </pc:spChg>
-        <pc:spChg chg="add mod ord">
-          <ac:chgData name="明阳 阮" userId="a4dcf2889a22c6f9" providerId="LiveId" clId="{389D68A1-24FC-423B-B5DD-8195EC5F55C7}" dt="2023-10-26T07:23:34.680" v="4031" actId="1036"/>
-          <ac:spMkLst>
-            <pc:docMk/>
-            <pc:sldMk cId="1893828342" sldId="257"/>
-            <ac:spMk id="16" creationId="{DB7A750A-1870-D2F6-6B49-63EAE60F5E06}"/>
-          </ac:spMkLst>
-        </pc:spChg>
-        <pc:spChg chg="add del mod">
-          <ac:chgData name="明阳 阮" userId="a4dcf2889a22c6f9" providerId="LiveId" clId="{389D68A1-24FC-423B-B5DD-8195EC5F55C7}" dt="2023-10-25T08:44:32.913" v="2642" actId="478"/>
-          <ac:spMkLst>
-            <pc:docMk/>
-            <pc:sldMk cId="1893828342" sldId="257"/>
-            <ac:spMk id="17" creationId="{363DE5CB-4680-39B5-2EF1-7AB9E639445E}"/>
-          </ac:spMkLst>
-        </pc:spChg>
-        <pc:spChg chg="add del mod">
-          <ac:chgData name="明阳 阮" userId="a4dcf2889a22c6f9" providerId="LiveId" clId="{389D68A1-24FC-423B-B5DD-8195EC5F55C7}" dt="2023-10-26T02:43:29.678" v="3232" actId="478"/>
-          <ac:spMkLst>
-            <pc:docMk/>
-            <pc:sldMk cId="1893828342" sldId="257"/>
-            <ac:spMk id="18" creationId="{3FB7643F-5EE3-9AA9-89F8-4B778AB9311F}"/>
-          </ac:spMkLst>
-        </pc:spChg>
-        <pc:spChg chg="add del mod">
-          <ac:chgData name="明阳 阮" userId="a4dcf2889a22c6f9" providerId="LiveId" clId="{389D68A1-24FC-423B-B5DD-8195EC5F55C7}" dt="2023-10-26T02:51:07.347" v="3356" actId="478"/>
-          <ac:spMkLst>
-            <pc:docMk/>
-            <pc:sldMk cId="1893828342" sldId="257"/>
-            <ac:spMk id="19" creationId="{CEADC3FE-AFB9-8D82-1028-6178F541C07A}"/>
-          </ac:spMkLst>
-        </pc:spChg>
-        <pc:spChg chg="add del mod">
-          <ac:chgData name="明阳 阮" userId="a4dcf2889a22c6f9" providerId="LiveId" clId="{389D68A1-24FC-423B-B5DD-8195EC5F55C7}" dt="2023-10-26T03:24:35.989" v="3774" actId="478"/>
-          <ac:spMkLst>
-            <pc:docMk/>
-            <pc:sldMk cId="1893828342" sldId="257"/>
-            <ac:spMk id="20" creationId="{D7000C8B-3B57-FE19-BF51-041AEB49F530}"/>
-          </ac:spMkLst>
-        </pc:spChg>
-        <pc:spChg chg="add del mod">
-          <ac:chgData name="明阳 阮" userId="a4dcf2889a22c6f9" providerId="LiveId" clId="{389D68A1-24FC-423B-B5DD-8195EC5F55C7}" dt="2023-10-25T08:41:51.454" v="2595" actId="21"/>
-          <ac:spMkLst>
-            <pc:docMk/>
-            <pc:sldMk cId="1893828342" sldId="257"/>
-            <ac:spMk id="21" creationId="{FE46EE5E-B09C-A867-8082-A48FBB426E96}"/>
-          </ac:spMkLst>
-        </pc:spChg>
-        <pc:spChg chg="add del mod topLvl">
-          <ac:chgData name="明阳 阮" userId="a4dcf2889a22c6f9" providerId="LiveId" clId="{389D68A1-24FC-423B-B5DD-8195EC5F55C7}" dt="2023-10-26T03:23:32.659" v="3766" actId="478"/>
-          <ac:spMkLst>
-            <pc:docMk/>
-            <pc:sldMk cId="1893828342" sldId="257"/>
-            <ac:spMk id="22" creationId="{55AB127B-4AA6-750D-D565-E1B057B7D41E}"/>
-          </ac:spMkLst>
-        </pc:spChg>
-        <pc:spChg chg="add del mod">
-          <ac:chgData name="明阳 阮" userId="a4dcf2889a22c6f9" providerId="LiveId" clId="{389D68A1-24FC-423B-B5DD-8195EC5F55C7}" dt="2023-10-25T08:40:42.218" v="2579" actId="478"/>
-          <ac:spMkLst>
-            <pc:docMk/>
-            <pc:sldMk cId="1893828342" sldId="257"/>
-            <ac:spMk id="22" creationId="{E6EB38CF-C989-A271-926E-4D40981AEAC6}"/>
-          </ac:spMkLst>
-        </pc:spChg>
-        <pc:spChg chg="add del mod">
-          <ac:chgData name="明阳 阮" userId="a4dcf2889a22c6f9" providerId="LiveId" clId="{389D68A1-24FC-423B-B5DD-8195EC5F55C7}" dt="2023-10-26T07:22:24.741" v="3975"/>
-          <ac:spMkLst>
-            <pc:docMk/>
-            <pc:sldMk cId="1893828342" sldId="257"/>
-            <ac:spMk id="23" creationId="{FD3EA872-9C0B-0C65-1306-84859BD7D773}"/>
-          </ac:spMkLst>
-        </pc:spChg>
-        <pc:spChg chg="mod">
-          <ac:chgData name="明阳 阮" userId="a4dcf2889a22c6f9" providerId="LiveId" clId="{389D68A1-24FC-423B-B5DD-8195EC5F55C7}" dt="2023-10-26T03:31:24.780" v="3954" actId="20577"/>
-          <ac:spMkLst>
-            <pc:docMk/>
-            <pc:sldMk cId="1893828342" sldId="257"/>
-            <ac:spMk id="24" creationId="{1B68C04A-93B5-2CFB-C55A-0DFB388209CF}"/>
-          </ac:spMkLst>
-        </pc:spChg>
-        <pc:spChg chg="add del mod">
-          <ac:chgData name="明阳 阮" userId="a4dcf2889a22c6f9" providerId="LiveId" clId="{389D68A1-24FC-423B-B5DD-8195EC5F55C7}" dt="2023-10-23T02:47:13.576" v="197"/>
-          <ac:spMkLst>
-            <pc:docMk/>
-            <pc:sldMk cId="1893828342" sldId="257"/>
-            <ac:spMk id="26" creationId="{B93A7277-9AFA-FDEE-0164-DAF284C739D1}"/>
-          </ac:spMkLst>
-        </pc:spChg>
-        <pc:spChg chg="add del mod">
-          <ac:chgData name="明阳 阮" userId="a4dcf2889a22c6f9" providerId="LiveId" clId="{389D68A1-24FC-423B-B5DD-8195EC5F55C7}" dt="2023-10-23T02:47:13.524" v="195" actId="478"/>
-          <ac:spMkLst>
-            <pc:docMk/>
-            <pc:sldMk cId="1893828342" sldId="257"/>
-            <ac:spMk id="27" creationId="{484068E3-0159-3F94-2C0E-89663C410D68}"/>
-          </ac:spMkLst>
-        </pc:spChg>
-        <pc:spChg chg="add mod">
-          <ac:chgData name="明阳 阮" userId="a4dcf2889a22c6f9" providerId="LiveId" clId="{389D68A1-24FC-423B-B5DD-8195EC5F55C7}" dt="2023-10-26T07:23:34.680" v="4031" actId="1036"/>
-          <ac:spMkLst>
-            <pc:docMk/>
-            <pc:sldMk cId="1893828342" sldId="257"/>
-            <ac:spMk id="28" creationId="{91963E2A-A227-FFD9-9E16-5D070172E929}"/>
-          </ac:spMkLst>
-        </pc:spChg>
-        <pc:spChg chg="add mod">
-          <ac:chgData name="明阳 阮" userId="a4dcf2889a22c6f9" providerId="LiveId" clId="{389D68A1-24FC-423B-B5DD-8195EC5F55C7}" dt="2023-10-26T07:24:04.566" v="4032" actId="1076"/>
-          <ac:spMkLst>
-            <pc:docMk/>
-            <pc:sldMk cId="1893828342" sldId="257"/>
-            <ac:spMk id="29" creationId="{55B49F78-0345-8486-49C2-739DB7C86DFD}"/>
-          </ac:spMkLst>
-        </pc:spChg>
-        <pc:spChg chg="add del mod">
-          <ac:chgData name="明阳 阮" userId="a4dcf2889a22c6f9" providerId="LiveId" clId="{389D68A1-24FC-423B-B5DD-8195EC5F55C7}" dt="2023-10-25T08:41:35.718" v="2592" actId="478"/>
-          <ac:spMkLst>
-            <pc:docMk/>
-            <pc:sldMk cId="1893828342" sldId="257"/>
-            <ac:spMk id="34" creationId="{2F18B4E8-FA4D-1225-DF60-B382BDC893DE}"/>
-          </ac:spMkLst>
-        </pc:spChg>
-        <pc:spChg chg="add del mod">
-          <ac:chgData name="明阳 阮" userId="a4dcf2889a22c6f9" providerId="LiveId" clId="{389D68A1-24FC-423B-B5DD-8195EC5F55C7}" dt="2023-10-25T08:41:40.602" v="2593" actId="478"/>
-          <ac:spMkLst>
-            <pc:docMk/>
-            <pc:sldMk cId="1893828342" sldId="257"/>
-            <ac:spMk id="35" creationId="{8AAD7309-6A65-521D-72D3-B96DCE70EE61}"/>
-          </ac:spMkLst>
-        </pc:spChg>
-        <pc:spChg chg="add del mod">
-          <ac:chgData name="明阳 阮" userId="a4dcf2889a22c6f9" providerId="LiveId" clId="{389D68A1-24FC-423B-B5DD-8195EC5F55C7}" dt="2023-10-25T07:54:12.294" v="2502" actId="478"/>
-          <ac:spMkLst>
-            <pc:docMk/>
-            <pc:sldMk cId="1893828342" sldId="257"/>
-            <ac:spMk id="36" creationId="{7B3439B9-E734-0D1B-3119-819842700910}"/>
-          </ac:spMkLst>
-        </pc:spChg>
-        <pc:spChg chg="add mod">
-          <ac:chgData name="明阳 阮" userId="a4dcf2889a22c6f9" providerId="LiveId" clId="{389D68A1-24FC-423B-B5DD-8195EC5F55C7}" dt="2023-10-26T07:23:34.680" v="4031" actId="1036"/>
-          <ac:spMkLst>
-            <pc:docMk/>
-            <pc:sldMk cId="1893828342" sldId="257"/>
-            <ac:spMk id="37" creationId="{12F6CC1C-39C0-9397-5906-59558A530AE9}"/>
-          </ac:spMkLst>
-        </pc:spChg>
-        <pc:spChg chg="add mod">
-          <ac:chgData name="明阳 阮" userId="a4dcf2889a22c6f9" providerId="LiveId" clId="{389D68A1-24FC-423B-B5DD-8195EC5F55C7}" dt="2023-10-26T07:23:34.680" v="4031" actId="1036"/>
-          <ac:spMkLst>
-            <pc:docMk/>
-            <pc:sldMk cId="1893828342" sldId="257"/>
-            <ac:spMk id="38" creationId="{B388CF3A-A224-18D5-B91D-FB688380E71F}"/>
-          </ac:spMkLst>
-        </pc:spChg>
-        <pc:spChg chg="add del mod">
-          <ac:chgData name="明阳 阮" userId="a4dcf2889a22c6f9" providerId="LiveId" clId="{389D68A1-24FC-423B-B5DD-8195EC5F55C7}" dt="2023-10-26T02:48:54.727" v="3278" actId="478"/>
-          <ac:spMkLst>
-            <pc:docMk/>
-            <pc:sldMk cId="1893828342" sldId="257"/>
-            <ac:spMk id="42" creationId="{215EEF3D-EB49-E7C4-5E35-9B39DB2365F9}"/>
-          </ac:spMkLst>
-        </pc:spChg>
-        <pc:spChg chg="add del mod">
-          <ac:chgData name="明阳 阮" userId="a4dcf2889a22c6f9" providerId="LiveId" clId="{389D68A1-24FC-423B-B5DD-8195EC5F55C7}" dt="2023-10-25T08:42:36.722" v="2609"/>
-          <ac:spMkLst>
-            <pc:docMk/>
-            <pc:sldMk cId="1893828342" sldId="257"/>
-            <ac:spMk id="43" creationId="{8851D4EF-DC5B-A71C-5B42-CFB90B0066EC}"/>
-          </ac:spMkLst>
-        </pc:spChg>
-        <pc:spChg chg="add mod">
-          <ac:chgData name="明阳 阮" userId="a4dcf2889a22c6f9" providerId="LiveId" clId="{389D68A1-24FC-423B-B5DD-8195EC5F55C7}" dt="2023-10-26T07:23:34.680" v="4031" actId="1036"/>
-          <ac:spMkLst>
-            <pc:docMk/>
-            <pc:sldMk cId="1893828342" sldId="257"/>
-            <ac:spMk id="44" creationId="{CD9CFC94-74F4-6E4E-5F95-240DCE71A26D}"/>
-          </ac:spMkLst>
-        </pc:spChg>
-        <pc:spChg chg="add mod">
-          <ac:chgData name="明阳 阮" userId="a4dcf2889a22c6f9" providerId="LiveId" clId="{389D68A1-24FC-423B-B5DD-8195EC5F55C7}" dt="2023-10-26T07:23:34.680" v="4031" actId="1036"/>
-          <ac:spMkLst>
-            <pc:docMk/>
-            <pc:sldMk cId="1893828342" sldId="257"/>
-            <ac:spMk id="46" creationId="{D4F41DAF-3CCA-AD51-EF70-2F16EB970C3B}"/>
-          </ac:spMkLst>
-        </pc:spChg>
-        <pc:spChg chg="add del mod ord">
-          <ac:chgData name="明阳 阮" userId="a4dcf2889a22c6f9" providerId="LiveId" clId="{389D68A1-24FC-423B-B5DD-8195EC5F55C7}" dt="2023-10-26T02:49:30.473" v="3332" actId="478"/>
-          <ac:spMkLst>
-            <pc:docMk/>
-            <pc:sldMk cId="1893828342" sldId="257"/>
-            <ac:spMk id="47" creationId="{FCAC1D30-93B0-6043-F4FE-83C17D9172E9}"/>
-          </ac:spMkLst>
-        </pc:spChg>
-        <pc:spChg chg="add del mod">
-          <ac:chgData name="明阳 阮" userId="a4dcf2889a22c6f9" providerId="LiveId" clId="{389D68A1-24FC-423B-B5DD-8195EC5F55C7}" dt="2023-10-26T02:12:18.700" v="3030" actId="478"/>
-          <ac:spMkLst>
-            <pc:docMk/>
-            <pc:sldMk cId="1893828342" sldId="257"/>
-            <ac:spMk id="48" creationId="{95BD2F8A-31A7-1A61-8D5A-F592D177D2E5}"/>
-          </ac:spMkLst>
-        </pc:spChg>
-        <pc:spChg chg="add del mod">
-          <ac:chgData name="明阳 阮" userId="a4dcf2889a22c6f9" providerId="LiveId" clId="{389D68A1-24FC-423B-B5DD-8195EC5F55C7}" dt="2023-10-26T02:50:39.604" v="3351"/>
-          <ac:spMkLst>
-            <pc:docMk/>
-            <pc:sldMk cId="1893828342" sldId="257"/>
-            <ac:spMk id="50" creationId="{11C22094-2F66-1A59-BC0C-3847E860B597}"/>
-          </ac:spMkLst>
-        </pc:spChg>
-        <pc:spChg chg="add del mod">
-          <ac:chgData name="明阳 阮" userId="a4dcf2889a22c6f9" providerId="LiveId" clId="{389D68A1-24FC-423B-B5DD-8195EC5F55C7}" dt="2023-10-26T02:51:10.023" v="3357" actId="478"/>
-          <ac:spMkLst>
-            <pc:docMk/>
-            <pc:sldMk cId="1893828342" sldId="257"/>
-            <ac:spMk id="51" creationId="{81A69454-9917-BCAD-0317-461CC5642AD7}"/>
-          </ac:spMkLst>
-        </pc:spChg>
-        <pc:spChg chg="add mod ord">
-          <ac:chgData name="明阳 阮" userId="a4dcf2889a22c6f9" providerId="LiveId" clId="{389D68A1-24FC-423B-B5DD-8195EC5F55C7}" dt="2023-10-26T07:23:34.680" v="4031" actId="1036"/>
-          <ac:spMkLst>
-            <pc:docMk/>
-            <pc:sldMk cId="1893828342" sldId="257"/>
-            <ac:spMk id="52" creationId="{DCFDDDF7-8F25-3A39-66EE-30E7F58FC8B4}"/>
-          </ac:spMkLst>
-        </pc:spChg>
-        <pc:spChg chg="add mod">
-          <ac:chgData name="明阳 阮" userId="a4dcf2889a22c6f9" providerId="LiveId" clId="{389D68A1-24FC-423B-B5DD-8195EC5F55C7}" dt="2023-10-26T07:23:34.680" v="4031" actId="1036"/>
-          <ac:spMkLst>
-            <pc:docMk/>
-            <pc:sldMk cId="1893828342" sldId="257"/>
-            <ac:spMk id="54" creationId="{9C597F3A-2615-AE21-237C-9817C1D1D401}"/>
-          </ac:spMkLst>
-        </pc:spChg>
-        <pc:spChg chg="add del mod">
-          <ac:chgData name="明阳 阮" userId="a4dcf2889a22c6f9" providerId="LiveId" clId="{389D68A1-24FC-423B-B5DD-8195EC5F55C7}" dt="2023-10-26T03:21:53.197" v="3741" actId="478"/>
-          <ac:spMkLst>
-            <pc:docMk/>
-            <pc:sldMk cId="1893828342" sldId="257"/>
-            <ac:spMk id="55" creationId="{A8833602-4135-367F-2791-258192EEE594}"/>
-          </ac:spMkLst>
-        </pc:spChg>
-        <pc:spChg chg="add del mod">
-          <ac:chgData name="明阳 阮" userId="a4dcf2889a22c6f9" providerId="LiveId" clId="{389D68A1-24FC-423B-B5DD-8195EC5F55C7}" dt="2023-10-25T08:49:10.816" v="2700" actId="11529"/>
-          <ac:spMkLst>
-            <pc:docMk/>
-            <pc:sldMk cId="1893828342" sldId="257"/>
-            <ac:spMk id="58" creationId="{58172D52-A92F-53D7-14D3-477B99FC2F0E}"/>
-          </ac:spMkLst>
-        </pc:spChg>
-        <pc:spChg chg="add del mod">
-          <ac:chgData name="明阳 阮" userId="a4dcf2889a22c6f9" providerId="LiveId" clId="{389D68A1-24FC-423B-B5DD-8195EC5F55C7}" dt="2023-10-26T01:30:27.565" v="2870" actId="478"/>
-          <ac:spMkLst>
-            <pc:docMk/>
-            <pc:sldMk cId="1893828342" sldId="257"/>
-            <ac:spMk id="59" creationId="{25BB1767-2A7D-4569-A5BD-AF1397DAE805}"/>
-          </ac:spMkLst>
-        </pc:spChg>
-        <pc:spChg chg="add del mod">
-          <ac:chgData name="明阳 阮" userId="a4dcf2889a22c6f9" providerId="LiveId" clId="{389D68A1-24FC-423B-B5DD-8195EC5F55C7}" dt="2023-10-26T01:30:22.269" v="2869" actId="478"/>
-          <ac:spMkLst>
-            <pc:docMk/>
-            <pc:sldMk cId="1893828342" sldId="257"/>
-            <ac:spMk id="60" creationId="{962E16B6-3E3E-7AD6-F0BA-85542E84B77B}"/>
-          </ac:spMkLst>
-        </pc:spChg>
-        <pc:spChg chg="add del mod">
-          <ac:chgData name="明阳 阮" userId="a4dcf2889a22c6f9" providerId="LiveId" clId="{389D68A1-24FC-423B-B5DD-8195EC5F55C7}" dt="2023-10-26T03:27:34.267" v="3868" actId="478"/>
-          <ac:spMkLst>
-            <pc:docMk/>
-            <pc:sldMk cId="1893828342" sldId="257"/>
-            <ac:spMk id="74" creationId="{01D5DF73-16CD-FC2C-51A0-951373689B58}"/>
-          </ac:spMkLst>
-        </pc:spChg>
-        <pc:spChg chg="add mod">
-          <ac:chgData name="明阳 阮" userId="a4dcf2889a22c6f9" providerId="LiveId" clId="{389D68A1-24FC-423B-B5DD-8195EC5F55C7}" dt="2023-10-26T07:23:34.680" v="4031" actId="1036"/>
-          <ac:spMkLst>
-            <pc:docMk/>
-            <pc:sldMk cId="1893828342" sldId="257"/>
-            <ac:spMk id="75" creationId="{2377FFA6-3957-74D5-E50E-256FA3970FAE}"/>
-          </ac:spMkLst>
-        </pc:spChg>
-        <pc:grpChg chg="add del mod">
-          <ac:chgData name="明阳 阮" userId="a4dcf2889a22c6f9" providerId="LiveId" clId="{389D68A1-24FC-423B-B5DD-8195EC5F55C7}" dt="2023-10-26T03:23:29.233" v="3765" actId="165"/>
-          <ac:grpSpMkLst>
-            <pc:docMk/>
-            <pc:sldMk cId="1893828342" sldId="257"/>
-            <ac:grpSpMk id="56" creationId="{46E4BDE8-89C3-0E0B-6866-024EBB99802D}"/>
-          </ac:grpSpMkLst>
-        </pc:grpChg>
-        <pc:picChg chg="add mod topLvl modCrop">
-          <ac:chgData name="明阳 阮" userId="a4dcf2889a22c6f9" providerId="LiveId" clId="{389D68A1-24FC-423B-B5DD-8195EC5F55C7}" dt="2023-10-26T07:23:34.680" v="4031" actId="1036"/>
-          <ac:picMkLst>
-            <pc:docMk/>
-            <pc:sldMk cId="1893828342" sldId="257"/>
-            <ac:picMk id="21" creationId="{61084028-11C5-8264-707B-E023AF1078E9}"/>
-          </ac:picMkLst>
-        </pc:picChg>
-        <pc:picChg chg="add del mod ord">
-          <ac:chgData name="明阳 阮" userId="a4dcf2889a22c6f9" providerId="LiveId" clId="{389D68A1-24FC-423B-B5DD-8195EC5F55C7}" dt="2023-10-26T02:44:41.061" v="3239" actId="478"/>
-          <ac:picMkLst>
-            <pc:docMk/>
-            <pc:sldMk cId="1893828342" sldId="257"/>
-            <ac:picMk id="25" creationId="{1CB554E5-32F1-2252-4AD4-FA6DAA24E4A3}"/>
-          </ac:picMkLst>
-        </pc:picChg>
-        <pc:picChg chg="add del mod">
-          <ac:chgData name="明阳 阮" userId="a4dcf2889a22c6f9" providerId="LiveId" clId="{389D68A1-24FC-423B-B5DD-8195EC5F55C7}" dt="2023-10-26T02:47:36.727" v="3266" actId="478"/>
-          <ac:picMkLst>
-            <pc:docMk/>
-            <pc:sldMk cId="1893828342" sldId="257"/>
-            <ac:picMk id="35" creationId="{E7866764-5E68-4C3D-99FD-38AD819B0C15}"/>
-          </ac:picMkLst>
-        </pc:picChg>
-        <pc:cxnChg chg="add del mod">
-          <ac:chgData name="明阳 阮" userId="a4dcf2889a22c6f9" providerId="LiveId" clId="{389D68A1-24FC-423B-B5DD-8195EC5F55C7}" dt="2023-10-25T07:48:47.808" v="2388" actId="478"/>
-          <ac:cxnSpMkLst>
-            <pc:docMk/>
-            <pc:sldMk cId="1893828342" sldId="257"/>
-            <ac:cxnSpMk id="7" creationId="{46D13C9B-0902-F41F-555A-837E144B9512}"/>
-          </ac:cxnSpMkLst>
-        </pc:cxnChg>
-        <pc:cxnChg chg="add del mod">
-          <ac:chgData name="明阳 阮" userId="a4dcf2889a22c6f9" providerId="LiveId" clId="{389D68A1-24FC-423B-B5DD-8195EC5F55C7}" dt="2023-10-25T07:48:45.435" v="2387" actId="478"/>
-          <ac:cxnSpMkLst>
-            <pc:docMk/>
-            <pc:sldMk cId="1893828342" sldId="257"/>
-            <ac:cxnSpMk id="8" creationId="{35FC7793-302D-F779-D87B-D5AB909260CD}"/>
-          </ac:cxnSpMkLst>
-        </pc:cxnChg>
-        <pc:cxnChg chg="add del mod">
-          <ac:chgData name="明阳 阮" userId="a4dcf2889a22c6f9" providerId="LiveId" clId="{389D68A1-24FC-423B-B5DD-8195EC5F55C7}" dt="2023-10-26T02:52:24.538" v="3372" actId="478"/>
-          <ac:cxnSpMkLst>
-            <pc:docMk/>
-            <pc:sldMk cId="1893828342" sldId="257"/>
-            <ac:cxnSpMk id="9" creationId="{229B0443-36A8-EA1B-C8A3-DF7784800765}"/>
-          </ac:cxnSpMkLst>
-        </pc:cxnChg>
-        <pc:cxnChg chg="add mod">
-          <ac:chgData name="明阳 阮" userId="a4dcf2889a22c6f9" providerId="LiveId" clId="{389D68A1-24FC-423B-B5DD-8195EC5F55C7}" dt="2023-10-26T07:23:34.680" v="4031" actId="1036"/>
-          <ac:cxnSpMkLst>
-            <pc:docMk/>
-            <pc:sldMk cId="1893828342" sldId="257"/>
-            <ac:cxnSpMk id="26" creationId="{12CD8199-34A4-3362-CB4B-1BC08EABB2F6}"/>
-          </ac:cxnSpMkLst>
-        </pc:cxnChg>
-        <pc:cxnChg chg="add mod">
-          <ac:chgData name="明阳 阮" userId="a4dcf2889a22c6f9" providerId="LiveId" clId="{389D68A1-24FC-423B-B5DD-8195EC5F55C7}" dt="2023-10-26T07:23:34.680" v="4031" actId="1036"/>
-          <ac:cxnSpMkLst>
-            <pc:docMk/>
-            <pc:sldMk cId="1893828342" sldId="257"/>
-            <ac:cxnSpMk id="31" creationId="{3C6F8A78-F13F-C341-861D-0A7556D83A93}"/>
-          </ac:cxnSpMkLst>
-        </pc:cxnChg>
-        <pc:cxnChg chg="add del mod">
-          <ac:chgData name="明阳 阮" userId="a4dcf2889a22c6f9" providerId="LiveId" clId="{389D68A1-24FC-423B-B5DD-8195EC5F55C7}" dt="2023-10-26T02:51:04.842" v="3355" actId="478"/>
-          <ac:cxnSpMkLst>
-            <pc:docMk/>
-            <pc:sldMk cId="1893828342" sldId="257"/>
-            <ac:cxnSpMk id="39" creationId="{2B42D626-B8D6-1352-4E1D-84576A33016A}"/>
-          </ac:cxnSpMkLst>
-        </pc:cxnChg>
-        <pc:cxnChg chg="add del mod">
-          <ac:chgData name="明阳 阮" userId="a4dcf2889a22c6f9" providerId="LiveId" clId="{389D68A1-24FC-423B-B5DD-8195EC5F55C7}" dt="2023-10-25T08:48:33.081" v="2696" actId="478"/>
-          <ac:cxnSpMkLst>
-            <pc:docMk/>
-            <pc:sldMk cId="1893828342" sldId="257"/>
-            <ac:cxnSpMk id="50" creationId="{08456C79-3874-268C-63D6-2CFC9A6E2103}"/>
-          </ac:cxnSpMkLst>
-        </pc:cxnChg>
-        <pc:cxnChg chg="add del mod">
-          <ac:chgData name="明阳 阮" userId="a4dcf2889a22c6f9" providerId="LiveId" clId="{389D68A1-24FC-423B-B5DD-8195EC5F55C7}" dt="2023-10-25T08:52:17.605" v="2738" actId="478"/>
-          <ac:cxnSpMkLst>
-            <pc:docMk/>
-            <pc:sldMk cId="1893828342" sldId="257"/>
-            <ac:cxnSpMk id="61" creationId="{4DDE56D1-1300-CE66-43EA-9E24CA72DADA}"/>
-          </ac:cxnSpMkLst>
-        </pc:cxnChg>
-        <pc:cxnChg chg="add del mod">
-          <ac:chgData name="明阳 阮" userId="a4dcf2889a22c6f9" providerId="LiveId" clId="{389D68A1-24FC-423B-B5DD-8195EC5F55C7}" dt="2023-10-26T02:12:16.549" v="3029" actId="478"/>
-          <ac:cxnSpMkLst>
-            <pc:docMk/>
-            <pc:sldMk cId="1893828342" sldId="257"/>
-            <ac:cxnSpMk id="64" creationId="{6641C511-2EF5-B4F7-882F-93BAEA9D3127}"/>
-          </ac:cxnSpMkLst>
-        </pc:cxnChg>
-        <pc:cxnChg chg="add del mod">
-          <ac:chgData name="明阳 阮" userId="a4dcf2889a22c6f9" providerId="LiveId" clId="{389D68A1-24FC-423B-B5DD-8195EC5F55C7}" dt="2023-10-26T02:12:13.903" v="3028" actId="478"/>
-          <ac:cxnSpMkLst>
-            <pc:docMk/>
-            <pc:sldMk cId="1893828342" sldId="257"/>
-            <ac:cxnSpMk id="68" creationId="{27A724AC-6FDF-532F-E720-7D4D5E0C1C5F}"/>
-          </ac:cxnSpMkLst>
-        </pc:cxnChg>
-      </pc:sldChg>
-      <pc:sldChg chg="addSp delSp modSp new mod">
-        <pc:chgData name="明阳 阮" userId="a4dcf2889a22c6f9" providerId="LiveId" clId="{389D68A1-24FC-423B-B5DD-8195EC5F55C7}" dt="2023-10-26T03:31:28.460" v="3956" actId="20577"/>
-        <pc:sldMkLst>
-          <pc:docMk/>
-          <pc:sldMk cId="797801293" sldId="258"/>
-        </pc:sldMkLst>
-        <pc:spChg chg="add mod ord">
-          <ac:chgData name="明阳 阮" userId="a4dcf2889a22c6f9" providerId="LiveId" clId="{389D68A1-24FC-423B-B5DD-8195EC5F55C7}" dt="2023-10-26T03:13:30.432" v="3604" actId="207"/>
-          <ac:spMkLst>
-            <pc:docMk/>
-            <pc:sldMk cId="797801293" sldId="258"/>
-            <ac:spMk id="2" creationId="{4D880AD2-E537-A954-84E4-4A9356395A4A}"/>
-          </ac:spMkLst>
-        </pc:spChg>
-        <pc:spChg chg="add mod">
-          <ac:chgData name="明阳 阮" userId="a4dcf2889a22c6f9" providerId="LiveId" clId="{389D68A1-24FC-423B-B5DD-8195EC5F55C7}" dt="2023-10-26T03:11:52.222" v="3585" actId="1076"/>
-          <ac:spMkLst>
-            <pc:docMk/>
-            <pc:sldMk cId="797801293" sldId="258"/>
-            <ac:spMk id="3" creationId="{B1299366-59C1-94FA-41F3-12D8FF352B40}"/>
-          </ac:spMkLst>
-        </pc:spChg>
-        <pc:spChg chg="add del mod">
-          <ac:chgData name="明阳 阮" userId="a4dcf2889a22c6f9" providerId="LiveId" clId="{389D68A1-24FC-423B-B5DD-8195EC5F55C7}" dt="2023-10-23T03:12:40.534" v="381"/>
-          <ac:spMkLst>
-            <pc:docMk/>
-            <pc:sldMk cId="797801293" sldId="258"/>
-            <ac:spMk id="4" creationId="{CCC88D03-0372-F6EE-B54D-83DB62500B09}"/>
-          </ac:spMkLst>
-        </pc:spChg>
-        <pc:spChg chg="add mod">
-          <ac:chgData name="明阳 阮" userId="a4dcf2889a22c6f9" providerId="LiveId" clId="{389D68A1-24FC-423B-B5DD-8195EC5F55C7}" dt="2023-10-24T06:29:47.945" v="1869" actId="20577"/>
-          <ac:spMkLst>
-            <pc:docMk/>
-            <pc:sldMk cId="797801293" sldId="258"/>
-            <ac:spMk id="4" creationId="{EBA68A24-90FA-FAC0-8501-9F234EAF015A}"/>
-          </ac:spMkLst>
-        </pc:spChg>
-        <pc:spChg chg="add del mod">
-          <ac:chgData name="明阳 阮" userId="a4dcf2889a22c6f9" providerId="LiveId" clId="{389D68A1-24FC-423B-B5DD-8195EC5F55C7}" dt="2023-10-23T03:12:40.534" v="381"/>
-          <ac:spMkLst>
-            <pc:docMk/>
-            <pc:sldMk cId="797801293" sldId="258"/>
-            <ac:spMk id="5" creationId="{C92E7774-811D-A11A-24F4-FD28025E5910}"/>
-          </ac:spMkLst>
-        </pc:spChg>
-        <pc:spChg chg="add del mod">
-          <ac:chgData name="明阳 阮" userId="a4dcf2889a22c6f9" providerId="LiveId" clId="{389D68A1-24FC-423B-B5DD-8195EC5F55C7}" dt="2023-10-26T03:10:16.298" v="3556" actId="478"/>
-          <ac:spMkLst>
-            <pc:docMk/>
-            <pc:sldMk cId="797801293" sldId="258"/>
-            <ac:spMk id="6" creationId="{0DE2BD75-EACC-90B3-4723-3A6E9B7286C5}"/>
-          </ac:spMkLst>
-        </pc:spChg>
-        <pc:spChg chg="add del mod">
-          <ac:chgData name="明阳 阮" userId="a4dcf2889a22c6f9" providerId="LiveId" clId="{389D68A1-24FC-423B-B5DD-8195EC5F55C7}" dt="2023-10-24T06:55:41.743" v="2047" actId="478"/>
-          <ac:spMkLst>
-            <pc:docMk/>
-            <pc:sldMk cId="797801293" sldId="258"/>
-            <ac:spMk id="6" creationId="{2DE42A95-144B-382D-7097-7ADB3E0D8414}"/>
-          </ac:spMkLst>
-        </pc:spChg>
-        <pc:spChg chg="add del mod">
-          <ac:chgData name="明阳 阮" userId="a4dcf2889a22c6f9" providerId="LiveId" clId="{389D68A1-24FC-423B-B5DD-8195EC5F55C7}" dt="2023-10-26T01:11:36.726" v="2825"/>
-          <ac:spMkLst>
-            <pc:docMk/>
-            <pc:sldMk cId="797801293" sldId="258"/>
-            <ac:spMk id="7" creationId="{721C247A-1660-7123-5896-04F359994B7A}"/>
-          </ac:spMkLst>
-        </pc:spChg>
-        <pc:spChg chg="add del mod">
-          <ac:chgData name="明阳 阮" userId="a4dcf2889a22c6f9" providerId="LiveId" clId="{389D68A1-24FC-423B-B5DD-8195EC5F55C7}" dt="2023-10-23T03:12:40.534" v="381"/>
-          <ac:spMkLst>
-            <pc:docMk/>
-            <pc:sldMk cId="797801293" sldId="258"/>
-            <ac:spMk id="8" creationId="{0386D198-1470-7520-4BA0-921C21CDE85E}"/>
-          </ac:spMkLst>
-        </pc:spChg>
-        <pc:spChg chg="add mod">
-          <ac:chgData name="明阳 阮" userId="a4dcf2889a22c6f9" providerId="LiveId" clId="{389D68A1-24FC-423B-B5DD-8195EC5F55C7}" dt="2023-10-26T03:31:28.460" v="3956" actId="20577"/>
-          <ac:spMkLst>
-            <pc:docMk/>
-            <pc:sldMk cId="797801293" sldId="258"/>
-            <ac:spMk id="8" creationId="{1A226054-4BD7-B3FB-4F34-89D6619317F8}"/>
-          </ac:spMkLst>
-        </pc:spChg>
-        <pc:spChg chg="add del mod">
-          <ac:chgData name="明阳 阮" userId="a4dcf2889a22c6f9" providerId="LiveId" clId="{389D68A1-24FC-423B-B5DD-8195EC5F55C7}" dt="2023-10-23T03:12:40.534" v="381"/>
-          <ac:spMkLst>
-            <pc:docMk/>
-            <pc:sldMk cId="797801293" sldId="258"/>
-            <ac:spMk id="9" creationId="{2001083A-05A3-10D7-0ADF-00A50AE8F80E}"/>
-          </ac:spMkLst>
-        </pc:spChg>
-        <pc:spChg chg="add del mod">
-          <ac:chgData name="明阳 阮" userId="a4dcf2889a22c6f9" providerId="LiveId" clId="{389D68A1-24FC-423B-B5DD-8195EC5F55C7}" dt="2023-10-26T02:58:33.705" v="3429" actId="478"/>
-          <ac:spMkLst>
-            <pc:docMk/>
-            <pc:sldMk cId="797801293" sldId="258"/>
-            <ac:spMk id="9" creationId="{3B1D678D-B1C5-8E14-7F2E-B835FE21F09C}"/>
-          </ac:spMkLst>
-        </pc:spChg>
-        <pc:spChg chg="add del mod">
-          <ac:chgData name="明阳 阮" userId="a4dcf2889a22c6f9" providerId="LiveId" clId="{389D68A1-24FC-423B-B5DD-8195EC5F55C7}" dt="2023-10-23T03:12:40.534" v="381"/>
-          <ac:spMkLst>
-            <pc:docMk/>
-            <pc:sldMk cId="797801293" sldId="258"/>
-            <ac:spMk id="11" creationId="{6A9E97CB-3266-804C-DBAB-C1D527B285D9}"/>
-          </ac:spMkLst>
-        </pc:spChg>
-        <pc:spChg chg="add del mod">
-          <ac:chgData name="明阳 阮" userId="a4dcf2889a22c6f9" providerId="LiveId" clId="{389D68A1-24FC-423B-B5DD-8195EC5F55C7}" dt="2023-10-26T02:58:33.705" v="3429" actId="478"/>
-          <ac:spMkLst>
-            <pc:docMk/>
-            <pc:sldMk cId="797801293" sldId="258"/>
-            <ac:spMk id="12" creationId="{2AF62C18-8BB5-15B1-E459-67BF575C3152}"/>
-          </ac:spMkLst>
-        </pc:spChg>
-        <pc:spChg chg="add del mod">
-          <ac:chgData name="明阳 阮" userId="a4dcf2889a22c6f9" providerId="LiveId" clId="{389D68A1-24FC-423B-B5DD-8195EC5F55C7}" dt="2023-10-23T03:12:40.534" v="381"/>
-          <ac:spMkLst>
-            <pc:docMk/>
-            <pc:sldMk cId="797801293" sldId="258"/>
-            <ac:spMk id="12" creationId="{46FFE9B6-A2F8-4A7E-B882-1CF8CD95EFFF}"/>
-          </ac:spMkLst>
-        </pc:spChg>
-        <pc:spChg chg="add del mod">
-          <ac:chgData name="明阳 阮" userId="a4dcf2889a22c6f9" providerId="LiveId" clId="{389D68A1-24FC-423B-B5DD-8195EC5F55C7}" dt="2023-10-23T03:12:40.534" v="381"/>
-          <ac:spMkLst>
-            <pc:docMk/>
-            <pc:sldMk cId="797801293" sldId="258"/>
-            <ac:spMk id="13" creationId="{B2731242-E395-8F73-6DE8-96FD9538ED75}"/>
-          </ac:spMkLst>
-        </pc:spChg>
-        <pc:spChg chg="add del mod">
-          <ac:chgData name="明阳 阮" userId="a4dcf2889a22c6f9" providerId="LiveId" clId="{389D68A1-24FC-423B-B5DD-8195EC5F55C7}" dt="2023-10-26T03:11:20.590" v="3576" actId="1076"/>
-          <ac:spMkLst>
-            <pc:docMk/>
-            <pc:sldMk cId="797801293" sldId="258"/>
-            <ac:spMk id="15" creationId="{F61AAEB1-93B9-1764-CAB4-4FAC38CF00E7}"/>
-          </ac:spMkLst>
-        </pc:spChg>
-        <pc:spChg chg="add del mod">
-          <ac:chgData name="明阳 阮" userId="a4dcf2889a22c6f9" providerId="LiveId" clId="{389D68A1-24FC-423B-B5DD-8195EC5F55C7}" dt="2023-10-23T03:12:40.534" v="381"/>
-          <ac:spMkLst>
-            <pc:docMk/>
-            <pc:sldMk cId="797801293" sldId="258"/>
-            <ac:spMk id="16" creationId="{0F40E9FE-0342-A22E-9413-8AC14CC06756}"/>
-          </ac:spMkLst>
-        </pc:spChg>
-        <pc:spChg chg="add del mod">
-          <ac:chgData name="明阳 阮" userId="a4dcf2889a22c6f9" providerId="LiveId" clId="{389D68A1-24FC-423B-B5DD-8195EC5F55C7}" dt="2023-10-26T02:58:33.705" v="3429" actId="478"/>
-          <ac:spMkLst>
-            <pc:docMk/>
-            <pc:sldMk cId="797801293" sldId="258"/>
-            <ac:spMk id="17" creationId="{12D282FF-2511-39A0-56BB-DDD2AABC8B9D}"/>
-          </ac:spMkLst>
-        </pc:spChg>
-        <pc:spChg chg="add del mod">
-          <ac:chgData name="明阳 阮" userId="a4dcf2889a22c6f9" providerId="LiveId" clId="{389D68A1-24FC-423B-B5DD-8195EC5F55C7}" dt="2023-10-23T03:12:40.534" v="381"/>
-          <ac:spMkLst>
-            <pc:docMk/>
-            <pc:sldMk cId="797801293" sldId="258"/>
-            <ac:spMk id="17" creationId="{9EC98250-93F1-93C4-7A59-40811405830F}"/>
-          </ac:spMkLst>
-        </pc:spChg>
-        <pc:spChg chg="add del mod ord">
-          <ac:chgData name="明阳 阮" userId="a4dcf2889a22c6f9" providerId="LiveId" clId="{389D68A1-24FC-423B-B5DD-8195EC5F55C7}" dt="2023-10-26T02:09:22.374" v="2998" actId="478"/>
-          <ac:spMkLst>
-            <pc:docMk/>
-            <pc:sldMk cId="797801293" sldId="258"/>
-            <ac:spMk id="18" creationId="{C6AA72E0-8511-99A7-3CD9-5A3219D44214}"/>
-          </ac:spMkLst>
-        </pc:spChg>
-        <pc:spChg chg="add del mod">
-          <ac:chgData name="明阳 阮" userId="a4dcf2889a22c6f9" providerId="LiveId" clId="{389D68A1-24FC-423B-B5DD-8195EC5F55C7}" dt="2023-10-23T03:12:40.534" v="381"/>
-          <ac:spMkLst>
-            <pc:docMk/>
-            <pc:sldMk cId="797801293" sldId="258"/>
-            <ac:spMk id="18" creationId="{CA67B864-B16E-74AD-B6C4-970066297AAD}"/>
-          </ac:spMkLst>
-        </pc:spChg>
-        <pc:spChg chg="add del mod">
-          <ac:chgData name="明阳 阮" userId="a4dcf2889a22c6f9" providerId="LiveId" clId="{389D68A1-24FC-423B-B5DD-8195EC5F55C7}" dt="2023-10-26T02:58:33.705" v="3429" actId="478"/>
-          <ac:spMkLst>
-            <pc:docMk/>
-            <pc:sldMk cId="797801293" sldId="258"/>
-            <ac:spMk id="19" creationId="{2CF676FF-1C39-1F2B-81A5-4C5853B17D48}"/>
-          </ac:spMkLst>
-        </pc:spChg>
-        <pc:spChg chg="add del mod">
-          <ac:chgData name="明阳 阮" userId="a4dcf2889a22c6f9" providerId="LiveId" clId="{389D68A1-24FC-423B-B5DD-8195EC5F55C7}" dt="2023-10-23T03:12:40.534" v="381"/>
-          <ac:spMkLst>
-            <pc:docMk/>
-            <pc:sldMk cId="797801293" sldId="258"/>
-            <ac:spMk id="19" creationId="{DEFE6354-89BE-1F8C-3B09-D20160D35EAF}"/>
-          </ac:spMkLst>
-        </pc:spChg>
-        <pc:spChg chg="add mod ord">
-          <ac:chgData name="明阳 阮" userId="a4dcf2889a22c6f9" providerId="LiveId" clId="{389D68A1-24FC-423B-B5DD-8195EC5F55C7}" dt="2023-10-26T03:12:00.993" v="3587" actId="1076"/>
-          <ac:spMkLst>
-            <pc:docMk/>
-            <pc:sldMk cId="797801293" sldId="258"/>
-            <ac:spMk id="20" creationId="{A8FF288F-11D3-5B33-1CF5-60DDD3AEC6C2}"/>
-          </ac:spMkLst>
-        </pc:spChg>
-        <pc:spChg chg="add mod">
-          <ac:chgData name="明阳 阮" userId="a4dcf2889a22c6f9" providerId="LiveId" clId="{389D68A1-24FC-423B-B5DD-8195EC5F55C7}" dt="2023-10-26T03:13:04.835" v="3598" actId="403"/>
-          <ac:spMkLst>
-            <pc:docMk/>
-            <pc:sldMk cId="797801293" sldId="258"/>
-            <ac:spMk id="21" creationId="{836AF82C-254D-0D79-3868-C2729F04B594}"/>
-          </ac:spMkLst>
-        </pc:spChg>
-        <pc:spChg chg="add mod">
-          <ac:chgData name="明阳 阮" userId="a4dcf2889a22c6f9" providerId="LiveId" clId="{389D68A1-24FC-423B-B5DD-8195EC5F55C7}" dt="2023-10-26T03:12:56.923" v="3595" actId="1076"/>
-          <ac:spMkLst>
-            <pc:docMk/>
-            <pc:sldMk cId="797801293" sldId="258"/>
-            <ac:spMk id="24" creationId="{10E1C3F6-DA89-2211-B2B4-839B64D29949}"/>
-          </ac:spMkLst>
-        </pc:spChg>
-        <pc:spChg chg="add del mod">
-          <ac:chgData name="明阳 阮" userId="a4dcf2889a22c6f9" providerId="LiveId" clId="{389D68A1-24FC-423B-B5DD-8195EC5F55C7}" dt="2023-10-26T02:58:33.705" v="3429" actId="478"/>
-          <ac:spMkLst>
-            <pc:docMk/>
-            <pc:sldMk cId="797801293" sldId="258"/>
-            <ac:spMk id="25" creationId="{16590684-7986-8791-1F77-C75C26A61698}"/>
-          </ac:spMkLst>
-        </pc:spChg>
-        <pc:spChg chg="add del mod">
-          <ac:chgData name="明阳 阮" userId="a4dcf2889a22c6f9" providerId="LiveId" clId="{389D68A1-24FC-423B-B5DD-8195EC5F55C7}" dt="2023-10-23T03:12:56.160" v="385" actId="478"/>
-          <ac:spMkLst>
-            <pc:docMk/>
-            <pc:sldMk cId="797801293" sldId="258"/>
-            <ac:spMk id="25" creationId="{E320923E-1B7E-7C01-50A7-21310E4462A4}"/>
-          </ac:spMkLst>
-        </pc:spChg>
-        <pc:spChg chg="add del mod">
-          <ac:chgData name="明阳 阮" userId="a4dcf2889a22c6f9" providerId="LiveId" clId="{389D68A1-24FC-423B-B5DD-8195EC5F55C7}" dt="2023-10-26T02:58:33.705" v="3429" actId="478"/>
-          <ac:spMkLst>
-            <pc:docMk/>
-            <pc:sldMk cId="797801293" sldId="258"/>
-            <ac:spMk id="26" creationId="{E8BE997A-5B5D-E021-48A5-AE5E5D373237}"/>
-          </ac:spMkLst>
-        </pc:spChg>
-        <pc:spChg chg="add del mod">
-          <ac:chgData name="明阳 阮" userId="a4dcf2889a22c6f9" providerId="LiveId" clId="{389D68A1-24FC-423B-B5DD-8195EC5F55C7}" dt="2023-10-23T03:12:59.177" v="387" actId="478"/>
-          <ac:spMkLst>
-            <pc:docMk/>
-            <pc:sldMk cId="797801293" sldId="258"/>
-            <ac:spMk id="27" creationId="{062194EC-ED09-CDBA-5DDB-A89E2365E0D1}"/>
-          </ac:spMkLst>
-        </pc:spChg>
-        <pc:spChg chg="add del mod">
-          <ac:chgData name="明阳 阮" userId="a4dcf2889a22c6f9" providerId="LiveId" clId="{389D68A1-24FC-423B-B5DD-8195EC5F55C7}" dt="2023-10-26T03:01:51.384" v="3470" actId="478"/>
-          <ac:spMkLst>
-            <pc:docMk/>
-            <pc:sldMk cId="797801293" sldId="258"/>
-            <ac:spMk id="27" creationId="{6D0779B5-96DB-63BA-476D-1FC3CE190D54}"/>
-          </ac:spMkLst>
-        </pc:spChg>
-        <pc:spChg chg="add mod">
-          <ac:chgData name="明阳 阮" userId="a4dcf2889a22c6f9" providerId="LiveId" clId="{389D68A1-24FC-423B-B5DD-8195EC5F55C7}" dt="2023-10-26T03:13:26.121" v="3603" actId="1076"/>
-          <ac:spMkLst>
-            <pc:docMk/>
-            <pc:sldMk cId="797801293" sldId="258"/>
-            <ac:spMk id="28" creationId="{C2BC1585-9874-AC8A-A7D7-150E2A733159}"/>
-          </ac:spMkLst>
-        </pc:spChg>
-        <pc:spChg chg="add del mod">
-          <ac:chgData name="明阳 阮" userId="a4dcf2889a22c6f9" providerId="LiveId" clId="{389D68A1-24FC-423B-B5DD-8195EC5F55C7}" dt="2023-10-26T02:58:33.705" v="3429" actId="478"/>
-          <ac:spMkLst>
-            <pc:docMk/>
-            <pc:sldMk cId="797801293" sldId="258"/>
-            <ac:spMk id="29" creationId="{36A1EC4E-EF62-0994-B039-D38A6A77DA80}"/>
-          </ac:spMkLst>
-        </pc:spChg>
-        <pc:spChg chg="add del mod">
-          <ac:chgData name="明阳 阮" userId="a4dcf2889a22c6f9" providerId="LiveId" clId="{389D68A1-24FC-423B-B5DD-8195EC5F55C7}" dt="2023-10-23T03:36:22.578" v="628" actId="478"/>
-          <ac:spMkLst>
-            <pc:docMk/>
-            <pc:sldMk cId="797801293" sldId="258"/>
-            <ac:spMk id="29" creationId="{49DDC675-EE99-76E8-DB19-EC26B159804C}"/>
-          </ac:spMkLst>
-        </pc:spChg>
-        <pc:spChg chg="add del mod ord">
-          <ac:chgData name="明阳 阮" userId="a4dcf2889a22c6f9" providerId="LiveId" clId="{389D68A1-24FC-423B-B5DD-8195EC5F55C7}" dt="2023-10-26T02:57:21.461" v="3426" actId="478"/>
-          <ac:spMkLst>
-            <pc:docMk/>
-            <pc:sldMk cId="797801293" sldId="258"/>
-            <ac:spMk id="30" creationId="{66DD5D89-60CC-19CF-1A3F-51305FA07E82}"/>
-          </ac:spMkLst>
-        </pc:spChg>
-        <pc:spChg chg="add del mod ord">
-          <ac:chgData name="明阳 阮" userId="a4dcf2889a22c6f9" providerId="LiveId" clId="{389D68A1-24FC-423B-B5DD-8195EC5F55C7}" dt="2023-10-26T02:57:24.111" v="3427" actId="478"/>
-          <ac:spMkLst>
-            <pc:docMk/>
-            <pc:sldMk cId="797801293" sldId="258"/>
-            <ac:spMk id="31" creationId="{115543B4-B7F6-6946-E8D0-9FE1E4AEF4C2}"/>
-          </ac:spMkLst>
-        </pc:spChg>
-        <pc:spChg chg="add del mod">
-          <ac:chgData name="明阳 阮" userId="a4dcf2889a22c6f9" providerId="LiveId" clId="{389D68A1-24FC-423B-B5DD-8195EC5F55C7}" dt="2023-10-26T03:01:04.128" v="3452" actId="478"/>
-          <ac:spMkLst>
-            <pc:docMk/>
-            <pc:sldMk cId="797801293" sldId="258"/>
-            <ac:spMk id="32" creationId="{92B0AB89-ECD2-EACE-0769-7354C04F0A4D}"/>
-          </ac:spMkLst>
-        </pc:spChg>
-        <pc:spChg chg="add del mod">
-          <ac:chgData name="明阳 阮" userId="a4dcf2889a22c6f9" providerId="LiveId" clId="{389D68A1-24FC-423B-B5DD-8195EC5F55C7}" dt="2023-10-23T03:35:19.078" v="609" actId="478"/>
-          <ac:spMkLst>
-            <pc:docMk/>
-            <pc:sldMk cId="797801293" sldId="258"/>
-            <ac:spMk id="32" creationId="{93B463D2-F2A3-5E23-8214-4DA760518CF0}"/>
-          </ac:spMkLst>
-        </pc:spChg>
-        <pc:spChg chg="add del mod">
-          <ac:chgData name="明阳 阮" userId="a4dcf2889a22c6f9" providerId="LiveId" clId="{389D68A1-24FC-423B-B5DD-8195EC5F55C7}" dt="2023-10-23T03:35:39.302" v="615" actId="478"/>
-          <ac:spMkLst>
-            <pc:docMk/>
-            <pc:sldMk cId="797801293" sldId="258"/>
-            <ac:spMk id="33" creationId="{2320DBCF-DBD9-BED0-3564-8CF5F55972F5}"/>
-          </ac:spMkLst>
-        </pc:spChg>
-        <pc:spChg chg="add del mod">
-          <ac:chgData name="明阳 阮" userId="a4dcf2889a22c6f9" providerId="LiveId" clId="{389D68A1-24FC-423B-B5DD-8195EC5F55C7}" dt="2023-10-26T03:01:08.487" v="3453" actId="478"/>
-          <ac:spMkLst>
-            <pc:docMk/>
-            <pc:sldMk cId="797801293" sldId="258"/>
-            <ac:spMk id="33" creationId="{34E74D17-ABB4-6272-21DD-EB8497DFA22B}"/>
-          </ac:spMkLst>
-        </pc:spChg>
-        <pc:spChg chg="add del mod">
-          <ac:chgData name="明阳 阮" userId="a4dcf2889a22c6f9" providerId="LiveId" clId="{389D68A1-24FC-423B-B5DD-8195EC5F55C7}" dt="2023-10-23T03:12:54.858" v="384" actId="478"/>
-          <ac:spMkLst>
-            <pc:docMk/>
-            <pc:sldMk cId="797801293" sldId="258"/>
-            <ac:spMk id="34" creationId="{B0E38874-712C-832A-9E4F-4D5BE81E1D34}"/>
-          </ac:spMkLst>
-        </pc:spChg>
-        <pc:spChg chg="add del mod">
-          <ac:chgData name="明阳 阮" userId="a4dcf2889a22c6f9" providerId="LiveId" clId="{389D68A1-24FC-423B-B5DD-8195EC5F55C7}" dt="2023-10-26T03:01:17.239" v="3455" actId="478"/>
-          <ac:spMkLst>
-            <pc:docMk/>
-            <pc:sldMk cId="797801293" sldId="258"/>
-            <ac:spMk id="34" creationId="{B8671473-A59D-3EA7-36A5-1557911DA1E2}"/>
-          </ac:spMkLst>
-        </pc:spChg>
-        <pc:spChg chg="add del mod">
-          <ac:chgData name="明阳 阮" userId="a4dcf2889a22c6f9" providerId="LiveId" clId="{389D68A1-24FC-423B-B5DD-8195EC5F55C7}" dt="2023-10-26T03:13:12.576" v="3600" actId="1076"/>
-          <ac:spMkLst>
-            <pc:docMk/>
-            <pc:sldMk cId="797801293" sldId="258"/>
-            <ac:spMk id="35" creationId="{4C9251C4-85AE-F956-A573-BB95E64385E8}"/>
-          </ac:spMkLst>
-        </pc:spChg>
-        <pc:spChg chg="add del mod">
-          <ac:chgData name="明阳 阮" userId="a4dcf2889a22c6f9" providerId="LiveId" clId="{389D68A1-24FC-423B-B5DD-8195EC5F55C7}" dt="2023-10-23T03:20:38.907" v="476" actId="21"/>
-          <ac:spMkLst>
-            <pc:docMk/>
-            <pc:sldMk cId="797801293" sldId="258"/>
-            <ac:spMk id="37" creationId="{40C8945A-C38D-93D5-52E0-BD2F2CE817F6}"/>
-          </ac:spMkLst>
-        </pc:spChg>
-        <pc:spChg chg="add del mod">
-          <ac:chgData name="明阳 阮" userId="a4dcf2889a22c6f9" providerId="LiveId" clId="{389D68A1-24FC-423B-B5DD-8195EC5F55C7}" dt="2023-10-23T03:15:58.372" v="444" actId="478"/>
-          <ac:spMkLst>
-            <pc:docMk/>
-            <pc:sldMk cId="797801293" sldId="258"/>
-            <ac:spMk id="38" creationId="{7E136732-EEAA-9AB0-B959-2DEA67F45510}"/>
-          </ac:spMkLst>
-        </pc:spChg>
-        <pc:spChg chg="add del mod">
-          <ac:chgData name="明阳 阮" userId="a4dcf2889a22c6f9" providerId="LiveId" clId="{389D68A1-24FC-423B-B5DD-8195EC5F55C7}" dt="2023-10-23T03:21:35.961" v="488" actId="478"/>
-          <ac:spMkLst>
-            <pc:docMk/>
-            <pc:sldMk cId="797801293" sldId="258"/>
-            <ac:spMk id="39" creationId="{07D86316-CFEF-ED68-ACAE-F6FC7C0B3414}"/>
-          </ac:spMkLst>
-        </pc:spChg>
-        <pc:spChg chg="add del mod">
-          <ac:chgData name="明阳 阮" userId="a4dcf2889a22c6f9" providerId="LiveId" clId="{389D68A1-24FC-423B-B5DD-8195EC5F55C7}" dt="2023-10-23T03:17:02.420" v="449" actId="478"/>
-          <ac:spMkLst>
-            <pc:docMk/>
-            <pc:sldMk cId="797801293" sldId="258"/>
-            <ac:spMk id="40" creationId="{1884A178-E243-4DE1-E96A-2B4DE2C2E82A}"/>
-          </ac:spMkLst>
-        </pc:spChg>
-        <pc:spChg chg="add del mod">
-          <ac:chgData name="明阳 阮" userId="a4dcf2889a22c6f9" providerId="LiveId" clId="{389D68A1-24FC-423B-B5DD-8195EC5F55C7}" dt="2023-10-23T03:17:47.377" v="457" actId="478"/>
-          <ac:spMkLst>
-            <pc:docMk/>
-            <pc:sldMk cId="797801293" sldId="258"/>
-            <ac:spMk id="41" creationId="{D695A33F-C9CB-DD74-8AA4-9AFC1FC0D164}"/>
-          </ac:spMkLst>
-        </pc:spChg>
-        <pc:spChg chg="add del mod">
-          <ac:chgData name="明阳 阮" userId="a4dcf2889a22c6f9" providerId="LiveId" clId="{389D68A1-24FC-423B-B5DD-8195EC5F55C7}" dt="2023-10-23T03:21:35.961" v="488" actId="478"/>
-          <ac:spMkLst>
-            <pc:docMk/>
-            <pc:sldMk cId="797801293" sldId="258"/>
-            <ac:spMk id="42" creationId="{867D0C2F-029A-86CD-40ED-6BF868A0EB6C}"/>
-          </ac:spMkLst>
-        </pc:spChg>
-        <pc:spChg chg="add del mod">
-          <ac:chgData name="明阳 阮" userId="a4dcf2889a22c6f9" providerId="LiveId" clId="{389D68A1-24FC-423B-B5DD-8195EC5F55C7}" dt="2023-10-23T03:20:38.907" v="476" actId="21"/>
-          <ac:spMkLst>
-            <pc:docMk/>
-            <pc:sldMk cId="797801293" sldId="258"/>
-            <ac:spMk id="43" creationId="{0B4C573B-0CBE-57D9-62D1-0D33EC423095}"/>
-          </ac:spMkLst>
-        </pc:spChg>
-        <pc:spChg chg="add mod">
-          <ac:chgData name="明阳 阮" userId="a4dcf2889a22c6f9" providerId="LiveId" clId="{389D68A1-24FC-423B-B5DD-8195EC5F55C7}" dt="2023-10-26T03:13:04.835" v="3598" actId="403"/>
-          <ac:spMkLst>
-            <pc:docMk/>
-            <pc:sldMk cId="797801293" sldId="258"/>
-            <ac:spMk id="43" creationId="{31DB4BE4-4F42-7DEA-3EDD-7D53FD9B6696}"/>
-          </ac:spMkLst>
-        </pc:spChg>
-        <pc:spChg chg="add del mod">
-          <ac:chgData name="明阳 阮" userId="a4dcf2889a22c6f9" providerId="LiveId" clId="{389D68A1-24FC-423B-B5DD-8195EC5F55C7}" dt="2023-10-23T03:20:38.907" v="476" actId="21"/>
-          <ac:spMkLst>
-            <pc:docMk/>
-            <pc:sldMk cId="797801293" sldId="258"/>
-            <ac:spMk id="44" creationId="{714F8AD4-A78B-1A41-73F3-7D73FCFC53A8}"/>
-          </ac:spMkLst>
-        </pc:spChg>
-        <pc:spChg chg="add mod">
-          <ac:chgData name="明阳 阮" userId="a4dcf2889a22c6f9" providerId="LiveId" clId="{389D68A1-24FC-423B-B5DD-8195EC5F55C7}" dt="2023-10-26T03:12:48.153" v="3593" actId="403"/>
-          <ac:spMkLst>
-            <pc:docMk/>
-            <pc:sldMk cId="797801293" sldId="258"/>
-            <ac:spMk id="44" creationId="{A1EDBE1A-2E92-ECA3-B95A-D15B1D33A7DD}"/>
-          </ac:spMkLst>
-        </pc:spChg>
-        <pc:spChg chg="add del mod">
-          <ac:chgData name="明阳 阮" userId="a4dcf2889a22c6f9" providerId="LiveId" clId="{389D68A1-24FC-423B-B5DD-8195EC5F55C7}" dt="2023-10-23T03:20:38.907" v="476" actId="21"/>
-          <ac:spMkLst>
-            <pc:docMk/>
-            <pc:sldMk cId="797801293" sldId="258"/>
-            <ac:spMk id="45" creationId="{F697825D-3C90-E0A3-0A24-4540B9F2E64E}"/>
-          </ac:spMkLst>
-        </pc:spChg>
-        <pc:spChg chg="add del mod">
-          <ac:chgData name="明阳 阮" userId="a4dcf2889a22c6f9" providerId="LiveId" clId="{389D68A1-24FC-423B-B5DD-8195EC5F55C7}" dt="2023-10-23T03:20:38.907" v="476" actId="21"/>
-          <ac:spMkLst>
-            <pc:docMk/>
-            <pc:sldMk cId="797801293" sldId="258"/>
-            <ac:spMk id="46" creationId="{2FF2DF7B-9594-4BDE-27AA-03F4D2379422}"/>
-          </ac:spMkLst>
-        </pc:spChg>
-        <pc:spChg chg="add del mod">
-          <ac:chgData name="明阳 阮" userId="a4dcf2889a22c6f9" providerId="LiveId" clId="{389D68A1-24FC-423B-B5DD-8195EC5F55C7}" dt="2023-10-23T03:20:38.907" v="476" actId="21"/>
-          <ac:spMkLst>
-            <pc:docMk/>
-            <pc:sldMk cId="797801293" sldId="258"/>
-            <ac:spMk id="48" creationId="{99405CC9-EDEC-DF8B-7D7B-D342257D1CE8}"/>
-          </ac:spMkLst>
-        </pc:spChg>
-        <pc:spChg chg="add del mod">
-          <ac:chgData name="明阳 阮" userId="a4dcf2889a22c6f9" providerId="LiveId" clId="{389D68A1-24FC-423B-B5DD-8195EC5F55C7}" dt="2023-10-23T03:20:38.907" v="476" actId="21"/>
-          <ac:spMkLst>
-            <pc:docMk/>
-            <pc:sldMk cId="797801293" sldId="258"/>
-            <ac:spMk id="49" creationId="{E16F77EA-F8E7-ADA0-9E3B-B8C35B9EE8E3}"/>
-          </ac:spMkLst>
-        </pc:spChg>
-        <pc:spChg chg="add del mod">
-          <ac:chgData name="明阳 阮" userId="a4dcf2889a22c6f9" providerId="LiveId" clId="{389D68A1-24FC-423B-B5DD-8195EC5F55C7}" dt="2023-10-23T03:18:54.162" v="473" actId="478"/>
-          <ac:spMkLst>
-            <pc:docMk/>
-            <pc:sldMk cId="797801293" sldId="258"/>
-            <ac:spMk id="50" creationId="{1748E532-2C1C-80B3-AC2C-03AE3B8E63E0}"/>
-          </ac:spMkLst>
-        </pc:spChg>
-        <pc:spChg chg="add del mod">
-          <ac:chgData name="明阳 阮" userId="a4dcf2889a22c6f9" providerId="LiveId" clId="{389D68A1-24FC-423B-B5DD-8195EC5F55C7}" dt="2023-10-23T03:20:38.907" v="476" actId="21"/>
-          <ac:spMkLst>
-            <pc:docMk/>
-            <pc:sldMk cId="797801293" sldId="258"/>
-            <ac:spMk id="51" creationId="{CB7CC108-C943-68B1-D290-02D732FF3258}"/>
-          </ac:spMkLst>
-        </pc:spChg>
-        <pc:spChg chg="add del mod">
-          <ac:chgData name="明阳 阮" userId="a4dcf2889a22c6f9" providerId="LiveId" clId="{389D68A1-24FC-423B-B5DD-8195EC5F55C7}" dt="2023-10-23T03:20:38.907" v="476" actId="21"/>
-          <ac:spMkLst>
-            <pc:docMk/>
-            <pc:sldMk cId="797801293" sldId="258"/>
-            <ac:spMk id="52" creationId="{CBB0DDB3-0BE1-726B-B5A2-E4B9255C4393}"/>
-          </ac:spMkLst>
-        </pc:spChg>
-        <pc:spChg chg="add del mod">
-          <ac:chgData name="明阳 阮" userId="a4dcf2889a22c6f9" providerId="LiveId" clId="{389D68A1-24FC-423B-B5DD-8195EC5F55C7}" dt="2023-10-23T03:20:38.907" v="476" actId="21"/>
-          <ac:spMkLst>
-            <pc:docMk/>
-            <pc:sldMk cId="797801293" sldId="258"/>
-            <ac:spMk id="53" creationId="{5EEDC053-960E-DBF7-ECFF-DA673583EEF4}"/>
-          </ac:spMkLst>
-        </pc:spChg>
-        <pc:spChg chg="add del mod">
-          <ac:chgData name="明阳 阮" userId="a4dcf2889a22c6f9" providerId="LiveId" clId="{389D68A1-24FC-423B-B5DD-8195EC5F55C7}" dt="2023-10-23T03:20:38.907" v="476" actId="21"/>
-          <ac:spMkLst>
-            <pc:docMk/>
-            <pc:sldMk cId="797801293" sldId="258"/>
-            <ac:spMk id="54" creationId="{866DED86-559E-A34A-31CD-3AAF894B1411}"/>
-          </ac:spMkLst>
-        </pc:spChg>
-        <pc:spChg chg="add del mod">
-          <ac:chgData name="明阳 阮" userId="a4dcf2889a22c6f9" providerId="LiveId" clId="{389D68A1-24FC-423B-B5DD-8195EC5F55C7}" dt="2023-10-23T03:20:38.907" v="476" actId="21"/>
-          <ac:spMkLst>
-            <pc:docMk/>
-            <pc:sldMk cId="797801293" sldId="258"/>
-            <ac:spMk id="56" creationId="{62B6D363-E195-7A93-AC8A-5446B5F4D8C1}"/>
-          </ac:spMkLst>
-        </pc:spChg>
-        <pc:spChg chg="add del mod">
-          <ac:chgData name="明阳 阮" userId="a4dcf2889a22c6f9" providerId="LiveId" clId="{389D68A1-24FC-423B-B5DD-8195EC5F55C7}" dt="2023-10-23T03:20:38.907" v="476" actId="21"/>
-          <ac:spMkLst>
-            <pc:docMk/>
-            <pc:sldMk cId="797801293" sldId="258"/>
-            <ac:spMk id="57" creationId="{8B3EB7F0-7C45-F718-75C8-EA81FE2974D2}"/>
-          </ac:spMkLst>
-        </pc:spChg>
-        <pc:spChg chg="add mod">
-          <ac:chgData name="明阳 阮" userId="a4dcf2889a22c6f9" providerId="LiveId" clId="{389D68A1-24FC-423B-B5DD-8195EC5F55C7}" dt="2023-10-25T07:21:16.416" v="2139" actId="20577"/>
-          <ac:spMkLst>
-            <pc:docMk/>
-            <pc:sldMk cId="797801293" sldId="258"/>
-            <ac:spMk id="58" creationId="{679BF32B-065A-50D5-18E4-658CB212CA93}"/>
-          </ac:spMkLst>
-        </pc:spChg>
-        <pc:spChg chg="add del mod">
-          <ac:chgData name="明阳 阮" userId="a4dcf2889a22c6f9" providerId="LiveId" clId="{389D68A1-24FC-423B-B5DD-8195EC5F55C7}" dt="2023-10-23T03:27:14.438" v="569" actId="478"/>
-          <ac:spMkLst>
-            <pc:docMk/>
-            <pc:sldMk cId="797801293" sldId="258"/>
-            <ac:spMk id="59" creationId="{FA99F821-231A-F74F-C27E-7E70D65E732C}"/>
-          </ac:spMkLst>
-        </pc:spChg>
-        <pc:spChg chg="add del mod">
-          <ac:chgData name="明阳 阮" userId="a4dcf2889a22c6f9" providerId="LiveId" clId="{389D68A1-24FC-423B-B5DD-8195EC5F55C7}" dt="2023-10-23T04:14:50.808" v="681" actId="478"/>
-          <ac:spMkLst>
-            <pc:docMk/>
-            <pc:sldMk cId="797801293" sldId="258"/>
-            <ac:spMk id="60" creationId="{84573270-4685-C68B-12A5-BB270549EA61}"/>
-          </ac:spMkLst>
-        </pc:spChg>
-        <pc:spChg chg="add del mod">
-          <ac:chgData name="明阳 阮" userId="a4dcf2889a22c6f9" providerId="LiveId" clId="{389D68A1-24FC-423B-B5DD-8195EC5F55C7}" dt="2023-10-23T04:14:38.930" v="661" actId="478"/>
-          <ac:spMkLst>
-            <pc:docMk/>
-            <pc:sldMk cId="797801293" sldId="258"/>
-            <ac:spMk id="67" creationId="{3842CB37-1D98-9F32-8D87-4A4CDAFE981C}"/>
-          </ac:spMkLst>
-        </pc:spChg>
-        <pc:spChg chg="add mod">
-          <ac:chgData name="明阳 阮" userId="a4dcf2889a22c6f9" providerId="LiveId" clId="{389D68A1-24FC-423B-B5DD-8195EC5F55C7}" dt="2023-10-24T06:29:14.337" v="1835" actId="20577"/>
-          <ac:spMkLst>
-            <pc:docMk/>
-            <pc:sldMk cId="797801293" sldId="258"/>
-            <ac:spMk id="68" creationId="{19C727C4-C16F-81DB-6250-84C71890BC73}"/>
-          </ac:spMkLst>
-        </pc:spChg>
-        <pc:spChg chg="add mod">
-          <ac:chgData name="明阳 阮" userId="a4dcf2889a22c6f9" providerId="LiveId" clId="{389D68A1-24FC-423B-B5DD-8195EC5F55C7}" dt="2023-10-26T03:15:07.096" v="3684" actId="12"/>
-          <ac:spMkLst>
-            <pc:docMk/>
-            <pc:sldMk cId="797801293" sldId="258"/>
-            <ac:spMk id="69" creationId="{F6387344-7FD2-2764-FFCB-1403E0C07395}"/>
-          </ac:spMkLst>
-        </pc:spChg>
-        <pc:spChg chg="add del mod">
-          <ac:chgData name="明阳 阮" userId="a4dcf2889a22c6f9" providerId="LiveId" clId="{389D68A1-24FC-423B-B5DD-8195EC5F55C7}" dt="2023-10-26T01:11:38.986" v="2826" actId="478"/>
-          <ac:spMkLst>
-            <pc:docMk/>
-            <pc:sldMk cId="797801293" sldId="258"/>
-            <ac:spMk id="70" creationId="{318AA371-AFEF-0E75-CCDD-8978E4B1DBB4}"/>
-          </ac:spMkLst>
-        </pc:spChg>
-        <pc:picChg chg="add del mod">
-          <ac:chgData name="明阳 阮" userId="a4dcf2889a22c6f9" providerId="LiveId" clId="{389D68A1-24FC-423B-B5DD-8195EC5F55C7}" dt="2023-10-26T03:10:16.650" v="3557" actId="478"/>
-          <ac:picMkLst>
-            <pc:docMk/>
-            <pc:sldMk cId="797801293" sldId="258"/>
-            <ac:picMk id="5" creationId="{F0C2F569-CB7D-39F5-28DE-C83561152763}"/>
-          </ac:picMkLst>
-        </pc:picChg>
-        <pc:picChg chg="add del mod ord">
-          <ac:chgData name="明阳 阮" userId="a4dcf2889a22c6f9" providerId="LiveId" clId="{389D68A1-24FC-423B-B5DD-8195EC5F55C7}" dt="2023-10-26T03:11:03.484" v="3571" actId="478"/>
-          <ac:picMkLst>
-            <pc:docMk/>
-            <pc:sldMk cId="797801293" sldId="258"/>
-            <ac:picMk id="45" creationId="{2B21F652-E99D-BB4D-EF65-E6FF2F5B77B8}"/>
-          </ac:picMkLst>
-        </pc:picChg>
-        <pc:picChg chg="add mod ord">
-          <ac:chgData name="明阳 阮" userId="a4dcf2889a22c6f9" providerId="LiveId" clId="{389D68A1-24FC-423B-B5DD-8195EC5F55C7}" dt="2023-10-26T03:11:14.090" v="3575" actId="1076"/>
-          <ac:picMkLst>
-            <pc:docMk/>
-            <pc:sldMk cId="797801293" sldId="258"/>
-            <ac:picMk id="47" creationId="{35723FE9-1EC3-3299-DB11-F6D124DB0762}"/>
-          </ac:picMkLst>
-        </pc:picChg>
-        <pc:picChg chg="add del mod modCrop">
-          <ac:chgData name="明阳 阮" userId="a4dcf2889a22c6f9" providerId="LiveId" clId="{389D68A1-24FC-423B-B5DD-8195EC5F55C7}" dt="2023-10-23T03:29:49.392" v="581" actId="21"/>
-          <ac:picMkLst>
-            <pc:docMk/>
-            <pc:sldMk cId="797801293" sldId="258"/>
-            <ac:picMk id="62" creationId="{DD2F987E-C6B7-AD73-E23F-30C58AE1DAC7}"/>
-          </ac:picMkLst>
-        </pc:picChg>
-        <pc:cxnChg chg="add del mod">
-          <ac:chgData name="明阳 阮" userId="a4dcf2889a22c6f9" providerId="LiveId" clId="{389D68A1-24FC-423B-B5DD-8195EC5F55C7}" dt="2023-10-23T03:12:40.534" v="381"/>
-          <ac:cxnSpMkLst>
-            <pc:docMk/>
-            <pc:sldMk cId="797801293" sldId="258"/>
-            <ac:cxnSpMk id="6" creationId="{5110CF40-55BE-89BA-2D34-2B539C27E1AE}"/>
-          </ac:cxnSpMkLst>
-        </pc:cxnChg>
-        <pc:cxnChg chg="add del mod">
-          <ac:chgData name="明阳 阮" userId="a4dcf2889a22c6f9" providerId="LiveId" clId="{389D68A1-24FC-423B-B5DD-8195EC5F55C7}" dt="2023-10-23T03:12:40.534" v="381"/>
-          <ac:cxnSpMkLst>
-            <pc:docMk/>
-            <pc:sldMk cId="797801293" sldId="258"/>
-            <ac:cxnSpMk id="7" creationId="{064FCF0F-860E-E946-1FAE-E12DCF97A6D1}"/>
-          </ac:cxnSpMkLst>
-        </pc:cxnChg>
-        <pc:cxnChg chg="add del">
-          <ac:chgData name="明阳 阮" userId="a4dcf2889a22c6f9" providerId="LiveId" clId="{389D68A1-24FC-423B-B5DD-8195EC5F55C7}" dt="2023-10-24T06:56:01.517" v="2051" actId="478"/>
-          <ac:cxnSpMkLst>
-            <pc:docMk/>
-            <pc:sldMk cId="797801293" sldId="258"/>
-            <ac:cxnSpMk id="8" creationId="{2FCCA2A9-71CF-25DB-5197-60095B1CA5FC}"/>
-          </ac:cxnSpMkLst>
-        </pc:cxnChg>
-        <pc:cxnChg chg="add mod">
-          <ac:chgData name="明阳 阮" userId="a4dcf2889a22c6f9" providerId="LiveId" clId="{389D68A1-24FC-423B-B5DD-8195EC5F55C7}" dt="2023-10-26T03:11:48.071" v="3583" actId="14100"/>
-          <ac:cxnSpMkLst>
-            <pc:docMk/>
-            <pc:sldMk cId="797801293" sldId="258"/>
-            <ac:cxnSpMk id="10" creationId="{570CD87D-65D0-4ABC-EE71-9ABCE475B697}"/>
-          </ac:cxnSpMkLst>
-        </pc:cxnChg>
-        <pc:cxnChg chg="add del mod">
-          <ac:chgData name="明阳 阮" userId="a4dcf2889a22c6f9" providerId="LiveId" clId="{389D68A1-24FC-423B-B5DD-8195EC5F55C7}" dt="2023-10-23T03:12:40.534" v="381"/>
-          <ac:cxnSpMkLst>
-            <pc:docMk/>
-            <pc:sldMk cId="797801293" sldId="258"/>
-            <ac:cxnSpMk id="10" creationId="{92F20C93-7CED-FD5F-9C13-3F6AA4E026D7}"/>
-          </ac:cxnSpMkLst>
-        </pc:cxnChg>
-        <pc:cxnChg chg="add mod">
-          <ac:chgData name="明阳 阮" userId="a4dcf2889a22c6f9" providerId="LiveId" clId="{389D68A1-24FC-423B-B5DD-8195EC5F55C7}" dt="2023-10-26T03:11:50.286" v="3584" actId="14100"/>
-          <ac:cxnSpMkLst>
-            <pc:docMk/>
-            <pc:sldMk cId="797801293" sldId="258"/>
-            <ac:cxnSpMk id="11" creationId="{314C23F8-0120-8D6C-C366-EFBF74C2E356}"/>
-          </ac:cxnSpMkLst>
-        </pc:cxnChg>
-        <pc:cxnChg chg="add del mod">
-          <ac:chgData name="明阳 阮" userId="a4dcf2889a22c6f9" providerId="LiveId" clId="{389D68A1-24FC-423B-B5DD-8195EC5F55C7}" dt="2023-10-23T03:12:40.534" v="381"/>
-          <ac:cxnSpMkLst>
-            <pc:docMk/>
-            <pc:sldMk cId="797801293" sldId="258"/>
-            <ac:cxnSpMk id="14" creationId="{5E8BEE0E-D4C8-56E5-C3C8-9EA82879AF58}"/>
-          </ac:cxnSpMkLst>
-        </pc:cxnChg>
-        <pc:cxnChg chg="add del mod">
-          <ac:chgData name="明阳 阮" userId="a4dcf2889a22c6f9" providerId="LiveId" clId="{389D68A1-24FC-423B-B5DD-8195EC5F55C7}" dt="2023-10-26T02:09:32.983" v="3000" actId="478"/>
-          <ac:cxnSpMkLst>
-            <pc:docMk/>
-            <pc:sldMk cId="797801293" sldId="258"/>
-            <ac:cxnSpMk id="14" creationId="{FC55E21C-06ED-0243-AC14-6F595F51629B}"/>
-          </ac:cxnSpMkLst>
-        </pc:cxnChg>
-        <pc:cxnChg chg="add del mod">
-          <ac:chgData name="明阳 阮" userId="a4dcf2889a22c6f9" providerId="LiveId" clId="{389D68A1-24FC-423B-B5DD-8195EC5F55C7}" dt="2023-10-23T03:12:40.534" v="381"/>
-          <ac:cxnSpMkLst>
-            <pc:docMk/>
-            <pc:sldMk cId="797801293" sldId="258"/>
-            <ac:cxnSpMk id="15" creationId="{829FA796-657F-43CF-3F92-CB1F4FEF6CF5}"/>
-          </ac:cxnSpMkLst>
-        </pc:cxnChg>
-        <pc:cxnChg chg="add mod">
-          <ac:chgData name="明阳 阮" userId="a4dcf2889a22c6f9" providerId="LiveId" clId="{389D68A1-24FC-423B-B5DD-8195EC5F55C7}" dt="2023-10-26T03:12:59.025" v="3596" actId="1076"/>
-          <ac:cxnSpMkLst>
-            <pc:docMk/>
-            <pc:sldMk cId="797801293" sldId="258"/>
-            <ac:cxnSpMk id="22" creationId="{E6B6F740-CECE-9418-6741-D4B1E3594A73}"/>
-          </ac:cxnSpMkLst>
-        </pc:cxnChg>
-        <pc:cxnChg chg="add mod">
-          <ac:chgData name="明阳 阮" userId="a4dcf2889a22c6f9" providerId="LiveId" clId="{389D68A1-24FC-423B-B5DD-8195EC5F55C7}" dt="2023-10-26T03:13:24.285" v="3602" actId="1076"/>
-          <ac:cxnSpMkLst>
-            <pc:docMk/>
-            <pc:sldMk cId="797801293" sldId="258"/>
-            <ac:cxnSpMk id="23" creationId="{747F8288-3A10-EF4A-4F8C-1873DF227B8E}"/>
-          </ac:cxnSpMkLst>
-        </pc:cxnChg>
-        <pc:cxnChg chg="add del mod">
-          <ac:chgData name="明阳 阮" userId="a4dcf2889a22c6f9" providerId="LiveId" clId="{389D68A1-24FC-423B-B5DD-8195EC5F55C7}" dt="2023-10-23T03:13:13.613" v="392" actId="478"/>
-          <ac:cxnSpMkLst>
-            <pc:docMk/>
-            <pc:sldMk cId="797801293" sldId="258"/>
-            <ac:cxnSpMk id="26" creationId="{227BCFF6-FFA2-700A-AEA2-03406143C2A9}"/>
-          </ac:cxnSpMkLst>
-        </pc:cxnChg>
-        <pc:cxnChg chg="add del mod">
-          <ac:chgData name="明阳 阮" userId="a4dcf2889a22c6f9" providerId="LiveId" clId="{389D68A1-24FC-423B-B5DD-8195EC5F55C7}" dt="2023-10-23T03:13:05.356" v="390" actId="478"/>
-          <ac:cxnSpMkLst>
-            <pc:docMk/>
-            <pc:sldMk cId="797801293" sldId="258"/>
-            <ac:cxnSpMk id="30" creationId="{3FA30118-27EF-CB66-5A78-696D0AD00C87}"/>
-          </ac:cxnSpMkLst>
-        </pc:cxnChg>
-        <pc:cxnChg chg="add del mod">
-          <ac:chgData name="明阳 阮" userId="a4dcf2889a22c6f9" providerId="LiveId" clId="{389D68A1-24FC-423B-B5DD-8195EC5F55C7}" dt="2023-10-23T03:12:57.471" v="386" actId="478"/>
-          <ac:cxnSpMkLst>
-            <pc:docMk/>
-            <pc:sldMk cId="797801293" sldId="258"/>
-            <ac:cxnSpMk id="31" creationId="{26096A58-CB0B-8467-3375-39F7F29025C1}"/>
-          </ac:cxnSpMkLst>
-        </pc:cxnChg>
-        <pc:cxnChg chg="add mod">
-          <ac:chgData name="明阳 阮" userId="a4dcf2889a22c6f9" providerId="LiveId" clId="{389D68A1-24FC-423B-B5DD-8195EC5F55C7}" dt="2023-10-26T03:13:15.244" v="3601" actId="1076"/>
-          <ac:cxnSpMkLst>
-            <pc:docMk/>
-            <pc:sldMk cId="797801293" sldId="258"/>
-            <ac:cxnSpMk id="36" creationId="{49624380-2F57-CACF-A8D7-3A65D68D67AE}"/>
-          </ac:cxnSpMkLst>
-        </pc:cxnChg>
-        <pc:cxnChg chg="add del mod">
-          <ac:chgData name="明阳 阮" userId="a4dcf2889a22c6f9" providerId="LiveId" clId="{389D68A1-24FC-423B-B5DD-8195EC5F55C7}" dt="2023-10-23T03:20:38.907" v="476" actId="21"/>
-          <ac:cxnSpMkLst>
-            <pc:docMk/>
-            <pc:sldMk cId="797801293" sldId="258"/>
-            <ac:cxnSpMk id="47" creationId="{5A1A4C17-BF3F-F419-BAB5-8FAE4BF5AE40}"/>
-          </ac:cxnSpMkLst>
-        </pc:cxnChg>
-        <pc:cxnChg chg="add del mod">
-          <ac:chgData name="明阳 阮" userId="a4dcf2889a22c6f9" providerId="LiveId" clId="{389D68A1-24FC-423B-B5DD-8195EC5F55C7}" dt="2023-10-23T03:20:38.907" v="476" actId="21"/>
-          <ac:cxnSpMkLst>
-            <pc:docMk/>
-            <pc:sldMk cId="797801293" sldId="258"/>
-            <ac:cxnSpMk id="55" creationId="{89149EE7-B1A6-4EBE-E874-73FDDAD1036A}"/>
-          </ac:cxnSpMkLst>
-        </pc:cxnChg>
-      </pc:sldChg>
-      <pc:sldChg chg="addSp delSp modSp new mod ord">
-        <pc:chgData name="明阳 阮" userId="a4dcf2889a22c6f9" providerId="LiveId" clId="{389D68A1-24FC-423B-B5DD-8195EC5F55C7}" dt="2023-10-26T03:08:37.885" v="3551"/>
-        <pc:sldMkLst>
-          <pc:docMk/>
-          <pc:sldMk cId="3201725807" sldId="259"/>
-        </pc:sldMkLst>
-        <pc:spChg chg="add mod">
-          <ac:chgData name="明阳 阮" userId="a4dcf2889a22c6f9" providerId="LiveId" clId="{389D68A1-24FC-423B-B5DD-8195EC5F55C7}" dt="2023-10-26T01:11:46.583" v="2829"/>
-          <ac:spMkLst>
-            <pc:docMk/>
-            <pc:sldMk cId="3201725807" sldId="259"/>
-            <ac:spMk id="2" creationId="{02F56F8C-FB99-A29E-64E5-5717D4F46B3D}"/>
-          </ac:spMkLst>
-        </pc:spChg>
-        <pc:spChg chg="add del mod">
-          <ac:chgData name="明阳 阮" userId="a4dcf2889a22c6f9" providerId="LiveId" clId="{389D68A1-24FC-423B-B5DD-8195EC5F55C7}" dt="2023-10-23T03:20:49.201" v="479" actId="478"/>
-          <ac:spMkLst>
-            <pc:docMk/>
-            <pc:sldMk cId="3201725807" sldId="259"/>
-            <ac:spMk id="2" creationId="{3B6D3EA6-0980-908E-451A-99BCBA2EBB26}"/>
-          </ac:spMkLst>
-        </pc:spChg>
-        <pc:spChg chg="add del mod">
-          <ac:chgData name="明阳 阮" userId="a4dcf2889a22c6f9" providerId="LiveId" clId="{389D68A1-24FC-423B-B5DD-8195EC5F55C7}" dt="2023-10-25T08:57:05.390" v="2787"/>
-          <ac:spMkLst>
-            <pc:docMk/>
-            <pc:sldMk cId="3201725807" sldId="259"/>
-            <ac:spMk id="2" creationId="{EC850661-6E86-D2D2-AB83-CCEB3C75C4F7}"/>
-          </ac:spMkLst>
-        </pc:spChg>
-        <pc:spChg chg="add mod">
-          <ac:chgData name="明阳 阮" userId="a4dcf2889a22c6f9" providerId="LiveId" clId="{389D68A1-24FC-423B-B5DD-8195EC5F55C7}" dt="2023-10-23T04:28:11.962" v="1296" actId="1035"/>
-          <ac:spMkLst>
-            <pc:docMk/>
-            <pc:sldMk cId="3201725807" sldId="259"/>
-            <ac:spMk id="3" creationId="{0098309C-F60D-A64D-4497-96A9166A4418}"/>
-          </ac:spMkLst>
-        </pc:spChg>
-        <pc:spChg chg="add mod">
-          <ac:chgData name="明阳 阮" userId="a4dcf2889a22c6f9" providerId="LiveId" clId="{389D68A1-24FC-423B-B5DD-8195EC5F55C7}" dt="2023-10-26T03:07:55.700" v="3549" actId="207"/>
-          <ac:spMkLst>
-            <pc:docMk/>
-            <pc:sldMk cId="3201725807" sldId="259"/>
-            <ac:spMk id="4" creationId="{0713386E-3D87-F6E5-800D-3A2CD6834303}"/>
-          </ac:spMkLst>
-        </pc:spChg>
-        <pc:spChg chg="add mod">
-          <ac:chgData name="明阳 阮" userId="a4dcf2889a22c6f9" providerId="LiveId" clId="{389D68A1-24FC-423B-B5DD-8195EC5F55C7}" dt="2023-10-23T04:28:11.962" v="1296" actId="1035"/>
-          <ac:spMkLst>
-            <pc:docMk/>
-            <pc:sldMk cId="3201725807" sldId="259"/>
-            <ac:spMk id="5" creationId="{89B44676-E98A-C75E-0DFB-AADCBF578DFE}"/>
-          </ac:spMkLst>
-        </pc:spChg>
-        <pc:spChg chg="add mod">
-          <ac:chgData name="明阳 阮" userId="a4dcf2889a22c6f9" providerId="LiveId" clId="{389D68A1-24FC-423B-B5DD-8195EC5F55C7}" dt="2023-10-26T03:07:51.112" v="3548" actId="207"/>
-          <ac:spMkLst>
-            <pc:docMk/>
-            <pc:sldMk cId="3201725807" sldId="259"/>
-            <ac:spMk id="6" creationId="{139A5E12-0D23-33FA-6A96-EC99AA1AD0BD}"/>
-          </ac:spMkLst>
-        </pc:spChg>
-        <pc:spChg chg="add mod">
-          <ac:chgData name="明阳 阮" userId="a4dcf2889a22c6f9" providerId="LiveId" clId="{389D68A1-24FC-423B-B5DD-8195EC5F55C7}" dt="2023-10-23T04:28:11.962" v="1296" actId="1035"/>
-          <ac:spMkLst>
-            <pc:docMk/>
-            <pc:sldMk cId="3201725807" sldId="259"/>
-            <ac:spMk id="8" creationId="{688B5EEE-8CAB-33BE-D7A1-7C66AFD09785}"/>
-          </ac:spMkLst>
-        </pc:spChg>
-        <pc:spChg chg="add mod">
-          <ac:chgData name="明阳 阮" userId="a4dcf2889a22c6f9" providerId="LiveId" clId="{389D68A1-24FC-423B-B5DD-8195EC5F55C7}" dt="2023-10-23T04:28:11.962" v="1296" actId="1035"/>
-          <ac:spMkLst>
-            <pc:docMk/>
-            <pc:sldMk cId="3201725807" sldId="259"/>
-            <ac:spMk id="9" creationId="{F1E0D209-5930-91CE-BC84-E8C771DFC13D}"/>
-          </ac:spMkLst>
-        </pc:spChg>
-        <pc:spChg chg="add del mod">
-          <ac:chgData name="明阳 阮" userId="a4dcf2889a22c6f9" providerId="LiveId" clId="{389D68A1-24FC-423B-B5DD-8195EC5F55C7}" dt="2023-10-23T03:22:55.191" v="500" actId="478"/>
-          <ac:spMkLst>
-            <pc:docMk/>
-            <pc:sldMk cId="3201725807" sldId="259"/>
-            <ac:spMk id="10" creationId="{52C927CD-2492-A5A0-16FA-88C9D7D883F7}"/>
-          </ac:spMkLst>
-        </pc:spChg>
-        <pc:spChg chg="add mod">
-          <ac:chgData name="明阳 阮" userId="a4dcf2889a22c6f9" providerId="LiveId" clId="{389D68A1-24FC-423B-B5DD-8195EC5F55C7}" dt="2023-10-25T08:57:15.790" v="2804" actId="20577"/>
-          <ac:spMkLst>
-            <pc:docMk/>
-            <pc:sldMk cId="3201725807" sldId="259"/>
-            <ac:spMk id="10" creationId="{E37A0931-9E93-2FF7-561B-E949B1C28A74}"/>
-          </ac:spMkLst>
-        </pc:spChg>
-        <pc:spChg chg="add mod">
-          <ac:chgData name="明阳 阮" userId="a4dcf2889a22c6f9" providerId="LiveId" clId="{389D68A1-24FC-423B-B5DD-8195EC5F55C7}" dt="2023-10-26T03:06:57.116" v="3544" actId="207"/>
-          <ac:spMkLst>
-            <pc:docMk/>
-            <pc:sldMk cId="3201725807" sldId="259"/>
-            <ac:spMk id="11" creationId="{CBC1A570-59EF-0490-D476-366281C00381}"/>
-          </ac:spMkLst>
-        </pc:spChg>
-        <pc:spChg chg="add mod ord">
-          <ac:chgData name="明阳 阮" userId="a4dcf2889a22c6f9" providerId="LiveId" clId="{389D68A1-24FC-423B-B5DD-8195EC5F55C7}" dt="2023-10-26T01:55:59.096" v="2935" actId="20577"/>
-          <ac:spMkLst>
-            <pc:docMk/>
-            <pc:sldMk cId="3201725807" sldId="259"/>
-            <ac:spMk id="12" creationId="{F038348A-D60B-B86A-564E-7EF05819C350}"/>
-          </ac:spMkLst>
-        </pc:spChg>
-        <pc:spChg chg="add mod">
-          <ac:chgData name="明阳 阮" userId="a4dcf2889a22c6f9" providerId="LiveId" clId="{389D68A1-24FC-423B-B5DD-8195EC5F55C7}" dt="2023-10-26T03:06:46.302" v="3543" actId="207"/>
-          <ac:spMkLst>
-            <pc:docMk/>
-            <pc:sldMk cId="3201725807" sldId="259"/>
-            <ac:spMk id="13" creationId="{74AA54DD-C59C-AD7E-3C1D-61A86DD3398A}"/>
-          </ac:spMkLst>
-        </pc:spChg>
-        <pc:spChg chg="add mod">
-          <ac:chgData name="明阳 阮" userId="a4dcf2889a22c6f9" providerId="LiveId" clId="{389D68A1-24FC-423B-B5DD-8195EC5F55C7}" dt="2023-10-23T04:28:11.962" v="1296" actId="1035"/>
-          <ac:spMkLst>
-            <pc:docMk/>
-            <pc:sldMk cId="3201725807" sldId="259"/>
-            <ac:spMk id="15" creationId="{6639A8ED-A53B-970E-38D2-6E14DD8F9F6E}"/>
-          </ac:spMkLst>
-        </pc:spChg>
-        <pc:spChg chg="add mod">
-          <ac:chgData name="明阳 阮" userId="a4dcf2889a22c6f9" providerId="LiveId" clId="{389D68A1-24FC-423B-B5DD-8195EC5F55C7}" dt="2023-10-23T04:28:11.962" v="1296" actId="1035"/>
-          <ac:spMkLst>
-            <pc:docMk/>
-            <pc:sldMk cId="3201725807" sldId="259"/>
-            <ac:spMk id="16" creationId="{463AB41A-AB1A-9273-F0D5-B2C4B35E8C2B}"/>
-          </ac:spMkLst>
-        </pc:spChg>
-        <pc:spChg chg="add del mod">
-          <ac:chgData name="明阳 阮" userId="a4dcf2889a22c6f9" providerId="LiveId" clId="{389D68A1-24FC-423B-B5DD-8195EC5F55C7}" dt="2023-10-25T08:57:06.979" v="2788" actId="478"/>
-          <ac:spMkLst>
-            <pc:docMk/>
-            <pc:sldMk cId="3201725807" sldId="259"/>
-            <ac:spMk id="17" creationId="{AF7D8635-5B67-0977-1BB3-4EA7A977A15B}"/>
-          </ac:spMkLst>
-        </pc:spChg>
-        <pc:spChg chg="add mod">
-          <ac:chgData name="明阳 阮" userId="a4dcf2889a22c6f9" providerId="LiveId" clId="{389D68A1-24FC-423B-B5DD-8195EC5F55C7}" dt="2023-10-24T06:44:30.352" v="2024" actId="1076"/>
-          <ac:spMkLst>
-            <pc:docMk/>
-            <pc:sldMk cId="3201725807" sldId="259"/>
-            <ac:spMk id="18" creationId="{D8DB7BE6-8413-BA1B-5E6D-5F2EDF47C557}"/>
-          </ac:spMkLst>
-        </pc:spChg>
-        <pc:spChg chg="add del mod">
-          <ac:chgData name="明阳 阮" userId="a4dcf2889a22c6f9" providerId="LiveId" clId="{389D68A1-24FC-423B-B5DD-8195EC5F55C7}" dt="2023-10-23T03:21:21.753" v="485" actId="478"/>
-          <ac:spMkLst>
-            <pc:docMk/>
-            <pc:sldMk cId="3201725807" sldId="259"/>
-            <ac:spMk id="18" creationId="{FEDDF7FC-D669-A0F5-727D-73D1CEC69F67}"/>
-          </ac:spMkLst>
-        </pc:spChg>
-        <pc:spChg chg="add mod">
-          <ac:chgData name="明阳 阮" userId="a4dcf2889a22c6f9" providerId="LiveId" clId="{389D68A1-24FC-423B-B5DD-8195EC5F55C7}" dt="2023-10-23T04:28:11.962" v="1296" actId="1035"/>
-          <ac:spMkLst>
-            <pc:docMk/>
-            <pc:sldMk cId="3201725807" sldId="259"/>
-            <ac:spMk id="19" creationId="{AE58E0E0-363E-8D58-F559-EE5D763C0711}"/>
-          </ac:spMkLst>
-        </pc:spChg>
-        <pc:spChg chg="add mod">
-          <ac:chgData name="明阳 阮" userId="a4dcf2889a22c6f9" providerId="LiveId" clId="{389D68A1-24FC-423B-B5DD-8195EC5F55C7}" dt="2023-10-23T04:28:11.962" v="1296" actId="1035"/>
-          <ac:spMkLst>
-            <pc:docMk/>
-            <pc:sldMk cId="3201725807" sldId="259"/>
-            <ac:spMk id="22" creationId="{77BF3E54-E5C3-DC94-BE1D-6CC67D00D3C9}"/>
-          </ac:spMkLst>
-        </pc:spChg>
-        <pc:spChg chg="add mod">
-          <ac:chgData name="明阳 阮" userId="a4dcf2889a22c6f9" providerId="LiveId" clId="{389D68A1-24FC-423B-B5DD-8195EC5F55C7}" dt="2023-10-26T03:07:05.483" v="3545" actId="207"/>
-          <ac:spMkLst>
-            <pc:docMk/>
-            <pc:sldMk cId="3201725807" sldId="259"/>
-            <ac:spMk id="23" creationId="{E888E348-8933-7B5C-49FD-755501BF78A1}"/>
-          </ac:spMkLst>
-        </pc:spChg>
-        <pc:spChg chg="add mod">
-          <ac:chgData name="明阳 阮" userId="a4dcf2889a22c6f9" providerId="LiveId" clId="{389D68A1-24FC-423B-B5DD-8195EC5F55C7}" dt="2023-10-26T03:06:45.769" v="3542" actId="207"/>
-          <ac:spMkLst>
-            <pc:docMk/>
-            <pc:sldMk cId="3201725807" sldId="259"/>
-            <ac:spMk id="24" creationId="{FDA1C4BA-1D11-2733-A9AC-540EA6990120}"/>
-          </ac:spMkLst>
-        </pc:spChg>
-        <pc:spChg chg="add mod">
-          <ac:chgData name="明阳 阮" userId="a4dcf2889a22c6f9" providerId="LiveId" clId="{389D68A1-24FC-423B-B5DD-8195EC5F55C7}" dt="2023-10-23T04:28:11.962" v="1296" actId="1035"/>
-          <ac:spMkLst>
-            <pc:docMk/>
-            <pc:sldMk cId="3201725807" sldId="259"/>
-            <ac:spMk id="26" creationId="{54D1DFAC-48FB-62B7-FFB3-DD940095707C}"/>
-          </ac:spMkLst>
-        </pc:spChg>
-        <pc:spChg chg="add mod">
-          <ac:chgData name="明阳 阮" userId="a4dcf2889a22c6f9" providerId="LiveId" clId="{389D68A1-24FC-423B-B5DD-8195EC5F55C7}" dt="2023-10-23T04:28:11.962" v="1296" actId="1035"/>
-          <ac:spMkLst>
-            <pc:docMk/>
-            <pc:sldMk cId="3201725807" sldId="259"/>
-            <ac:spMk id="27" creationId="{21D81905-FED0-A79F-106A-104A122EBF37}"/>
-          </ac:spMkLst>
-        </pc:spChg>
-        <pc:spChg chg="add mod">
-          <ac:chgData name="明阳 阮" userId="a4dcf2889a22c6f9" providerId="LiveId" clId="{389D68A1-24FC-423B-B5DD-8195EC5F55C7}" dt="2023-10-25T08:55:50.696" v="2779" actId="1076"/>
-          <ac:spMkLst>
-            <pc:docMk/>
-            <pc:sldMk cId="3201725807" sldId="259"/>
-            <ac:spMk id="28" creationId="{D9AFD9A5-BB7F-8B8B-34FA-A8FDAD790BD1}"/>
-          </ac:spMkLst>
-        </pc:spChg>
-        <pc:spChg chg="add del mod">
-          <ac:chgData name="明阳 阮" userId="a4dcf2889a22c6f9" providerId="LiveId" clId="{389D68A1-24FC-423B-B5DD-8195EC5F55C7}" dt="2023-10-23T04:21:00.799" v="894" actId="478"/>
-          <ac:spMkLst>
-            <pc:docMk/>
-            <pc:sldMk cId="3201725807" sldId="259"/>
-            <ac:spMk id="29" creationId="{8B139622-BFC0-C918-E2C9-28756073B0AA}"/>
-          </ac:spMkLst>
-        </pc:spChg>
-        <pc:spChg chg="add mod">
-          <ac:chgData name="明阳 阮" userId="a4dcf2889a22c6f9" providerId="LiveId" clId="{389D68A1-24FC-423B-B5DD-8195EC5F55C7}" dt="2023-10-26T02:21:00.960" v="3206" actId="20577"/>
-          <ac:spMkLst>
-            <pc:docMk/>
-            <pc:sldMk cId="3201725807" sldId="259"/>
-            <ac:spMk id="30" creationId="{9FFAD867-0EE9-D0CC-E693-E08AF68EEFBB}"/>
-          </ac:spMkLst>
-        </pc:spChg>
-        <pc:spChg chg="add del mod">
-          <ac:chgData name="明阳 阮" userId="a4dcf2889a22c6f9" providerId="LiveId" clId="{389D68A1-24FC-423B-B5DD-8195EC5F55C7}" dt="2023-10-26T01:11:44.659" v="2828" actId="478"/>
-          <ac:spMkLst>
-            <pc:docMk/>
-            <pc:sldMk cId="3201725807" sldId="259"/>
-            <ac:spMk id="31" creationId="{0C21EB6A-DB5F-9CDD-6808-E22FABFD191A}"/>
-          </ac:spMkLst>
-        </pc:spChg>
-        <pc:spChg chg="add mod">
-          <ac:chgData name="明阳 阮" userId="a4dcf2889a22c6f9" providerId="LiveId" clId="{389D68A1-24FC-423B-B5DD-8195EC5F55C7}" dt="2023-10-24T06:44:21.035" v="2023" actId="1076"/>
-          <ac:spMkLst>
-            <pc:docMk/>
-            <pc:sldMk cId="3201725807" sldId="259"/>
-            <ac:spMk id="32" creationId="{C7BCC147-5ACC-1DD8-3589-B958011A5496}"/>
-          </ac:spMkLst>
-        </pc:spChg>
-        <pc:cxnChg chg="add mod">
-          <ac:chgData name="明阳 阮" userId="a4dcf2889a22c6f9" providerId="LiveId" clId="{389D68A1-24FC-423B-B5DD-8195EC5F55C7}" dt="2023-10-23T04:28:11.962" v="1296" actId="1035"/>
-          <ac:cxnSpMkLst>
-            <pc:docMk/>
-            <pc:sldMk cId="3201725807" sldId="259"/>
-            <ac:cxnSpMk id="7" creationId="{58DC0279-B531-3393-DBC5-46F9E1214308}"/>
-          </ac:cxnSpMkLst>
-        </pc:cxnChg>
-        <pc:cxnChg chg="add del">
-          <ac:chgData name="明阳 阮" userId="a4dcf2889a22c6f9" providerId="LiveId" clId="{389D68A1-24FC-423B-B5DD-8195EC5F55C7}" dt="2023-10-24T06:33:26.868" v="2008" actId="11529"/>
-          <ac:cxnSpMkLst>
-            <pc:docMk/>
-            <pc:sldMk cId="3201725807" sldId="259"/>
-            <ac:cxnSpMk id="10" creationId="{D7395555-0D67-8EE4-559C-B2FEB2C628F3}"/>
-          </ac:cxnSpMkLst>
-        </pc:cxnChg>
-        <pc:cxnChg chg="add mod">
-          <ac:chgData name="明阳 阮" userId="a4dcf2889a22c6f9" providerId="LiveId" clId="{389D68A1-24FC-423B-B5DD-8195EC5F55C7}" dt="2023-10-23T04:28:11.962" v="1296" actId="1035"/>
-          <ac:cxnSpMkLst>
-            <pc:docMk/>
-            <pc:sldMk cId="3201725807" sldId="259"/>
-            <ac:cxnSpMk id="14" creationId="{81F3C7A8-31E8-F23A-C255-0E65679E9AC6}"/>
-          </ac:cxnSpMkLst>
-        </pc:cxnChg>
-        <pc:cxnChg chg="add del">
-          <ac:chgData name="明阳 阮" userId="a4dcf2889a22c6f9" providerId="LiveId" clId="{389D68A1-24FC-423B-B5DD-8195EC5F55C7}" dt="2023-10-23T03:23:31.517" v="506" actId="478"/>
-          <ac:cxnSpMkLst>
-            <pc:docMk/>
-            <pc:sldMk cId="3201725807" sldId="259"/>
-            <ac:cxnSpMk id="21" creationId="{8D2784B5-785F-771F-9DF9-1A53AA7A8449}"/>
-          </ac:cxnSpMkLst>
-        </pc:cxnChg>
-        <pc:cxnChg chg="add mod">
-          <ac:chgData name="明阳 阮" userId="a4dcf2889a22c6f9" providerId="LiveId" clId="{389D68A1-24FC-423B-B5DD-8195EC5F55C7}" dt="2023-10-23T04:28:11.962" v="1296" actId="1035"/>
-          <ac:cxnSpMkLst>
-            <pc:docMk/>
-            <pc:sldMk cId="3201725807" sldId="259"/>
-            <ac:cxnSpMk id="25" creationId="{3D1A254D-1006-BF6A-6409-2975DE248958}"/>
-          </ac:cxnSpMkLst>
-        </pc:cxnChg>
-      </pc:sldChg>
-      <pc:sldChg chg="addSp delSp modSp add mod ord">
-        <pc:chgData name="明阳 阮" userId="a4dcf2889a22c6f9" providerId="LiveId" clId="{389D68A1-24FC-423B-B5DD-8195EC5F55C7}" dt="2023-10-25T08:40:38.779" v="2578"/>
-        <pc:sldMkLst>
-          <pc:docMk/>
-          <pc:sldMk cId="556811075" sldId="260"/>
-        </pc:sldMkLst>
-        <pc:spChg chg="mod">
-          <ac:chgData name="明阳 阮" userId="a4dcf2889a22c6f9" providerId="LiveId" clId="{389D68A1-24FC-423B-B5DD-8195EC5F55C7}" dt="2023-10-25T07:37:32.382" v="2201" actId="1076"/>
-          <ac:spMkLst>
-            <pc:docMk/>
-            <pc:sldMk cId="556811075" sldId="260"/>
-            <ac:spMk id="3" creationId="{00853866-167B-87E3-E0BD-8494D71EC976}"/>
-          </ac:spMkLst>
-        </pc:spChg>
-        <pc:spChg chg="mod">
-          <ac:chgData name="明阳 阮" userId="a4dcf2889a22c6f9" providerId="LiveId" clId="{389D68A1-24FC-423B-B5DD-8195EC5F55C7}" dt="2023-10-25T07:45:31.148" v="2343" actId="1076"/>
-          <ac:spMkLst>
-            <pc:docMk/>
-            <pc:sldMk cId="556811075" sldId="260"/>
-            <ac:spMk id="4" creationId="{B55AA1C3-2D61-59B4-7CE5-F0EC966390BB}"/>
-          </ac:spMkLst>
-        </pc:spChg>
-        <pc:spChg chg="del mod">
-          <ac:chgData name="明阳 阮" userId="a4dcf2889a22c6f9" providerId="LiveId" clId="{389D68A1-24FC-423B-B5DD-8195EC5F55C7}" dt="2023-10-25T07:44:34.636" v="2342" actId="478"/>
-          <ac:spMkLst>
-            <pc:docMk/>
-            <pc:sldMk cId="556811075" sldId="260"/>
-            <ac:spMk id="6" creationId="{21896B62-7E22-FCEB-C86E-72C379C0E603}"/>
-          </ac:spMkLst>
-        </pc:spChg>
-        <pc:spChg chg="add mod">
-          <ac:chgData name="明阳 阮" userId="a4dcf2889a22c6f9" providerId="LiveId" clId="{389D68A1-24FC-423B-B5DD-8195EC5F55C7}" dt="2023-10-25T07:45:53.236" v="2348" actId="1076"/>
-          <ac:spMkLst>
-            <pc:docMk/>
-            <pc:sldMk cId="556811075" sldId="260"/>
-            <ac:spMk id="7" creationId="{1800DDD2-F87F-84F5-D2E4-29E8355B23C3}"/>
-          </ac:spMkLst>
-        </pc:spChg>
-        <pc:spChg chg="add mod">
-          <ac:chgData name="明阳 阮" userId="a4dcf2889a22c6f9" providerId="LiveId" clId="{389D68A1-24FC-423B-B5DD-8195EC5F55C7}" dt="2023-10-25T07:38:41.612" v="2230" actId="1076"/>
-          <ac:spMkLst>
-            <pc:docMk/>
-            <pc:sldMk cId="556811075" sldId="260"/>
-            <ac:spMk id="8" creationId="{90594CA0-8AD3-ECA3-6B51-ED9C692119AD}"/>
-          </ac:spMkLst>
-        </pc:spChg>
-        <pc:spChg chg="add del mod">
-          <ac:chgData name="明阳 阮" userId="a4dcf2889a22c6f9" providerId="LiveId" clId="{389D68A1-24FC-423B-B5DD-8195EC5F55C7}" dt="2023-10-25T07:38:11.673" v="2221" actId="478"/>
-          <ac:spMkLst>
-            <pc:docMk/>
-            <pc:sldMk cId="556811075" sldId="260"/>
-            <ac:spMk id="10" creationId="{1A7CA0A7-445C-4A89-1BA1-8BF9A81FE1D5}"/>
-          </ac:spMkLst>
-        </pc:spChg>
-        <pc:spChg chg="add del mod">
-          <ac:chgData name="明阳 阮" userId="a4dcf2889a22c6f9" providerId="LiveId" clId="{389D68A1-24FC-423B-B5DD-8195EC5F55C7}" dt="2023-10-25T07:38:12.919" v="2222" actId="478"/>
-          <ac:spMkLst>
-            <pc:docMk/>
-            <pc:sldMk cId="556811075" sldId="260"/>
-            <ac:spMk id="11" creationId="{4440BD33-725F-01CF-3B0E-3881F27E20C1}"/>
-          </ac:spMkLst>
-        </pc:spChg>
-        <pc:spChg chg="add del mod">
-          <ac:chgData name="明阳 阮" userId="a4dcf2889a22c6f9" providerId="LiveId" clId="{389D68A1-24FC-423B-B5DD-8195EC5F55C7}" dt="2023-10-25T07:38:14.240" v="2223" actId="478"/>
-          <ac:spMkLst>
-            <pc:docMk/>
-            <pc:sldMk cId="556811075" sldId="260"/>
-            <ac:spMk id="12" creationId="{9F3B2762-6963-6A57-0590-05CC06EE50DC}"/>
-          </ac:spMkLst>
-        </pc:spChg>
-        <pc:spChg chg="del">
-          <ac:chgData name="明阳 阮" userId="a4dcf2889a22c6f9" providerId="LiveId" clId="{389D68A1-24FC-423B-B5DD-8195EC5F55C7}" dt="2023-10-25T07:37:10.505" v="2196" actId="478"/>
-          <ac:spMkLst>
-            <pc:docMk/>
-            <pc:sldMk cId="556811075" sldId="260"/>
-            <ac:spMk id="13" creationId="{A7EB5FFD-7205-5D15-4571-146405DAB754}"/>
-          </ac:spMkLst>
-        </pc:spChg>
-        <pc:spChg chg="add del mod">
-          <ac:chgData name="明阳 阮" userId="a4dcf2889a22c6f9" providerId="LiveId" clId="{389D68A1-24FC-423B-B5DD-8195EC5F55C7}" dt="2023-10-25T07:41:46.680" v="2284" actId="478"/>
-          <ac:spMkLst>
-            <pc:docMk/>
-            <pc:sldMk cId="556811075" sldId="260"/>
-            <ac:spMk id="14" creationId="{4ECC0554-A3F1-2014-264A-FFEFCA159C38}"/>
-          </ac:spMkLst>
-        </pc:spChg>
-        <pc:spChg chg="del mod">
-          <ac:chgData name="明阳 阮" userId="a4dcf2889a22c6f9" providerId="LiveId" clId="{389D68A1-24FC-423B-B5DD-8195EC5F55C7}" dt="2023-10-25T07:38:48.996" v="2232" actId="478"/>
-          <ac:spMkLst>
-            <pc:docMk/>
-            <pc:sldMk cId="556811075" sldId="260"/>
-            <ac:spMk id="15" creationId="{4B90AC33-8E8F-4570-B6BB-D0D002900F4C}"/>
-          </ac:spMkLst>
-        </pc:spChg>
-        <pc:spChg chg="del">
-          <ac:chgData name="明阳 阮" userId="a4dcf2889a22c6f9" providerId="LiveId" clId="{389D68A1-24FC-423B-B5DD-8195EC5F55C7}" dt="2023-10-25T07:38:51.886" v="2233" actId="478"/>
-          <ac:spMkLst>
-            <pc:docMk/>
-            <pc:sldMk cId="556811075" sldId="260"/>
-            <ac:spMk id="16" creationId="{DB7A750A-1870-D2F6-6B49-63EAE60F5E06}"/>
-          </ac:spMkLst>
-        </pc:spChg>
-        <pc:spChg chg="mod">
-          <ac:chgData name="明阳 阮" userId="a4dcf2889a22c6f9" providerId="LiveId" clId="{389D68A1-24FC-423B-B5DD-8195EC5F55C7}" dt="2023-10-25T07:45:39.175" v="2345" actId="14100"/>
-          <ac:spMkLst>
-            <pc:docMk/>
-            <pc:sldMk cId="556811075" sldId="260"/>
-            <ac:spMk id="17" creationId="{363DE5CB-4680-39B5-2EF1-7AB9E639445E}"/>
-          </ac:spMkLst>
-        </pc:spChg>
-        <pc:spChg chg="mod">
-          <ac:chgData name="明阳 阮" userId="a4dcf2889a22c6f9" providerId="LiveId" clId="{389D68A1-24FC-423B-B5DD-8195EC5F55C7}" dt="2023-10-25T07:45:44.703" v="2346" actId="1076"/>
-          <ac:spMkLst>
-            <pc:docMk/>
-            <pc:sldMk cId="556811075" sldId="260"/>
-            <ac:spMk id="18" creationId="{3FB7643F-5EE3-9AA9-89F8-4B778AB9311F}"/>
-          </ac:spMkLst>
-        </pc:spChg>
-        <pc:spChg chg="mod">
-          <ac:chgData name="明阳 阮" userId="a4dcf2889a22c6f9" providerId="LiveId" clId="{389D68A1-24FC-423B-B5DD-8195EC5F55C7}" dt="2023-10-25T07:46:01.502" v="2349" actId="1076"/>
-          <ac:spMkLst>
-            <pc:docMk/>
-            <pc:sldMk cId="556811075" sldId="260"/>
-            <ac:spMk id="19" creationId="{CEADC3FE-AFB9-8D82-1028-6178F541C07A}"/>
-          </ac:spMkLst>
-        </pc:spChg>
-        <pc:spChg chg="del">
-          <ac:chgData name="明阳 阮" userId="a4dcf2889a22c6f9" providerId="LiveId" clId="{389D68A1-24FC-423B-B5DD-8195EC5F55C7}" dt="2023-10-25T07:37:08.584" v="2194" actId="478"/>
-          <ac:spMkLst>
-            <pc:docMk/>
-            <pc:sldMk cId="556811075" sldId="260"/>
-            <ac:spMk id="20" creationId="{D7000C8B-3B57-FE19-BF51-041AEB49F530}"/>
-          </ac:spMkLst>
-        </pc:spChg>
-        <pc:spChg chg="mod">
-          <ac:chgData name="明阳 阮" userId="a4dcf2889a22c6f9" providerId="LiveId" clId="{389D68A1-24FC-423B-B5DD-8195EC5F55C7}" dt="2023-10-25T07:45:31.148" v="2343" actId="1076"/>
-          <ac:spMkLst>
-            <pc:docMk/>
-            <pc:sldMk cId="556811075" sldId="260"/>
-            <ac:spMk id="21" creationId="{FE46EE5E-B09C-A867-8082-A48FBB426E96}"/>
-          </ac:spMkLst>
-        </pc:spChg>
-        <pc:spChg chg="del">
-          <ac:chgData name="明阳 阮" userId="a4dcf2889a22c6f9" providerId="LiveId" clId="{389D68A1-24FC-423B-B5DD-8195EC5F55C7}" dt="2023-10-25T07:37:05.993" v="2192" actId="478"/>
-          <ac:spMkLst>
-            <pc:docMk/>
-            <pc:sldMk cId="556811075" sldId="260"/>
-            <ac:spMk id="22" creationId="{E6EB38CF-C989-A271-926E-4D40981AEAC6}"/>
-          </ac:spMkLst>
-        </pc:spChg>
-        <pc:spChg chg="del">
-          <ac:chgData name="明阳 阮" userId="a4dcf2889a22c6f9" providerId="LiveId" clId="{389D68A1-24FC-423B-B5DD-8195EC5F55C7}" dt="2023-10-25T07:37:04.770" v="2191" actId="478"/>
-          <ac:spMkLst>
-            <pc:docMk/>
-            <pc:sldMk cId="556811075" sldId="260"/>
-            <ac:spMk id="23" creationId="{FD3EA872-9C0B-0C65-1306-84859BD7D773}"/>
-          </ac:spMkLst>
-        </pc:spChg>
-        <pc:spChg chg="mod">
-          <ac:chgData name="明阳 阮" userId="a4dcf2889a22c6f9" providerId="LiveId" clId="{389D68A1-24FC-423B-B5DD-8195EC5F55C7}" dt="2023-10-25T07:38:35.624" v="2229" actId="1076"/>
-          <ac:spMkLst>
-            <pc:docMk/>
-            <pc:sldMk cId="556811075" sldId="260"/>
-            <ac:spMk id="24" creationId="{1B68C04A-93B5-2CFB-C55A-0DFB388209CF}"/>
-          </ac:spMkLst>
-        </pc:spChg>
-        <pc:spChg chg="del">
-          <ac:chgData name="明阳 阮" userId="a4dcf2889a22c6f9" providerId="LiveId" clId="{389D68A1-24FC-423B-B5DD-8195EC5F55C7}" dt="2023-10-25T07:37:06.928" v="2193" actId="478"/>
-          <ac:spMkLst>
-            <pc:docMk/>
-            <pc:sldMk cId="556811075" sldId="260"/>
-            <ac:spMk id="29" creationId="{55B49F78-0345-8486-49C2-739DB7C86DFD}"/>
-          </ac:spMkLst>
-        </pc:spChg>
-        <pc:spChg chg="add mod">
-          <ac:chgData name="明阳 阮" userId="a4dcf2889a22c6f9" providerId="LiveId" clId="{389D68A1-24FC-423B-B5DD-8195EC5F55C7}" dt="2023-10-25T07:44:26.969" v="2341" actId="1076"/>
-          <ac:spMkLst>
-            <pc:docMk/>
-            <pc:sldMk cId="556811075" sldId="260"/>
-            <ac:spMk id="32" creationId="{61EBF004-8408-1F55-CDBC-9F97414C12A4}"/>
-          </ac:spMkLst>
-        </pc:spChg>
-        <pc:spChg chg="add mod">
-          <ac:chgData name="明阳 阮" userId="a4dcf2889a22c6f9" providerId="LiveId" clId="{389D68A1-24FC-423B-B5DD-8195EC5F55C7}" dt="2023-10-25T07:46:01.502" v="2349" actId="1076"/>
-          <ac:spMkLst>
-            <pc:docMk/>
-            <pc:sldMk cId="556811075" sldId="260"/>
-            <ac:spMk id="33" creationId="{69A9B4E1-418A-85B6-463B-EC28870F900C}"/>
-          </ac:spMkLst>
-        </pc:spChg>
-        <pc:spChg chg="add mod">
-          <ac:chgData name="明阳 阮" userId="a4dcf2889a22c6f9" providerId="LiveId" clId="{389D68A1-24FC-423B-B5DD-8195EC5F55C7}" dt="2023-10-25T07:46:05.993" v="2350" actId="1076"/>
-          <ac:spMkLst>
-            <pc:docMk/>
-            <pc:sldMk cId="556811075" sldId="260"/>
-            <ac:spMk id="34" creationId="{8676FFD5-E607-3789-D67D-ED90A006925E}"/>
-          </ac:spMkLst>
-        </pc:spChg>
-        <pc:spChg chg="add mod">
-          <ac:chgData name="明阳 阮" userId="a4dcf2889a22c6f9" providerId="LiveId" clId="{389D68A1-24FC-423B-B5DD-8195EC5F55C7}" dt="2023-10-25T07:46:14.085" v="2351" actId="1076"/>
-          <ac:spMkLst>
-            <pc:docMk/>
-            <pc:sldMk cId="556811075" sldId="260"/>
-            <ac:spMk id="35" creationId="{33114778-EBDD-8866-35AF-2B8E56F81C53}"/>
-          </ac:spMkLst>
-        </pc:spChg>
-        <pc:spChg chg="add mod">
-          <ac:chgData name="明阳 阮" userId="a4dcf2889a22c6f9" providerId="LiveId" clId="{389D68A1-24FC-423B-B5DD-8195EC5F55C7}" dt="2023-10-25T08:40:38.779" v="2578"/>
-          <ac:spMkLst>
-            <pc:docMk/>
-            <pc:sldMk cId="556811075" sldId="260"/>
-            <ac:spMk id="36" creationId="{A1E23529-14AD-1B37-FC0E-5D434B420819}"/>
-          </ac:spMkLst>
-        </pc:spChg>
-        <pc:picChg chg="del mod">
-          <ac:chgData name="明阳 阮" userId="a4dcf2889a22c6f9" providerId="LiveId" clId="{389D68A1-24FC-423B-B5DD-8195EC5F55C7}" dt="2023-10-25T07:37:43.454" v="2206" actId="478"/>
-          <ac:picMkLst>
-            <pc:docMk/>
-            <pc:sldMk cId="556811075" sldId="260"/>
-            <ac:picMk id="25" creationId="{1CB554E5-32F1-2252-4AD4-FA6DAA24E4A3}"/>
-          </ac:picMkLst>
-        </pc:picChg>
-        <pc:cxnChg chg="del">
-          <ac:chgData name="明阳 阮" userId="a4dcf2889a22c6f9" providerId="LiveId" clId="{389D68A1-24FC-423B-B5DD-8195EC5F55C7}" dt="2023-10-25T07:37:09.149" v="2195" actId="478"/>
-          <ac:cxnSpMkLst>
-            <pc:docMk/>
-            <pc:sldMk cId="556811075" sldId="260"/>
-            <ac:cxnSpMk id="9" creationId="{229B0443-36A8-EA1B-C8A3-DF7784800765}"/>
-          </ac:cxnSpMkLst>
-        </pc:cxnChg>
-        <pc:cxnChg chg="add mod">
-          <ac:chgData name="明阳 阮" userId="a4dcf2889a22c6f9" providerId="LiveId" clId="{389D68A1-24FC-423B-B5DD-8195EC5F55C7}" dt="2023-10-25T07:42:40.687" v="2304" actId="1076"/>
-          <ac:cxnSpMkLst>
-            <pc:docMk/>
-            <pc:sldMk cId="556811075" sldId="260"/>
-            <ac:cxnSpMk id="27" creationId="{FC95216B-5D4C-4BE5-9F98-B261415863C1}"/>
-          </ac:cxnSpMkLst>
-        </pc:cxnChg>
-      </pc:sldChg>
-      <pc:sldChg chg="addSp modSp new del mod">
-        <pc:chgData name="明阳 阮" userId="a4dcf2889a22c6f9" providerId="LiveId" clId="{389D68A1-24FC-423B-B5DD-8195EC5F55C7}" dt="2023-10-23T03:31:53.501" v="605" actId="47"/>
-        <pc:sldMkLst>
-          <pc:docMk/>
-          <pc:sldMk cId="3023593682" sldId="260"/>
-        </pc:sldMkLst>
-        <pc:spChg chg="add">
-          <ac:chgData name="明阳 阮" userId="a4dcf2889a22c6f9" providerId="LiveId" clId="{389D68A1-24FC-423B-B5DD-8195EC5F55C7}" dt="2023-10-23T03:31:27.177" v="596" actId="11529"/>
-          <ac:spMkLst>
-            <pc:docMk/>
-            <pc:sldMk cId="3023593682" sldId="260"/>
-            <ac:spMk id="4" creationId="{149E48F7-D027-B1A5-3A85-4E2378840BB4}"/>
-          </ac:spMkLst>
-        </pc:spChg>
-        <pc:spChg chg="add mod">
-          <ac:chgData name="明阳 阮" userId="a4dcf2889a22c6f9" providerId="LiveId" clId="{389D68A1-24FC-423B-B5DD-8195EC5F55C7}" dt="2023-10-23T03:31:37.509" v="604" actId="20577"/>
-          <ac:spMkLst>
-            <pc:docMk/>
-            <pc:sldMk cId="3023593682" sldId="260"/>
-            <ac:spMk id="5" creationId="{D83AC63A-6645-60B4-90E8-199BA7E75867}"/>
-          </ac:spMkLst>
-        </pc:spChg>
-        <pc:picChg chg="add mod">
-          <ac:chgData name="明阳 阮" userId="a4dcf2889a22c6f9" providerId="LiveId" clId="{389D68A1-24FC-423B-B5DD-8195EC5F55C7}" dt="2023-10-23T03:31:16.580" v="595" actId="931"/>
-          <ac:picMkLst>
-            <pc:docMk/>
-            <pc:sldMk cId="3023593682" sldId="260"/>
-            <ac:picMk id="3" creationId="{82A54F19-14DB-4665-B030-9021C8766279}"/>
-          </ac:picMkLst>
-        </pc:picChg>
-      </pc:sldChg>
-      <pc:sldChg chg="addSp delSp modSp new del mod">
-        <pc:chgData name="明阳 阮" userId="a4dcf2889a22c6f9" providerId="LiveId" clId="{389D68A1-24FC-423B-B5DD-8195EC5F55C7}" dt="2023-10-23T03:30:34.150" v="593" actId="47"/>
-        <pc:sldMkLst>
-          <pc:docMk/>
-          <pc:sldMk cId="3730859856" sldId="260"/>
-        </pc:sldMkLst>
-        <pc:spChg chg="add del mod">
-          <ac:chgData name="明阳 阮" userId="a4dcf2889a22c6f9" providerId="LiveId" clId="{389D68A1-24FC-423B-B5DD-8195EC5F55C7}" dt="2023-10-23T03:30:18.100" v="588" actId="478"/>
-          <ac:spMkLst>
-            <pc:docMk/>
-            <pc:sldMk cId="3730859856" sldId="260"/>
-            <ac:spMk id="3" creationId="{DF321270-851A-B220-3F78-037108431DD6}"/>
-          </ac:spMkLst>
-        </pc:spChg>
-        <pc:spChg chg="add">
-          <ac:chgData name="明阳 阮" userId="a4dcf2889a22c6f9" providerId="LiveId" clId="{389D68A1-24FC-423B-B5DD-8195EC5F55C7}" dt="2023-10-23T03:30:27.515" v="589" actId="11529"/>
-          <ac:spMkLst>
-            <pc:docMk/>
-            <pc:sldMk cId="3730859856" sldId="260"/>
-            <ac:spMk id="4" creationId="{39CF2CC5-2E45-FEC9-3B6B-0B65AED9A5E6}"/>
-          </ac:spMkLst>
-        </pc:spChg>
-        <pc:spChg chg="add del mod">
-          <ac:chgData name="明阳 阮" userId="a4dcf2889a22c6f9" providerId="LiveId" clId="{389D68A1-24FC-423B-B5DD-8195EC5F55C7}" dt="2023-10-23T03:30:33.321" v="592"/>
-          <ac:spMkLst>
-            <pc:docMk/>
-            <pc:sldMk cId="3730859856" sldId="260"/>
-            <ac:spMk id="5" creationId="{7FD0A0C5-62A9-ADF7-0718-2311E2107837}"/>
-          </ac:spMkLst>
-        </pc:spChg>
-        <pc:picChg chg="add mod">
-          <ac:chgData name="明阳 阮" userId="a4dcf2889a22c6f9" providerId="LiveId" clId="{389D68A1-24FC-423B-B5DD-8195EC5F55C7}" dt="2023-10-23T03:30:10.375" v="585" actId="14100"/>
-          <ac:picMkLst>
-            <pc:docMk/>
-            <pc:sldMk cId="3730859856" sldId="260"/>
-            <ac:picMk id="2" creationId="{545FACE9-27A6-7BBB-75F9-87F930A67260}"/>
-          </ac:picMkLst>
-        </pc:picChg>
-      </pc:sldChg>
-      <pc:sldChg chg="new">
-        <pc:chgData name="明阳 阮" userId="a4dcf2889a22c6f9" providerId="LiveId" clId="{389D68A1-24FC-423B-B5DD-8195EC5F55C7}" dt="2023-10-25T08:12:05.098" v="2532" actId="680"/>
-        <pc:sldMkLst>
-          <pc:docMk/>
-          <pc:sldMk cId="2012497008" sldId="261"/>
-        </pc:sldMkLst>
-      </pc:sldChg>
-      <pc:sldChg chg="add ord">
-        <pc:chgData name="明阳 阮" userId="a4dcf2889a22c6f9" providerId="LiveId" clId="{389D68A1-24FC-423B-B5DD-8195EC5F55C7}" dt="2023-10-26T03:02:10.744" v="3479"/>
-        <pc:sldMkLst>
-          <pc:docMk/>
-          <pc:sldMk cId="2617193400" sldId="262"/>
-        </pc:sldMkLst>
-      </pc:sldChg>
-      <pc:sldChg chg="add ord">
-        <pc:chgData name="明阳 阮" userId="a4dcf2889a22c6f9" providerId="LiveId" clId="{389D68A1-24FC-423B-B5DD-8195EC5F55C7}" dt="2023-10-26T03:18:36.693" v="3688"/>
-        <pc:sldMkLst>
-          <pc:docMk/>
-          <pc:sldMk cId="1409799460" sldId="263"/>
-        </pc:sldMkLst>
-      </pc:sldChg>
-      <pc:sldChg chg="add del">
-        <pc:chgData name="明阳 阮" userId="a4dcf2889a22c6f9" providerId="LiveId" clId="{389D68A1-24FC-423B-B5DD-8195EC5F55C7}" dt="2023-10-26T03:05:07.934" v="3528"/>
-        <pc:sldMkLst>
-          <pc:docMk/>
-          <pc:sldMk cId="1469992898" sldId="263"/>
-        </pc:sldMkLst>
-      </pc:sldChg>
-      <pc:sldChg chg="new">
-        <pc:chgData name="明阳 阮" userId="a4dcf2889a22c6f9" providerId="LiveId" clId="{389D68A1-24FC-423B-B5DD-8195EC5F55C7}" dt="2023-10-26T03:37:10.662" v="3967" actId="680"/>
-        <pc:sldMkLst>
-          <pc:docMk/>
-          <pc:sldMk cId="2506533273" sldId="264"/>
-        </pc:sldMkLst>
-      </pc:sldChg>
-    </pc:docChg>
-  </pc:docChgLst>
-  <pc:docChgLst>
     <pc:chgData name="明阳 阮" userId="a4dcf2889a22c6f9" providerId="LiveId" clId="{1AA81C29-0BFB-48C6-9027-087DCBA3A6C8}"/>
     <pc:docChg chg="modSld sldOrd">
       <pc:chgData name="明阳 阮" userId="a4dcf2889a22c6f9" providerId="LiveId" clId="{1AA81C29-0BFB-48C6-9027-087DCBA3A6C8}" dt="2023-10-27T05:43:42.855" v="1"/>
@@ -2106,6 +142,1713 @@
           <pc:docMk/>
           <pc:sldMk cId="1893828342" sldId="257"/>
         </pc:sldMkLst>
+      </pc:sldChg>
+    </pc:docChg>
+  </pc:docChgLst>
+  <pc:docChgLst>
+    <pc:chgData name="明阳 阮" userId="a4dcf2889a22c6f9" providerId="LiveId" clId="{607C1844-05CD-4CC9-972F-CAE573386568}"/>
+    <pc:docChg chg="undo redo custSel addSld delSld modSld sldOrd">
+      <pc:chgData name="明阳 阮" userId="a4dcf2889a22c6f9" providerId="LiveId" clId="{607C1844-05CD-4CC9-972F-CAE573386568}" dt="2023-12-05T11:08:36.173" v="2773" actId="20577"/>
+      <pc:docMkLst>
+        <pc:docMk/>
+      </pc:docMkLst>
+      <pc:sldChg chg="delSp mod">
+        <pc:chgData name="明阳 阮" userId="a4dcf2889a22c6f9" providerId="LiveId" clId="{607C1844-05CD-4CC9-972F-CAE573386568}" dt="2023-12-05T06:04:46.517" v="1579" actId="478"/>
+        <pc:sldMkLst>
+          <pc:docMk/>
+          <pc:sldMk cId="797801293" sldId="258"/>
+        </pc:sldMkLst>
+        <pc:spChg chg="del">
+          <ac:chgData name="明阳 阮" userId="a4dcf2889a22c6f9" providerId="LiveId" clId="{607C1844-05CD-4CC9-972F-CAE573386568}" dt="2023-12-05T06:04:43.125" v="1578" actId="478"/>
+          <ac:spMkLst>
+            <pc:docMk/>
+            <pc:sldMk cId="797801293" sldId="258"/>
+            <ac:spMk id="4" creationId="{EBA68A24-90FA-FAC0-8501-9F234EAF015A}"/>
+          </ac:spMkLst>
+        </pc:spChg>
+        <pc:spChg chg="del">
+          <ac:chgData name="明阳 阮" userId="a4dcf2889a22c6f9" providerId="LiveId" clId="{607C1844-05CD-4CC9-972F-CAE573386568}" dt="2023-12-05T05:58:04.726" v="1359" actId="478"/>
+          <ac:spMkLst>
+            <pc:docMk/>
+            <pc:sldMk cId="797801293" sldId="258"/>
+            <ac:spMk id="8" creationId="{1A226054-4BD7-B3FB-4F34-89D6619317F8}"/>
+          </ac:spMkLst>
+        </pc:spChg>
+        <pc:spChg chg="del">
+          <ac:chgData name="明阳 阮" userId="a4dcf2889a22c6f9" providerId="LiveId" clId="{607C1844-05CD-4CC9-972F-CAE573386568}" dt="2023-12-05T06:04:46.517" v="1579" actId="478"/>
+          <ac:spMkLst>
+            <pc:docMk/>
+            <pc:sldMk cId="797801293" sldId="258"/>
+            <ac:spMk id="58" creationId="{679BF32B-065A-50D5-18E4-658CB212CA93}"/>
+          </ac:spMkLst>
+        </pc:spChg>
+      </pc:sldChg>
+      <pc:sldChg chg="delSp modSp mod">
+        <pc:chgData name="明阳 阮" userId="a4dcf2889a22c6f9" providerId="LiveId" clId="{607C1844-05CD-4CC9-972F-CAE573386568}" dt="2023-12-05T10:59:47.148" v="2549" actId="113"/>
+        <pc:sldMkLst>
+          <pc:docMk/>
+          <pc:sldMk cId="3744189518" sldId="265"/>
+        </pc:sldMkLst>
+        <pc:spChg chg="mod">
+          <ac:chgData name="明阳 阮" userId="a4dcf2889a22c6f9" providerId="LiveId" clId="{607C1844-05CD-4CC9-972F-CAE573386568}" dt="2023-12-05T10:59:47.148" v="2549" actId="113"/>
+          <ac:spMkLst>
+            <pc:docMk/>
+            <pc:sldMk cId="3744189518" sldId="265"/>
+            <ac:spMk id="4" creationId="{F8B8AE64-A1C5-1FE2-AA67-313313C9EC48}"/>
+          </ac:spMkLst>
+        </pc:spChg>
+        <pc:spChg chg="del">
+          <ac:chgData name="明阳 阮" userId="a4dcf2889a22c6f9" providerId="LiveId" clId="{607C1844-05CD-4CC9-972F-CAE573386568}" dt="2023-12-05T05:57:57.777" v="1357" actId="478"/>
+          <ac:spMkLst>
+            <pc:docMk/>
+            <pc:sldMk cId="3744189518" sldId="265"/>
+            <ac:spMk id="24" creationId="{1B68C04A-93B5-2CFB-C55A-0DFB388209CF}"/>
+          </ac:spMkLst>
+        </pc:spChg>
+      </pc:sldChg>
+      <pc:sldChg chg="delSp modSp mod">
+        <pc:chgData name="明阳 阮" userId="a4dcf2889a22c6f9" providerId="LiveId" clId="{607C1844-05CD-4CC9-972F-CAE573386568}" dt="2023-12-05T05:58:01.423" v="1358" actId="478"/>
+        <pc:sldMkLst>
+          <pc:docMk/>
+          <pc:sldMk cId="893564232" sldId="266"/>
+        </pc:sldMkLst>
+        <pc:spChg chg="mod">
+          <ac:chgData name="明阳 阮" userId="a4dcf2889a22c6f9" providerId="LiveId" clId="{607C1844-05CD-4CC9-972F-CAE573386568}" dt="2023-12-05T05:57:46.945" v="1356" actId="113"/>
+          <ac:spMkLst>
+            <pc:docMk/>
+            <pc:sldMk cId="893564232" sldId="266"/>
+            <ac:spMk id="4" creationId="{F8B8AE64-A1C5-1FE2-AA67-313313C9EC48}"/>
+          </ac:spMkLst>
+        </pc:spChg>
+        <pc:spChg chg="del">
+          <ac:chgData name="明阳 阮" userId="a4dcf2889a22c6f9" providerId="LiveId" clId="{607C1844-05CD-4CC9-972F-CAE573386568}" dt="2023-12-05T05:58:01.423" v="1358" actId="478"/>
+          <ac:spMkLst>
+            <pc:docMk/>
+            <pc:sldMk cId="893564232" sldId="266"/>
+            <ac:spMk id="24" creationId="{1B68C04A-93B5-2CFB-C55A-0DFB388209CF}"/>
+          </ac:spMkLst>
+        </pc:spChg>
+      </pc:sldChg>
+      <pc:sldChg chg="delSp mod">
+        <pc:chgData name="明阳 阮" userId="a4dcf2889a22c6f9" providerId="LiveId" clId="{607C1844-05CD-4CC9-972F-CAE573386568}" dt="2023-12-05T10:54:32.561" v="2385" actId="478"/>
+        <pc:sldMkLst>
+          <pc:docMk/>
+          <pc:sldMk cId="4002330931" sldId="267"/>
+        </pc:sldMkLst>
+        <pc:spChg chg="del">
+          <ac:chgData name="明阳 阮" userId="a4dcf2889a22c6f9" providerId="LiveId" clId="{607C1844-05CD-4CC9-972F-CAE573386568}" dt="2023-12-05T10:54:32.561" v="2385" actId="478"/>
+          <ac:spMkLst>
+            <pc:docMk/>
+            <pc:sldMk cId="4002330931" sldId="267"/>
+            <ac:spMk id="4" creationId="{88BC6632-5526-DF83-D675-872569C3E159}"/>
+          </ac:spMkLst>
+        </pc:spChg>
+      </pc:sldChg>
+      <pc:sldChg chg="addSp delSp modSp new mod">
+        <pc:chgData name="明阳 阮" userId="a4dcf2889a22c6f9" providerId="LiveId" clId="{607C1844-05CD-4CC9-972F-CAE573386568}" dt="2023-12-05T10:55:13.792" v="2444" actId="1035"/>
+        <pc:sldMkLst>
+          <pc:docMk/>
+          <pc:sldMk cId="350706535" sldId="268"/>
+        </pc:sldMkLst>
+        <pc:spChg chg="add mod">
+          <ac:chgData name="明阳 阮" userId="a4dcf2889a22c6f9" providerId="LiveId" clId="{607C1844-05CD-4CC9-972F-CAE573386568}" dt="2023-12-05T10:55:13.792" v="2444" actId="1035"/>
+          <ac:spMkLst>
+            <pc:docMk/>
+            <pc:sldMk cId="350706535" sldId="268"/>
+            <ac:spMk id="2" creationId="{9F45FBE3-E121-00DE-62AC-5EAE8E7642BF}"/>
+          </ac:spMkLst>
+        </pc:spChg>
+        <pc:spChg chg="add del mod">
+          <ac:chgData name="明阳 阮" userId="a4dcf2889a22c6f9" providerId="LiveId" clId="{607C1844-05CD-4CC9-972F-CAE573386568}" dt="2023-12-05T05:06:36.315" v="1279"/>
+          <ac:spMkLst>
+            <pc:docMk/>
+            <pc:sldMk cId="350706535" sldId="268"/>
+            <ac:spMk id="3" creationId="{F8FD0F4D-B0CF-C657-96C3-611ACDFE4DE9}"/>
+          </ac:spMkLst>
+        </pc:spChg>
+        <pc:spChg chg="add mod">
+          <ac:chgData name="明阳 阮" userId="a4dcf2889a22c6f9" providerId="LiveId" clId="{607C1844-05CD-4CC9-972F-CAE573386568}" dt="2023-12-05T10:55:13.792" v="2444" actId="1035"/>
+          <ac:spMkLst>
+            <pc:docMk/>
+            <pc:sldMk cId="350706535" sldId="268"/>
+            <ac:spMk id="4" creationId="{2EEEA8F0-FD55-BD66-AD5C-A0828E0A0DFE}"/>
+          </ac:spMkLst>
+        </pc:spChg>
+        <pc:spChg chg="add mod">
+          <ac:chgData name="明阳 阮" userId="a4dcf2889a22c6f9" providerId="LiveId" clId="{607C1844-05CD-4CC9-972F-CAE573386568}" dt="2023-12-05T06:03:46.107" v="1529" actId="20577"/>
+          <ac:spMkLst>
+            <pc:docMk/>
+            <pc:sldMk cId="350706535" sldId="268"/>
+            <ac:spMk id="5" creationId="{F128A97E-CDFB-48F2-67BF-84D159D7E898}"/>
+          </ac:spMkLst>
+        </pc:spChg>
+        <pc:spChg chg="add mod">
+          <ac:chgData name="明阳 阮" userId="a4dcf2889a22c6f9" providerId="LiveId" clId="{607C1844-05CD-4CC9-972F-CAE573386568}" dt="2023-12-05T06:04:35.773" v="1577" actId="14100"/>
+          <ac:spMkLst>
+            <pc:docMk/>
+            <pc:sldMk cId="350706535" sldId="268"/>
+            <ac:spMk id="6" creationId="{1D479A8A-028B-E144-2DA3-8724DB020E39}"/>
+          </ac:spMkLst>
+        </pc:spChg>
+      </pc:sldChg>
+      <pc:sldChg chg="addSp delSp modSp new del mod">
+        <pc:chgData name="明阳 阮" userId="a4dcf2889a22c6f9" providerId="LiveId" clId="{607C1844-05CD-4CC9-972F-CAE573386568}" dt="2023-12-03T06:45:50.349" v="439" actId="47"/>
+        <pc:sldMkLst>
+          <pc:docMk/>
+          <pc:sldMk cId="3219223834" sldId="269"/>
+        </pc:sldMkLst>
+        <pc:spChg chg="add del mod">
+          <ac:chgData name="明阳 阮" userId="a4dcf2889a22c6f9" providerId="LiveId" clId="{607C1844-05CD-4CC9-972F-CAE573386568}" dt="2023-12-03T06:06:13.204" v="418" actId="21"/>
+          <ac:spMkLst>
+            <pc:docMk/>
+            <pc:sldMk cId="3219223834" sldId="269"/>
+            <ac:spMk id="4" creationId="{BDF584EC-0B9A-D76D-37EB-EF7F4F3F2D3F}"/>
+          </ac:spMkLst>
+        </pc:spChg>
+        <pc:spChg chg="add del mod">
+          <ac:chgData name="明阳 阮" userId="a4dcf2889a22c6f9" providerId="LiveId" clId="{607C1844-05CD-4CC9-972F-CAE573386568}" dt="2023-12-03T06:06:13.204" v="418" actId="21"/>
+          <ac:spMkLst>
+            <pc:docMk/>
+            <pc:sldMk cId="3219223834" sldId="269"/>
+            <ac:spMk id="5" creationId="{7946CDE1-BC10-34B8-00BA-F3DA8D0107DA}"/>
+          </ac:spMkLst>
+        </pc:spChg>
+        <pc:spChg chg="add del mod">
+          <ac:chgData name="明阳 阮" userId="a4dcf2889a22c6f9" providerId="LiveId" clId="{607C1844-05CD-4CC9-972F-CAE573386568}" dt="2023-12-03T06:06:13.204" v="418" actId="21"/>
+          <ac:spMkLst>
+            <pc:docMk/>
+            <pc:sldMk cId="3219223834" sldId="269"/>
+            <ac:spMk id="6" creationId="{5F04B321-1AC1-0AD0-7670-EF4C262A57E3}"/>
+          </ac:spMkLst>
+        </pc:spChg>
+        <pc:spChg chg="add del mod">
+          <ac:chgData name="明阳 阮" userId="a4dcf2889a22c6f9" providerId="LiveId" clId="{607C1844-05CD-4CC9-972F-CAE573386568}" dt="2023-12-03T06:06:13.204" v="418" actId="21"/>
+          <ac:spMkLst>
+            <pc:docMk/>
+            <pc:sldMk cId="3219223834" sldId="269"/>
+            <ac:spMk id="7" creationId="{675B805D-AD10-6D39-AAB5-172416C1880A}"/>
+          </ac:spMkLst>
+        </pc:spChg>
+        <pc:spChg chg="add del mod">
+          <ac:chgData name="明阳 阮" userId="a4dcf2889a22c6f9" providerId="LiveId" clId="{607C1844-05CD-4CC9-972F-CAE573386568}" dt="2023-12-03T06:06:13.204" v="418" actId="21"/>
+          <ac:spMkLst>
+            <pc:docMk/>
+            <pc:sldMk cId="3219223834" sldId="269"/>
+            <ac:spMk id="8" creationId="{EFFB1D3A-7517-52B1-1C73-39FEB6558B62}"/>
+          </ac:spMkLst>
+        </pc:spChg>
+        <pc:spChg chg="add del mod">
+          <ac:chgData name="明阳 阮" userId="a4dcf2889a22c6f9" providerId="LiveId" clId="{607C1844-05CD-4CC9-972F-CAE573386568}" dt="2023-12-03T06:06:13.204" v="418" actId="21"/>
+          <ac:spMkLst>
+            <pc:docMk/>
+            <pc:sldMk cId="3219223834" sldId="269"/>
+            <ac:spMk id="9" creationId="{E16DF83F-0463-2B6A-9EE7-1C7A585990DD}"/>
+          </ac:spMkLst>
+        </pc:spChg>
+        <pc:spChg chg="add del mod">
+          <ac:chgData name="明阳 阮" userId="a4dcf2889a22c6f9" providerId="LiveId" clId="{607C1844-05CD-4CC9-972F-CAE573386568}" dt="2023-12-03T06:06:13.204" v="418" actId="21"/>
+          <ac:spMkLst>
+            <pc:docMk/>
+            <pc:sldMk cId="3219223834" sldId="269"/>
+            <ac:spMk id="10" creationId="{490FBA73-37D1-ECAC-17D0-325F1984473A}"/>
+          </ac:spMkLst>
+        </pc:spChg>
+        <pc:spChg chg="add del mod">
+          <ac:chgData name="明阳 阮" userId="a4dcf2889a22c6f9" providerId="LiveId" clId="{607C1844-05CD-4CC9-972F-CAE573386568}" dt="2023-12-03T06:06:13.204" v="418" actId="21"/>
+          <ac:spMkLst>
+            <pc:docMk/>
+            <pc:sldMk cId="3219223834" sldId="269"/>
+            <ac:spMk id="11" creationId="{28F45A4A-FE02-C27E-A18E-CDA448D36DAA}"/>
+          </ac:spMkLst>
+        </pc:spChg>
+        <pc:graphicFrameChg chg="add del mod">
+          <ac:chgData name="明阳 阮" userId="a4dcf2889a22c6f9" providerId="LiveId" clId="{607C1844-05CD-4CC9-972F-CAE573386568}" dt="2023-12-03T06:39:19.787" v="431"/>
+          <ac:graphicFrameMkLst>
+            <pc:docMk/>
+            <pc:sldMk cId="3219223834" sldId="269"/>
+            <ac:graphicFrameMk id="15" creationId="{772BF952-C1A2-540D-1DFB-0F10C0E69BFB}"/>
+          </ac:graphicFrameMkLst>
+        </pc:graphicFrameChg>
+        <pc:picChg chg="add mod">
+          <ac:chgData name="明阳 阮" userId="a4dcf2889a22c6f9" providerId="LiveId" clId="{607C1844-05CD-4CC9-972F-CAE573386568}" dt="2023-12-03T06:39:15.233" v="429" actId="1076"/>
+          <ac:picMkLst>
+            <pc:docMk/>
+            <pc:sldMk cId="3219223834" sldId="269"/>
+            <ac:picMk id="3" creationId="{3384CEA7-C9F0-9A4B-AE9A-24FE036192FB}"/>
+          </ac:picMkLst>
+        </pc:picChg>
+        <pc:picChg chg="add del mod">
+          <ac:chgData name="明阳 阮" userId="a4dcf2889a22c6f9" providerId="LiveId" clId="{607C1844-05CD-4CC9-972F-CAE573386568}" dt="2023-12-03T06:39:52.798" v="437" actId="21"/>
+          <ac:picMkLst>
+            <pc:docMk/>
+            <pc:sldMk cId="3219223834" sldId="269"/>
+            <ac:picMk id="17" creationId="{E51026DC-EB9C-4193-CA32-7A0781F018C7}"/>
+          </ac:picMkLst>
+        </pc:picChg>
+        <pc:cxnChg chg="add del mod">
+          <ac:chgData name="明阳 阮" userId="a4dcf2889a22c6f9" providerId="LiveId" clId="{607C1844-05CD-4CC9-972F-CAE573386568}" dt="2023-12-03T06:06:13.204" v="418" actId="21"/>
+          <ac:cxnSpMkLst>
+            <pc:docMk/>
+            <pc:sldMk cId="3219223834" sldId="269"/>
+            <ac:cxnSpMk id="12" creationId="{70A2C60F-8893-2693-E2ED-2913A2514306}"/>
+          </ac:cxnSpMkLst>
+        </pc:cxnChg>
+        <pc:cxnChg chg="add del mod">
+          <ac:chgData name="明阳 阮" userId="a4dcf2889a22c6f9" providerId="LiveId" clId="{607C1844-05CD-4CC9-972F-CAE573386568}" dt="2023-12-03T06:06:13.204" v="418" actId="21"/>
+          <ac:cxnSpMkLst>
+            <pc:docMk/>
+            <pc:sldMk cId="3219223834" sldId="269"/>
+            <ac:cxnSpMk id="13" creationId="{1E1244FF-B925-DE8F-5FBE-4B2D6FFA8EDF}"/>
+          </ac:cxnSpMkLst>
+        </pc:cxnChg>
+        <pc:cxnChg chg="add del mod">
+          <ac:chgData name="明阳 阮" userId="a4dcf2889a22c6f9" providerId="LiveId" clId="{607C1844-05CD-4CC9-972F-CAE573386568}" dt="2023-12-03T06:06:13.204" v="418" actId="21"/>
+          <ac:cxnSpMkLst>
+            <pc:docMk/>
+            <pc:sldMk cId="3219223834" sldId="269"/>
+            <ac:cxnSpMk id="14" creationId="{C5662B1D-6C08-964C-ED2B-E14CC3D4A3FE}"/>
+          </ac:cxnSpMkLst>
+        </pc:cxnChg>
+      </pc:sldChg>
+      <pc:sldChg chg="addSp delSp modSp new mod">
+        <pc:chgData name="明阳 阮" userId="a4dcf2889a22c6f9" providerId="LiveId" clId="{607C1844-05CD-4CC9-972F-CAE573386568}" dt="2023-12-05T10:54:47.567" v="2386" actId="1076"/>
+        <pc:sldMkLst>
+          <pc:docMk/>
+          <pc:sldMk cId="2493423417" sldId="270"/>
+        </pc:sldMkLst>
+        <pc:spChg chg="add del mod">
+          <ac:chgData name="明阳 阮" userId="a4dcf2889a22c6f9" providerId="LiveId" clId="{607C1844-05CD-4CC9-972F-CAE573386568}" dt="2023-12-03T05:39:32.492" v="256" actId="478"/>
+          <ac:spMkLst>
+            <pc:docMk/>
+            <pc:sldMk cId="2493423417" sldId="270"/>
+            <ac:spMk id="2" creationId="{98DA2237-2C5E-2CF1-BA55-C009C309EA8E}"/>
+          </ac:spMkLst>
+        </pc:spChg>
+        <pc:spChg chg="add del mod topLvl">
+          <ac:chgData name="明阳 阮" userId="a4dcf2889a22c6f9" providerId="LiveId" clId="{607C1844-05CD-4CC9-972F-CAE573386568}" dt="2023-12-03T06:06:05.356" v="416" actId="21"/>
+          <ac:spMkLst>
+            <pc:docMk/>
+            <pc:sldMk cId="2493423417" sldId="270"/>
+            <ac:spMk id="3" creationId="{BDF01118-F4F8-2C98-05BA-D474E1CAFE65}"/>
+          </ac:spMkLst>
+        </pc:spChg>
+        <pc:spChg chg="add del mod topLvl">
+          <ac:chgData name="明阳 阮" userId="a4dcf2889a22c6f9" providerId="LiveId" clId="{607C1844-05CD-4CC9-972F-CAE573386568}" dt="2023-12-03T06:06:05.356" v="416" actId="21"/>
+          <ac:spMkLst>
+            <pc:docMk/>
+            <pc:sldMk cId="2493423417" sldId="270"/>
+            <ac:spMk id="4" creationId="{BD410F83-86BD-615A-76B9-5968C9600B58}"/>
+          </ac:spMkLst>
+        </pc:spChg>
+        <pc:spChg chg="add del mod">
+          <ac:chgData name="明阳 阮" userId="a4dcf2889a22c6f9" providerId="LiveId" clId="{607C1844-05CD-4CC9-972F-CAE573386568}" dt="2023-12-04T06:00:07.846" v="1076" actId="478"/>
+          <ac:spMkLst>
+            <pc:docMk/>
+            <pc:sldMk cId="2493423417" sldId="270"/>
+            <ac:spMk id="5" creationId="{1CE2A67E-6295-E087-5201-1A8509057134}"/>
+          </ac:spMkLst>
+        </pc:spChg>
+        <pc:spChg chg="add del mod topLvl">
+          <ac:chgData name="明阳 阮" userId="a4dcf2889a22c6f9" providerId="LiveId" clId="{607C1844-05CD-4CC9-972F-CAE573386568}" dt="2023-12-03T06:06:05.356" v="416" actId="21"/>
+          <ac:spMkLst>
+            <pc:docMk/>
+            <pc:sldMk cId="2493423417" sldId="270"/>
+            <ac:spMk id="5" creationId="{E51581B3-D207-E948-2E25-C95D273FBAC6}"/>
+          </ac:spMkLst>
+        </pc:spChg>
+        <pc:spChg chg="add del mod topLvl">
+          <ac:chgData name="明阳 阮" userId="a4dcf2889a22c6f9" providerId="LiveId" clId="{607C1844-05CD-4CC9-972F-CAE573386568}" dt="2023-12-03T06:06:05.356" v="416" actId="21"/>
+          <ac:spMkLst>
+            <pc:docMk/>
+            <pc:sldMk cId="2493423417" sldId="270"/>
+            <ac:spMk id="6" creationId="{75541DB4-CF25-B115-CD00-82C96D496FA3}"/>
+          </ac:spMkLst>
+        </pc:spChg>
+        <pc:spChg chg="add del mod topLvl">
+          <ac:chgData name="明阳 阮" userId="a4dcf2889a22c6f9" providerId="LiveId" clId="{607C1844-05CD-4CC9-972F-CAE573386568}" dt="2023-12-03T06:06:05.356" v="416" actId="21"/>
+          <ac:spMkLst>
+            <pc:docMk/>
+            <pc:sldMk cId="2493423417" sldId="270"/>
+            <ac:spMk id="7" creationId="{2690EFDC-9E36-988D-B808-BA8CF2A311EE}"/>
+          </ac:spMkLst>
+        </pc:spChg>
+        <pc:spChg chg="add del mod topLvl">
+          <ac:chgData name="明阳 阮" userId="a4dcf2889a22c6f9" providerId="LiveId" clId="{607C1844-05CD-4CC9-972F-CAE573386568}" dt="2023-12-03T06:06:05.356" v="416" actId="21"/>
+          <ac:spMkLst>
+            <pc:docMk/>
+            <pc:sldMk cId="2493423417" sldId="270"/>
+            <ac:spMk id="8" creationId="{0607C058-FFCD-9916-A40D-E56CADE36E4C}"/>
+          </ac:spMkLst>
+        </pc:spChg>
+        <pc:spChg chg="add del mod topLvl">
+          <ac:chgData name="明阳 阮" userId="a4dcf2889a22c6f9" providerId="LiveId" clId="{607C1844-05CD-4CC9-972F-CAE573386568}" dt="2023-12-03T06:06:05.356" v="416" actId="21"/>
+          <ac:spMkLst>
+            <pc:docMk/>
+            <pc:sldMk cId="2493423417" sldId="270"/>
+            <ac:spMk id="9" creationId="{97680A2F-C88C-7591-9381-C820D169022E}"/>
+          </ac:spMkLst>
+        </pc:spChg>
+        <pc:spChg chg="add del mod topLvl">
+          <ac:chgData name="明阳 阮" userId="a4dcf2889a22c6f9" providerId="LiveId" clId="{607C1844-05CD-4CC9-972F-CAE573386568}" dt="2023-12-03T06:06:05.356" v="416" actId="21"/>
+          <ac:spMkLst>
+            <pc:docMk/>
+            <pc:sldMk cId="2493423417" sldId="270"/>
+            <ac:spMk id="10" creationId="{45C58C2C-899F-0D39-D8ED-9745083CA371}"/>
+          </ac:spMkLst>
+        </pc:spChg>
+        <pc:spChg chg="add del mod topLvl">
+          <ac:chgData name="明阳 阮" userId="a4dcf2889a22c6f9" providerId="LiveId" clId="{607C1844-05CD-4CC9-972F-CAE573386568}" dt="2023-12-03T05:53:54.406" v="286" actId="478"/>
+          <ac:spMkLst>
+            <pc:docMk/>
+            <pc:sldMk cId="2493423417" sldId="270"/>
+            <ac:spMk id="11" creationId="{031B6833-5B58-A381-94FE-4CD001AAAB13}"/>
+          </ac:spMkLst>
+        </pc:spChg>
+        <pc:spChg chg="add del mod">
+          <ac:chgData name="明阳 阮" userId="a4dcf2889a22c6f9" providerId="LiveId" clId="{607C1844-05CD-4CC9-972F-CAE573386568}" dt="2023-12-02T12:24:53.003" v="20" actId="478"/>
+          <ac:spMkLst>
+            <pc:docMk/>
+            <pc:sldMk cId="2493423417" sldId="270"/>
+            <ac:spMk id="11" creationId="{718015CC-5F11-C724-8274-80B8E76CB3A0}"/>
+          </ac:spMkLst>
+        </pc:spChg>
+        <pc:spChg chg="add del mod">
+          <ac:chgData name="明阳 阮" userId="a4dcf2889a22c6f9" providerId="LiveId" clId="{607C1844-05CD-4CC9-972F-CAE573386568}" dt="2023-12-05T05:47:53.353" v="1348" actId="21"/>
+          <ac:spMkLst>
+            <pc:docMk/>
+            <pc:sldMk cId="2493423417" sldId="270"/>
+            <ac:spMk id="11" creationId="{9D357787-AD94-2375-6216-B7F5630D4297}"/>
+          </ac:spMkLst>
+        </pc:spChg>
+        <pc:spChg chg="add del mod">
+          <ac:chgData name="明阳 阮" userId="a4dcf2889a22c6f9" providerId="LiveId" clId="{607C1844-05CD-4CC9-972F-CAE573386568}" dt="2023-12-05T05:47:53.353" v="1348" actId="21"/>
+          <ac:spMkLst>
+            <pc:docMk/>
+            <pc:sldMk cId="2493423417" sldId="270"/>
+            <ac:spMk id="12" creationId="{0B5F5089-9ED3-ACDB-2303-52191A491A57}"/>
+          </ac:spMkLst>
+        </pc:spChg>
+        <pc:spChg chg="add mod topLvl">
+          <ac:chgData name="明阳 阮" userId="a4dcf2889a22c6f9" providerId="LiveId" clId="{607C1844-05CD-4CC9-972F-CAE573386568}" dt="2023-12-03T07:15:51.515" v="557" actId="164"/>
+          <ac:spMkLst>
+            <pc:docMk/>
+            <pc:sldMk cId="2493423417" sldId="270"/>
+            <ac:spMk id="12" creationId="{3CA0D313-7039-012F-6055-A7B440F2F8B3}"/>
+          </ac:spMkLst>
+        </pc:spChg>
+        <pc:spChg chg="add del mod">
+          <ac:chgData name="明阳 阮" userId="a4dcf2889a22c6f9" providerId="LiveId" clId="{607C1844-05CD-4CC9-972F-CAE573386568}" dt="2023-12-02T12:24:53.003" v="20" actId="478"/>
+          <ac:spMkLst>
+            <pc:docMk/>
+            <pc:sldMk cId="2493423417" sldId="270"/>
+            <ac:spMk id="12" creationId="{DD7DFA06-CAE0-6946-0EBE-EF234F65F672}"/>
+          </ac:spMkLst>
+        </pc:spChg>
+        <pc:spChg chg="add del mod">
+          <ac:chgData name="明阳 阮" userId="a4dcf2889a22c6f9" providerId="LiveId" clId="{607C1844-05CD-4CC9-972F-CAE573386568}" dt="2023-12-02T12:24:53.003" v="20" actId="478"/>
+          <ac:spMkLst>
+            <pc:docMk/>
+            <pc:sldMk cId="2493423417" sldId="270"/>
+            <ac:spMk id="13" creationId="{7A51E310-D576-D5C1-BDE7-D265C8FE342F}"/>
+          </ac:spMkLst>
+        </pc:spChg>
+        <pc:spChg chg="add del mod">
+          <ac:chgData name="明阳 阮" userId="a4dcf2889a22c6f9" providerId="LiveId" clId="{607C1844-05CD-4CC9-972F-CAE573386568}" dt="2023-12-05T05:47:53.353" v="1348" actId="21"/>
+          <ac:spMkLst>
+            <pc:docMk/>
+            <pc:sldMk cId="2493423417" sldId="270"/>
+            <ac:spMk id="13" creationId="{B54726AA-E1EA-512C-F48E-2CF36763C53E}"/>
+          </ac:spMkLst>
+        </pc:spChg>
+        <pc:spChg chg="add del mod">
+          <ac:chgData name="明阳 阮" userId="a4dcf2889a22c6f9" providerId="LiveId" clId="{607C1844-05CD-4CC9-972F-CAE573386568}" dt="2023-12-05T05:47:53.353" v="1348" actId="21"/>
+          <ac:spMkLst>
+            <pc:docMk/>
+            <pc:sldMk cId="2493423417" sldId="270"/>
+            <ac:spMk id="14" creationId="{83D29929-F498-0403-EC7C-9E8A60E14058}"/>
+          </ac:spMkLst>
+        </pc:spChg>
+        <pc:spChg chg="add del mod">
+          <ac:chgData name="明阳 阮" userId="a4dcf2889a22c6f9" providerId="LiveId" clId="{607C1844-05CD-4CC9-972F-CAE573386568}" dt="2023-12-02T12:24:53.003" v="20" actId="478"/>
+          <ac:spMkLst>
+            <pc:docMk/>
+            <pc:sldMk cId="2493423417" sldId="270"/>
+            <ac:spMk id="14" creationId="{C150437D-3FF1-F92B-E9E7-95CCB034E6D7}"/>
+          </ac:spMkLst>
+        </pc:spChg>
+        <pc:spChg chg="add del mod">
+          <ac:chgData name="明阳 阮" userId="a4dcf2889a22c6f9" providerId="LiveId" clId="{607C1844-05CD-4CC9-972F-CAE573386568}" dt="2023-12-02T12:24:53.003" v="20" actId="478"/>
+          <ac:spMkLst>
+            <pc:docMk/>
+            <pc:sldMk cId="2493423417" sldId="270"/>
+            <ac:spMk id="15" creationId="{1E6D2780-7135-8D3D-C23A-E4E3AB60DFF9}"/>
+          </ac:spMkLst>
+        </pc:spChg>
+        <pc:spChg chg="add del mod">
+          <ac:chgData name="明阳 阮" userId="a4dcf2889a22c6f9" providerId="LiveId" clId="{607C1844-05CD-4CC9-972F-CAE573386568}" dt="2023-12-02T12:24:53.003" v="20" actId="478"/>
+          <ac:spMkLst>
+            <pc:docMk/>
+            <pc:sldMk cId="2493423417" sldId="270"/>
+            <ac:spMk id="16" creationId="{5FFA5315-4A71-8C6D-FAED-C4D43B4A1F7C}"/>
+          </ac:spMkLst>
+        </pc:spChg>
+        <pc:spChg chg="add del mod">
+          <ac:chgData name="明阳 阮" userId="a4dcf2889a22c6f9" providerId="LiveId" clId="{607C1844-05CD-4CC9-972F-CAE573386568}" dt="2023-12-02T12:27:39.754" v="135" actId="478"/>
+          <ac:spMkLst>
+            <pc:docMk/>
+            <pc:sldMk cId="2493423417" sldId="270"/>
+            <ac:spMk id="20" creationId="{F11A0C89-F0E7-D7FF-7ABA-7A1DEAA20085}"/>
+          </ac:spMkLst>
+        </pc:spChg>
+        <pc:spChg chg="add del mod">
+          <ac:chgData name="明阳 阮" userId="a4dcf2889a22c6f9" providerId="LiveId" clId="{607C1844-05CD-4CC9-972F-CAE573386568}" dt="2023-12-02T12:27:27.319" v="133" actId="478"/>
+          <ac:spMkLst>
+            <pc:docMk/>
+            <pc:sldMk cId="2493423417" sldId="270"/>
+            <ac:spMk id="21" creationId="{6348DD2E-53ED-E2CA-4CC3-0BF4106B5DA7}"/>
+          </ac:spMkLst>
+        </pc:spChg>
+        <pc:spChg chg="add del mod">
+          <ac:chgData name="明阳 阮" userId="a4dcf2889a22c6f9" providerId="LiveId" clId="{607C1844-05CD-4CC9-972F-CAE573386568}" dt="2023-12-02T12:27:39.754" v="135" actId="478"/>
+          <ac:spMkLst>
+            <pc:docMk/>
+            <pc:sldMk cId="2493423417" sldId="270"/>
+            <ac:spMk id="22" creationId="{479B14F8-5FA0-CBE7-BB54-39B638AAE28C}"/>
+          </ac:spMkLst>
+        </pc:spChg>
+        <pc:spChg chg="add del mod">
+          <ac:chgData name="明阳 阮" userId="a4dcf2889a22c6f9" providerId="LiveId" clId="{607C1844-05CD-4CC9-972F-CAE573386568}" dt="2023-12-02T12:27:42.647" v="136" actId="478"/>
+          <ac:spMkLst>
+            <pc:docMk/>
+            <pc:sldMk cId="2493423417" sldId="270"/>
+            <ac:spMk id="23" creationId="{27DEC337-6C92-B666-8E38-80DD5FD72D78}"/>
+          </ac:spMkLst>
+        </pc:spChg>
+        <pc:spChg chg="add del">
+          <ac:chgData name="明阳 阮" userId="a4dcf2889a22c6f9" providerId="LiveId" clId="{607C1844-05CD-4CC9-972F-CAE573386568}" dt="2023-12-03T05:56:58.903" v="313" actId="478"/>
+          <ac:spMkLst>
+            <pc:docMk/>
+            <pc:sldMk cId="2493423417" sldId="270"/>
+            <ac:spMk id="24" creationId="{0EF1C35B-946E-9757-67A0-A5F88814B845}"/>
+          </ac:spMkLst>
+        </pc:spChg>
+        <pc:spChg chg="add del mod">
+          <ac:chgData name="明阳 阮" userId="a4dcf2889a22c6f9" providerId="LiveId" clId="{607C1844-05CD-4CC9-972F-CAE573386568}" dt="2023-12-02T12:31:36.436" v="182" actId="478"/>
+          <ac:spMkLst>
+            <pc:docMk/>
+            <pc:sldMk cId="2493423417" sldId="270"/>
+            <ac:spMk id="24" creationId="{2432D950-6815-C825-4F34-993A5A310F29}"/>
+          </ac:spMkLst>
+        </pc:spChg>
+        <pc:spChg chg="add del mod">
+          <ac:chgData name="明阳 阮" userId="a4dcf2889a22c6f9" providerId="LiveId" clId="{607C1844-05CD-4CC9-972F-CAE573386568}" dt="2023-12-02T12:31:36.436" v="182" actId="478"/>
+          <ac:spMkLst>
+            <pc:docMk/>
+            <pc:sldMk cId="2493423417" sldId="270"/>
+            <ac:spMk id="25" creationId="{FE12A48B-449F-1634-238F-9515630A2848}"/>
+          </ac:spMkLst>
+        </pc:spChg>
+        <pc:spChg chg="add del mod">
+          <ac:chgData name="明阳 阮" userId="a4dcf2889a22c6f9" providerId="LiveId" clId="{607C1844-05CD-4CC9-972F-CAE573386568}" dt="2023-12-02T12:31:36.436" v="182" actId="478"/>
+          <ac:spMkLst>
+            <pc:docMk/>
+            <pc:sldMk cId="2493423417" sldId="270"/>
+            <ac:spMk id="26" creationId="{E06E7379-19B8-0F23-1BAB-09C195919F01}"/>
+          </ac:spMkLst>
+        </pc:spChg>
+        <pc:spChg chg="add del mod">
+          <ac:chgData name="明阳 阮" userId="a4dcf2889a22c6f9" providerId="LiveId" clId="{607C1844-05CD-4CC9-972F-CAE573386568}" dt="2023-12-02T12:31:36.436" v="182" actId="478"/>
+          <ac:spMkLst>
+            <pc:docMk/>
+            <pc:sldMk cId="2493423417" sldId="270"/>
+            <ac:spMk id="27" creationId="{A195F0FF-8C15-C7A2-514D-519342A05DC9}"/>
+          </ac:spMkLst>
+        </pc:spChg>
+        <pc:spChg chg="add del mod">
+          <ac:chgData name="明阳 阮" userId="a4dcf2889a22c6f9" providerId="LiveId" clId="{607C1844-05CD-4CC9-972F-CAE573386568}" dt="2023-12-02T12:31:36.436" v="182" actId="478"/>
+          <ac:spMkLst>
+            <pc:docMk/>
+            <pc:sldMk cId="2493423417" sldId="270"/>
+            <ac:spMk id="28" creationId="{9B6E5A1D-2821-6E93-A86B-CC5935664436}"/>
+          </ac:spMkLst>
+        </pc:spChg>
+        <pc:spChg chg="add del mod">
+          <ac:chgData name="明阳 阮" userId="a4dcf2889a22c6f9" providerId="LiveId" clId="{607C1844-05CD-4CC9-972F-CAE573386568}" dt="2023-12-02T12:31:36.436" v="182" actId="478"/>
+          <ac:spMkLst>
+            <pc:docMk/>
+            <pc:sldMk cId="2493423417" sldId="270"/>
+            <ac:spMk id="29" creationId="{1F2DEC8A-5282-8219-3922-4792814208DA}"/>
+          </ac:spMkLst>
+        </pc:spChg>
+        <pc:spChg chg="add del mod">
+          <ac:chgData name="明阳 阮" userId="a4dcf2889a22c6f9" providerId="LiveId" clId="{607C1844-05CD-4CC9-972F-CAE573386568}" dt="2023-12-05T05:47:53.353" v="1348" actId="21"/>
+          <ac:spMkLst>
+            <pc:docMk/>
+            <pc:sldMk cId="2493423417" sldId="270"/>
+            <ac:spMk id="41" creationId="{B90E3A21-4A3B-1E3E-5DC9-0E78045BF514}"/>
+          </ac:spMkLst>
+        </pc:spChg>
+        <pc:spChg chg="add del mod">
+          <ac:chgData name="明阳 阮" userId="a4dcf2889a22c6f9" providerId="LiveId" clId="{607C1844-05CD-4CC9-972F-CAE573386568}" dt="2023-12-05T05:47:53.353" v="1348" actId="21"/>
+          <ac:spMkLst>
+            <pc:docMk/>
+            <pc:sldMk cId="2493423417" sldId="270"/>
+            <ac:spMk id="42" creationId="{54074648-825C-5246-DEC8-509B219B83C6}"/>
+          </ac:spMkLst>
+        </pc:spChg>
+        <pc:spChg chg="add del mod">
+          <ac:chgData name="明阳 阮" userId="a4dcf2889a22c6f9" providerId="LiveId" clId="{607C1844-05CD-4CC9-972F-CAE573386568}" dt="2023-12-05T05:47:53.353" v="1348" actId="21"/>
+          <ac:spMkLst>
+            <pc:docMk/>
+            <pc:sldMk cId="2493423417" sldId="270"/>
+            <ac:spMk id="43" creationId="{0EA0D1FA-35AC-120F-0F6A-1EFA314BD454}"/>
+          </ac:spMkLst>
+        </pc:spChg>
+        <pc:spChg chg="add del mod">
+          <ac:chgData name="明阳 阮" userId="a4dcf2889a22c6f9" providerId="LiveId" clId="{607C1844-05CD-4CC9-972F-CAE573386568}" dt="2023-12-05T05:47:53.353" v="1348" actId="21"/>
+          <ac:spMkLst>
+            <pc:docMk/>
+            <pc:sldMk cId="2493423417" sldId="270"/>
+            <ac:spMk id="44" creationId="{6203831A-2CBF-B168-4451-68B42B3313BD}"/>
+          </ac:spMkLst>
+        </pc:spChg>
+        <pc:spChg chg="add del mod">
+          <ac:chgData name="明阳 阮" userId="a4dcf2889a22c6f9" providerId="LiveId" clId="{607C1844-05CD-4CC9-972F-CAE573386568}" dt="2023-12-05T05:47:53.353" v="1348" actId="21"/>
+          <ac:spMkLst>
+            <pc:docMk/>
+            <pc:sldMk cId="2493423417" sldId="270"/>
+            <ac:spMk id="45" creationId="{8F37C929-3AF5-5996-8121-E3EAE72E86B0}"/>
+          </ac:spMkLst>
+        </pc:spChg>
+        <pc:spChg chg="add del mod">
+          <ac:chgData name="明阳 阮" userId="a4dcf2889a22c6f9" providerId="LiveId" clId="{607C1844-05CD-4CC9-972F-CAE573386568}" dt="2023-12-05T05:47:53.353" v="1348" actId="21"/>
+          <ac:spMkLst>
+            <pc:docMk/>
+            <pc:sldMk cId="2493423417" sldId="270"/>
+            <ac:spMk id="46" creationId="{3DB30F4C-78E7-5F53-3E74-63D87A7C64E7}"/>
+          </ac:spMkLst>
+        </pc:spChg>
+        <pc:spChg chg="add del mod">
+          <ac:chgData name="明阳 阮" userId="a4dcf2889a22c6f9" providerId="LiveId" clId="{607C1844-05CD-4CC9-972F-CAE573386568}" dt="2023-12-05T05:47:53.353" v="1348" actId="21"/>
+          <ac:spMkLst>
+            <pc:docMk/>
+            <pc:sldMk cId="2493423417" sldId="270"/>
+            <ac:spMk id="47" creationId="{6279E50A-C290-2C1D-4036-8F796BC63440}"/>
+          </ac:spMkLst>
+        </pc:spChg>
+        <pc:spChg chg="add del mod">
+          <ac:chgData name="明阳 阮" userId="a4dcf2889a22c6f9" providerId="LiveId" clId="{607C1844-05CD-4CC9-972F-CAE573386568}" dt="2023-12-05T05:47:53.353" v="1348" actId="21"/>
+          <ac:spMkLst>
+            <pc:docMk/>
+            <pc:sldMk cId="2493423417" sldId="270"/>
+            <ac:spMk id="48" creationId="{D744A6A8-A21D-76F9-CA4D-A884B0970F4A}"/>
+          </ac:spMkLst>
+        </pc:spChg>
+        <pc:grpChg chg="add del mod">
+          <ac:chgData name="明阳 阮" userId="a4dcf2889a22c6f9" providerId="LiveId" clId="{607C1844-05CD-4CC9-972F-CAE573386568}" dt="2023-12-03T05:52:20.264" v="275" actId="165"/>
+          <ac:grpSpMkLst>
+            <pc:docMk/>
+            <pc:sldMk cId="2493423417" sldId="270"/>
+            <ac:grpSpMk id="13" creationId="{47C9E7FF-4220-3B82-6DB6-664156B944B7}"/>
+          </ac:grpSpMkLst>
+        </pc:grpChg>
+        <pc:grpChg chg="add del mod">
+          <ac:chgData name="明阳 阮" userId="a4dcf2889a22c6f9" providerId="LiveId" clId="{607C1844-05CD-4CC9-972F-CAE573386568}" dt="2023-12-03T05:58:20.016" v="320" actId="165"/>
+          <ac:grpSpMkLst>
+            <pc:docMk/>
+            <pc:sldMk cId="2493423417" sldId="270"/>
+            <ac:grpSpMk id="25" creationId="{EE81EF02-6E41-542B-512B-BFFC4C5A0736}"/>
+          </ac:grpSpMkLst>
+        </pc:grpChg>
+        <pc:grpChg chg="add del mod">
+          <ac:chgData name="明阳 阮" userId="a4dcf2889a22c6f9" providerId="LiveId" clId="{607C1844-05CD-4CC9-972F-CAE573386568}" dt="2023-12-03T06:00:22.970" v="341" actId="165"/>
+          <ac:grpSpMkLst>
+            <pc:docMk/>
+            <pc:sldMk cId="2493423417" sldId="270"/>
+            <ac:grpSpMk id="26" creationId="{0508283E-40AB-0BE2-ABE7-D98A3D14D3A5}"/>
+          </ac:grpSpMkLst>
+        </pc:grpChg>
+        <pc:grpChg chg="add del mod">
+          <ac:chgData name="明阳 阮" userId="a4dcf2889a22c6f9" providerId="LiveId" clId="{607C1844-05CD-4CC9-972F-CAE573386568}" dt="2023-12-03T06:03:19.161" v="369" actId="165"/>
+          <ac:grpSpMkLst>
+            <pc:docMk/>
+            <pc:sldMk cId="2493423417" sldId="270"/>
+            <ac:grpSpMk id="35" creationId="{3360A1BB-74DA-1DD9-397C-99E68569FDCE}"/>
+          </ac:grpSpMkLst>
+        </pc:grpChg>
+        <pc:grpChg chg="add del mod">
+          <ac:chgData name="明阳 阮" userId="a4dcf2889a22c6f9" providerId="LiveId" clId="{607C1844-05CD-4CC9-972F-CAE573386568}" dt="2023-12-03T07:08:23.966" v="512" actId="165"/>
+          <ac:grpSpMkLst>
+            <pc:docMk/>
+            <pc:sldMk cId="2493423417" sldId="270"/>
+            <ac:grpSpMk id="52" creationId="{1BE78DB7-E48B-C880-4DFD-B0890AB26DF1}"/>
+          </ac:grpSpMkLst>
+        </pc:grpChg>
+        <pc:grpChg chg="add del mod">
+          <ac:chgData name="明阳 阮" userId="a4dcf2889a22c6f9" providerId="LiveId" clId="{607C1844-05CD-4CC9-972F-CAE573386568}" dt="2023-12-04T04:27:11.041" v="779" actId="478"/>
+          <ac:grpSpMkLst>
+            <pc:docMk/>
+            <pc:sldMk cId="2493423417" sldId="270"/>
+            <ac:grpSpMk id="57" creationId="{EB1245DE-8FC5-DEE1-6D15-08879D01A112}"/>
+          </ac:grpSpMkLst>
+        </pc:grpChg>
+        <pc:picChg chg="add del mod">
+          <ac:chgData name="明阳 阮" userId="a4dcf2889a22c6f9" providerId="LiveId" clId="{607C1844-05CD-4CC9-972F-CAE573386568}" dt="2023-12-03T10:33:38.646" v="747" actId="21"/>
+          <ac:picMkLst>
+            <pc:docMk/>
+            <pc:sldMk cId="2493423417" sldId="270"/>
+            <ac:picMk id="2" creationId="{3788C984-15CA-39FA-EA1E-38A7EFB91417}"/>
+          </ac:picMkLst>
+        </pc:picChg>
+        <pc:picChg chg="add mod">
+          <ac:chgData name="明阳 阮" userId="a4dcf2889a22c6f9" providerId="LiveId" clId="{607C1844-05CD-4CC9-972F-CAE573386568}" dt="2023-12-05T10:54:47.567" v="2386" actId="1076"/>
+          <ac:picMkLst>
+            <pc:docMk/>
+            <pc:sldMk cId="2493423417" sldId="270"/>
+            <ac:picMk id="2" creationId="{7050B2D7-E5CC-D414-5127-D0250484A35B}"/>
+          </ac:picMkLst>
+        </pc:picChg>
+        <pc:picChg chg="add del mod modCrop">
+          <ac:chgData name="明阳 阮" userId="a4dcf2889a22c6f9" providerId="LiveId" clId="{607C1844-05CD-4CC9-972F-CAE573386568}" dt="2023-12-04T06:01:16.495" v="1096" actId="21"/>
+          <ac:picMkLst>
+            <pc:docMk/>
+            <pc:sldMk cId="2493423417" sldId="270"/>
+            <ac:picMk id="7" creationId="{8CB58A4B-0FD5-51A2-B281-65BD9D38334D}"/>
+          </ac:picMkLst>
+        </pc:picChg>
+        <pc:picChg chg="add del mod topLvl modCrop">
+          <ac:chgData name="明阳 阮" userId="a4dcf2889a22c6f9" providerId="LiveId" clId="{607C1844-05CD-4CC9-972F-CAE573386568}" dt="2023-12-03T07:08:25.683" v="513" actId="478"/>
+          <ac:picMkLst>
+            <pc:docMk/>
+            <pc:sldMk cId="2493423417" sldId="270"/>
+            <ac:picMk id="40" creationId="{4D2210D6-3E3A-A7A9-A076-F61912EF0263}"/>
+          </ac:picMkLst>
+        </pc:picChg>
+        <pc:picChg chg="add del mod modCrop">
+          <ac:chgData name="明阳 阮" userId="a4dcf2889a22c6f9" providerId="LiveId" clId="{607C1844-05CD-4CC9-972F-CAE573386568}" dt="2023-12-03T07:11:17.578" v="518" actId="21"/>
+          <ac:picMkLst>
+            <pc:docMk/>
+            <pc:sldMk cId="2493423417" sldId="270"/>
+            <ac:picMk id="54" creationId="{5F1897DC-A7C5-E4C0-6478-06CC45188857}"/>
+          </ac:picMkLst>
+        </pc:picChg>
+        <pc:picChg chg="add mod modCrop">
+          <ac:chgData name="明阳 阮" userId="a4dcf2889a22c6f9" providerId="LiveId" clId="{607C1844-05CD-4CC9-972F-CAE573386568}" dt="2023-12-03T07:15:51.515" v="557" actId="164"/>
+          <ac:picMkLst>
+            <pc:docMk/>
+            <pc:sldMk cId="2493423417" sldId="270"/>
+            <ac:picMk id="56" creationId="{99C189C5-D21B-8206-5FA7-A876516AE352}"/>
+          </ac:picMkLst>
+        </pc:picChg>
+        <pc:cxnChg chg="add del mod">
+          <ac:chgData name="明阳 阮" userId="a4dcf2889a22c6f9" providerId="LiveId" clId="{607C1844-05CD-4CC9-972F-CAE573386568}" dt="2023-12-02T12:34:16.830" v="237" actId="478"/>
+          <ac:cxnSpMkLst>
+            <pc:docMk/>
+            <pc:sldMk cId="2493423417" sldId="270"/>
+            <ac:cxnSpMk id="2" creationId="{4B37C691-507E-7CC0-29B8-1E5A5F3B3A0F}"/>
+          </ac:cxnSpMkLst>
+        </pc:cxnChg>
+        <pc:cxnChg chg="add del mod">
+          <ac:chgData name="明阳 阮" userId="a4dcf2889a22c6f9" providerId="LiveId" clId="{607C1844-05CD-4CC9-972F-CAE573386568}" dt="2023-12-04T11:14:24.009" v="1145" actId="478"/>
+          <ac:cxnSpMkLst>
+            <pc:docMk/>
+            <pc:sldMk cId="2493423417" sldId="270"/>
+            <ac:cxnSpMk id="4" creationId="{3ECC8DB1-A7D1-F2A5-9893-CB8475AC5BFE}"/>
+          </ac:cxnSpMkLst>
+        </pc:cxnChg>
+        <pc:cxnChg chg="add del mod">
+          <ac:chgData name="明阳 阮" userId="a4dcf2889a22c6f9" providerId="LiveId" clId="{607C1844-05CD-4CC9-972F-CAE573386568}" dt="2023-12-05T05:47:53.353" v="1348" actId="21"/>
+          <ac:cxnSpMkLst>
+            <pc:docMk/>
+            <pc:sldMk cId="2493423417" sldId="270"/>
+            <ac:cxnSpMk id="9" creationId="{A1D2F6F5-CED3-9B42-3542-DB8B6C98179B}"/>
+          </ac:cxnSpMkLst>
+        </pc:cxnChg>
+        <pc:cxnChg chg="add del mod">
+          <ac:chgData name="明阳 阮" userId="a4dcf2889a22c6f9" providerId="LiveId" clId="{607C1844-05CD-4CC9-972F-CAE573386568}" dt="2023-12-05T05:47:53.353" v="1348" actId="21"/>
+          <ac:cxnSpMkLst>
+            <pc:docMk/>
+            <pc:sldMk cId="2493423417" sldId="270"/>
+            <ac:cxnSpMk id="10" creationId="{55459A3D-DE46-2204-2BD2-621F3CE966A1}"/>
+          </ac:cxnSpMkLst>
+        </pc:cxnChg>
+        <pc:cxnChg chg="add del mod">
+          <ac:chgData name="明阳 阮" userId="a4dcf2889a22c6f9" providerId="LiveId" clId="{607C1844-05CD-4CC9-972F-CAE573386568}" dt="2023-12-02T12:34:18.992" v="238" actId="478"/>
+          <ac:cxnSpMkLst>
+            <pc:docMk/>
+            <pc:sldMk cId="2493423417" sldId="270"/>
+            <ac:cxnSpMk id="17" creationId="{E514BF4D-22B6-ED09-4399-7FD7D10EEA85}"/>
+          </ac:cxnSpMkLst>
+        </pc:cxnChg>
+        <pc:cxnChg chg="add del mod topLvl">
+          <ac:chgData name="明阳 阮" userId="a4dcf2889a22c6f9" providerId="LiveId" clId="{607C1844-05CD-4CC9-972F-CAE573386568}" dt="2023-12-03T05:54:24.897" v="293" actId="478"/>
+          <ac:cxnSpMkLst>
+            <pc:docMk/>
+            <pc:sldMk cId="2493423417" sldId="270"/>
+            <ac:cxnSpMk id="18" creationId="{A900D037-D52C-1774-EF60-82087A055CBF}"/>
+          </ac:cxnSpMkLst>
+        </pc:cxnChg>
+        <pc:cxnChg chg="add del mod">
+          <ac:chgData name="明阳 阮" userId="a4dcf2889a22c6f9" providerId="LiveId" clId="{607C1844-05CD-4CC9-972F-CAE573386568}" dt="2023-12-02T12:24:53.003" v="20" actId="478"/>
+          <ac:cxnSpMkLst>
+            <pc:docMk/>
+            <pc:sldMk cId="2493423417" sldId="270"/>
+            <ac:cxnSpMk id="19" creationId="{EB9FF85B-0153-4D9D-8C86-6E028B993F03}"/>
+          </ac:cxnSpMkLst>
+        </pc:cxnChg>
+        <pc:cxnChg chg="add del mod">
+          <ac:chgData name="明阳 阮" userId="a4dcf2889a22c6f9" providerId="LiveId" clId="{607C1844-05CD-4CC9-972F-CAE573386568}" dt="2023-12-03T05:55:32.186" v="301" actId="478"/>
+          <ac:cxnSpMkLst>
+            <pc:docMk/>
+            <pc:sldMk cId="2493423417" sldId="270"/>
+            <ac:cxnSpMk id="20" creationId="{F7347DAD-A1EB-FEFE-7D38-2FE889F9BA80}"/>
+          </ac:cxnSpMkLst>
+        </pc:cxnChg>
+        <pc:cxnChg chg="add del mod topLvl">
+          <ac:chgData name="明阳 阮" userId="a4dcf2889a22c6f9" providerId="LiveId" clId="{607C1844-05CD-4CC9-972F-CAE573386568}" dt="2023-12-03T06:02:23.823" v="363" actId="478"/>
+          <ac:cxnSpMkLst>
+            <pc:docMk/>
+            <pc:sldMk cId="2493423417" sldId="270"/>
+            <ac:cxnSpMk id="22" creationId="{2C69751F-DCE0-EE4A-15AE-53CAF762B94B}"/>
+          </ac:cxnSpMkLst>
+        </pc:cxnChg>
+        <pc:cxnChg chg="add del mod topLvl">
+          <ac:chgData name="明阳 阮" userId="a4dcf2889a22c6f9" providerId="LiveId" clId="{607C1844-05CD-4CC9-972F-CAE573386568}" dt="2023-12-03T06:00:34.456" v="344" actId="478"/>
+          <ac:cxnSpMkLst>
+            <pc:docMk/>
+            <pc:sldMk cId="2493423417" sldId="270"/>
+            <ac:cxnSpMk id="23" creationId="{3E5A0762-703D-70E2-55AE-48121E32408E}"/>
+          </ac:cxnSpMkLst>
+        </pc:cxnChg>
+        <pc:cxnChg chg="add del mod topLvl">
+          <ac:chgData name="明阳 阮" userId="a4dcf2889a22c6f9" providerId="LiveId" clId="{607C1844-05CD-4CC9-972F-CAE573386568}" dt="2023-12-03T06:04:07.762" v="374" actId="478"/>
+          <ac:cxnSpMkLst>
+            <pc:docMk/>
+            <pc:sldMk cId="2493423417" sldId="270"/>
+            <ac:cxnSpMk id="28" creationId="{9A91B31C-C4F0-166F-6517-50A44215D668}"/>
+          </ac:cxnSpMkLst>
+        </pc:cxnChg>
+        <pc:cxnChg chg="add del mod">
+          <ac:chgData name="明阳 阮" userId="a4dcf2889a22c6f9" providerId="LiveId" clId="{607C1844-05CD-4CC9-972F-CAE573386568}" dt="2023-12-03T06:02:21.636" v="362" actId="478"/>
+          <ac:cxnSpMkLst>
+            <pc:docMk/>
+            <pc:sldMk cId="2493423417" sldId="270"/>
+            <ac:cxnSpMk id="29" creationId="{803A3FF0-D8FF-C81B-B42A-3113EA3219DE}"/>
+          </ac:cxnSpMkLst>
+        </pc:cxnChg>
+        <pc:cxnChg chg="add del mod topLvl">
+          <ac:chgData name="明阳 阮" userId="a4dcf2889a22c6f9" providerId="LiveId" clId="{607C1844-05CD-4CC9-972F-CAE573386568}" dt="2023-12-03T06:06:05.356" v="416" actId="21"/>
+          <ac:cxnSpMkLst>
+            <pc:docMk/>
+            <pc:sldMk cId="2493423417" sldId="270"/>
+            <ac:cxnSpMk id="31" creationId="{40CB38EA-ED33-964F-9CFF-2719B4C8B77C}"/>
+          </ac:cxnSpMkLst>
+        </pc:cxnChg>
+        <pc:cxnChg chg="add del mod topLvl">
+          <ac:chgData name="明阳 阮" userId="a4dcf2889a22c6f9" providerId="LiveId" clId="{607C1844-05CD-4CC9-972F-CAE573386568}" dt="2023-12-03T06:00:31.986" v="343" actId="478"/>
+          <ac:cxnSpMkLst>
+            <pc:docMk/>
+            <pc:sldMk cId="2493423417" sldId="270"/>
+            <ac:cxnSpMk id="32" creationId="{EB310184-F448-D604-E963-4CCDCCE32C0B}"/>
+          </ac:cxnSpMkLst>
+        </pc:cxnChg>
+        <pc:cxnChg chg="add del mod topLvl">
+          <ac:chgData name="明阳 阮" userId="a4dcf2889a22c6f9" providerId="LiveId" clId="{607C1844-05CD-4CC9-972F-CAE573386568}" dt="2023-12-03T05:55:30.360" v="300" actId="478"/>
+          <ac:cxnSpMkLst>
+            <pc:docMk/>
+            <pc:sldMk cId="2493423417" sldId="270"/>
+            <ac:cxnSpMk id="33" creationId="{1F33FFC2-B419-3BC8-BD64-419F5FB321AB}"/>
+          </ac:cxnSpMkLst>
+        </pc:cxnChg>
+        <pc:cxnChg chg="add del mod topLvl">
+          <ac:chgData name="明阳 阮" userId="a4dcf2889a22c6f9" providerId="LiveId" clId="{607C1844-05CD-4CC9-972F-CAE573386568}" dt="2023-12-03T06:04:09.494" v="375" actId="478"/>
+          <ac:cxnSpMkLst>
+            <pc:docMk/>
+            <pc:sldMk cId="2493423417" sldId="270"/>
+            <ac:cxnSpMk id="34" creationId="{FE5125C8-5461-3D1A-126D-A8DC63BE048B}"/>
+          </ac:cxnSpMkLst>
+        </pc:cxnChg>
+        <pc:cxnChg chg="add del mod">
+          <ac:chgData name="明阳 阮" userId="a4dcf2889a22c6f9" providerId="LiveId" clId="{607C1844-05CD-4CC9-972F-CAE573386568}" dt="2023-12-03T06:06:05.356" v="416" actId="21"/>
+          <ac:cxnSpMkLst>
+            <pc:docMk/>
+            <pc:sldMk cId="2493423417" sldId="270"/>
+            <ac:cxnSpMk id="37" creationId="{077DEC13-3150-64FB-B43D-81F18F0D95DD}"/>
+          </ac:cxnSpMkLst>
+        </pc:cxnChg>
+        <pc:cxnChg chg="add del mod">
+          <ac:chgData name="明阳 阮" userId="a4dcf2889a22c6f9" providerId="LiveId" clId="{607C1844-05CD-4CC9-972F-CAE573386568}" dt="2023-12-03T06:06:05.356" v="416" actId="21"/>
+          <ac:cxnSpMkLst>
+            <pc:docMk/>
+            <pc:sldMk cId="2493423417" sldId="270"/>
+            <ac:cxnSpMk id="38" creationId="{4FAAB979-0D22-FB99-702C-40D67ECF5CD1}"/>
+          </ac:cxnSpMkLst>
+        </pc:cxnChg>
+        <pc:cxnChg chg="add del mod">
+          <ac:chgData name="明阳 阮" userId="a4dcf2889a22c6f9" providerId="LiveId" clId="{607C1844-05CD-4CC9-972F-CAE573386568}" dt="2023-12-05T05:47:53.353" v="1348" actId="21"/>
+          <ac:cxnSpMkLst>
+            <pc:docMk/>
+            <pc:sldMk cId="2493423417" sldId="270"/>
+            <ac:cxnSpMk id="49" creationId="{5E71DAFE-14A0-4508-D434-5802E1C09894}"/>
+          </ac:cxnSpMkLst>
+        </pc:cxnChg>
+        <pc:cxnChg chg="add del mod">
+          <ac:chgData name="明阳 阮" userId="a4dcf2889a22c6f9" providerId="LiveId" clId="{607C1844-05CD-4CC9-972F-CAE573386568}" dt="2023-12-04T11:14:22.500" v="1144" actId="478"/>
+          <ac:cxnSpMkLst>
+            <pc:docMk/>
+            <pc:sldMk cId="2493423417" sldId="270"/>
+            <ac:cxnSpMk id="50" creationId="{9905A8B1-A0F1-7751-C648-A43C6913D28C}"/>
+          </ac:cxnSpMkLst>
+        </pc:cxnChg>
+        <pc:cxnChg chg="add del mod">
+          <ac:chgData name="明阳 阮" userId="a4dcf2889a22c6f9" providerId="LiveId" clId="{607C1844-05CD-4CC9-972F-CAE573386568}" dt="2023-12-04T05:29:23.476" v="974" actId="478"/>
+          <ac:cxnSpMkLst>
+            <pc:docMk/>
+            <pc:sldMk cId="2493423417" sldId="270"/>
+            <ac:cxnSpMk id="51" creationId="{B4ADC4DD-147A-6A2B-41E3-E1D2C6806671}"/>
+          </ac:cxnSpMkLst>
+        </pc:cxnChg>
+      </pc:sldChg>
+      <pc:sldChg chg="addSp delSp modSp add mod">
+        <pc:chgData name="明阳 阮" userId="a4dcf2889a22c6f9" providerId="LiveId" clId="{607C1844-05CD-4CC9-972F-CAE573386568}" dt="2023-12-05T10:55:02.053" v="2388"/>
+        <pc:sldMkLst>
+          <pc:docMk/>
+          <pc:sldMk cId="2031290551" sldId="271"/>
+        </pc:sldMkLst>
+        <pc:spChg chg="add del mod">
+          <ac:chgData name="明阳 阮" userId="a4dcf2889a22c6f9" providerId="LiveId" clId="{607C1844-05CD-4CC9-972F-CAE573386568}" dt="2023-12-03T10:30:19.334" v="565"/>
+          <ac:spMkLst>
+            <pc:docMk/>
+            <pc:sldMk cId="2031290551" sldId="271"/>
+            <ac:spMk id="3" creationId="{2F2E61CF-25D3-14FA-15E8-78539AA05896}"/>
+          </ac:spMkLst>
+        </pc:spChg>
+        <pc:spChg chg="add mod">
+          <ac:chgData name="明阳 阮" userId="a4dcf2889a22c6f9" providerId="LiveId" clId="{607C1844-05CD-4CC9-972F-CAE573386568}" dt="2023-12-05T05:47:57.417" v="1350" actId="1076"/>
+          <ac:spMkLst>
+            <pc:docMk/>
+            <pc:sldMk cId="2031290551" sldId="271"/>
+            <ac:spMk id="3" creationId="{6B973D2D-3AF8-8F5E-6BAC-8B2D743A04BB}"/>
+          </ac:spMkLst>
+        </pc:spChg>
+        <pc:spChg chg="add mod">
+          <ac:chgData name="明阳 阮" userId="a4dcf2889a22c6f9" providerId="LiveId" clId="{607C1844-05CD-4CC9-972F-CAE573386568}" dt="2023-12-05T05:48:00.839" v="1351" actId="1076"/>
+          <ac:spMkLst>
+            <pc:docMk/>
+            <pc:sldMk cId="2031290551" sldId="271"/>
+            <ac:spMk id="5" creationId="{8FA525EC-9A2C-564E-2AC8-F69CAB7EDA7C}"/>
+          </ac:spMkLst>
+        </pc:spChg>
+        <pc:spChg chg="add mod">
+          <ac:chgData name="明阳 阮" userId="a4dcf2889a22c6f9" providerId="LiveId" clId="{607C1844-05CD-4CC9-972F-CAE573386568}" dt="2023-12-05T05:47:57.417" v="1350" actId="1076"/>
+          <ac:spMkLst>
+            <pc:docMk/>
+            <pc:sldMk cId="2031290551" sldId="271"/>
+            <ac:spMk id="7" creationId="{4C544842-33C6-95E3-E90C-46463249C2E0}"/>
+          </ac:spMkLst>
+        </pc:spChg>
+        <pc:spChg chg="add del mod">
+          <ac:chgData name="明阳 阮" userId="a4dcf2889a22c6f9" providerId="LiveId" clId="{607C1844-05CD-4CC9-972F-CAE573386568}" dt="2023-12-03T10:29:50.051" v="558" actId="478"/>
+          <ac:spMkLst>
+            <pc:docMk/>
+            <pc:sldMk cId="2031290551" sldId="271"/>
+            <ac:spMk id="7" creationId="{732C49FB-38A0-7B69-1685-74152DD0EA08}"/>
+          </ac:spMkLst>
+        </pc:spChg>
+        <pc:spChg chg="add mod">
+          <ac:chgData name="明阳 阮" userId="a4dcf2889a22c6f9" providerId="LiveId" clId="{607C1844-05CD-4CC9-972F-CAE573386568}" dt="2023-12-05T05:47:57.417" v="1350" actId="1076"/>
+          <ac:spMkLst>
+            <pc:docMk/>
+            <pc:sldMk cId="2031290551" sldId="271"/>
+            <ac:spMk id="8" creationId="{5D373507-A159-CD39-66BA-3CC279B6911D}"/>
+          </ac:spMkLst>
+        </pc:spChg>
+        <pc:spChg chg="add del mod">
+          <ac:chgData name="明阳 阮" userId="a4dcf2889a22c6f9" providerId="LiveId" clId="{607C1844-05CD-4CC9-972F-CAE573386568}" dt="2023-12-03T10:29:51.930" v="559" actId="478"/>
+          <ac:spMkLst>
+            <pc:docMk/>
+            <pc:sldMk cId="2031290551" sldId="271"/>
+            <ac:spMk id="8" creationId="{AD290C76-80DF-CFD2-27D8-BAD0D5957958}"/>
+          </ac:spMkLst>
+        </pc:spChg>
+        <pc:spChg chg="add mod">
+          <ac:chgData name="明阳 阮" userId="a4dcf2889a22c6f9" providerId="LiveId" clId="{607C1844-05CD-4CC9-972F-CAE573386568}" dt="2023-12-05T05:48:00.839" v="1351" actId="1076"/>
+          <ac:spMkLst>
+            <pc:docMk/>
+            <pc:sldMk cId="2031290551" sldId="271"/>
+            <ac:spMk id="9" creationId="{BC95FC28-AB76-077E-D839-0CDC02426E62}"/>
+          </ac:spMkLst>
+        </pc:spChg>
+        <pc:spChg chg="add mod">
+          <ac:chgData name="明阳 阮" userId="a4dcf2889a22c6f9" providerId="LiveId" clId="{607C1844-05CD-4CC9-972F-CAE573386568}" dt="2023-12-05T05:48:00.839" v="1351" actId="1076"/>
+          <ac:spMkLst>
+            <pc:docMk/>
+            <pc:sldMk cId="2031290551" sldId="271"/>
+            <ac:spMk id="10" creationId="{560116AF-BCE9-A986-10C6-7D31F9D6A22D}"/>
+          </ac:spMkLst>
+        </pc:spChg>
+        <pc:spChg chg="add mod">
+          <ac:chgData name="明阳 阮" userId="a4dcf2889a22c6f9" providerId="LiveId" clId="{607C1844-05CD-4CC9-972F-CAE573386568}" dt="2023-12-05T05:47:57.417" v="1350" actId="1076"/>
+          <ac:spMkLst>
+            <pc:docMk/>
+            <pc:sldMk cId="2031290551" sldId="271"/>
+            <ac:spMk id="11" creationId="{CFE8A17C-A0B8-BC6E-E2E7-92A087B80055}"/>
+          </ac:spMkLst>
+        </pc:spChg>
+        <pc:spChg chg="add mod">
+          <ac:chgData name="明阳 阮" userId="a4dcf2889a22c6f9" providerId="LiveId" clId="{607C1844-05CD-4CC9-972F-CAE573386568}" dt="2023-12-05T05:47:57.417" v="1350" actId="1076"/>
+          <ac:spMkLst>
+            <pc:docMk/>
+            <pc:sldMk cId="2031290551" sldId="271"/>
+            <ac:spMk id="12" creationId="{2251DB1A-ECDC-8D59-2865-C530E4895565}"/>
+          </ac:spMkLst>
+        </pc:spChg>
+        <pc:spChg chg="add mod">
+          <ac:chgData name="明阳 阮" userId="a4dcf2889a22c6f9" providerId="LiveId" clId="{607C1844-05CD-4CC9-972F-CAE573386568}" dt="2023-12-05T05:47:57.417" v="1350" actId="1076"/>
+          <ac:spMkLst>
+            <pc:docMk/>
+            <pc:sldMk cId="2031290551" sldId="271"/>
+            <ac:spMk id="13" creationId="{10617CB3-9B75-DB05-6369-F84D19A40DC5}"/>
+          </ac:spMkLst>
+        </pc:spChg>
+        <pc:spChg chg="add mod">
+          <ac:chgData name="明阳 阮" userId="a4dcf2889a22c6f9" providerId="LiveId" clId="{607C1844-05CD-4CC9-972F-CAE573386568}" dt="2023-12-05T05:47:57.417" v="1350" actId="1076"/>
+          <ac:spMkLst>
+            <pc:docMk/>
+            <pc:sldMk cId="2031290551" sldId="271"/>
+            <ac:spMk id="14" creationId="{8F44391F-3F5F-463B-3D83-0EE18FC18011}"/>
+          </ac:spMkLst>
+        </pc:spChg>
+        <pc:spChg chg="add mod">
+          <ac:chgData name="明阳 阮" userId="a4dcf2889a22c6f9" providerId="LiveId" clId="{607C1844-05CD-4CC9-972F-CAE573386568}" dt="2023-12-05T05:47:57.417" v="1350" actId="1076"/>
+          <ac:spMkLst>
+            <pc:docMk/>
+            <pc:sldMk cId="2031290551" sldId="271"/>
+            <ac:spMk id="15" creationId="{AE5226DE-C97C-145D-CBDB-7B79C499EF60}"/>
+          </ac:spMkLst>
+        </pc:spChg>
+        <pc:spChg chg="add mod">
+          <ac:chgData name="明阳 阮" userId="a4dcf2889a22c6f9" providerId="LiveId" clId="{607C1844-05CD-4CC9-972F-CAE573386568}" dt="2023-12-05T05:47:57.417" v="1350" actId="1076"/>
+          <ac:spMkLst>
+            <pc:docMk/>
+            <pc:sldMk cId="2031290551" sldId="271"/>
+            <ac:spMk id="19" creationId="{E208E122-8987-F882-EDCB-52D6A3310BEB}"/>
+          </ac:spMkLst>
+        </pc:spChg>
+        <pc:spChg chg="add mod">
+          <ac:chgData name="明阳 阮" userId="a4dcf2889a22c6f9" providerId="LiveId" clId="{607C1844-05CD-4CC9-972F-CAE573386568}" dt="2023-12-05T05:47:57.417" v="1350" actId="1076"/>
+          <ac:spMkLst>
+            <pc:docMk/>
+            <pc:sldMk cId="2031290551" sldId="271"/>
+            <ac:spMk id="20" creationId="{C8AC8F7D-2208-BA23-C1DE-C6D217BCF0CE}"/>
+          </ac:spMkLst>
+        </pc:spChg>
+        <pc:spChg chg="add mod">
+          <ac:chgData name="明阳 阮" userId="a4dcf2889a22c6f9" providerId="LiveId" clId="{607C1844-05CD-4CC9-972F-CAE573386568}" dt="2023-12-05T05:47:57.417" v="1350" actId="1076"/>
+          <ac:spMkLst>
+            <pc:docMk/>
+            <pc:sldMk cId="2031290551" sldId="271"/>
+            <ac:spMk id="21" creationId="{5C96BF51-99DA-4C10-5BD7-ACCE73857BB6}"/>
+          </ac:spMkLst>
+        </pc:spChg>
+        <pc:spChg chg="add mod">
+          <ac:chgData name="明阳 阮" userId="a4dcf2889a22c6f9" providerId="LiveId" clId="{607C1844-05CD-4CC9-972F-CAE573386568}" dt="2023-12-05T05:47:57.417" v="1350" actId="1076"/>
+          <ac:spMkLst>
+            <pc:docMk/>
+            <pc:sldMk cId="2031290551" sldId="271"/>
+            <ac:spMk id="22" creationId="{08EF1882-74CF-176D-DC40-4D151C3ABEF0}"/>
+          </ac:spMkLst>
+        </pc:spChg>
+        <pc:picChg chg="add mod">
+          <ac:chgData name="明阳 阮" userId="a4dcf2889a22c6f9" providerId="LiveId" clId="{607C1844-05CD-4CC9-972F-CAE573386568}" dt="2023-12-05T05:48:00.839" v="1351" actId="1076"/>
+          <ac:picMkLst>
+            <pc:docMk/>
+            <pc:sldMk cId="2031290551" sldId="271"/>
+            <ac:picMk id="2" creationId="{7E19131D-51E4-289A-6259-B3E97BB75945}"/>
+          </ac:picMkLst>
+        </pc:picChg>
+        <pc:picChg chg="add del mod">
+          <ac:chgData name="明阳 阮" userId="a4dcf2889a22c6f9" providerId="LiveId" clId="{607C1844-05CD-4CC9-972F-CAE573386568}" dt="2023-12-04T06:04:00.530" v="1103" actId="478"/>
+          <ac:picMkLst>
+            <pc:docMk/>
+            <pc:sldMk cId="2031290551" sldId="271"/>
+            <ac:picMk id="3" creationId="{1538B927-2129-C979-B086-245B3F4BE516}"/>
+          </ac:picMkLst>
+        </pc:picChg>
+        <pc:picChg chg="add mod modCrop">
+          <ac:chgData name="明阳 阮" userId="a4dcf2889a22c6f9" providerId="LiveId" clId="{607C1844-05CD-4CC9-972F-CAE573386568}" dt="2023-12-05T05:48:00.839" v="1351" actId="1076"/>
+          <ac:picMkLst>
+            <pc:docMk/>
+            <pc:sldMk cId="2031290551" sldId="271"/>
+            <ac:picMk id="4" creationId="{E6E4C4F2-91D9-F66F-F33A-5D9771EE5B10}"/>
+          </ac:picMkLst>
+        </pc:picChg>
+        <pc:picChg chg="add mod modCrop">
+          <ac:chgData name="明阳 阮" userId="a4dcf2889a22c6f9" providerId="LiveId" clId="{607C1844-05CD-4CC9-972F-CAE573386568}" dt="2023-12-05T05:48:00.839" v="1351" actId="1076"/>
+          <ac:picMkLst>
+            <pc:docMk/>
+            <pc:sldMk cId="2031290551" sldId="271"/>
+            <ac:picMk id="6" creationId="{DEED1951-C43E-0CEB-74F5-1963EC4F2F4B}"/>
+          </ac:picMkLst>
+        </pc:picChg>
+        <pc:picChg chg="add del mod modCrop">
+          <ac:chgData name="明阳 阮" userId="a4dcf2889a22c6f9" providerId="LiveId" clId="{607C1844-05CD-4CC9-972F-CAE573386568}" dt="2023-12-03T10:33:30.229" v="744" actId="21"/>
+          <ac:picMkLst>
+            <pc:docMk/>
+            <pc:sldMk cId="2031290551" sldId="271"/>
+            <ac:picMk id="12" creationId="{D170680D-6B16-8BDC-A065-5D81A0D64656}"/>
+          </ac:picMkLst>
+        </pc:picChg>
+        <pc:picChg chg="add del mod">
+          <ac:chgData name="明阳 阮" userId="a4dcf2889a22c6f9" providerId="LiveId" clId="{607C1844-05CD-4CC9-972F-CAE573386568}" dt="2023-12-05T10:55:02.053" v="2388"/>
+          <ac:picMkLst>
+            <pc:docMk/>
+            <pc:sldMk cId="2031290551" sldId="271"/>
+            <ac:picMk id="23" creationId="{4388258B-FCDE-C559-BEA1-E1ABAE496957}"/>
+          </ac:picMkLst>
+        </pc:picChg>
+        <pc:cxnChg chg="add mod">
+          <ac:chgData name="明阳 阮" userId="a4dcf2889a22c6f9" providerId="LiveId" clId="{607C1844-05CD-4CC9-972F-CAE573386568}" dt="2023-12-05T05:47:57.417" v="1350" actId="1076"/>
+          <ac:cxnSpMkLst>
+            <pc:docMk/>
+            <pc:sldMk cId="2031290551" sldId="271"/>
+            <ac:cxnSpMk id="16" creationId="{022008E6-BFF4-22D8-483D-42E8CE20DC2F}"/>
+          </ac:cxnSpMkLst>
+        </pc:cxnChg>
+        <pc:cxnChg chg="add mod">
+          <ac:chgData name="明阳 阮" userId="a4dcf2889a22c6f9" providerId="LiveId" clId="{607C1844-05CD-4CC9-972F-CAE573386568}" dt="2023-12-05T05:47:57.417" v="1350" actId="1076"/>
+          <ac:cxnSpMkLst>
+            <pc:docMk/>
+            <pc:sldMk cId="2031290551" sldId="271"/>
+            <ac:cxnSpMk id="17" creationId="{E0A0BE6B-0F73-77A5-A619-717169AF228C}"/>
+          </ac:cxnSpMkLst>
+        </pc:cxnChg>
+        <pc:cxnChg chg="add mod">
+          <ac:chgData name="明阳 阮" userId="a4dcf2889a22c6f9" providerId="LiveId" clId="{607C1844-05CD-4CC9-972F-CAE573386568}" dt="2023-12-05T05:47:57.417" v="1350" actId="1076"/>
+          <ac:cxnSpMkLst>
+            <pc:docMk/>
+            <pc:sldMk cId="2031290551" sldId="271"/>
+            <ac:cxnSpMk id="18" creationId="{715F97A2-9AD4-16EE-5837-4259EAC19F21}"/>
+          </ac:cxnSpMkLst>
+        </pc:cxnChg>
+      </pc:sldChg>
+      <pc:sldChg chg="addSp delSp modSp add mod">
+        <pc:chgData name="明阳 阮" userId="a4dcf2889a22c6f9" providerId="LiveId" clId="{607C1844-05CD-4CC9-972F-CAE573386568}" dt="2023-12-05T06:06:23.084" v="1594" actId="21"/>
+        <pc:sldMkLst>
+          <pc:docMk/>
+          <pc:sldMk cId="1960410275" sldId="272"/>
+        </pc:sldMkLst>
+        <pc:spChg chg="add mod topLvl">
+          <ac:chgData name="明阳 阮" userId="a4dcf2889a22c6f9" providerId="LiveId" clId="{607C1844-05CD-4CC9-972F-CAE573386568}" dt="2023-12-04T04:34:57.166" v="903" actId="1076"/>
+          <ac:spMkLst>
+            <pc:docMk/>
+            <pc:sldMk cId="1960410275" sldId="272"/>
+            <ac:spMk id="6" creationId="{C775A561-21D3-E34D-55F6-A25521B8F88C}"/>
+          </ac:spMkLst>
+        </pc:spChg>
+        <pc:grpChg chg="add del mod">
+          <ac:chgData name="明阳 阮" userId="a4dcf2889a22c6f9" providerId="LiveId" clId="{607C1844-05CD-4CC9-972F-CAE573386568}" dt="2023-12-04T04:33:31.711" v="896" actId="165"/>
+          <ac:grpSpMkLst>
+            <pc:docMk/>
+            <pc:sldMk cId="1960410275" sldId="272"/>
+            <ac:grpSpMk id="7" creationId="{6D08BB8A-F4B3-957F-7697-2D7D82B09D7B}"/>
+          </ac:grpSpMkLst>
+        </pc:grpChg>
+        <pc:grpChg chg="add mod">
+          <ac:chgData name="明阳 阮" userId="a4dcf2889a22c6f9" providerId="LiveId" clId="{607C1844-05CD-4CC9-972F-CAE573386568}" dt="2023-12-03T06:54:21.440" v="497" actId="164"/>
+          <ac:grpSpMkLst>
+            <pc:docMk/>
+            <pc:sldMk cId="1960410275" sldId="272"/>
+            <ac:grpSpMk id="13" creationId="{1D5AC6F6-8FE0-E5C1-50AA-866DBAA817AF}"/>
+          </ac:grpSpMkLst>
+        </pc:grpChg>
+        <pc:picChg chg="add del mod">
+          <ac:chgData name="明阳 阮" userId="a4dcf2889a22c6f9" providerId="LiveId" clId="{607C1844-05CD-4CC9-972F-CAE573386568}" dt="2023-12-03T06:51:40.386" v="488" actId="478"/>
+          <ac:picMkLst>
+            <pc:docMk/>
+            <pc:sldMk cId="1960410275" sldId="272"/>
+            <ac:picMk id="2" creationId="{25AE9769-BD77-7501-8486-18D8A84284C2}"/>
+          </ac:picMkLst>
+        </pc:picChg>
+        <pc:picChg chg="add del mod">
+          <ac:chgData name="明阳 阮" userId="a4dcf2889a22c6f9" providerId="LiveId" clId="{607C1844-05CD-4CC9-972F-CAE573386568}" dt="2023-12-04T04:25:13.202" v="773" actId="478"/>
+          <ac:picMkLst>
+            <pc:docMk/>
+            <pc:sldMk cId="1960410275" sldId="272"/>
+            <ac:picMk id="2" creationId="{33B85E34-73AF-F970-D558-C3A1F1B9476B}"/>
+          </ac:picMkLst>
+        </pc:picChg>
+        <pc:picChg chg="add del mod">
+          <ac:chgData name="明阳 阮" userId="a4dcf2889a22c6f9" providerId="LiveId" clId="{607C1844-05CD-4CC9-972F-CAE573386568}" dt="2023-12-05T06:06:13.255" v="1590" actId="21"/>
+          <ac:picMkLst>
+            <pc:docMk/>
+            <pc:sldMk cId="1960410275" sldId="272"/>
+            <ac:picMk id="3" creationId="{BF81ECCF-9436-BBB7-A463-92BF9F343C11}"/>
+          </ac:picMkLst>
+        </pc:picChg>
+        <pc:picChg chg="add del mod topLvl modCrop">
+          <ac:chgData name="明阳 阮" userId="a4dcf2889a22c6f9" providerId="LiveId" clId="{607C1844-05CD-4CC9-972F-CAE573386568}" dt="2023-12-05T06:06:23.084" v="1594" actId="21"/>
+          <ac:picMkLst>
+            <pc:docMk/>
+            <pc:sldMk cId="1960410275" sldId="272"/>
+            <ac:picMk id="4" creationId="{C6F3E9F1-15A5-C0E9-3AC0-6BE8E735C71E}"/>
+          </ac:picMkLst>
+        </pc:picChg>
+        <pc:picChg chg="add del mod">
+          <ac:chgData name="明阳 阮" userId="a4dcf2889a22c6f9" providerId="LiveId" clId="{607C1844-05CD-4CC9-972F-CAE573386568}" dt="2023-12-04T04:27:06.568" v="777" actId="21"/>
+          <ac:picMkLst>
+            <pc:docMk/>
+            <pc:sldMk cId="1960410275" sldId="272"/>
+            <ac:picMk id="5" creationId="{E686595C-DD1A-201F-7B8A-75AED9EF46E0}"/>
+          </ac:picMkLst>
+        </pc:picChg>
+        <pc:picChg chg="add del mod">
+          <ac:chgData name="明阳 阮" userId="a4dcf2889a22c6f9" providerId="LiveId" clId="{607C1844-05CD-4CC9-972F-CAE573386568}" dt="2023-12-03T06:46:42.331" v="448" actId="478"/>
+          <ac:picMkLst>
+            <pc:docMk/>
+            <pc:sldMk cId="1960410275" sldId="272"/>
+            <ac:picMk id="6" creationId="{07EC5BE8-58F7-7DF9-A930-C4232DBE9182}"/>
+          </ac:picMkLst>
+        </pc:picChg>
+        <pc:picChg chg="add del mod topLvl modCrop">
+          <ac:chgData name="明阳 阮" userId="a4dcf2889a22c6f9" providerId="LiveId" clId="{607C1844-05CD-4CC9-972F-CAE573386568}" dt="2023-12-05T06:06:23.084" v="1594" actId="21"/>
+          <ac:picMkLst>
+            <pc:docMk/>
+            <pc:sldMk cId="1960410275" sldId="272"/>
+            <ac:picMk id="8" creationId="{067DBA8A-EBF3-CC5E-BB8E-C9293E83BB47}"/>
+          </ac:picMkLst>
+        </pc:picChg>
+        <pc:picChg chg="add del mod topLvl modCrop">
+          <ac:chgData name="明阳 阮" userId="a4dcf2889a22c6f9" providerId="LiveId" clId="{607C1844-05CD-4CC9-972F-CAE573386568}" dt="2023-12-05T06:06:23.084" v="1594" actId="21"/>
+          <ac:picMkLst>
+            <pc:docMk/>
+            <pc:sldMk cId="1960410275" sldId="272"/>
+            <ac:picMk id="10" creationId="{5B5108AC-9BCA-B25A-84EC-1866AFCB878B}"/>
+          </ac:picMkLst>
+        </pc:picChg>
+        <pc:picChg chg="add del mod modCrop">
+          <ac:chgData name="明阳 阮" userId="a4dcf2889a22c6f9" providerId="LiveId" clId="{607C1844-05CD-4CC9-972F-CAE573386568}" dt="2023-12-04T04:36:55.739" v="904" actId="478"/>
+          <ac:picMkLst>
+            <pc:docMk/>
+            <pc:sldMk cId="1960410275" sldId="272"/>
+            <ac:picMk id="11" creationId="{CA46AC1A-6A06-2B98-00EB-3387C8D4FFCA}"/>
+          </ac:picMkLst>
+        </pc:picChg>
+        <pc:picChg chg="add del mod ord topLvl modCrop">
+          <ac:chgData name="明阳 阮" userId="a4dcf2889a22c6f9" providerId="LiveId" clId="{607C1844-05CD-4CC9-972F-CAE573386568}" dt="2023-12-05T06:06:02.807" v="1587" actId="478"/>
+          <ac:picMkLst>
+            <pc:docMk/>
+            <pc:sldMk cId="1960410275" sldId="272"/>
+            <ac:picMk id="12" creationId="{F8E51422-0D7E-57A0-F7B9-A961B786475C}"/>
+          </ac:picMkLst>
+        </pc:picChg>
+        <pc:picChg chg="add del mod modCrop">
+          <ac:chgData name="明阳 阮" userId="a4dcf2889a22c6f9" providerId="LiveId" clId="{607C1844-05CD-4CC9-972F-CAE573386568}" dt="2023-12-05T06:05:55.535" v="1582" actId="1076"/>
+          <ac:picMkLst>
+            <pc:docMk/>
+            <pc:sldMk cId="1960410275" sldId="272"/>
+            <ac:picMk id="14" creationId="{093E2078-9906-6CC6-3F53-96CB2B120AB9}"/>
+          </ac:picMkLst>
+        </pc:picChg>
+        <pc:picChg chg="add mod modCrop">
+          <ac:chgData name="明阳 阮" userId="a4dcf2889a22c6f9" providerId="LiveId" clId="{607C1844-05CD-4CC9-972F-CAE573386568}" dt="2023-12-05T06:05:58.919" v="1584" actId="1076"/>
+          <ac:picMkLst>
+            <pc:docMk/>
+            <pc:sldMk cId="1960410275" sldId="272"/>
+            <ac:picMk id="16" creationId="{06283920-28CF-3E4B-6ABA-056C4BB69EE1}"/>
+          </ac:picMkLst>
+        </pc:picChg>
+      </pc:sldChg>
+      <pc:sldChg chg="addSp delSp modSp new mod">
+        <pc:chgData name="明阳 阮" userId="a4dcf2889a22c6f9" providerId="LiveId" clId="{607C1844-05CD-4CC9-972F-CAE573386568}" dt="2023-12-05T11:08:21.397" v="2667" actId="21"/>
+        <pc:sldMkLst>
+          <pc:docMk/>
+          <pc:sldMk cId="3138551618" sldId="273"/>
+        </pc:sldMkLst>
+        <pc:spChg chg="add del mod">
+          <ac:chgData name="明阳 阮" userId="a4dcf2889a22c6f9" providerId="LiveId" clId="{607C1844-05CD-4CC9-972F-CAE573386568}" dt="2023-12-05T11:08:21.397" v="2667" actId="21"/>
+          <ac:spMkLst>
+            <pc:docMk/>
+            <pc:sldMk cId="3138551618" sldId="273"/>
+            <ac:spMk id="2" creationId="{78C8BCC4-61DF-94DB-839A-922AC15EA4F1}"/>
+          </ac:spMkLst>
+        </pc:spChg>
+        <pc:spChg chg="add del mod">
+          <ac:chgData name="明阳 阮" userId="a4dcf2889a22c6f9" providerId="LiveId" clId="{607C1844-05CD-4CC9-972F-CAE573386568}" dt="2023-12-05T11:08:21.397" v="2667" actId="21"/>
+          <ac:spMkLst>
+            <pc:docMk/>
+            <pc:sldMk cId="3138551618" sldId="273"/>
+            <ac:spMk id="3" creationId="{FCB1AD26-1E32-BDDE-A71D-2C4B9F280AD6}"/>
+          </ac:spMkLst>
+        </pc:spChg>
+      </pc:sldChg>
+      <pc:sldChg chg="addSp modSp add mod ord">
+        <pc:chgData name="明阳 阮" userId="a4dcf2889a22c6f9" providerId="LiveId" clId="{607C1844-05CD-4CC9-972F-CAE573386568}" dt="2023-12-05T11:07:53.662" v="2666" actId="20577"/>
+        <pc:sldMkLst>
+          <pc:docMk/>
+          <pc:sldMk cId="1019687452" sldId="274"/>
+        </pc:sldMkLst>
+        <pc:spChg chg="add mod">
+          <ac:chgData name="明阳 阮" userId="a4dcf2889a22c6f9" providerId="LiveId" clId="{607C1844-05CD-4CC9-972F-CAE573386568}" dt="2023-12-05T11:07:53.662" v="2666" actId="20577"/>
+          <ac:spMkLst>
+            <pc:docMk/>
+            <pc:sldMk cId="1019687452" sldId="274"/>
+            <ac:spMk id="2" creationId="{9D88022C-29BC-202B-0FC7-82D90599AE12}"/>
+          </ac:spMkLst>
+        </pc:spChg>
+        <pc:spChg chg="add mod">
+          <ac:chgData name="明阳 阮" userId="a4dcf2889a22c6f9" providerId="LiveId" clId="{607C1844-05CD-4CC9-972F-CAE573386568}" dt="2023-12-05T11:01:28.491" v="2611" actId="20577"/>
+          <ac:spMkLst>
+            <pc:docMk/>
+            <pc:sldMk cId="1019687452" sldId="274"/>
+            <ac:spMk id="8" creationId="{AB13D45A-08DC-D4B6-D389-973D528810B4}"/>
+          </ac:spMkLst>
+        </pc:spChg>
+        <pc:spChg chg="add mod">
+          <ac:chgData name="明阳 阮" userId="a4dcf2889a22c6f9" providerId="LiveId" clId="{607C1844-05CD-4CC9-972F-CAE573386568}" dt="2023-12-05T10:53:33.981" v="2384" actId="20577"/>
+          <ac:spMkLst>
+            <pc:docMk/>
+            <pc:sldMk cId="1019687452" sldId="274"/>
+            <ac:spMk id="9" creationId="{C0D94ADD-EC93-B74F-6470-3789935C6618}"/>
+          </ac:spMkLst>
+        </pc:spChg>
+        <pc:grpChg chg="add mod">
+          <ac:chgData name="明阳 阮" userId="a4dcf2889a22c6f9" providerId="LiveId" clId="{607C1844-05CD-4CC9-972F-CAE573386568}" dt="2023-12-05T10:52:15.761" v="2276" actId="1076"/>
+          <ac:grpSpMkLst>
+            <pc:docMk/>
+            <pc:sldMk cId="1019687452" sldId="274"/>
+            <ac:grpSpMk id="7" creationId="{83380693-7EE8-2663-A3B6-29DCE272706E}"/>
+          </ac:grpSpMkLst>
+        </pc:grpChg>
+        <pc:picChg chg="add mod modCrop">
+          <ac:chgData name="明阳 阮" userId="a4dcf2889a22c6f9" providerId="LiveId" clId="{607C1844-05CD-4CC9-972F-CAE573386568}" dt="2023-12-05T10:52:09.750" v="2275" actId="1076"/>
+          <ac:picMkLst>
+            <pc:docMk/>
+            <pc:sldMk cId="1019687452" sldId="274"/>
+            <ac:picMk id="3" creationId="{50EB25E3-D81D-E756-98FF-1FC64AB613E7}"/>
+          </ac:picMkLst>
+        </pc:picChg>
+        <pc:picChg chg="add mod">
+          <ac:chgData name="明阳 阮" userId="a4dcf2889a22c6f9" providerId="LiveId" clId="{607C1844-05CD-4CC9-972F-CAE573386568}" dt="2023-12-05T06:07:40.798" v="1606" actId="164"/>
+          <ac:picMkLst>
+            <pc:docMk/>
+            <pc:sldMk cId="1019687452" sldId="274"/>
+            <ac:picMk id="4" creationId="{7E9E90D0-7D8B-1B92-D98E-81833C66E632}"/>
+          </ac:picMkLst>
+        </pc:picChg>
+        <pc:picChg chg="add mod">
+          <ac:chgData name="明阳 阮" userId="a4dcf2889a22c6f9" providerId="LiveId" clId="{607C1844-05CD-4CC9-972F-CAE573386568}" dt="2023-12-05T06:07:40.798" v="1606" actId="164"/>
+          <ac:picMkLst>
+            <pc:docMk/>
+            <pc:sldMk cId="1019687452" sldId="274"/>
+            <ac:picMk id="5" creationId="{7335CDB9-248B-71B6-2343-AC3DA70161F1}"/>
+          </ac:picMkLst>
+        </pc:picChg>
+        <pc:picChg chg="add mod">
+          <ac:chgData name="明阳 阮" userId="a4dcf2889a22c6f9" providerId="LiveId" clId="{607C1844-05CD-4CC9-972F-CAE573386568}" dt="2023-12-05T06:09:01.953" v="1674" actId="1076"/>
+          <ac:picMkLst>
+            <pc:docMk/>
+            <pc:sldMk cId="1019687452" sldId="274"/>
+            <ac:picMk id="6" creationId="{113B386C-A948-23A3-0795-B159FD318273}"/>
+          </ac:picMkLst>
+        </pc:picChg>
+      </pc:sldChg>
+      <pc:sldChg chg="addSp modSp add mod">
+        <pc:chgData name="明阳 阮" userId="a4dcf2889a22c6f9" providerId="LiveId" clId="{607C1844-05CD-4CC9-972F-CAE573386568}" dt="2023-12-05T11:08:36.173" v="2773" actId="20577"/>
+        <pc:sldMkLst>
+          <pc:docMk/>
+          <pc:sldMk cId="3395683612" sldId="275"/>
+        </pc:sldMkLst>
+        <pc:spChg chg="add mod">
+          <ac:chgData name="明阳 阮" userId="a4dcf2889a22c6f9" providerId="LiveId" clId="{607C1844-05CD-4CC9-972F-CAE573386568}" dt="2023-12-05T04:50:36.851" v="1277" actId="20577"/>
+          <ac:spMkLst>
+            <pc:docMk/>
+            <pc:sldMk cId="3395683612" sldId="275"/>
+            <ac:spMk id="2" creationId="{45192325-DA67-43D8-1653-1018BDE248A0}"/>
+          </ac:spMkLst>
+        </pc:spChg>
+        <pc:spChg chg="add mod">
+          <ac:chgData name="明阳 阮" userId="a4dcf2889a22c6f9" providerId="LiveId" clId="{607C1844-05CD-4CC9-972F-CAE573386568}" dt="2023-12-05T11:08:36.173" v="2773" actId="20577"/>
+          <ac:spMkLst>
+            <pc:docMk/>
+            <pc:sldMk cId="3395683612" sldId="275"/>
+            <ac:spMk id="3" creationId="{FBD4FA2D-965F-DA96-E398-1EC3B0109C57}"/>
+          </ac:spMkLst>
+        </pc:spChg>
+        <pc:spChg chg="add mod">
+          <ac:chgData name="明阳 阮" userId="a4dcf2889a22c6f9" providerId="LiveId" clId="{607C1844-05CD-4CC9-972F-CAE573386568}" dt="2023-12-05T11:00:37.813" v="2563" actId="2711"/>
+          <ac:spMkLst>
+            <pc:docMk/>
+            <pc:sldMk cId="3395683612" sldId="275"/>
+            <ac:spMk id="4" creationId="{616E366B-0542-5CF1-65F1-549C2E01D08E}"/>
+          </ac:spMkLst>
+        </pc:spChg>
+        <pc:spChg chg="add mod">
+          <ac:chgData name="明阳 阮" userId="a4dcf2889a22c6f9" providerId="LiveId" clId="{607C1844-05CD-4CC9-972F-CAE573386568}" dt="2023-12-05T11:08:33.673" v="2772" actId="1035"/>
+          <ac:spMkLst>
+            <pc:docMk/>
+            <pc:sldMk cId="3395683612" sldId="275"/>
+            <ac:spMk id="5" creationId="{9ACC0ACB-44AD-92FA-57C7-A6DF9F907E86}"/>
+          </ac:spMkLst>
+        </pc:spChg>
+        <pc:spChg chg="add mod">
+          <ac:chgData name="明阳 阮" userId="a4dcf2889a22c6f9" providerId="LiveId" clId="{607C1844-05CD-4CC9-972F-CAE573386568}" dt="2023-12-05T11:08:33.673" v="2772" actId="1035"/>
+          <ac:spMkLst>
+            <pc:docMk/>
+            <pc:sldMk cId="3395683612" sldId="275"/>
+            <ac:spMk id="6" creationId="{65086E03-1AF3-CECC-18D0-0FEF484A09AC}"/>
+          </ac:spMkLst>
+        </pc:spChg>
+      </pc:sldChg>
+      <pc:sldChg chg="addSp delSp modSp add mod ord">
+        <pc:chgData name="明阳 阮" userId="a4dcf2889a22c6f9" providerId="LiveId" clId="{607C1844-05CD-4CC9-972F-CAE573386568}" dt="2023-12-05T10:49:33.742" v="2132"/>
+        <pc:sldMkLst>
+          <pc:docMk/>
+          <pc:sldMk cId="1712256725" sldId="276"/>
+        </pc:sldMkLst>
+        <pc:spChg chg="mod">
+          <ac:chgData name="明阳 阮" userId="a4dcf2889a22c6f9" providerId="LiveId" clId="{607C1844-05CD-4CC9-972F-CAE573386568}" dt="2023-12-05T10:44:53.416" v="2065" actId="20577"/>
+          <ac:spMkLst>
+            <pc:docMk/>
+            <pc:sldMk cId="1712256725" sldId="276"/>
+            <ac:spMk id="2" creationId="{9D88022C-29BC-202B-0FC7-82D90599AE12}"/>
+          </ac:spMkLst>
+        </pc:spChg>
+        <pc:spChg chg="mod">
+          <ac:chgData name="明阳 阮" userId="a4dcf2889a22c6f9" providerId="LiveId" clId="{607C1844-05CD-4CC9-972F-CAE573386568}" dt="2023-12-05T10:47:00.937" v="2084" actId="1076"/>
+          <ac:spMkLst>
+            <pc:docMk/>
+            <pc:sldMk cId="1712256725" sldId="276"/>
+            <ac:spMk id="8" creationId="{AB13D45A-08DC-D4B6-D389-973D528810B4}"/>
+          </ac:spMkLst>
+        </pc:spChg>
+        <pc:spChg chg="add mod">
+          <ac:chgData name="明阳 阮" userId="a4dcf2889a22c6f9" providerId="LiveId" clId="{607C1844-05CD-4CC9-972F-CAE573386568}" dt="2023-12-05T10:47:10.420" v="2102" actId="1036"/>
+          <ac:spMkLst>
+            <pc:docMk/>
+            <pc:sldMk cId="1712256725" sldId="276"/>
+            <ac:spMk id="9" creationId="{E294672D-763A-4D7F-112F-34B24761F853}"/>
+          </ac:spMkLst>
+        </pc:spChg>
+        <pc:spChg chg="add mod">
+          <ac:chgData name="明阳 阮" userId="a4dcf2889a22c6f9" providerId="LiveId" clId="{607C1844-05CD-4CC9-972F-CAE573386568}" dt="2023-12-05T10:47:10.420" v="2102" actId="1036"/>
+          <ac:spMkLst>
+            <pc:docMk/>
+            <pc:sldMk cId="1712256725" sldId="276"/>
+            <ac:spMk id="10" creationId="{71FC67F8-14A3-4F17-1BE1-6ECC5A09524A}"/>
+          </ac:spMkLst>
+        </pc:spChg>
+        <pc:spChg chg="add mod">
+          <ac:chgData name="明阳 阮" userId="a4dcf2889a22c6f9" providerId="LiveId" clId="{607C1844-05CD-4CC9-972F-CAE573386568}" dt="2023-12-05T10:47:10.420" v="2102" actId="1036"/>
+          <ac:spMkLst>
+            <pc:docMk/>
+            <pc:sldMk cId="1712256725" sldId="276"/>
+            <ac:spMk id="11" creationId="{8815587C-2C95-C759-ABE4-EE36121770AA}"/>
+          </ac:spMkLst>
+        </pc:spChg>
+        <pc:spChg chg="add mod">
+          <ac:chgData name="明阳 阮" userId="a4dcf2889a22c6f9" providerId="LiveId" clId="{607C1844-05CD-4CC9-972F-CAE573386568}" dt="2023-12-05T10:47:10.420" v="2102" actId="1036"/>
+          <ac:spMkLst>
+            <pc:docMk/>
+            <pc:sldMk cId="1712256725" sldId="276"/>
+            <ac:spMk id="12" creationId="{764F0CA7-46AE-E749-1555-76B1E08BC03A}"/>
+          </ac:spMkLst>
+        </pc:spChg>
+        <pc:spChg chg="add mod">
+          <ac:chgData name="明阳 阮" userId="a4dcf2889a22c6f9" providerId="LiveId" clId="{607C1844-05CD-4CC9-972F-CAE573386568}" dt="2023-12-05T10:47:10.420" v="2102" actId="1036"/>
+          <ac:spMkLst>
+            <pc:docMk/>
+            <pc:sldMk cId="1712256725" sldId="276"/>
+            <ac:spMk id="13" creationId="{DD5F8D75-B5C9-2194-25B6-631F0AD8DE17}"/>
+          </ac:spMkLst>
+        </pc:spChg>
+        <pc:spChg chg="add mod">
+          <ac:chgData name="明阳 阮" userId="a4dcf2889a22c6f9" providerId="LiveId" clId="{607C1844-05CD-4CC9-972F-CAE573386568}" dt="2023-12-05T10:47:10.420" v="2102" actId="1036"/>
+          <ac:spMkLst>
+            <pc:docMk/>
+            <pc:sldMk cId="1712256725" sldId="276"/>
+            <ac:spMk id="14" creationId="{CB4326D5-CA4D-448D-A371-0515A2627515}"/>
+          </ac:spMkLst>
+        </pc:spChg>
+        <pc:spChg chg="add mod">
+          <ac:chgData name="明阳 阮" userId="a4dcf2889a22c6f9" providerId="LiveId" clId="{607C1844-05CD-4CC9-972F-CAE573386568}" dt="2023-12-05T10:47:10.420" v="2102" actId="1036"/>
+          <ac:spMkLst>
+            <pc:docMk/>
+            <pc:sldMk cId="1712256725" sldId="276"/>
+            <ac:spMk id="15" creationId="{07B25E5B-CCC4-7EC0-7176-28F6E1E64231}"/>
+          </ac:spMkLst>
+        </pc:spChg>
+        <pc:spChg chg="add mod">
+          <ac:chgData name="明阳 阮" userId="a4dcf2889a22c6f9" providerId="LiveId" clId="{607C1844-05CD-4CC9-972F-CAE573386568}" dt="2023-12-05T10:47:10.420" v="2102" actId="1036"/>
+          <ac:spMkLst>
+            <pc:docMk/>
+            <pc:sldMk cId="1712256725" sldId="276"/>
+            <ac:spMk id="16" creationId="{9FF13239-0A18-5EB7-08DE-7EDF26DC17C6}"/>
+          </ac:spMkLst>
+        </pc:spChg>
+        <pc:spChg chg="add del mod">
+          <ac:chgData name="明阳 阮" userId="a4dcf2889a22c6f9" providerId="LiveId" clId="{607C1844-05CD-4CC9-972F-CAE573386568}" dt="2023-12-05T06:11:43.682" v="1822" actId="478"/>
+          <ac:spMkLst>
+            <pc:docMk/>
+            <pc:sldMk cId="1712256725" sldId="276"/>
+            <ac:spMk id="20" creationId="{13D16C75-563F-CA0B-DA4B-82C2F74228EA}"/>
+          </ac:spMkLst>
+        </pc:spChg>
+        <pc:spChg chg="add del mod">
+          <ac:chgData name="明阳 阮" userId="a4dcf2889a22c6f9" providerId="LiveId" clId="{607C1844-05CD-4CC9-972F-CAE573386568}" dt="2023-12-05T06:11:42.233" v="1821" actId="478"/>
+          <ac:spMkLst>
+            <pc:docMk/>
+            <pc:sldMk cId="1712256725" sldId="276"/>
+            <ac:spMk id="21" creationId="{47E8399B-F675-3A8F-3B8E-7519C76CB0E3}"/>
+          </ac:spMkLst>
+        </pc:spChg>
+        <pc:spChg chg="add del mod">
+          <ac:chgData name="明阳 阮" userId="a4dcf2889a22c6f9" providerId="LiveId" clId="{607C1844-05CD-4CC9-972F-CAE573386568}" dt="2023-12-05T06:11:42.233" v="1821" actId="478"/>
+          <ac:spMkLst>
+            <pc:docMk/>
+            <pc:sldMk cId="1712256725" sldId="276"/>
+            <ac:spMk id="22" creationId="{5F3B471B-A2F3-0195-2EC6-CF24941E2FFC}"/>
+          </ac:spMkLst>
+        </pc:spChg>
+        <pc:spChg chg="add del mod">
+          <ac:chgData name="明阳 阮" userId="a4dcf2889a22c6f9" providerId="LiveId" clId="{607C1844-05CD-4CC9-972F-CAE573386568}" dt="2023-12-05T06:11:42.233" v="1821" actId="478"/>
+          <ac:spMkLst>
+            <pc:docMk/>
+            <pc:sldMk cId="1712256725" sldId="276"/>
+            <ac:spMk id="23" creationId="{0B183E6D-AC1B-DFE5-7D89-758F7DBE72BE}"/>
+          </ac:spMkLst>
+        </pc:spChg>
+        <pc:spChg chg="add mod">
+          <ac:chgData name="明阳 阮" userId="a4dcf2889a22c6f9" providerId="LiveId" clId="{607C1844-05CD-4CC9-972F-CAE573386568}" dt="2023-12-05T10:47:04.070" v="2085" actId="14100"/>
+          <ac:spMkLst>
+            <pc:docMk/>
+            <pc:sldMk cId="1712256725" sldId="276"/>
+            <ac:spMk id="30" creationId="{6AF65DD5-AFD7-9737-07CC-787D87BDEA0D}"/>
+          </ac:spMkLst>
+        </pc:spChg>
+        <pc:grpChg chg="del">
+          <ac:chgData name="明阳 阮" userId="a4dcf2889a22c6f9" providerId="LiveId" clId="{607C1844-05CD-4CC9-972F-CAE573386568}" dt="2023-12-05T06:09:24.323" v="1676" actId="478"/>
+          <ac:grpSpMkLst>
+            <pc:docMk/>
+            <pc:sldMk cId="1712256725" sldId="276"/>
+            <ac:grpSpMk id="7" creationId="{83380693-7EE8-2663-A3B6-29DCE272706E}"/>
+          </ac:grpSpMkLst>
+        </pc:grpChg>
+        <pc:cxnChg chg="add del mod">
+          <ac:chgData name="明阳 阮" userId="a4dcf2889a22c6f9" providerId="LiveId" clId="{607C1844-05CD-4CC9-972F-CAE573386568}" dt="2023-12-05T10:47:10.420" v="2102" actId="1036"/>
+          <ac:cxnSpMkLst>
+            <pc:docMk/>
+            <pc:sldMk cId="1712256725" sldId="276"/>
+            <ac:cxnSpMk id="17" creationId="{C2939910-2CEA-826B-B3E3-D186F509D0CB}"/>
+          </ac:cxnSpMkLst>
+        </pc:cxnChg>
+        <pc:cxnChg chg="add del mod">
+          <ac:chgData name="明阳 阮" userId="a4dcf2889a22c6f9" providerId="LiveId" clId="{607C1844-05CD-4CC9-972F-CAE573386568}" dt="2023-12-05T06:11:28.264" v="1817" actId="478"/>
+          <ac:cxnSpMkLst>
+            <pc:docMk/>
+            <pc:sldMk cId="1712256725" sldId="276"/>
+            <ac:cxnSpMk id="18" creationId="{3B9DEE12-76E7-1974-4B2D-1AA8D41CED03}"/>
+          </ac:cxnSpMkLst>
+        </pc:cxnChg>
+        <pc:cxnChg chg="add del mod">
+          <ac:chgData name="明阳 阮" userId="a4dcf2889a22c6f9" providerId="LiveId" clId="{607C1844-05CD-4CC9-972F-CAE573386568}" dt="2023-12-05T06:11:30.196" v="1818" actId="478"/>
+          <ac:cxnSpMkLst>
+            <pc:docMk/>
+            <pc:sldMk cId="1712256725" sldId="276"/>
+            <ac:cxnSpMk id="19" creationId="{6365CCB6-9642-965D-D9FE-8C461E1FA304}"/>
+          </ac:cxnSpMkLst>
+        </pc:cxnChg>
+        <pc:cxnChg chg="add mod">
+          <ac:chgData name="明阳 阮" userId="a4dcf2889a22c6f9" providerId="LiveId" clId="{607C1844-05CD-4CC9-972F-CAE573386568}" dt="2023-12-05T10:47:10.420" v="2102" actId="1036"/>
+          <ac:cxnSpMkLst>
+            <pc:docMk/>
+            <pc:sldMk cId="1712256725" sldId="276"/>
+            <ac:cxnSpMk id="28" creationId="{5F0DFC87-D5B3-6A65-3DEC-E4358736ED9E}"/>
+          </ac:cxnSpMkLst>
+        </pc:cxnChg>
+        <pc:cxnChg chg="add mod">
+          <ac:chgData name="明阳 阮" userId="a4dcf2889a22c6f9" providerId="LiveId" clId="{607C1844-05CD-4CC9-972F-CAE573386568}" dt="2023-12-05T10:47:10.420" v="2102" actId="1036"/>
+          <ac:cxnSpMkLst>
+            <pc:docMk/>
+            <pc:sldMk cId="1712256725" sldId="276"/>
+            <ac:cxnSpMk id="29" creationId="{91573EC5-7B5C-A0B3-8CAB-A50E3B111AAF}"/>
+          </ac:cxnSpMkLst>
+        </pc:cxnChg>
+      </pc:sldChg>
+      <pc:sldChg chg="addSp delSp modSp add mod">
+        <pc:chgData name="明阳 阮" userId="a4dcf2889a22c6f9" providerId="LiveId" clId="{607C1844-05CD-4CC9-972F-CAE573386568}" dt="2023-12-05T10:58:20.932" v="2547" actId="1076"/>
+        <pc:sldMkLst>
+          <pc:docMk/>
+          <pc:sldMk cId="855912634" sldId="277"/>
+        </pc:sldMkLst>
+        <pc:spChg chg="add mod">
+          <ac:chgData name="明阳 阮" userId="a4dcf2889a22c6f9" providerId="LiveId" clId="{607C1844-05CD-4CC9-972F-CAE573386568}" dt="2023-12-05T10:56:49.849" v="2512" actId="2711"/>
+          <ac:spMkLst>
+            <pc:docMk/>
+            <pc:sldMk cId="855912634" sldId="277"/>
+            <ac:spMk id="6" creationId="{0A85260F-AEAA-4E1A-D4F4-23F4F3C44ECF}"/>
+          </ac:spMkLst>
+        </pc:spChg>
+        <pc:spChg chg="add mod">
+          <ac:chgData name="明阳 阮" userId="a4dcf2889a22c6f9" providerId="LiveId" clId="{607C1844-05CD-4CC9-972F-CAE573386568}" dt="2023-12-05T10:57:45.940" v="2540" actId="1076"/>
+          <ac:spMkLst>
+            <pc:docMk/>
+            <pc:sldMk cId="855912634" sldId="277"/>
+            <ac:spMk id="7" creationId="{78ECAEAB-A9D9-1131-2D34-741E654F786F}"/>
+          </ac:spMkLst>
+        </pc:spChg>
+        <pc:spChg chg="mod">
+          <ac:chgData name="明阳 阮" userId="a4dcf2889a22c6f9" providerId="LiveId" clId="{607C1844-05CD-4CC9-972F-CAE573386568}" dt="2023-12-05T10:56:02.840" v="2502" actId="2711"/>
+          <ac:spMkLst>
+            <pc:docMk/>
+            <pc:sldMk cId="855912634" sldId="277"/>
+            <ac:spMk id="8" creationId="{AB13D45A-08DC-D4B6-D389-973D528810B4}"/>
+          </ac:spMkLst>
+        </pc:spChg>
+        <pc:spChg chg="del">
+          <ac:chgData name="明阳 阮" userId="a4dcf2889a22c6f9" providerId="LiveId" clId="{607C1844-05CD-4CC9-972F-CAE573386568}" dt="2023-12-05T10:55:36.426" v="2446" actId="478"/>
+          <ac:spMkLst>
+            <pc:docMk/>
+            <pc:sldMk cId="855912634" sldId="277"/>
+            <ac:spMk id="9" creationId="{E294672D-763A-4D7F-112F-34B24761F853}"/>
+          </ac:spMkLst>
+        </pc:spChg>
+        <pc:spChg chg="del">
+          <ac:chgData name="明阳 阮" userId="a4dcf2889a22c6f9" providerId="LiveId" clId="{607C1844-05CD-4CC9-972F-CAE573386568}" dt="2023-12-05T10:55:36.426" v="2446" actId="478"/>
+          <ac:spMkLst>
+            <pc:docMk/>
+            <pc:sldMk cId="855912634" sldId="277"/>
+            <ac:spMk id="10" creationId="{71FC67F8-14A3-4F17-1BE1-6ECC5A09524A}"/>
+          </ac:spMkLst>
+        </pc:spChg>
+        <pc:spChg chg="del">
+          <ac:chgData name="明阳 阮" userId="a4dcf2889a22c6f9" providerId="LiveId" clId="{607C1844-05CD-4CC9-972F-CAE573386568}" dt="2023-12-05T10:55:36.426" v="2446" actId="478"/>
+          <ac:spMkLst>
+            <pc:docMk/>
+            <pc:sldMk cId="855912634" sldId="277"/>
+            <ac:spMk id="11" creationId="{8815587C-2C95-C759-ABE4-EE36121770AA}"/>
+          </ac:spMkLst>
+        </pc:spChg>
+        <pc:spChg chg="del">
+          <ac:chgData name="明阳 阮" userId="a4dcf2889a22c6f9" providerId="LiveId" clId="{607C1844-05CD-4CC9-972F-CAE573386568}" dt="2023-12-05T10:55:36.426" v="2446" actId="478"/>
+          <ac:spMkLst>
+            <pc:docMk/>
+            <pc:sldMk cId="855912634" sldId="277"/>
+            <ac:spMk id="12" creationId="{764F0CA7-46AE-E749-1555-76B1E08BC03A}"/>
+          </ac:spMkLst>
+        </pc:spChg>
+        <pc:spChg chg="del">
+          <ac:chgData name="明阳 阮" userId="a4dcf2889a22c6f9" providerId="LiveId" clId="{607C1844-05CD-4CC9-972F-CAE573386568}" dt="2023-12-05T10:55:36.426" v="2446" actId="478"/>
+          <ac:spMkLst>
+            <pc:docMk/>
+            <pc:sldMk cId="855912634" sldId="277"/>
+            <ac:spMk id="13" creationId="{DD5F8D75-B5C9-2194-25B6-631F0AD8DE17}"/>
+          </ac:spMkLst>
+        </pc:spChg>
+        <pc:spChg chg="del">
+          <ac:chgData name="明阳 阮" userId="a4dcf2889a22c6f9" providerId="LiveId" clId="{607C1844-05CD-4CC9-972F-CAE573386568}" dt="2023-12-05T10:55:36.426" v="2446" actId="478"/>
+          <ac:spMkLst>
+            <pc:docMk/>
+            <pc:sldMk cId="855912634" sldId="277"/>
+            <ac:spMk id="14" creationId="{CB4326D5-CA4D-448D-A371-0515A2627515}"/>
+          </ac:spMkLst>
+        </pc:spChg>
+        <pc:spChg chg="del">
+          <ac:chgData name="明阳 阮" userId="a4dcf2889a22c6f9" providerId="LiveId" clId="{607C1844-05CD-4CC9-972F-CAE573386568}" dt="2023-12-05T10:55:36.426" v="2446" actId="478"/>
+          <ac:spMkLst>
+            <pc:docMk/>
+            <pc:sldMk cId="855912634" sldId="277"/>
+            <ac:spMk id="15" creationId="{07B25E5B-CCC4-7EC0-7176-28F6E1E64231}"/>
+          </ac:spMkLst>
+        </pc:spChg>
+        <pc:spChg chg="del">
+          <ac:chgData name="明阳 阮" userId="a4dcf2889a22c6f9" providerId="LiveId" clId="{607C1844-05CD-4CC9-972F-CAE573386568}" dt="2023-12-05T10:55:36.426" v="2446" actId="478"/>
+          <ac:spMkLst>
+            <pc:docMk/>
+            <pc:sldMk cId="855912634" sldId="277"/>
+            <ac:spMk id="16" creationId="{9FF13239-0A18-5EB7-08DE-7EDF26DC17C6}"/>
+          </ac:spMkLst>
+        </pc:spChg>
+        <pc:spChg chg="add mod">
+          <ac:chgData name="明阳 阮" userId="a4dcf2889a22c6f9" providerId="LiveId" clId="{607C1844-05CD-4CC9-972F-CAE573386568}" dt="2023-12-05T10:57:50.866" v="2541" actId="1076"/>
+          <ac:spMkLst>
+            <pc:docMk/>
+            <pc:sldMk cId="855912634" sldId="277"/>
+            <ac:spMk id="18" creationId="{F67FF90A-715C-6F80-26DB-BD284FBBC52F}"/>
+          </ac:spMkLst>
+        </pc:spChg>
+        <pc:spChg chg="add mod">
+          <ac:chgData name="明阳 阮" userId="a4dcf2889a22c6f9" providerId="LiveId" clId="{607C1844-05CD-4CC9-972F-CAE573386568}" dt="2023-12-05T10:58:13.519" v="2545" actId="2085"/>
+          <ac:spMkLst>
+            <pc:docMk/>
+            <pc:sldMk cId="855912634" sldId="277"/>
+            <ac:spMk id="19" creationId="{837659EC-9662-9D9A-5DB8-7204798E0AAA}"/>
+          </ac:spMkLst>
+        </pc:spChg>
+        <pc:spChg chg="add mod">
+          <ac:chgData name="明阳 阮" userId="a4dcf2889a22c6f9" providerId="LiveId" clId="{607C1844-05CD-4CC9-972F-CAE573386568}" dt="2023-12-05T10:58:20.932" v="2547" actId="1076"/>
+          <ac:spMkLst>
+            <pc:docMk/>
+            <pc:sldMk cId="855912634" sldId="277"/>
+            <ac:spMk id="20" creationId="{2AC33191-FD61-5981-FFC2-F249CCEEA083}"/>
+          </ac:spMkLst>
+        </pc:spChg>
+        <pc:spChg chg="del">
+          <ac:chgData name="明阳 阮" userId="a4dcf2889a22c6f9" providerId="LiveId" clId="{607C1844-05CD-4CC9-972F-CAE573386568}" dt="2023-12-05T10:55:36.426" v="2446" actId="478"/>
+          <ac:spMkLst>
+            <pc:docMk/>
+            <pc:sldMk cId="855912634" sldId="277"/>
+            <ac:spMk id="30" creationId="{6AF65DD5-AFD7-9737-07CC-787D87BDEA0D}"/>
+          </ac:spMkLst>
+        </pc:spChg>
+        <pc:picChg chg="add mod">
+          <ac:chgData name="明阳 阮" userId="a4dcf2889a22c6f9" providerId="LiveId" clId="{607C1844-05CD-4CC9-972F-CAE573386568}" dt="2023-12-05T10:57:16.151" v="2523" actId="1076"/>
+          <ac:picMkLst>
+            <pc:docMk/>
+            <pc:sldMk cId="855912634" sldId="277"/>
+            <ac:picMk id="3" creationId="{7D3E9F89-EBF0-9298-8699-E7112A72E822}"/>
+          </ac:picMkLst>
+        </pc:picChg>
+        <pc:picChg chg="add mod">
+          <ac:chgData name="明阳 阮" userId="a4dcf2889a22c6f9" providerId="LiveId" clId="{607C1844-05CD-4CC9-972F-CAE573386568}" dt="2023-12-05T10:57:50.866" v="2541" actId="1076"/>
+          <ac:picMkLst>
+            <pc:docMk/>
+            <pc:sldMk cId="855912634" sldId="277"/>
+            <ac:picMk id="4" creationId="{6519CC44-C3D1-D22D-69BF-88ECA69B2942}"/>
+          </ac:picMkLst>
+        </pc:picChg>
+        <pc:picChg chg="add mod">
+          <ac:chgData name="明阳 阮" userId="a4dcf2889a22c6f9" providerId="LiveId" clId="{607C1844-05CD-4CC9-972F-CAE573386568}" dt="2023-12-05T10:57:45.940" v="2540" actId="1076"/>
+          <ac:picMkLst>
+            <pc:docMk/>
+            <pc:sldMk cId="855912634" sldId="277"/>
+            <ac:picMk id="5" creationId="{DF39050D-5659-DD9D-0430-6125C2FC4945}"/>
+          </ac:picMkLst>
+        </pc:picChg>
+        <pc:cxnChg chg="del">
+          <ac:chgData name="明阳 阮" userId="a4dcf2889a22c6f9" providerId="LiveId" clId="{607C1844-05CD-4CC9-972F-CAE573386568}" dt="2023-12-05T10:55:36.426" v="2446" actId="478"/>
+          <ac:cxnSpMkLst>
+            <pc:docMk/>
+            <pc:sldMk cId="855912634" sldId="277"/>
+            <ac:cxnSpMk id="17" creationId="{C2939910-2CEA-826B-B3E3-D186F509D0CB}"/>
+          </ac:cxnSpMkLst>
+        </pc:cxnChg>
+        <pc:cxnChg chg="del">
+          <ac:chgData name="明阳 阮" userId="a4dcf2889a22c6f9" providerId="LiveId" clId="{607C1844-05CD-4CC9-972F-CAE573386568}" dt="2023-12-05T10:55:36.426" v="2446" actId="478"/>
+          <ac:cxnSpMkLst>
+            <pc:docMk/>
+            <pc:sldMk cId="855912634" sldId="277"/>
+            <ac:cxnSpMk id="28" creationId="{5F0DFC87-D5B3-6A65-3DEC-E4358736ED9E}"/>
+          </ac:cxnSpMkLst>
+        </pc:cxnChg>
+        <pc:cxnChg chg="del">
+          <ac:chgData name="明阳 阮" userId="a4dcf2889a22c6f9" providerId="LiveId" clId="{607C1844-05CD-4CC9-972F-CAE573386568}" dt="2023-12-05T10:55:36.426" v="2446" actId="478"/>
+          <ac:cxnSpMkLst>
+            <pc:docMk/>
+            <pc:sldMk cId="855912634" sldId="277"/>
+            <ac:cxnSpMk id="29" creationId="{91573EC5-7B5C-A0B3-8CAB-A50E3B111AAF}"/>
+          </ac:cxnSpMkLst>
+        </pc:cxnChg>
       </pc:sldChg>
     </pc:docChg>
   </pc:docChgLst>
@@ -2213,1709 +1956,1966 @@
     </pc:docChg>
   </pc:docChgLst>
   <pc:docChgLst>
-    <pc:chgData name="明阳 阮" userId="a4dcf2889a22c6f9" providerId="LiveId" clId="{607C1844-05CD-4CC9-972F-CAE573386568}"/>
-    <pc:docChg chg="undo redo custSel addSld delSld modSld sldOrd">
-      <pc:chgData name="明阳 阮" userId="a4dcf2889a22c6f9" providerId="LiveId" clId="{607C1844-05CD-4CC9-972F-CAE573386568}" dt="2023-12-05T11:08:36.173" v="2773" actId="20577"/>
+    <pc:chgData name="明阳 阮" userId="a4dcf2889a22c6f9" providerId="LiveId" clId="{389D68A1-24FC-423B-B5DD-8195EC5F55C7}"/>
+    <pc:docChg chg="undo custSel addSld delSld modSld sldOrd">
+      <pc:chgData name="明阳 阮" userId="a4dcf2889a22c6f9" providerId="LiveId" clId="{389D68A1-24FC-423B-B5DD-8195EC5F55C7}" dt="2023-10-26T07:24:04.566" v="4032" actId="1076"/>
       <pc:docMkLst>
         <pc:docMk/>
       </pc:docMkLst>
-      <pc:sldChg chg="delSp mod">
-        <pc:chgData name="明阳 阮" userId="a4dcf2889a22c6f9" providerId="LiveId" clId="{607C1844-05CD-4CC9-972F-CAE573386568}" dt="2023-12-05T06:04:46.517" v="1579" actId="478"/>
+      <pc:sldChg chg="delSp modSp add mod ord">
+        <pc:chgData name="明阳 阮" userId="a4dcf2889a22c6f9" providerId="LiveId" clId="{389D68A1-24FC-423B-B5DD-8195EC5F55C7}" dt="2023-10-26T02:09:01.964" v="2995"/>
+        <pc:sldMkLst>
+          <pc:docMk/>
+          <pc:sldMk cId="3425265946" sldId="256"/>
+        </pc:sldMkLst>
+        <pc:spChg chg="del">
+          <ac:chgData name="明阳 阮" userId="a4dcf2889a22c6f9" providerId="LiveId" clId="{389D68A1-24FC-423B-B5DD-8195EC5F55C7}" dt="2023-10-23T02:39:51.801" v="163" actId="478"/>
+          <ac:spMkLst>
+            <pc:docMk/>
+            <pc:sldMk cId="3425265946" sldId="256"/>
+            <ac:spMk id="3" creationId="{0775608E-F3A1-97CA-2C98-E6BDDB21FAFA}"/>
+          </ac:spMkLst>
+        </pc:spChg>
+        <pc:spChg chg="mod">
+          <ac:chgData name="明阳 阮" userId="a4dcf2889a22c6f9" providerId="LiveId" clId="{389D68A1-24FC-423B-B5DD-8195EC5F55C7}" dt="2023-10-25T08:57:44.692" v="2805" actId="113"/>
+          <ac:spMkLst>
+            <pc:docMk/>
+            <pc:sldMk cId="3425265946" sldId="256"/>
+            <ac:spMk id="5" creationId="{78FBD0DF-594A-4659-7E0D-4920283AAA08}"/>
+          </ac:spMkLst>
+        </pc:spChg>
+      </pc:sldChg>
+      <pc:sldChg chg="del">
+        <pc:chgData name="明阳 阮" userId="a4dcf2889a22c6f9" providerId="LiveId" clId="{389D68A1-24FC-423B-B5DD-8195EC5F55C7}" dt="2023-10-23T02:30:55.744" v="1" actId="47"/>
+        <pc:sldMkLst>
+          <pc:docMk/>
+          <pc:sldMk cId="3516759928" sldId="256"/>
+        </pc:sldMkLst>
+      </pc:sldChg>
+      <pc:sldChg chg="addSp delSp modSp new mod">
+        <pc:chgData name="明阳 阮" userId="a4dcf2889a22c6f9" providerId="LiveId" clId="{389D68A1-24FC-423B-B5DD-8195EC5F55C7}" dt="2023-10-26T07:24:04.566" v="4032" actId="1076"/>
+        <pc:sldMkLst>
+          <pc:docMk/>
+          <pc:sldMk cId="1893828342" sldId="257"/>
+        </pc:sldMkLst>
+        <pc:spChg chg="add mod">
+          <ac:chgData name="明阳 阮" userId="a4dcf2889a22c6f9" providerId="LiveId" clId="{389D68A1-24FC-423B-B5DD-8195EC5F55C7}" dt="2023-10-23T02:48:04.214" v="214" actId="20577"/>
+          <ac:spMkLst>
+            <pc:docMk/>
+            <pc:sldMk cId="1893828342" sldId="257"/>
+            <ac:spMk id="2" creationId="{127B3BAF-7D69-7016-0F81-30E5C2D25E8B}"/>
+          </ac:spMkLst>
+        </pc:spChg>
+        <pc:spChg chg="add mod">
+          <ac:chgData name="明阳 阮" userId="a4dcf2889a22c6f9" providerId="LiveId" clId="{389D68A1-24FC-423B-B5DD-8195EC5F55C7}" dt="2023-10-26T07:23:34.680" v="4031" actId="1036"/>
+          <ac:spMkLst>
+            <pc:docMk/>
+            <pc:sldMk cId="1893828342" sldId="257"/>
+            <ac:spMk id="3" creationId="{00853866-167B-87E3-E0BD-8494D71EC976}"/>
+          </ac:spMkLst>
+        </pc:spChg>
+        <pc:spChg chg="add del mod">
+          <ac:chgData name="明阳 阮" userId="a4dcf2889a22c6f9" providerId="LiveId" clId="{389D68A1-24FC-423B-B5DD-8195EC5F55C7}" dt="2023-10-25T08:41:51.454" v="2595" actId="21"/>
+          <ac:spMkLst>
+            <pc:docMk/>
+            <pc:sldMk cId="1893828342" sldId="257"/>
+            <ac:spMk id="4" creationId="{B55AA1C3-2D61-59B4-7CE5-F0EC966390BB}"/>
+          </ac:spMkLst>
+        </pc:spChg>
+        <pc:spChg chg="add del mod">
+          <ac:chgData name="明阳 阮" userId="a4dcf2889a22c6f9" providerId="LiveId" clId="{389D68A1-24FC-423B-B5DD-8195EC5F55C7}" dt="2023-10-23T02:32:18.525" v="24" actId="478"/>
+          <ac:spMkLst>
+            <pc:docMk/>
+            <pc:sldMk cId="1893828342" sldId="257"/>
+            <ac:spMk id="4" creationId="{CDD19AC1-EA5E-03D4-A5E7-D65E065B07E5}"/>
+          </ac:spMkLst>
+        </pc:spChg>
+        <pc:spChg chg="add mod">
+          <ac:chgData name="明阳 阮" userId="a4dcf2889a22c6f9" providerId="LiveId" clId="{389D68A1-24FC-423B-B5DD-8195EC5F55C7}" dt="2023-10-26T01:17:57.761" v="2857"/>
+          <ac:spMkLst>
+            <pc:docMk/>
+            <pc:sldMk cId="1893828342" sldId="257"/>
+            <ac:spMk id="4" creationId="{F8B8AE64-A1C5-1FE2-AA67-313313C9EC48}"/>
+          </ac:spMkLst>
+        </pc:spChg>
+        <pc:spChg chg="add del mod">
+          <ac:chgData name="明阳 阮" userId="a4dcf2889a22c6f9" providerId="LiveId" clId="{389D68A1-24FC-423B-B5DD-8195EC5F55C7}" dt="2023-10-26T07:23:34.680" v="4031" actId="1036"/>
+          <ac:spMkLst>
+            <pc:docMk/>
+            <pc:sldMk cId="1893828342" sldId="257"/>
+            <ac:spMk id="5" creationId="{2DF684F6-9647-BECA-8EE0-524858E75142}"/>
+          </ac:spMkLst>
+        </pc:spChg>
+        <pc:spChg chg="add mod">
+          <ac:chgData name="明阳 阮" userId="a4dcf2889a22c6f9" providerId="LiveId" clId="{389D68A1-24FC-423B-B5DD-8195EC5F55C7}" dt="2023-10-26T07:23:34.680" v="4031" actId="1036"/>
+          <ac:spMkLst>
+            <pc:docMk/>
+            <pc:sldMk cId="1893828342" sldId="257"/>
+            <ac:spMk id="6" creationId="{21896B62-7E22-FCEB-C86E-72C379C0E603}"/>
+          </ac:spMkLst>
+        </pc:spChg>
+        <pc:spChg chg="add del mod">
+          <ac:chgData name="明阳 阮" userId="a4dcf2889a22c6f9" providerId="LiveId" clId="{389D68A1-24FC-423B-B5DD-8195EC5F55C7}" dt="2023-10-23T02:34:26.740" v="80" actId="478"/>
+          <ac:spMkLst>
+            <pc:docMk/>
+            <pc:sldMk cId="1893828342" sldId="257"/>
+            <ac:spMk id="6" creationId="{D0987124-58BB-94C9-46A8-D0AD66C31B7E}"/>
+          </ac:spMkLst>
+        </pc:spChg>
+        <pc:spChg chg="add mod">
+          <ac:chgData name="明阳 阮" userId="a4dcf2889a22c6f9" providerId="LiveId" clId="{389D68A1-24FC-423B-B5DD-8195EC5F55C7}" dt="2023-10-26T03:30:25.641" v="3952" actId="1076"/>
+          <ac:spMkLst>
+            <pc:docMk/>
+            <pc:sldMk cId="1893828342" sldId="257"/>
+            <ac:spMk id="7" creationId="{10DEA8DA-7A0A-C094-4252-40618C6C76BE}"/>
+          </ac:spMkLst>
+        </pc:spChg>
+        <pc:spChg chg="add del mod">
+          <ac:chgData name="明阳 阮" userId="a4dcf2889a22c6f9" providerId="LiveId" clId="{389D68A1-24FC-423B-B5DD-8195EC5F55C7}" dt="2023-10-23T02:34:26.740" v="80" actId="478"/>
+          <ac:spMkLst>
+            <pc:docMk/>
+            <pc:sldMk cId="1893828342" sldId="257"/>
+            <ac:spMk id="7" creationId="{54E3B638-F1B8-2B32-11E5-D66A399AEE22}"/>
+          </ac:spMkLst>
+        </pc:spChg>
+        <pc:spChg chg="add mod">
+          <ac:chgData name="明阳 阮" userId="a4dcf2889a22c6f9" providerId="LiveId" clId="{389D68A1-24FC-423B-B5DD-8195EC5F55C7}" dt="2023-10-26T07:23:34.680" v="4031" actId="1036"/>
+          <ac:spMkLst>
+            <pc:docMk/>
+            <pc:sldMk cId="1893828342" sldId="257"/>
+            <ac:spMk id="8" creationId="{A7D29084-086C-A6EA-181A-A4AAFD210197}"/>
+          </ac:spMkLst>
+        </pc:spChg>
+        <pc:spChg chg="add del mod">
+          <ac:chgData name="明阳 阮" userId="a4dcf2889a22c6f9" providerId="LiveId" clId="{389D68A1-24FC-423B-B5DD-8195EC5F55C7}" dt="2023-10-26T03:21:53.204" v="3743"/>
+          <ac:spMkLst>
+            <pc:docMk/>
+            <pc:sldMk cId="1893828342" sldId="257"/>
+            <ac:spMk id="10" creationId="{4A71AD3C-0ECC-6A8A-CDCE-FA65BF3789CC}"/>
+          </ac:spMkLst>
+        </pc:spChg>
+        <pc:spChg chg="add del mod">
+          <ac:chgData name="明阳 阮" userId="a4dcf2889a22c6f9" providerId="LiveId" clId="{389D68A1-24FC-423B-B5DD-8195EC5F55C7}" dt="2023-10-25T07:48:45.435" v="2387" actId="478"/>
+          <ac:spMkLst>
+            <pc:docMk/>
+            <pc:sldMk cId="1893828342" sldId="257"/>
+            <ac:spMk id="10" creationId="{B44D9F84-2867-5E35-E543-92598B3C2CC2}"/>
+          </ac:spMkLst>
+        </pc:spChg>
+        <pc:spChg chg="add del">
+          <ac:chgData name="明阳 阮" userId="a4dcf2889a22c6f9" providerId="LiveId" clId="{389D68A1-24FC-423B-B5DD-8195EC5F55C7}" dt="2023-10-26T02:15:04.300" v="3068" actId="22"/>
+          <ac:spMkLst>
+            <pc:docMk/>
+            <pc:sldMk cId="1893828342" sldId="257"/>
+            <ac:spMk id="12" creationId="{6FDBCC17-82B4-81AF-953F-9337B4D49FA0}"/>
+          </ac:spMkLst>
+        </pc:spChg>
+        <pc:spChg chg="add del mod">
+          <ac:chgData name="明阳 阮" userId="a4dcf2889a22c6f9" providerId="LiveId" clId="{389D68A1-24FC-423B-B5DD-8195EC5F55C7}" dt="2023-10-26T07:23:21.042" v="3983" actId="478"/>
+          <ac:spMkLst>
+            <pc:docMk/>
+            <pc:sldMk cId="1893828342" sldId="257"/>
+            <ac:spMk id="13" creationId="{A7EB5FFD-7205-5D15-4571-146405DAB754}"/>
+          </ac:spMkLst>
+        </pc:spChg>
+        <pc:spChg chg="add del mod">
+          <ac:chgData name="明阳 阮" userId="a4dcf2889a22c6f9" providerId="LiveId" clId="{389D68A1-24FC-423B-B5DD-8195EC5F55C7}" dt="2023-10-26T03:21:53.219" v="3745"/>
+          <ac:spMkLst>
+            <pc:docMk/>
+            <pc:sldMk cId="1893828342" sldId="257"/>
+            <ac:spMk id="14" creationId="{0F700008-A6FF-FABA-CA03-799354D042AC}"/>
+          </ac:spMkLst>
+        </pc:spChg>
+        <pc:spChg chg="add del mod">
+          <ac:chgData name="明阳 阮" userId="a4dcf2889a22c6f9" providerId="LiveId" clId="{389D68A1-24FC-423B-B5DD-8195EC5F55C7}" dt="2023-10-25T08:44:04.949" v="2636" actId="478"/>
+          <ac:spMkLst>
+            <pc:docMk/>
+            <pc:sldMk cId="1893828342" sldId="257"/>
+            <ac:spMk id="15" creationId="{4B90AC33-8E8F-4570-B6BB-D0D002900F4C}"/>
+          </ac:spMkLst>
+        </pc:spChg>
+        <pc:spChg chg="add del mod">
+          <ac:chgData name="明阳 阮" userId="a4dcf2889a22c6f9" providerId="LiveId" clId="{389D68A1-24FC-423B-B5DD-8195EC5F55C7}" dt="2023-10-26T02:44:00.970" v="3235" actId="478"/>
+          <ac:spMkLst>
+            <pc:docMk/>
+            <pc:sldMk cId="1893828342" sldId="257"/>
+            <ac:spMk id="15" creationId="{95F2F1A4-E21A-2A51-9C9A-996AD2657F07}"/>
+          </ac:spMkLst>
+        </pc:spChg>
+        <pc:spChg chg="add mod ord">
+          <ac:chgData name="明阳 阮" userId="a4dcf2889a22c6f9" providerId="LiveId" clId="{389D68A1-24FC-423B-B5DD-8195EC5F55C7}" dt="2023-10-26T07:23:34.680" v="4031" actId="1036"/>
+          <ac:spMkLst>
+            <pc:docMk/>
+            <pc:sldMk cId="1893828342" sldId="257"/>
+            <ac:spMk id="16" creationId="{DB7A750A-1870-D2F6-6B49-63EAE60F5E06}"/>
+          </ac:spMkLst>
+        </pc:spChg>
+        <pc:spChg chg="add del mod">
+          <ac:chgData name="明阳 阮" userId="a4dcf2889a22c6f9" providerId="LiveId" clId="{389D68A1-24FC-423B-B5DD-8195EC5F55C7}" dt="2023-10-25T08:44:32.913" v="2642" actId="478"/>
+          <ac:spMkLst>
+            <pc:docMk/>
+            <pc:sldMk cId="1893828342" sldId="257"/>
+            <ac:spMk id="17" creationId="{363DE5CB-4680-39B5-2EF1-7AB9E639445E}"/>
+          </ac:spMkLst>
+        </pc:spChg>
+        <pc:spChg chg="add del mod">
+          <ac:chgData name="明阳 阮" userId="a4dcf2889a22c6f9" providerId="LiveId" clId="{389D68A1-24FC-423B-B5DD-8195EC5F55C7}" dt="2023-10-26T02:43:29.678" v="3232" actId="478"/>
+          <ac:spMkLst>
+            <pc:docMk/>
+            <pc:sldMk cId="1893828342" sldId="257"/>
+            <ac:spMk id="18" creationId="{3FB7643F-5EE3-9AA9-89F8-4B778AB9311F}"/>
+          </ac:spMkLst>
+        </pc:spChg>
+        <pc:spChg chg="add del mod">
+          <ac:chgData name="明阳 阮" userId="a4dcf2889a22c6f9" providerId="LiveId" clId="{389D68A1-24FC-423B-B5DD-8195EC5F55C7}" dt="2023-10-26T02:51:07.347" v="3356" actId="478"/>
+          <ac:spMkLst>
+            <pc:docMk/>
+            <pc:sldMk cId="1893828342" sldId="257"/>
+            <ac:spMk id="19" creationId="{CEADC3FE-AFB9-8D82-1028-6178F541C07A}"/>
+          </ac:spMkLst>
+        </pc:spChg>
+        <pc:spChg chg="add del mod">
+          <ac:chgData name="明阳 阮" userId="a4dcf2889a22c6f9" providerId="LiveId" clId="{389D68A1-24FC-423B-B5DD-8195EC5F55C7}" dt="2023-10-26T03:24:35.989" v="3774" actId="478"/>
+          <ac:spMkLst>
+            <pc:docMk/>
+            <pc:sldMk cId="1893828342" sldId="257"/>
+            <ac:spMk id="20" creationId="{D7000C8B-3B57-FE19-BF51-041AEB49F530}"/>
+          </ac:spMkLst>
+        </pc:spChg>
+        <pc:spChg chg="add del mod">
+          <ac:chgData name="明阳 阮" userId="a4dcf2889a22c6f9" providerId="LiveId" clId="{389D68A1-24FC-423B-B5DD-8195EC5F55C7}" dt="2023-10-25T08:41:51.454" v="2595" actId="21"/>
+          <ac:spMkLst>
+            <pc:docMk/>
+            <pc:sldMk cId="1893828342" sldId="257"/>
+            <ac:spMk id="21" creationId="{FE46EE5E-B09C-A867-8082-A48FBB426E96}"/>
+          </ac:spMkLst>
+        </pc:spChg>
+        <pc:spChg chg="add del mod topLvl">
+          <ac:chgData name="明阳 阮" userId="a4dcf2889a22c6f9" providerId="LiveId" clId="{389D68A1-24FC-423B-B5DD-8195EC5F55C7}" dt="2023-10-26T03:23:32.659" v="3766" actId="478"/>
+          <ac:spMkLst>
+            <pc:docMk/>
+            <pc:sldMk cId="1893828342" sldId="257"/>
+            <ac:spMk id="22" creationId="{55AB127B-4AA6-750D-D565-E1B057B7D41E}"/>
+          </ac:spMkLst>
+        </pc:spChg>
+        <pc:spChg chg="add del mod">
+          <ac:chgData name="明阳 阮" userId="a4dcf2889a22c6f9" providerId="LiveId" clId="{389D68A1-24FC-423B-B5DD-8195EC5F55C7}" dt="2023-10-25T08:40:42.218" v="2579" actId="478"/>
+          <ac:spMkLst>
+            <pc:docMk/>
+            <pc:sldMk cId="1893828342" sldId="257"/>
+            <ac:spMk id="22" creationId="{E6EB38CF-C989-A271-926E-4D40981AEAC6}"/>
+          </ac:spMkLst>
+        </pc:spChg>
+        <pc:spChg chg="add del mod">
+          <ac:chgData name="明阳 阮" userId="a4dcf2889a22c6f9" providerId="LiveId" clId="{389D68A1-24FC-423B-B5DD-8195EC5F55C7}" dt="2023-10-26T07:22:24.741" v="3975"/>
+          <ac:spMkLst>
+            <pc:docMk/>
+            <pc:sldMk cId="1893828342" sldId="257"/>
+            <ac:spMk id="23" creationId="{FD3EA872-9C0B-0C65-1306-84859BD7D773}"/>
+          </ac:spMkLst>
+        </pc:spChg>
+        <pc:spChg chg="mod">
+          <ac:chgData name="明阳 阮" userId="a4dcf2889a22c6f9" providerId="LiveId" clId="{389D68A1-24FC-423B-B5DD-8195EC5F55C7}" dt="2023-10-26T03:31:24.780" v="3954" actId="20577"/>
+          <ac:spMkLst>
+            <pc:docMk/>
+            <pc:sldMk cId="1893828342" sldId="257"/>
+            <ac:spMk id="24" creationId="{1B68C04A-93B5-2CFB-C55A-0DFB388209CF}"/>
+          </ac:spMkLst>
+        </pc:spChg>
+        <pc:spChg chg="add del mod">
+          <ac:chgData name="明阳 阮" userId="a4dcf2889a22c6f9" providerId="LiveId" clId="{389D68A1-24FC-423B-B5DD-8195EC5F55C7}" dt="2023-10-23T02:47:13.576" v="197"/>
+          <ac:spMkLst>
+            <pc:docMk/>
+            <pc:sldMk cId="1893828342" sldId="257"/>
+            <ac:spMk id="26" creationId="{B93A7277-9AFA-FDEE-0164-DAF284C739D1}"/>
+          </ac:spMkLst>
+        </pc:spChg>
+        <pc:spChg chg="add del mod">
+          <ac:chgData name="明阳 阮" userId="a4dcf2889a22c6f9" providerId="LiveId" clId="{389D68A1-24FC-423B-B5DD-8195EC5F55C7}" dt="2023-10-23T02:47:13.524" v="195" actId="478"/>
+          <ac:spMkLst>
+            <pc:docMk/>
+            <pc:sldMk cId="1893828342" sldId="257"/>
+            <ac:spMk id="27" creationId="{484068E3-0159-3F94-2C0E-89663C410D68}"/>
+          </ac:spMkLst>
+        </pc:spChg>
+        <pc:spChg chg="add mod">
+          <ac:chgData name="明阳 阮" userId="a4dcf2889a22c6f9" providerId="LiveId" clId="{389D68A1-24FC-423B-B5DD-8195EC5F55C7}" dt="2023-10-26T07:23:34.680" v="4031" actId="1036"/>
+          <ac:spMkLst>
+            <pc:docMk/>
+            <pc:sldMk cId="1893828342" sldId="257"/>
+            <ac:spMk id="28" creationId="{91963E2A-A227-FFD9-9E16-5D070172E929}"/>
+          </ac:spMkLst>
+        </pc:spChg>
+        <pc:spChg chg="add mod">
+          <ac:chgData name="明阳 阮" userId="a4dcf2889a22c6f9" providerId="LiveId" clId="{389D68A1-24FC-423B-B5DD-8195EC5F55C7}" dt="2023-10-26T07:24:04.566" v="4032" actId="1076"/>
+          <ac:spMkLst>
+            <pc:docMk/>
+            <pc:sldMk cId="1893828342" sldId="257"/>
+            <ac:spMk id="29" creationId="{55B49F78-0345-8486-49C2-739DB7C86DFD}"/>
+          </ac:spMkLst>
+        </pc:spChg>
+        <pc:spChg chg="add del mod">
+          <ac:chgData name="明阳 阮" userId="a4dcf2889a22c6f9" providerId="LiveId" clId="{389D68A1-24FC-423B-B5DD-8195EC5F55C7}" dt="2023-10-25T08:41:35.718" v="2592" actId="478"/>
+          <ac:spMkLst>
+            <pc:docMk/>
+            <pc:sldMk cId="1893828342" sldId="257"/>
+            <ac:spMk id="34" creationId="{2F18B4E8-FA4D-1225-DF60-B382BDC893DE}"/>
+          </ac:spMkLst>
+        </pc:spChg>
+        <pc:spChg chg="add del mod">
+          <ac:chgData name="明阳 阮" userId="a4dcf2889a22c6f9" providerId="LiveId" clId="{389D68A1-24FC-423B-B5DD-8195EC5F55C7}" dt="2023-10-25T08:41:40.602" v="2593" actId="478"/>
+          <ac:spMkLst>
+            <pc:docMk/>
+            <pc:sldMk cId="1893828342" sldId="257"/>
+            <ac:spMk id="35" creationId="{8AAD7309-6A65-521D-72D3-B96DCE70EE61}"/>
+          </ac:spMkLst>
+        </pc:spChg>
+        <pc:spChg chg="add del mod">
+          <ac:chgData name="明阳 阮" userId="a4dcf2889a22c6f9" providerId="LiveId" clId="{389D68A1-24FC-423B-B5DD-8195EC5F55C7}" dt="2023-10-25T07:54:12.294" v="2502" actId="478"/>
+          <ac:spMkLst>
+            <pc:docMk/>
+            <pc:sldMk cId="1893828342" sldId="257"/>
+            <ac:spMk id="36" creationId="{7B3439B9-E734-0D1B-3119-819842700910}"/>
+          </ac:spMkLst>
+        </pc:spChg>
+        <pc:spChg chg="add mod">
+          <ac:chgData name="明阳 阮" userId="a4dcf2889a22c6f9" providerId="LiveId" clId="{389D68A1-24FC-423B-B5DD-8195EC5F55C7}" dt="2023-10-26T07:23:34.680" v="4031" actId="1036"/>
+          <ac:spMkLst>
+            <pc:docMk/>
+            <pc:sldMk cId="1893828342" sldId="257"/>
+            <ac:spMk id="37" creationId="{12F6CC1C-39C0-9397-5906-59558A530AE9}"/>
+          </ac:spMkLst>
+        </pc:spChg>
+        <pc:spChg chg="add mod">
+          <ac:chgData name="明阳 阮" userId="a4dcf2889a22c6f9" providerId="LiveId" clId="{389D68A1-24FC-423B-B5DD-8195EC5F55C7}" dt="2023-10-26T07:23:34.680" v="4031" actId="1036"/>
+          <ac:spMkLst>
+            <pc:docMk/>
+            <pc:sldMk cId="1893828342" sldId="257"/>
+            <ac:spMk id="38" creationId="{B388CF3A-A224-18D5-B91D-FB688380E71F}"/>
+          </ac:spMkLst>
+        </pc:spChg>
+        <pc:spChg chg="add del mod">
+          <ac:chgData name="明阳 阮" userId="a4dcf2889a22c6f9" providerId="LiveId" clId="{389D68A1-24FC-423B-B5DD-8195EC5F55C7}" dt="2023-10-26T02:48:54.727" v="3278" actId="478"/>
+          <ac:spMkLst>
+            <pc:docMk/>
+            <pc:sldMk cId="1893828342" sldId="257"/>
+            <ac:spMk id="42" creationId="{215EEF3D-EB49-E7C4-5E35-9B39DB2365F9}"/>
+          </ac:spMkLst>
+        </pc:spChg>
+        <pc:spChg chg="add del mod">
+          <ac:chgData name="明阳 阮" userId="a4dcf2889a22c6f9" providerId="LiveId" clId="{389D68A1-24FC-423B-B5DD-8195EC5F55C7}" dt="2023-10-25T08:42:36.722" v="2609"/>
+          <ac:spMkLst>
+            <pc:docMk/>
+            <pc:sldMk cId="1893828342" sldId="257"/>
+            <ac:spMk id="43" creationId="{8851D4EF-DC5B-A71C-5B42-CFB90B0066EC}"/>
+          </ac:spMkLst>
+        </pc:spChg>
+        <pc:spChg chg="add mod">
+          <ac:chgData name="明阳 阮" userId="a4dcf2889a22c6f9" providerId="LiveId" clId="{389D68A1-24FC-423B-B5DD-8195EC5F55C7}" dt="2023-10-26T07:23:34.680" v="4031" actId="1036"/>
+          <ac:spMkLst>
+            <pc:docMk/>
+            <pc:sldMk cId="1893828342" sldId="257"/>
+            <ac:spMk id="44" creationId="{CD9CFC94-74F4-6E4E-5F95-240DCE71A26D}"/>
+          </ac:spMkLst>
+        </pc:spChg>
+        <pc:spChg chg="add mod">
+          <ac:chgData name="明阳 阮" userId="a4dcf2889a22c6f9" providerId="LiveId" clId="{389D68A1-24FC-423B-B5DD-8195EC5F55C7}" dt="2023-10-26T07:23:34.680" v="4031" actId="1036"/>
+          <ac:spMkLst>
+            <pc:docMk/>
+            <pc:sldMk cId="1893828342" sldId="257"/>
+            <ac:spMk id="46" creationId="{D4F41DAF-3CCA-AD51-EF70-2F16EB970C3B}"/>
+          </ac:spMkLst>
+        </pc:spChg>
+        <pc:spChg chg="add del mod ord">
+          <ac:chgData name="明阳 阮" userId="a4dcf2889a22c6f9" providerId="LiveId" clId="{389D68A1-24FC-423B-B5DD-8195EC5F55C7}" dt="2023-10-26T02:49:30.473" v="3332" actId="478"/>
+          <ac:spMkLst>
+            <pc:docMk/>
+            <pc:sldMk cId="1893828342" sldId="257"/>
+            <ac:spMk id="47" creationId="{FCAC1D30-93B0-6043-F4FE-83C17D9172E9}"/>
+          </ac:spMkLst>
+        </pc:spChg>
+        <pc:spChg chg="add del mod">
+          <ac:chgData name="明阳 阮" userId="a4dcf2889a22c6f9" providerId="LiveId" clId="{389D68A1-24FC-423B-B5DD-8195EC5F55C7}" dt="2023-10-26T02:12:18.700" v="3030" actId="478"/>
+          <ac:spMkLst>
+            <pc:docMk/>
+            <pc:sldMk cId="1893828342" sldId="257"/>
+            <ac:spMk id="48" creationId="{95BD2F8A-31A7-1A61-8D5A-F592D177D2E5}"/>
+          </ac:spMkLst>
+        </pc:spChg>
+        <pc:spChg chg="add del mod">
+          <ac:chgData name="明阳 阮" userId="a4dcf2889a22c6f9" providerId="LiveId" clId="{389D68A1-24FC-423B-B5DD-8195EC5F55C7}" dt="2023-10-26T02:50:39.604" v="3351"/>
+          <ac:spMkLst>
+            <pc:docMk/>
+            <pc:sldMk cId="1893828342" sldId="257"/>
+            <ac:spMk id="50" creationId="{11C22094-2F66-1A59-BC0C-3847E860B597}"/>
+          </ac:spMkLst>
+        </pc:spChg>
+        <pc:spChg chg="add del mod">
+          <ac:chgData name="明阳 阮" userId="a4dcf2889a22c6f9" providerId="LiveId" clId="{389D68A1-24FC-423B-B5DD-8195EC5F55C7}" dt="2023-10-26T02:51:10.023" v="3357" actId="478"/>
+          <ac:spMkLst>
+            <pc:docMk/>
+            <pc:sldMk cId="1893828342" sldId="257"/>
+            <ac:spMk id="51" creationId="{81A69454-9917-BCAD-0317-461CC5642AD7}"/>
+          </ac:spMkLst>
+        </pc:spChg>
+        <pc:spChg chg="add mod ord">
+          <ac:chgData name="明阳 阮" userId="a4dcf2889a22c6f9" providerId="LiveId" clId="{389D68A1-24FC-423B-B5DD-8195EC5F55C7}" dt="2023-10-26T07:23:34.680" v="4031" actId="1036"/>
+          <ac:spMkLst>
+            <pc:docMk/>
+            <pc:sldMk cId="1893828342" sldId="257"/>
+            <ac:spMk id="52" creationId="{DCFDDDF7-8F25-3A39-66EE-30E7F58FC8B4}"/>
+          </ac:spMkLst>
+        </pc:spChg>
+        <pc:spChg chg="add mod">
+          <ac:chgData name="明阳 阮" userId="a4dcf2889a22c6f9" providerId="LiveId" clId="{389D68A1-24FC-423B-B5DD-8195EC5F55C7}" dt="2023-10-26T07:23:34.680" v="4031" actId="1036"/>
+          <ac:spMkLst>
+            <pc:docMk/>
+            <pc:sldMk cId="1893828342" sldId="257"/>
+            <ac:spMk id="54" creationId="{9C597F3A-2615-AE21-237C-9817C1D1D401}"/>
+          </ac:spMkLst>
+        </pc:spChg>
+        <pc:spChg chg="add del mod">
+          <ac:chgData name="明阳 阮" userId="a4dcf2889a22c6f9" providerId="LiveId" clId="{389D68A1-24FC-423B-B5DD-8195EC5F55C7}" dt="2023-10-26T03:21:53.197" v="3741" actId="478"/>
+          <ac:spMkLst>
+            <pc:docMk/>
+            <pc:sldMk cId="1893828342" sldId="257"/>
+            <ac:spMk id="55" creationId="{A8833602-4135-367F-2791-258192EEE594}"/>
+          </ac:spMkLst>
+        </pc:spChg>
+        <pc:spChg chg="add del mod">
+          <ac:chgData name="明阳 阮" userId="a4dcf2889a22c6f9" providerId="LiveId" clId="{389D68A1-24FC-423B-B5DD-8195EC5F55C7}" dt="2023-10-25T08:49:10.816" v="2700" actId="11529"/>
+          <ac:spMkLst>
+            <pc:docMk/>
+            <pc:sldMk cId="1893828342" sldId="257"/>
+            <ac:spMk id="58" creationId="{58172D52-A92F-53D7-14D3-477B99FC2F0E}"/>
+          </ac:spMkLst>
+        </pc:spChg>
+        <pc:spChg chg="add del mod">
+          <ac:chgData name="明阳 阮" userId="a4dcf2889a22c6f9" providerId="LiveId" clId="{389D68A1-24FC-423B-B5DD-8195EC5F55C7}" dt="2023-10-26T01:30:27.565" v="2870" actId="478"/>
+          <ac:spMkLst>
+            <pc:docMk/>
+            <pc:sldMk cId="1893828342" sldId="257"/>
+            <ac:spMk id="59" creationId="{25BB1767-2A7D-4569-A5BD-AF1397DAE805}"/>
+          </ac:spMkLst>
+        </pc:spChg>
+        <pc:spChg chg="add del mod">
+          <ac:chgData name="明阳 阮" userId="a4dcf2889a22c6f9" providerId="LiveId" clId="{389D68A1-24FC-423B-B5DD-8195EC5F55C7}" dt="2023-10-26T01:30:22.269" v="2869" actId="478"/>
+          <ac:spMkLst>
+            <pc:docMk/>
+            <pc:sldMk cId="1893828342" sldId="257"/>
+            <ac:spMk id="60" creationId="{962E16B6-3E3E-7AD6-F0BA-85542E84B77B}"/>
+          </ac:spMkLst>
+        </pc:spChg>
+        <pc:spChg chg="add del mod">
+          <ac:chgData name="明阳 阮" userId="a4dcf2889a22c6f9" providerId="LiveId" clId="{389D68A1-24FC-423B-B5DD-8195EC5F55C7}" dt="2023-10-26T03:27:34.267" v="3868" actId="478"/>
+          <ac:spMkLst>
+            <pc:docMk/>
+            <pc:sldMk cId="1893828342" sldId="257"/>
+            <ac:spMk id="74" creationId="{01D5DF73-16CD-FC2C-51A0-951373689B58}"/>
+          </ac:spMkLst>
+        </pc:spChg>
+        <pc:spChg chg="add mod">
+          <ac:chgData name="明阳 阮" userId="a4dcf2889a22c6f9" providerId="LiveId" clId="{389D68A1-24FC-423B-B5DD-8195EC5F55C7}" dt="2023-10-26T07:23:34.680" v="4031" actId="1036"/>
+          <ac:spMkLst>
+            <pc:docMk/>
+            <pc:sldMk cId="1893828342" sldId="257"/>
+            <ac:spMk id="75" creationId="{2377FFA6-3957-74D5-E50E-256FA3970FAE}"/>
+          </ac:spMkLst>
+        </pc:spChg>
+        <pc:grpChg chg="add del mod">
+          <ac:chgData name="明阳 阮" userId="a4dcf2889a22c6f9" providerId="LiveId" clId="{389D68A1-24FC-423B-B5DD-8195EC5F55C7}" dt="2023-10-26T03:23:29.233" v="3765" actId="165"/>
+          <ac:grpSpMkLst>
+            <pc:docMk/>
+            <pc:sldMk cId="1893828342" sldId="257"/>
+            <ac:grpSpMk id="56" creationId="{46E4BDE8-89C3-0E0B-6866-024EBB99802D}"/>
+          </ac:grpSpMkLst>
+        </pc:grpChg>
+        <pc:picChg chg="add mod topLvl modCrop">
+          <ac:chgData name="明阳 阮" userId="a4dcf2889a22c6f9" providerId="LiveId" clId="{389D68A1-24FC-423B-B5DD-8195EC5F55C7}" dt="2023-10-26T07:23:34.680" v="4031" actId="1036"/>
+          <ac:picMkLst>
+            <pc:docMk/>
+            <pc:sldMk cId="1893828342" sldId="257"/>
+            <ac:picMk id="21" creationId="{61084028-11C5-8264-707B-E023AF1078E9}"/>
+          </ac:picMkLst>
+        </pc:picChg>
+        <pc:picChg chg="add del mod ord">
+          <ac:chgData name="明阳 阮" userId="a4dcf2889a22c6f9" providerId="LiveId" clId="{389D68A1-24FC-423B-B5DD-8195EC5F55C7}" dt="2023-10-26T02:44:41.061" v="3239" actId="478"/>
+          <ac:picMkLst>
+            <pc:docMk/>
+            <pc:sldMk cId="1893828342" sldId="257"/>
+            <ac:picMk id="25" creationId="{1CB554E5-32F1-2252-4AD4-FA6DAA24E4A3}"/>
+          </ac:picMkLst>
+        </pc:picChg>
+        <pc:picChg chg="add del mod">
+          <ac:chgData name="明阳 阮" userId="a4dcf2889a22c6f9" providerId="LiveId" clId="{389D68A1-24FC-423B-B5DD-8195EC5F55C7}" dt="2023-10-26T02:47:36.727" v="3266" actId="478"/>
+          <ac:picMkLst>
+            <pc:docMk/>
+            <pc:sldMk cId="1893828342" sldId="257"/>
+            <ac:picMk id="35" creationId="{E7866764-5E68-4C3D-99FD-38AD819B0C15}"/>
+          </ac:picMkLst>
+        </pc:picChg>
+        <pc:cxnChg chg="add del mod">
+          <ac:chgData name="明阳 阮" userId="a4dcf2889a22c6f9" providerId="LiveId" clId="{389D68A1-24FC-423B-B5DD-8195EC5F55C7}" dt="2023-10-25T07:48:47.808" v="2388" actId="478"/>
+          <ac:cxnSpMkLst>
+            <pc:docMk/>
+            <pc:sldMk cId="1893828342" sldId="257"/>
+            <ac:cxnSpMk id="7" creationId="{46D13C9B-0902-F41F-555A-837E144B9512}"/>
+          </ac:cxnSpMkLst>
+        </pc:cxnChg>
+        <pc:cxnChg chg="add del mod">
+          <ac:chgData name="明阳 阮" userId="a4dcf2889a22c6f9" providerId="LiveId" clId="{389D68A1-24FC-423B-B5DD-8195EC5F55C7}" dt="2023-10-25T07:48:45.435" v="2387" actId="478"/>
+          <ac:cxnSpMkLst>
+            <pc:docMk/>
+            <pc:sldMk cId="1893828342" sldId="257"/>
+            <ac:cxnSpMk id="8" creationId="{35FC7793-302D-F779-D87B-D5AB909260CD}"/>
+          </ac:cxnSpMkLst>
+        </pc:cxnChg>
+        <pc:cxnChg chg="add del mod">
+          <ac:chgData name="明阳 阮" userId="a4dcf2889a22c6f9" providerId="LiveId" clId="{389D68A1-24FC-423B-B5DD-8195EC5F55C7}" dt="2023-10-26T02:52:24.538" v="3372" actId="478"/>
+          <ac:cxnSpMkLst>
+            <pc:docMk/>
+            <pc:sldMk cId="1893828342" sldId="257"/>
+            <ac:cxnSpMk id="9" creationId="{229B0443-36A8-EA1B-C8A3-DF7784800765}"/>
+          </ac:cxnSpMkLst>
+        </pc:cxnChg>
+        <pc:cxnChg chg="add mod">
+          <ac:chgData name="明阳 阮" userId="a4dcf2889a22c6f9" providerId="LiveId" clId="{389D68A1-24FC-423B-B5DD-8195EC5F55C7}" dt="2023-10-26T07:23:34.680" v="4031" actId="1036"/>
+          <ac:cxnSpMkLst>
+            <pc:docMk/>
+            <pc:sldMk cId="1893828342" sldId="257"/>
+            <ac:cxnSpMk id="26" creationId="{12CD8199-34A4-3362-CB4B-1BC08EABB2F6}"/>
+          </ac:cxnSpMkLst>
+        </pc:cxnChg>
+        <pc:cxnChg chg="add mod">
+          <ac:chgData name="明阳 阮" userId="a4dcf2889a22c6f9" providerId="LiveId" clId="{389D68A1-24FC-423B-B5DD-8195EC5F55C7}" dt="2023-10-26T07:23:34.680" v="4031" actId="1036"/>
+          <ac:cxnSpMkLst>
+            <pc:docMk/>
+            <pc:sldMk cId="1893828342" sldId="257"/>
+            <ac:cxnSpMk id="31" creationId="{3C6F8A78-F13F-C341-861D-0A7556D83A93}"/>
+          </ac:cxnSpMkLst>
+        </pc:cxnChg>
+        <pc:cxnChg chg="add del mod">
+          <ac:chgData name="明阳 阮" userId="a4dcf2889a22c6f9" providerId="LiveId" clId="{389D68A1-24FC-423B-B5DD-8195EC5F55C7}" dt="2023-10-26T02:51:04.842" v="3355" actId="478"/>
+          <ac:cxnSpMkLst>
+            <pc:docMk/>
+            <pc:sldMk cId="1893828342" sldId="257"/>
+            <ac:cxnSpMk id="39" creationId="{2B42D626-B8D6-1352-4E1D-84576A33016A}"/>
+          </ac:cxnSpMkLst>
+        </pc:cxnChg>
+        <pc:cxnChg chg="add del mod">
+          <ac:chgData name="明阳 阮" userId="a4dcf2889a22c6f9" providerId="LiveId" clId="{389D68A1-24FC-423B-B5DD-8195EC5F55C7}" dt="2023-10-25T08:48:33.081" v="2696" actId="478"/>
+          <ac:cxnSpMkLst>
+            <pc:docMk/>
+            <pc:sldMk cId="1893828342" sldId="257"/>
+            <ac:cxnSpMk id="50" creationId="{08456C79-3874-268C-63D6-2CFC9A6E2103}"/>
+          </ac:cxnSpMkLst>
+        </pc:cxnChg>
+        <pc:cxnChg chg="add del mod">
+          <ac:chgData name="明阳 阮" userId="a4dcf2889a22c6f9" providerId="LiveId" clId="{389D68A1-24FC-423B-B5DD-8195EC5F55C7}" dt="2023-10-25T08:52:17.605" v="2738" actId="478"/>
+          <ac:cxnSpMkLst>
+            <pc:docMk/>
+            <pc:sldMk cId="1893828342" sldId="257"/>
+            <ac:cxnSpMk id="61" creationId="{4DDE56D1-1300-CE66-43EA-9E24CA72DADA}"/>
+          </ac:cxnSpMkLst>
+        </pc:cxnChg>
+        <pc:cxnChg chg="add del mod">
+          <ac:chgData name="明阳 阮" userId="a4dcf2889a22c6f9" providerId="LiveId" clId="{389D68A1-24FC-423B-B5DD-8195EC5F55C7}" dt="2023-10-26T02:12:16.549" v="3029" actId="478"/>
+          <ac:cxnSpMkLst>
+            <pc:docMk/>
+            <pc:sldMk cId="1893828342" sldId="257"/>
+            <ac:cxnSpMk id="64" creationId="{6641C511-2EF5-B4F7-882F-93BAEA9D3127}"/>
+          </ac:cxnSpMkLst>
+        </pc:cxnChg>
+        <pc:cxnChg chg="add del mod">
+          <ac:chgData name="明阳 阮" userId="a4dcf2889a22c6f9" providerId="LiveId" clId="{389D68A1-24FC-423B-B5DD-8195EC5F55C7}" dt="2023-10-26T02:12:13.903" v="3028" actId="478"/>
+          <ac:cxnSpMkLst>
+            <pc:docMk/>
+            <pc:sldMk cId="1893828342" sldId="257"/>
+            <ac:cxnSpMk id="68" creationId="{27A724AC-6FDF-532F-E720-7D4D5E0C1C5F}"/>
+          </ac:cxnSpMkLst>
+        </pc:cxnChg>
+      </pc:sldChg>
+      <pc:sldChg chg="addSp delSp modSp new mod">
+        <pc:chgData name="明阳 阮" userId="a4dcf2889a22c6f9" providerId="LiveId" clId="{389D68A1-24FC-423B-B5DD-8195EC5F55C7}" dt="2023-10-26T03:31:28.460" v="3956" actId="20577"/>
         <pc:sldMkLst>
           <pc:docMk/>
           <pc:sldMk cId="797801293" sldId="258"/>
         </pc:sldMkLst>
-        <pc:spChg chg="del">
-          <ac:chgData name="明阳 阮" userId="a4dcf2889a22c6f9" providerId="LiveId" clId="{607C1844-05CD-4CC9-972F-CAE573386568}" dt="2023-12-05T06:04:43.125" v="1578" actId="478"/>
+        <pc:spChg chg="add mod ord">
+          <ac:chgData name="明阳 阮" userId="a4dcf2889a22c6f9" providerId="LiveId" clId="{389D68A1-24FC-423B-B5DD-8195EC5F55C7}" dt="2023-10-26T03:13:30.432" v="3604" actId="207"/>
+          <ac:spMkLst>
+            <pc:docMk/>
+            <pc:sldMk cId="797801293" sldId="258"/>
+            <ac:spMk id="2" creationId="{4D880AD2-E537-A954-84E4-4A9356395A4A}"/>
+          </ac:spMkLst>
+        </pc:spChg>
+        <pc:spChg chg="add mod">
+          <ac:chgData name="明阳 阮" userId="a4dcf2889a22c6f9" providerId="LiveId" clId="{389D68A1-24FC-423B-B5DD-8195EC5F55C7}" dt="2023-10-26T03:11:52.222" v="3585" actId="1076"/>
+          <ac:spMkLst>
+            <pc:docMk/>
+            <pc:sldMk cId="797801293" sldId="258"/>
+            <ac:spMk id="3" creationId="{B1299366-59C1-94FA-41F3-12D8FF352B40}"/>
+          </ac:spMkLst>
+        </pc:spChg>
+        <pc:spChg chg="add del mod">
+          <ac:chgData name="明阳 阮" userId="a4dcf2889a22c6f9" providerId="LiveId" clId="{389D68A1-24FC-423B-B5DD-8195EC5F55C7}" dt="2023-10-23T03:12:40.534" v="381"/>
+          <ac:spMkLst>
+            <pc:docMk/>
+            <pc:sldMk cId="797801293" sldId="258"/>
+            <ac:spMk id="4" creationId="{CCC88D03-0372-F6EE-B54D-83DB62500B09}"/>
+          </ac:spMkLst>
+        </pc:spChg>
+        <pc:spChg chg="add mod">
+          <ac:chgData name="明阳 阮" userId="a4dcf2889a22c6f9" providerId="LiveId" clId="{389D68A1-24FC-423B-B5DD-8195EC5F55C7}" dt="2023-10-24T06:29:47.945" v="1869" actId="20577"/>
           <ac:spMkLst>
             <pc:docMk/>
             <pc:sldMk cId="797801293" sldId="258"/>
             <ac:spMk id="4" creationId="{EBA68A24-90FA-FAC0-8501-9F234EAF015A}"/>
           </ac:spMkLst>
         </pc:spChg>
-        <pc:spChg chg="del">
-          <ac:chgData name="明阳 阮" userId="a4dcf2889a22c6f9" providerId="LiveId" clId="{607C1844-05CD-4CC9-972F-CAE573386568}" dt="2023-12-05T05:58:04.726" v="1359" actId="478"/>
+        <pc:spChg chg="add del mod">
+          <ac:chgData name="明阳 阮" userId="a4dcf2889a22c6f9" providerId="LiveId" clId="{389D68A1-24FC-423B-B5DD-8195EC5F55C7}" dt="2023-10-23T03:12:40.534" v="381"/>
+          <ac:spMkLst>
+            <pc:docMk/>
+            <pc:sldMk cId="797801293" sldId="258"/>
+            <ac:spMk id="5" creationId="{C92E7774-811D-A11A-24F4-FD28025E5910}"/>
+          </ac:spMkLst>
+        </pc:spChg>
+        <pc:spChg chg="add del mod">
+          <ac:chgData name="明阳 阮" userId="a4dcf2889a22c6f9" providerId="LiveId" clId="{389D68A1-24FC-423B-B5DD-8195EC5F55C7}" dt="2023-10-26T03:10:16.298" v="3556" actId="478"/>
+          <ac:spMkLst>
+            <pc:docMk/>
+            <pc:sldMk cId="797801293" sldId="258"/>
+            <ac:spMk id="6" creationId="{0DE2BD75-EACC-90B3-4723-3A6E9B7286C5}"/>
+          </ac:spMkLst>
+        </pc:spChg>
+        <pc:spChg chg="add del mod">
+          <ac:chgData name="明阳 阮" userId="a4dcf2889a22c6f9" providerId="LiveId" clId="{389D68A1-24FC-423B-B5DD-8195EC5F55C7}" dt="2023-10-24T06:55:41.743" v="2047" actId="478"/>
+          <ac:spMkLst>
+            <pc:docMk/>
+            <pc:sldMk cId="797801293" sldId="258"/>
+            <ac:spMk id="6" creationId="{2DE42A95-144B-382D-7097-7ADB3E0D8414}"/>
+          </ac:spMkLst>
+        </pc:spChg>
+        <pc:spChg chg="add del mod">
+          <ac:chgData name="明阳 阮" userId="a4dcf2889a22c6f9" providerId="LiveId" clId="{389D68A1-24FC-423B-B5DD-8195EC5F55C7}" dt="2023-10-26T01:11:36.726" v="2825"/>
+          <ac:spMkLst>
+            <pc:docMk/>
+            <pc:sldMk cId="797801293" sldId="258"/>
+            <ac:spMk id="7" creationId="{721C247A-1660-7123-5896-04F359994B7A}"/>
+          </ac:spMkLst>
+        </pc:spChg>
+        <pc:spChg chg="add del mod">
+          <ac:chgData name="明阳 阮" userId="a4dcf2889a22c6f9" providerId="LiveId" clId="{389D68A1-24FC-423B-B5DD-8195EC5F55C7}" dt="2023-10-23T03:12:40.534" v="381"/>
+          <ac:spMkLst>
+            <pc:docMk/>
+            <pc:sldMk cId="797801293" sldId="258"/>
+            <ac:spMk id="8" creationId="{0386D198-1470-7520-4BA0-921C21CDE85E}"/>
+          </ac:spMkLst>
+        </pc:spChg>
+        <pc:spChg chg="add mod">
+          <ac:chgData name="明阳 阮" userId="a4dcf2889a22c6f9" providerId="LiveId" clId="{389D68A1-24FC-423B-B5DD-8195EC5F55C7}" dt="2023-10-26T03:31:28.460" v="3956" actId="20577"/>
           <ac:spMkLst>
             <pc:docMk/>
             <pc:sldMk cId="797801293" sldId="258"/>
             <ac:spMk id="8" creationId="{1A226054-4BD7-B3FB-4F34-89D6619317F8}"/>
           </ac:spMkLst>
         </pc:spChg>
-        <pc:spChg chg="del">
-          <ac:chgData name="明阳 阮" userId="a4dcf2889a22c6f9" providerId="LiveId" clId="{607C1844-05CD-4CC9-972F-CAE573386568}" dt="2023-12-05T06:04:46.517" v="1579" actId="478"/>
+        <pc:spChg chg="add del mod">
+          <ac:chgData name="明阳 阮" userId="a4dcf2889a22c6f9" providerId="LiveId" clId="{389D68A1-24FC-423B-B5DD-8195EC5F55C7}" dt="2023-10-23T03:12:40.534" v="381"/>
+          <ac:spMkLst>
+            <pc:docMk/>
+            <pc:sldMk cId="797801293" sldId="258"/>
+            <ac:spMk id="9" creationId="{2001083A-05A3-10D7-0ADF-00A50AE8F80E}"/>
+          </ac:spMkLst>
+        </pc:spChg>
+        <pc:spChg chg="add del mod">
+          <ac:chgData name="明阳 阮" userId="a4dcf2889a22c6f9" providerId="LiveId" clId="{389D68A1-24FC-423B-B5DD-8195EC5F55C7}" dt="2023-10-26T02:58:33.705" v="3429" actId="478"/>
+          <ac:spMkLst>
+            <pc:docMk/>
+            <pc:sldMk cId="797801293" sldId="258"/>
+            <ac:spMk id="9" creationId="{3B1D678D-B1C5-8E14-7F2E-B835FE21F09C}"/>
+          </ac:spMkLst>
+        </pc:spChg>
+        <pc:spChg chg="add del mod">
+          <ac:chgData name="明阳 阮" userId="a4dcf2889a22c6f9" providerId="LiveId" clId="{389D68A1-24FC-423B-B5DD-8195EC5F55C7}" dt="2023-10-23T03:12:40.534" v="381"/>
+          <ac:spMkLst>
+            <pc:docMk/>
+            <pc:sldMk cId="797801293" sldId="258"/>
+            <ac:spMk id="11" creationId="{6A9E97CB-3266-804C-DBAB-C1D527B285D9}"/>
+          </ac:spMkLst>
+        </pc:spChg>
+        <pc:spChg chg="add del mod">
+          <ac:chgData name="明阳 阮" userId="a4dcf2889a22c6f9" providerId="LiveId" clId="{389D68A1-24FC-423B-B5DD-8195EC5F55C7}" dt="2023-10-26T02:58:33.705" v="3429" actId="478"/>
+          <ac:spMkLst>
+            <pc:docMk/>
+            <pc:sldMk cId="797801293" sldId="258"/>
+            <ac:spMk id="12" creationId="{2AF62C18-8BB5-15B1-E459-67BF575C3152}"/>
+          </ac:spMkLst>
+        </pc:spChg>
+        <pc:spChg chg="add del mod">
+          <ac:chgData name="明阳 阮" userId="a4dcf2889a22c6f9" providerId="LiveId" clId="{389D68A1-24FC-423B-B5DD-8195EC5F55C7}" dt="2023-10-23T03:12:40.534" v="381"/>
+          <ac:spMkLst>
+            <pc:docMk/>
+            <pc:sldMk cId="797801293" sldId="258"/>
+            <ac:spMk id="12" creationId="{46FFE9B6-A2F8-4A7E-B882-1CF8CD95EFFF}"/>
+          </ac:spMkLst>
+        </pc:spChg>
+        <pc:spChg chg="add del mod">
+          <ac:chgData name="明阳 阮" userId="a4dcf2889a22c6f9" providerId="LiveId" clId="{389D68A1-24FC-423B-B5DD-8195EC5F55C7}" dt="2023-10-23T03:12:40.534" v="381"/>
+          <ac:spMkLst>
+            <pc:docMk/>
+            <pc:sldMk cId="797801293" sldId="258"/>
+            <ac:spMk id="13" creationId="{B2731242-E395-8F73-6DE8-96FD9538ED75}"/>
+          </ac:spMkLst>
+        </pc:spChg>
+        <pc:spChg chg="add del mod">
+          <ac:chgData name="明阳 阮" userId="a4dcf2889a22c6f9" providerId="LiveId" clId="{389D68A1-24FC-423B-B5DD-8195EC5F55C7}" dt="2023-10-26T03:11:20.590" v="3576" actId="1076"/>
+          <ac:spMkLst>
+            <pc:docMk/>
+            <pc:sldMk cId="797801293" sldId="258"/>
+            <ac:spMk id="15" creationId="{F61AAEB1-93B9-1764-CAB4-4FAC38CF00E7}"/>
+          </ac:spMkLst>
+        </pc:spChg>
+        <pc:spChg chg="add del mod">
+          <ac:chgData name="明阳 阮" userId="a4dcf2889a22c6f9" providerId="LiveId" clId="{389D68A1-24FC-423B-B5DD-8195EC5F55C7}" dt="2023-10-23T03:12:40.534" v="381"/>
+          <ac:spMkLst>
+            <pc:docMk/>
+            <pc:sldMk cId="797801293" sldId="258"/>
+            <ac:spMk id="16" creationId="{0F40E9FE-0342-A22E-9413-8AC14CC06756}"/>
+          </ac:spMkLst>
+        </pc:spChg>
+        <pc:spChg chg="add del mod">
+          <ac:chgData name="明阳 阮" userId="a4dcf2889a22c6f9" providerId="LiveId" clId="{389D68A1-24FC-423B-B5DD-8195EC5F55C7}" dt="2023-10-26T02:58:33.705" v="3429" actId="478"/>
+          <ac:spMkLst>
+            <pc:docMk/>
+            <pc:sldMk cId="797801293" sldId="258"/>
+            <ac:spMk id="17" creationId="{12D282FF-2511-39A0-56BB-DDD2AABC8B9D}"/>
+          </ac:spMkLst>
+        </pc:spChg>
+        <pc:spChg chg="add del mod">
+          <ac:chgData name="明阳 阮" userId="a4dcf2889a22c6f9" providerId="LiveId" clId="{389D68A1-24FC-423B-B5DD-8195EC5F55C7}" dt="2023-10-23T03:12:40.534" v="381"/>
+          <ac:spMkLst>
+            <pc:docMk/>
+            <pc:sldMk cId="797801293" sldId="258"/>
+            <ac:spMk id="17" creationId="{9EC98250-93F1-93C4-7A59-40811405830F}"/>
+          </ac:spMkLst>
+        </pc:spChg>
+        <pc:spChg chg="add del mod ord">
+          <ac:chgData name="明阳 阮" userId="a4dcf2889a22c6f9" providerId="LiveId" clId="{389D68A1-24FC-423B-B5DD-8195EC5F55C7}" dt="2023-10-26T02:09:22.374" v="2998" actId="478"/>
+          <ac:spMkLst>
+            <pc:docMk/>
+            <pc:sldMk cId="797801293" sldId="258"/>
+            <ac:spMk id="18" creationId="{C6AA72E0-8511-99A7-3CD9-5A3219D44214}"/>
+          </ac:spMkLst>
+        </pc:spChg>
+        <pc:spChg chg="add del mod">
+          <ac:chgData name="明阳 阮" userId="a4dcf2889a22c6f9" providerId="LiveId" clId="{389D68A1-24FC-423B-B5DD-8195EC5F55C7}" dt="2023-10-23T03:12:40.534" v="381"/>
+          <ac:spMkLst>
+            <pc:docMk/>
+            <pc:sldMk cId="797801293" sldId="258"/>
+            <ac:spMk id="18" creationId="{CA67B864-B16E-74AD-B6C4-970066297AAD}"/>
+          </ac:spMkLst>
+        </pc:spChg>
+        <pc:spChg chg="add del mod">
+          <ac:chgData name="明阳 阮" userId="a4dcf2889a22c6f9" providerId="LiveId" clId="{389D68A1-24FC-423B-B5DD-8195EC5F55C7}" dt="2023-10-26T02:58:33.705" v="3429" actId="478"/>
+          <ac:spMkLst>
+            <pc:docMk/>
+            <pc:sldMk cId="797801293" sldId="258"/>
+            <ac:spMk id="19" creationId="{2CF676FF-1C39-1F2B-81A5-4C5853B17D48}"/>
+          </ac:spMkLst>
+        </pc:spChg>
+        <pc:spChg chg="add del mod">
+          <ac:chgData name="明阳 阮" userId="a4dcf2889a22c6f9" providerId="LiveId" clId="{389D68A1-24FC-423B-B5DD-8195EC5F55C7}" dt="2023-10-23T03:12:40.534" v="381"/>
+          <ac:spMkLst>
+            <pc:docMk/>
+            <pc:sldMk cId="797801293" sldId="258"/>
+            <ac:spMk id="19" creationId="{DEFE6354-89BE-1F8C-3B09-D20160D35EAF}"/>
+          </ac:spMkLst>
+        </pc:spChg>
+        <pc:spChg chg="add mod ord">
+          <ac:chgData name="明阳 阮" userId="a4dcf2889a22c6f9" providerId="LiveId" clId="{389D68A1-24FC-423B-B5DD-8195EC5F55C7}" dt="2023-10-26T03:12:00.993" v="3587" actId="1076"/>
+          <ac:spMkLst>
+            <pc:docMk/>
+            <pc:sldMk cId="797801293" sldId="258"/>
+            <ac:spMk id="20" creationId="{A8FF288F-11D3-5B33-1CF5-60DDD3AEC6C2}"/>
+          </ac:spMkLst>
+        </pc:spChg>
+        <pc:spChg chg="add mod">
+          <ac:chgData name="明阳 阮" userId="a4dcf2889a22c6f9" providerId="LiveId" clId="{389D68A1-24FC-423B-B5DD-8195EC5F55C7}" dt="2023-10-26T03:13:04.835" v="3598" actId="403"/>
+          <ac:spMkLst>
+            <pc:docMk/>
+            <pc:sldMk cId="797801293" sldId="258"/>
+            <ac:spMk id="21" creationId="{836AF82C-254D-0D79-3868-C2729F04B594}"/>
+          </ac:spMkLst>
+        </pc:spChg>
+        <pc:spChg chg="add mod">
+          <ac:chgData name="明阳 阮" userId="a4dcf2889a22c6f9" providerId="LiveId" clId="{389D68A1-24FC-423B-B5DD-8195EC5F55C7}" dt="2023-10-26T03:12:56.923" v="3595" actId="1076"/>
+          <ac:spMkLst>
+            <pc:docMk/>
+            <pc:sldMk cId="797801293" sldId="258"/>
+            <ac:spMk id="24" creationId="{10E1C3F6-DA89-2211-B2B4-839B64D29949}"/>
+          </ac:spMkLst>
+        </pc:spChg>
+        <pc:spChg chg="add del mod">
+          <ac:chgData name="明阳 阮" userId="a4dcf2889a22c6f9" providerId="LiveId" clId="{389D68A1-24FC-423B-B5DD-8195EC5F55C7}" dt="2023-10-26T02:58:33.705" v="3429" actId="478"/>
+          <ac:spMkLst>
+            <pc:docMk/>
+            <pc:sldMk cId="797801293" sldId="258"/>
+            <ac:spMk id="25" creationId="{16590684-7986-8791-1F77-C75C26A61698}"/>
+          </ac:spMkLst>
+        </pc:spChg>
+        <pc:spChg chg="add del mod">
+          <ac:chgData name="明阳 阮" userId="a4dcf2889a22c6f9" providerId="LiveId" clId="{389D68A1-24FC-423B-B5DD-8195EC5F55C7}" dt="2023-10-23T03:12:56.160" v="385" actId="478"/>
+          <ac:spMkLst>
+            <pc:docMk/>
+            <pc:sldMk cId="797801293" sldId="258"/>
+            <ac:spMk id="25" creationId="{E320923E-1B7E-7C01-50A7-21310E4462A4}"/>
+          </ac:spMkLst>
+        </pc:spChg>
+        <pc:spChg chg="add del mod">
+          <ac:chgData name="明阳 阮" userId="a4dcf2889a22c6f9" providerId="LiveId" clId="{389D68A1-24FC-423B-B5DD-8195EC5F55C7}" dt="2023-10-26T02:58:33.705" v="3429" actId="478"/>
+          <ac:spMkLst>
+            <pc:docMk/>
+            <pc:sldMk cId="797801293" sldId="258"/>
+            <ac:spMk id="26" creationId="{E8BE997A-5B5D-E021-48A5-AE5E5D373237}"/>
+          </ac:spMkLst>
+        </pc:spChg>
+        <pc:spChg chg="add del mod">
+          <ac:chgData name="明阳 阮" userId="a4dcf2889a22c6f9" providerId="LiveId" clId="{389D68A1-24FC-423B-B5DD-8195EC5F55C7}" dt="2023-10-23T03:12:59.177" v="387" actId="478"/>
+          <ac:spMkLst>
+            <pc:docMk/>
+            <pc:sldMk cId="797801293" sldId="258"/>
+            <ac:spMk id="27" creationId="{062194EC-ED09-CDBA-5DDB-A89E2365E0D1}"/>
+          </ac:spMkLst>
+        </pc:spChg>
+        <pc:spChg chg="add del mod">
+          <ac:chgData name="明阳 阮" userId="a4dcf2889a22c6f9" providerId="LiveId" clId="{389D68A1-24FC-423B-B5DD-8195EC5F55C7}" dt="2023-10-26T03:01:51.384" v="3470" actId="478"/>
+          <ac:spMkLst>
+            <pc:docMk/>
+            <pc:sldMk cId="797801293" sldId="258"/>
+            <ac:spMk id="27" creationId="{6D0779B5-96DB-63BA-476D-1FC3CE190D54}"/>
+          </ac:spMkLst>
+        </pc:spChg>
+        <pc:spChg chg="add mod">
+          <ac:chgData name="明阳 阮" userId="a4dcf2889a22c6f9" providerId="LiveId" clId="{389D68A1-24FC-423B-B5DD-8195EC5F55C7}" dt="2023-10-26T03:13:26.121" v="3603" actId="1076"/>
+          <ac:spMkLst>
+            <pc:docMk/>
+            <pc:sldMk cId="797801293" sldId="258"/>
+            <ac:spMk id="28" creationId="{C2BC1585-9874-AC8A-A7D7-150E2A733159}"/>
+          </ac:spMkLst>
+        </pc:spChg>
+        <pc:spChg chg="add del mod">
+          <ac:chgData name="明阳 阮" userId="a4dcf2889a22c6f9" providerId="LiveId" clId="{389D68A1-24FC-423B-B5DD-8195EC5F55C7}" dt="2023-10-26T02:58:33.705" v="3429" actId="478"/>
+          <ac:spMkLst>
+            <pc:docMk/>
+            <pc:sldMk cId="797801293" sldId="258"/>
+            <ac:spMk id="29" creationId="{36A1EC4E-EF62-0994-B039-D38A6A77DA80}"/>
+          </ac:spMkLst>
+        </pc:spChg>
+        <pc:spChg chg="add del mod">
+          <ac:chgData name="明阳 阮" userId="a4dcf2889a22c6f9" providerId="LiveId" clId="{389D68A1-24FC-423B-B5DD-8195EC5F55C7}" dt="2023-10-23T03:36:22.578" v="628" actId="478"/>
+          <ac:spMkLst>
+            <pc:docMk/>
+            <pc:sldMk cId="797801293" sldId="258"/>
+            <ac:spMk id="29" creationId="{49DDC675-EE99-76E8-DB19-EC26B159804C}"/>
+          </ac:spMkLst>
+        </pc:spChg>
+        <pc:spChg chg="add del mod ord">
+          <ac:chgData name="明阳 阮" userId="a4dcf2889a22c6f9" providerId="LiveId" clId="{389D68A1-24FC-423B-B5DD-8195EC5F55C7}" dt="2023-10-26T02:57:21.461" v="3426" actId="478"/>
+          <ac:spMkLst>
+            <pc:docMk/>
+            <pc:sldMk cId="797801293" sldId="258"/>
+            <ac:spMk id="30" creationId="{66DD5D89-60CC-19CF-1A3F-51305FA07E82}"/>
+          </ac:spMkLst>
+        </pc:spChg>
+        <pc:spChg chg="add del mod ord">
+          <ac:chgData name="明阳 阮" userId="a4dcf2889a22c6f9" providerId="LiveId" clId="{389D68A1-24FC-423B-B5DD-8195EC5F55C7}" dt="2023-10-26T02:57:24.111" v="3427" actId="478"/>
+          <ac:spMkLst>
+            <pc:docMk/>
+            <pc:sldMk cId="797801293" sldId="258"/>
+            <ac:spMk id="31" creationId="{115543B4-B7F6-6946-E8D0-9FE1E4AEF4C2}"/>
+          </ac:spMkLst>
+        </pc:spChg>
+        <pc:spChg chg="add del mod">
+          <ac:chgData name="明阳 阮" userId="a4dcf2889a22c6f9" providerId="LiveId" clId="{389D68A1-24FC-423B-B5DD-8195EC5F55C7}" dt="2023-10-26T03:01:04.128" v="3452" actId="478"/>
+          <ac:spMkLst>
+            <pc:docMk/>
+            <pc:sldMk cId="797801293" sldId="258"/>
+            <ac:spMk id="32" creationId="{92B0AB89-ECD2-EACE-0769-7354C04F0A4D}"/>
+          </ac:spMkLst>
+        </pc:spChg>
+        <pc:spChg chg="add del mod">
+          <ac:chgData name="明阳 阮" userId="a4dcf2889a22c6f9" providerId="LiveId" clId="{389D68A1-24FC-423B-B5DD-8195EC5F55C7}" dt="2023-10-23T03:35:19.078" v="609" actId="478"/>
+          <ac:spMkLst>
+            <pc:docMk/>
+            <pc:sldMk cId="797801293" sldId="258"/>
+            <ac:spMk id="32" creationId="{93B463D2-F2A3-5E23-8214-4DA760518CF0}"/>
+          </ac:spMkLst>
+        </pc:spChg>
+        <pc:spChg chg="add del mod">
+          <ac:chgData name="明阳 阮" userId="a4dcf2889a22c6f9" providerId="LiveId" clId="{389D68A1-24FC-423B-B5DD-8195EC5F55C7}" dt="2023-10-23T03:35:39.302" v="615" actId="478"/>
+          <ac:spMkLst>
+            <pc:docMk/>
+            <pc:sldMk cId="797801293" sldId="258"/>
+            <ac:spMk id="33" creationId="{2320DBCF-DBD9-BED0-3564-8CF5F55972F5}"/>
+          </ac:spMkLst>
+        </pc:spChg>
+        <pc:spChg chg="add del mod">
+          <ac:chgData name="明阳 阮" userId="a4dcf2889a22c6f9" providerId="LiveId" clId="{389D68A1-24FC-423B-B5DD-8195EC5F55C7}" dt="2023-10-26T03:01:08.487" v="3453" actId="478"/>
+          <ac:spMkLst>
+            <pc:docMk/>
+            <pc:sldMk cId="797801293" sldId="258"/>
+            <ac:spMk id="33" creationId="{34E74D17-ABB4-6272-21DD-EB8497DFA22B}"/>
+          </ac:spMkLst>
+        </pc:spChg>
+        <pc:spChg chg="add del mod">
+          <ac:chgData name="明阳 阮" userId="a4dcf2889a22c6f9" providerId="LiveId" clId="{389D68A1-24FC-423B-B5DD-8195EC5F55C7}" dt="2023-10-23T03:12:54.858" v="384" actId="478"/>
+          <ac:spMkLst>
+            <pc:docMk/>
+            <pc:sldMk cId="797801293" sldId="258"/>
+            <ac:spMk id="34" creationId="{B0E38874-712C-832A-9E4F-4D5BE81E1D34}"/>
+          </ac:spMkLst>
+        </pc:spChg>
+        <pc:spChg chg="add del mod">
+          <ac:chgData name="明阳 阮" userId="a4dcf2889a22c6f9" providerId="LiveId" clId="{389D68A1-24FC-423B-B5DD-8195EC5F55C7}" dt="2023-10-26T03:01:17.239" v="3455" actId="478"/>
+          <ac:spMkLst>
+            <pc:docMk/>
+            <pc:sldMk cId="797801293" sldId="258"/>
+            <ac:spMk id="34" creationId="{B8671473-A59D-3EA7-36A5-1557911DA1E2}"/>
+          </ac:spMkLst>
+        </pc:spChg>
+        <pc:spChg chg="add del mod">
+          <ac:chgData name="明阳 阮" userId="a4dcf2889a22c6f9" providerId="LiveId" clId="{389D68A1-24FC-423B-B5DD-8195EC5F55C7}" dt="2023-10-26T03:13:12.576" v="3600" actId="1076"/>
+          <ac:spMkLst>
+            <pc:docMk/>
+            <pc:sldMk cId="797801293" sldId="258"/>
+            <ac:spMk id="35" creationId="{4C9251C4-85AE-F956-A573-BB95E64385E8}"/>
+          </ac:spMkLst>
+        </pc:spChg>
+        <pc:spChg chg="add del mod">
+          <ac:chgData name="明阳 阮" userId="a4dcf2889a22c6f9" providerId="LiveId" clId="{389D68A1-24FC-423B-B5DD-8195EC5F55C7}" dt="2023-10-23T03:20:38.907" v="476" actId="21"/>
+          <ac:spMkLst>
+            <pc:docMk/>
+            <pc:sldMk cId="797801293" sldId="258"/>
+            <ac:spMk id="37" creationId="{40C8945A-C38D-93D5-52E0-BD2F2CE817F6}"/>
+          </ac:spMkLst>
+        </pc:spChg>
+        <pc:spChg chg="add del mod">
+          <ac:chgData name="明阳 阮" userId="a4dcf2889a22c6f9" providerId="LiveId" clId="{389D68A1-24FC-423B-B5DD-8195EC5F55C7}" dt="2023-10-23T03:15:58.372" v="444" actId="478"/>
+          <ac:spMkLst>
+            <pc:docMk/>
+            <pc:sldMk cId="797801293" sldId="258"/>
+            <ac:spMk id="38" creationId="{7E136732-EEAA-9AB0-B959-2DEA67F45510}"/>
+          </ac:spMkLst>
+        </pc:spChg>
+        <pc:spChg chg="add del mod">
+          <ac:chgData name="明阳 阮" userId="a4dcf2889a22c6f9" providerId="LiveId" clId="{389D68A1-24FC-423B-B5DD-8195EC5F55C7}" dt="2023-10-23T03:21:35.961" v="488" actId="478"/>
+          <ac:spMkLst>
+            <pc:docMk/>
+            <pc:sldMk cId="797801293" sldId="258"/>
+            <ac:spMk id="39" creationId="{07D86316-CFEF-ED68-ACAE-F6FC7C0B3414}"/>
+          </ac:spMkLst>
+        </pc:spChg>
+        <pc:spChg chg="add del mod">
+          <ac:chgData name="明阳 阮" userId="a4dcf2889a22c6f9" providerId="LiveId" clId="{389D68A1-24FC-423B-B5DD-8195EC5F55C7}" dt="2023-10-23T03:17:02.420" v="449" actId="478"/>
+          <ac:spMkLst>
+            <pc:docMk/>
+            <pc:sldMk cId="797801293" sldId="258"/>
+            <ac:spMk id="40" creationId="{1884A178-E243-4DE1-E96A-2B4DE2C2E82A}"/>
+          </ac:spMkLst>
+        </pc:spChg>
+        <pc:spChg chg="add del mod">
+          <ac:chgData name="明阳 阮" userId="a4dcf2889a22c6f9" providerId="LiveId" clId="{389D68A1-24FC-423B-B5DD-8195EC5F55C7}" dt="2023-10-23T03:17:47.377" v="457" actId="478"/>
+          <ac:spMkLst>
+            <pc:docMk/>
+            <pc:sldMk cId="797801293" sldId="258"/>
+            <ac:spMk id="41" creationId="{D695A33F-C9CB-DD74-8AA4-9AFC1FC0D164}"/>
+          </ac:spMkLst>
+        </pc:spChg>
+        <pc:spChg chg="add del mod">
+          <ac:chgData name="明阳 阮" userId="a4dcf2889a22c6f9" providerId="LiveId" clId="{389D68A1-24FC-423B-B5DD-8195EC5F55C7}" dt="2023-10-23T03:21:35.961" v="488" actId="478"/>
+          <ac:spMkLst>
+            <pc:docMk/>
+            <pc:sldMk cId="797801293" sldId="258"/>
+            <ac:spMk id="42" creationId="{867D0C2F-029A-86CD-40ED-6BF868A0EB6C}"/>
+          </ac:spMkLst>
+        </pc:spChg>
+        <pc:spChg chg="add del mod">
+          <ac:chgData name="明阳 阮" userId="a4dcf2889a22c6f9" providerId="LiveId" clId="{389D68A1-24FC-423B-B5DD-8195EC5F55C7}" dt="2023-10-23T03:20:38.907" v="476" actId="21"/>
+          <ac:spMkLst>
+            <pc:docMk/>
+            <pc:sldMk cId="797801293" sldId="258"/>
+            <ac:spMk id="43" creationId="{0B4C573B-0CBE-57D9-62D1-0D33EC423095}"/>
+          </ac:spMkLst>
+        </pc:spChg>
+        <pc:spChg chg="add mod">
+          <ac:chgData name="明阳 阮" userId="a4dcf2889a22c6f9" providerId="LiveId" clId="{389D68A1-24FC-423B-B5DD-8195EC5F55C7}" dt="2023-10-26T03:13:04.835" v="3598" actId="403"/>
+          <ac:spMkLst>
+            <pc:docMk/>
+            <pc:sldMk cId="797801293" sldId="258"/>
+            <ac:spMk id="43" creationId="{31DB4BE4-4F42-7DEA-3EDD-7D53FD9B6696}"/>
+          </ac:spMkLst>
+        </pc:spChg>
+        <pc:spChg chg="add del mod">
+          <ac:chgData name="明阳 阮" userId="a4dcf2889a22c6f9" providerId="LiveId" clId="{389D68A1-24FC-423B-B5DD-8195EC5F55C7}" dt="2023-10-23T03:20:38.907" v="476" actId="21"/>
+          <ac:spMkLst>
+            <pc:docMk/>
+            <pc:sldMk cId="797801293" sldId="258"/>
+            <ac:spMk id="44" creationId="{714F8AD4-A78B-1A41-73F3-7D73FCFC53A8}"/>
+          </ac:spMkLst>
+        </pc:spChg>
+        <pc:spChg chg="add mod">
+          <ac:chgData name="明阳 阮" userId="a4dcf2889a22c6f9" providerId="LiveId" clId="{389D68A1-24FC-423B-B5DD-8195EC5F55C7}" dt="2023-10-26T03:12:48.153" v="3593" actId="403"/>
+          <ac:spMkLst>
+            <pc:docMk/>
+            <pc:sldMk cId="797801293" sldId="258"/>
+            <ac:spMk id="44" creationId="{A1EDBE1A-2E92-ECA3-B95A-D15B1D33A7DD}"/>
+          </ac:spMkLst>
+        </pc:spChg>
+        <pc:spChg chg="add del mod">
+          <ac:chgData name="明阳 阮" userId="a4dcf2889a22c6f9" providerId="LiveId" clId="{389D68A1-24FC-423B-B5DD-8195EC5F55C7}" dt="2023-10-23T03:20:38.907" v="476" actId="21"/>
+          <ac:spMkLst>
+            <pc:docMk/>
+            <pc:sldMk cId="797801293" sldId="258"/>
+            <ac:spMk id="45" creationId="{F697825D-3C90-E0A3-0A24-4540B9F2E64E}"/>
+          </ac:spMkLst>
+        </pc:spChg>
+        <pc:spChg chg="add del mod">
+          <ac:chgData name="明阳 阮" userId="a4dcf2889a22c6f9" providerId="LiveId" clId="{389D68A1-24FC-423B-B5DD-8195EC5F55C7}" dt="2023-10-23T03:20:38.907" v="476" actId="21"/>
+          <ac:spMkLst>
+            <pc:docMk/>
+            <pc:sldMk cId="797801293" sldId="258"/>
+            <ac:spMk id="46" creationId="{2FF2DF7B-9594-4BDE-27AA-03F4D2379422}"/>
+          </ac:spMkLst>
+        </pc:spChg>
+        <pc:spChg chg="add del mod">
+          <ac:chgData name="明阳 阮" userId="a4dcf2889a22c6f9" providerId="LiveId" clId="{389D68A1-24FC-423B-B5DD-8195EC5F55C7}" dt="2023-10-23T03:20:38.907" v="476" actId="21"/>
+          <ac:spMkLst>
+            <pc:docMk/>
+            <pc:sldMk cId="797801293" sldId="258"/>
+            <ac:spMk id="48" creationId="{99405CC9-EDEC-DF8B-7D7B-D342257D1CE8}"/>
+          </ac:spMkLst>
+        </pc:spChg>
+        <pc:spChg chg="add del mod">
+          <ac:chgData name="明阳 阮" userId="a4dcf2889a22c6f9" providerId="LiveId" clId="{389D68A1-24FC-423B-B5DD-8195EC5F55C7}" dt="2023-10-23T03:20:38.907" v="476" actId="21"/>
+          <ac:spMkLst>
+            <pc:docMk/>
+            <pc:sldMk cId="797801293" sldId="258"/>
+            <ac:spMk id="49" creationId="{E16F77EA-F8E7-ADA0-9E3B-B8C35B9EE8E3}"/>
+          </ac:spMkLst>
+        </pc:spChg>
+        <pc:spChg chg="add del mod">
+          <ac:chgData name="明阳 阮" userId="a4dcf2889a22c6f9" providerId="LiveId" clId="{389D68A1-24FC-423B-B5DD-8195EC5F55C7}" dt="2023-10-23T03:18:54.162" v="473" actId="478"/>
+          <ac:spMkLst>
+            <pc:docMk/>
+            <pc:sldMk cId="797801293" sldId="258"/>
+            <ac:spMk id="50" creationId="{1748E532-2C1C-80B3-AC2C-03AE3B8E63E0}"/>
+          </ac:spMkLst>
+        </pc:spChg>
+        <pc:spChg chg="add del mod">
+          <ac:chgData name="明阳 阮" userId="a4dcf2889a22c6f9" providerId="LiveId" clId="{389D68A1-24FC-423B-B5DD-8195EC5F55C7}" dt="2023-10-23T03:20:38.907" v="476" actId="21"/>
+          <ac:spMkLst>
+            <pc:docMk/>
+            <pc:sldMk cId="797801293" sldId="258"/>
+            <ac:spMk id="51" creationId="{CB7CC108-C943-68B1-D290-02D732FF3258}"/>
+          </ac:spMkLst>
+        </pc:spChg>
+        <pc:spChg chg="add del mod">
+          <ac:chgData name="明阳 阮" userId="a4dcf2889a22c6f9" providerId="LiveId" clId="{389D68A1-24FC-423B-B5DD-8195EC5F55C7}" dt="2023-10-23T03:20:38.907" v="476" actId="21"/>
+          <ac:spMkLst>
+            <pc:docMk/>
+            <pc:sldMk cId="797801293" sldId="258"/>
+            <ac:spMk id="52" creationId="{CBB0DDB3-0BE1-726B-B5A2-E4B9255C4393}"/>
+          </ac:spMkLst>
+        </pc:spChg>
+        <pc:spChg chg="add del mod">
+          <ac:chgData name="明阳 阮" userId="a4dcf2889a22c6f9" providerId="LiveId" clId="{389D68A1-24FC-423B-B5DD-8195EC5F55C7}" dt="2023-10-23T03:20:38.907" v="476" actId="21"/>
+          <ac:spMkLst>
+            <pc:docMk/>
+            <pc:sldMk cId="797801293" sldId="258"/>
+            <ac:spMk id="53" creationId="{5EEDC053-960E-DBF7-ECFF-DA673583EEF4}"/>
+          </ac:spMkLst>
+        </pc:spChg>
+        <pc:spChg chg="add del mod">
+          <ac:chgData name="明阳 阮" userId="a4dcf2889a22c6f9" providerId="LiveId" clId="{389D68A1-24FC-423B-B5DD-8195EC5F55C7}" dt="2023-10-23T03:20:38.907" v="476" actId="21"/>
+          <ac:spMkLst>
+            <pc:docMk/>
+            <pc:sldMk cId="797801293" sldId="258"/>
+            <ac:spMk id="54" creationId="{866DED86-559E-A34A-31CD-3AAF894B1411}"/>
+          </ac:spMkLst>
+        </pc:spChg>
+        <pc:spChg chg="add del mod">
+          <ac:chgData name="明阳 阮" userId="a4dcf2889a22c6f9" providerId="LiveId" clId="{389D68A1-24FC-423B-B5DD-8195EC5F55C7}" dt="2023-10-23T03:20:38.907" v="476" actId="21"/>
+          <ac:spMkLst>
+            <pc:docMk/>
+            <pc:sldMk cId="797801293" sldId="258"/>
+            <ac:spMk id="56" creationId="{62B6D363-E195-7A93-AC8A-5446B5F4D8C1}"/>
+          </ac:spMkLst>
+        </pc:spChg>
+        <pc:spChg chg="add del mod">
+          <ac:chgData name="明阳 阮" userId="a4dcf2889a22c6f9" providerId="LiveId" clId="{389D68A1-24FC-423B-B5DD-8195EC5F55C7}" dt="2023-10-23T03:20:38.907" v="476" actId="21"/>
+          <ac:spMkLst>
+            <pc:docMk/>
+            <pc:sldMk cId="797801293" sldId="258"/>
+            <ac:spMk id="57" creationId="{8B3EB7F0-7C45-F718-75C8-EA81FE2974D2}"/>
+          </ac:spMkLst>
+        </pc:spChg>
+        <pc:spChg chg="add mod">
+          <ac:chgData name="明阳 阮" userId="a4dcf2889a22c6f9" providerId="LiveId" clId="{389D68A1-24FC-423B-B5DD-8195EC5F55C7}" dt="2023-10-25T07:21:16.416" v="2139" actId="20577"/>
           <ac:spMkLst>
             <pc:docMk/>
             <pc:sldMk cId="797801293" sldId="258"/>
             <ac:spMk id="58" creationId="{679BF32B-065A-50D5-18E4-658CB212CA93}"/>
           </ac:spMkLst>
         </pc:spChg>
-      </pc:sldChg>
-      <pc:sldChg chg="delSp modSp mod">
-        <pc:chgData name="明阳 阮" userId="a4dcf2889a22c6f9" providerId="LiveId" clId="{607C1844-05CD-4CC9-972F-CAE573386568}" dt="2023-12-05T10:59:47.148" v="2549" actId="113"/>
-        <pc:sldMkLst>
-          <pc:docMk/>
-          <pc:sldMk cId="3744189518" sldId="265"/>
-        </pc:sldMkLst>
-        <pc:spChg chg="mod">
-          <ac:chgData name="明阳 阮" userId="a4dcf2889a22c6f9" providerId="LiveId" clId="{607C1844-05CD-4CC9-972F-CAE573386568}" dt="2023-12-05T10:59:47.148" v="2549" actId="113"/>
-          <ac:spMkLst>
-            <pc:docMk/>
-            <pc:sldMk cId="3744189518" sldId="265"/>
-            <ac:spMk id="4" creationId="{F8B8AE64-A1C5-1FE2-AA67-313313C9EC48}"/>
-          </ac:spMkLst>
-        </pc:spChg>
-        <pc:spChg chg="del">
-          <ac:chgData name="明阳 阮" userId="a4dcf2889a22c6f9" providerId="LiveId" clId="{607C1844-05CD-4CC9-972F-CAE573386568}" dt="2023-12-05T05:57:57.777" v="1357" actId="478"/>
-          <ac:spMkLst>
-            <pc:docMk/>
-            <pc:sldMk cId="3744189518" sldId="265"/>
-            <ac:spMk id="24" creationId="{1B68C04A-93B5-2CFB-C55A-0DFB388209CF}"/>
-          </ac:spMkLst>
-        </pc:spChg>
-      </pc:sldChg>
-      <pc:sldChg chg="delSp modSp mod">
-        <pc:chgData name="明阳 阮" userId="a4dcf2889a22c6f9" providerId="LiveId" clId="{607C1844-05CD-4CC9-972F-CAE573386568}" dt="2023-12-05T05:58:01.423" v="1358" actId="478"/>
-        <pc:sldMkLst>
-          <pc:docMk/>
-          <pc:sldMk cId="893564232" sldId="266"/>
-        </pc:sldMkLst>
-        <pc:spChg chg="mod">
-          <ac:chgData name="明阳 阮" userId="a4dcf2889a22c6f9" providerId="LiveId" clId="{607C1844-05CD-4CC9-972F-CAE573386568}" dt="2023-12-05T05:57:46.945" v="1356" actId="113"/>
-          <ac:spMkLst>
-            <pc:docMk/>
-            <pc:sldMk cId="893564232" sldId="266"/>
-            <ac:spMk id="4" creationId="{F8B8AE64-A1C5-1FE2-AA67-313313C9EC48}"/>
-          </ac:spMkLst>
-        </pc:spChg>
-        <pc:spChg chg="del">
-          <ac:chgData name="明阳 阮" userId="a4dcf2889a22c6f9" providerId="LiveId" clId="{607C1844-05CD-4CC9-972F-CAE573386568}" dt="2023-12-05T05:58:01.423" v="1358" actId="478"/>
-          <ac:spMkLst>
-            <pc:docMk/>
-            <pc:sldMk cId="893564232" sldId="266"/>
-            <ac:spMk id="24" creationId="{1B68C04A-93B5-2CFB-C55A-0DFB388209CF}"/>
-          </ac:spMkLst>
-        </pc:spChg>
-      </pc:sldChg>
-      <pc:sldChg chg="delSp mod">
-        <pc:chgData name="明阳 阮" userId="a4dcf2889a22c6f9" providerId="LiveId" clId="{607C1844-05CD-4CC9-972F-CAE573386568}" dt="2023-12-05T10:54:32.561" v="2385" actId="478"/>
-        <pc:sldMkLst>
-          <pc:docMk/>
-          <pc:sldMk cId="4002330931" sldId="267"/>
-        </pc:sldMkLst>
-        <pc:spChg chg="del">
-          <ac:chgData name="明阳 阮" userId="a4dcf2889a22c6f9" providerId="LiveId" clId="{607C1844-05CD-4CC9-972F-CAE573386568}" dt="2023-12-05T10:54:32.561" v="2385" actId="478"/>
-          <ac:spMkLst>
-            <pc:docMk/>
-            <pc:sldMk cId="4002330931" sldId="267"/>
-            <ac:spMk id="4" creationId="{88BC6632-5526-DF83-D675-872569C3E159}"/>
-          </ac:spMkLst>
-        </pc:spChg>
-      </pc:sldChg>
-      <pc:sldChg chg="addSp delSp modSp new mod">
-        <pc:chgData name="明阳 阮" userId="a4dcf2889a22c6f9" providerId="LiveId" clId="{607C1844-05CD-4CC9-972F-CAE573386568}" dt="2023-12-05T10:55:13.792" v="2444" actId="1035"/>
-        <pc:sldMkLst>
-          <pc:docMk/>
-          <pc:sldMk cId="350706535" sldId="268"/>
-        </pc:sldMkLst>
+        <pc:spChg chg="add del mod">
+          <ac:chgData name="明阳 阮" userId="a4dcf2889a22c6f9" providerId="LiveId" clId="{389D68A1-24FC-423B-B5DD-8195EC5F55C7}" dt="2023-10-23T03:27:14.438" v="569" actId="478"/>
+          <ac:spMkLst>
+            <pc:docMk/>
+            <pc:sldMk cId="797801293" sldId="258"/>
+            <ac:spMk id="59" creationId="{FA99F821-231A-F74F-C27E-7E70D65E732C}"/>
+          </ac:spMkLst>
+        </pc:spChg>
+        <pc:spChg chg="add del mod">
+          <ac:chgData name="明阳 阮" userId="a4dcf2889a22c6f9" providerId="LiveId" clId="{389D68A1-24FC-423B-B5DD-8195EC5F55C7}" dt="2023-10-23T04:14:50.808" v="681" actId="478"/>
+          <ac:spMkLst>
+            <pc:docMk/>
+            <pc:sldMk cId="797801293" sldId="258"/>
+            <ac:spMk id="60" creationId="{84573270-4685-C68B-12A5-BB270549EA61}"/>
+          </ac:spMkLst>
+        </pc:spChg>
+        <pc:spChg chg="add del mod">
+          <ac:chgData name="明阳 阮" userId="a4dcf2889a22c6f9" providerId="LiveId" clId="{389D68A1-24FC-423B-B5DD-8195EC5F55C7}" dt="2023-10-23T04:14:38.930" v="661" actId="478"/>
+          <ac:spMkLst>
+            <pc:docMk/>
+            <pc:sldMk cId="797801293" sldId="258"/>
+            <ac:spMk id="67" creationId="{3842CB37-1D98-9F32-8D87-4A4CDAFE981C}"/>
+          </ac:spMkLst>
+        </pc:spChg>
         <pc:spChg chg="add mod">
-          <ac:chgData name="明阳 阮" userId="a4dcf2889a22c6f9" providerId="LiveId" clId="{607C1844-05CD-4CC9-972F-CAE573386568}" dt="2023-12-05T10:55:13.792" v="2444" actId="1035"/>
-          <ac:spMkLst>
-            <pc:docMk/>
-            <pc:sldMk cId="350706535" sldId="268"/>
-            <ac:spMk id="2" creationId="{9F45FBE3-E121-00DE-62AC-5EAE8E7642BF}"/>
+          <ac:chgData name="明阳 阮" userId="a4dcf2889a22c6f9" providerId="LiveId" clId="{389D68A1-24FC-423B-B5DD-8195EC5F55C7}" dt="2023-10-24T06:29:14.337" v="1835" actId="20577"/>
+          <ac:spMkLst>
+            <pc:docMk/>
+            <pc:sldMk cId="797801293" sldId="258"/>
+            <ac:spMk id="68" creationId="{19C727C4-C16F-81DB-6250-84C71890BC73}"/>
+          </ac:spMkLst>
+        </pc:spChg>
+        <pc:spChg chg="add mod">
+          <ac:chgData name="明阳 阮" userId="a4dcf2889a22c6f9" providerId="LiveId" clId="{389D68A1-24FC-423B-B5DD-8195EC5F55C7}" dt="2023-10-26T03:15:07.096" v="3684" actId="12"/>
+          <ac:spMkLst>
+            <pc:docMk/>
+            <pc:sldMk cId="797801293" sldId="258"/>
+            <ac:spMk id="69" creationId="{F6387344-7FD2-2764-FFCB-1403E0C07395}"/>
           </ac:spMkLst>
         </pc:spChg>
         <pc:spChg chg="add del mod">
-          <ac:chgData name="明阳 阮" userId="a4dcf2889a22c6f9" providerId="LiveId" clId="{607C1844-05CD-4CC9-972F-CAE573386568}" dt="2023-12-05T05:06:36.315" v="1279"/>
-          <ac:spMkLst>
-            <pc:docMk/>
-            <pc:sldMk cId="350706535" sldId="268"/>
-            <ac:spMk id="3" creationId="{F8FD0F4D-B0CF-C657-96C3-611ACDFE4DE9}"/>
-          </ac:spMkLst>
-        </pc:spChg>
-        <pc:spChg chg="add mod">
-          <ac:chgData name="明阳 阮" userId="a4dcf2889a22c6f9" providerId="LiveId" clId="{607C1844-05CD-4CC9-972F-CAE573386568}" dt="2023-12-05T10:55:13.792" v="2444" actId="1035"/>
-          <ac:spMkLst>
-            <pc:docMk/>
-            <pc:sldMk cId="350706535" sldId="268"/>
-            <ac:spMk id="4" creationId="{2EEEA8F0-FD55-BD66-AD5C-A0828E0A0DFE}"/>
-          </ac:spMkLst>
-        </pc:spChg>
-        <pc:spChg chg="add mod">
-          <ac:chgData name="明阳 阮" userId="a4dcf2889a22c6f9" providerId="LiveId" clId="{607C1844-05CD-4CC9-972F-CAE573386568}" dt="2023-12-05T06:03:46.107" v="1529" actId="20577"/>
-          <ac:spMkLst>
-            <pc:docMk/>
-            <pc:sldMk cId="350706535" sldId="268"/>
-            <ac:spMk id="5" creationId="{F128A97E-CDFB-48F2-67BF-84D159D7E898}"/>
-          </ac:spMkLst>
-        </pc:spChg>
-        <pc:spChg chg="add mod">
-          <ac:chgData name="明阳 阮" userId="a4dcf2889a22c6f9" providerId="LiveId" clId="{607C1844-05CD-4CC9-972F-CAE573386568}" dt="2023-12-05T06:04:35.773" v="1577" actId="14100"/>
-          <ac:spMkLst>
-            <pc:docMk/>
-            <pc:sldMk cId="350706535" sldId="268"/>
-            <ac:spMk id="6" creationId="{1D479A8A-028B-E144-2DA3-8724DB020E39}"/>
-          </ac:spMkLst>
-        </pc:spChg>
-      </pc:sldChg>
-      <pc:sldChg chg="addSp delSp modSp new del mod">
-        <pc:chgData name="明阳 阮" userId="a4dcf2889a22c6f9" providerId="LiveId" clId="{607C1844-05CD-4CC9-972F-CAE573386568}" dt="2023-12-03T06:45:50.349" v="439" actId="47"/>
-        <pc:sldMkLst>
-          <pc:docMk/>
-          <pc:sldMk cId="3219223834" sldId="269"/>
-        </pc:sldMkLst>
-        <pc:spChg chg="add del mod">
-          <ac:chgData name="明阳 阮" userId="a4dcf2889a22c6f9" providerId="LiveId" clId="{607C1844-05CD-4CC9-972F-CAE573386568}" dt="2023-12-03T06:06:13.204" v="418" actId="21"/>
-          <ac:spMkLst>
-            <pc:docMk/>
-            <pc:sldMk cId="3219223834" sldId="269"/>
-            <ac:spMk id="4" creationId="{BDF584EC-0B9A-D76D-37EB-EF7F4F3F2D3F}"/>
-          </ac:spMkLst>
-        </pc:spChg>
-        <pc:spChg chg="add del mod">
-          <ac:chgData name="明阳 阮" userId="a4dcf2889a22c6f9" providerId="LiveId" clId="{607C1844-05CD-4CC9-972F-CAE573386568}" dt="2023-12-03T06:06:13.204" v="418" actId="21"/>
-          <ac:spMkLst>
-            <pc:docMk/>
-            <pc:sldMk cId="3219223834" sldId="269"/>
-            <ac:spMk id="5" creationId="{7946CDE1-BC10-34B8-00BA-F3DA8D0107DA}"/>
-          </ac:spMkLst>
-        </pc:spChg>
-        <pc:spChg chg="add del mod">
-          <ac:chgData name="明阳 阮" userId="a4dcf2889a22c6f9" providerId="LiveId" clId="{607C1844-05CD-4CC9-972F-CAE573386568}" dt="2023-12-03T06:06:13.204" v="418" actId="21"/>
-          <ac:spMkLst>
-            <pc:docMk/>
-            <pc:sldMk cId="3219223834" sldId="269"/>
-            <ac:spMk id="6" creationId="{5F04B321-1AC1-0AD0-7670-EF4C262A57E3}"/>
-          </ac:spMkLst>
-        </pc:spChg>
-        <pc:spChg chg="add del mod">
-          <ac:chgData name="明阳 阮" userId="a4dcf2889a22c6f9" providerId="LiveId" clId="{607C1844-05CD-4CC9-972F-CAE573386568}" dt="2023-12-03T06:06:13.204" v="418" actId="21"/>
-          <ac:spMkLst>
-            <pc:docMk/>
-            <pc:sldMk cId="3219223834" sldId="269"/>
-            <ac:spMk id="7" creationId="{675B805D-AD10-6D39-AAB5-172416C1880A}"/>
-          </ac:spMkLst>
-        </pc:spChg>
-        <pc:spChg chg="add del mod">
-          <ac:chgData name="明阳 阮" userId="a4dcf2889a22c6f9" providerId="LiveId" clId="{607C1844-05CD-4CC9-972F-CAE573386568}" dt="2023-12-03T06:06:13.204" v="418" actId="21"/>
-          <ac:spMkLst>
-            <pc:docMk/>
-            <pc:sldMk cId="3219223834" sldId="269"/>
-            <ac:spMk id="8" creationId="{EFFB1D3A-7517-52B1-1C73-39FEB6558B62}"/>
-          </ac:spMkLst>
-        </pc:spChg>
-        <pc:spChg chg="add del mod">
-          <ac:chgData name="明阳 阮" userId="a4dcf2889a22c6f9" providerId="LiveId" clId="{607C1844-05CD-4CC9-972F-CAE573386568}" dt="2023-12-03T06:06:13.204" v="418" actId="21"/>
-          <ac:spMkLst>
-            <pc:docMk/>
-            <pc:sldMk cId="3219223834" sldId="269"/>
-            <ac:spMk id="9" creationId="{E16DF83F-0463-2B6A-9EE7-1C7A585990DD}"/>
-          </ac:spMkLst>
-        </pc:spChg>
-        <pc:spChg chg="add del mod">
-          <ac:chgData name="明阳 阮" userId="a4dcf2889a22c6f9" providerId="LiveId" clId="{607C1844-05CD-4CC9-972F-CAE573386568}" dt="2023-12-03T06:06:13.204" v="418" actId="21"/>
-          <ac:spMkLst>
-            <pc:docMk/>
-            <pc:sldMk cId="3219223834" sldId="269"/>
-            <ac:spMk id="10" creationId="{490FBA73-37D1-ECAC-17D0-325F1984473A}"/>
-          </ac:spMkLst>
-        </pc:spChg>
-        <pc:spChg chg="add del mod">
-          <ac:chgData name="明阳 阮" userId="a4dcf2889a22c6f9" providerId="LiveId" clId="{607C1844-05CD-4CC9-972F-CAE573386568}" dt="2023-12-03T06:06:13.204" v="418" actId="21"/>
-          <ac:spMkLst>
-            <pc:docMk/>
-            <pc:sldMk cId="3219223834" sldId="269"/>
-            <ac:spMk id="11" creationId="{28F45A4A-FE02-C27E-A18E-CDA448D36DAA}"/>
-          </ac:spMkLst>
-        </pc:spChg>
-        <pc:graphicFrameChg chg="add del mod">
-          <ac:chgData name="明阳 阮" userId="a4dcf2889a22c6f9" providerId="LiveId" clId="{607C1844-05CD-4CC9-972F-CAE573386568}" dt="2023-12-03T06:39:19.787" v="431"/>
-          <ac:graphicFrameMkLst>
-            <pc:docMk/>
-            <pc:sldMk cId="3219223834" sldId="269"/>
-            <ac:graphicFrameMk id="15" creationId="{772BF952-C1A2-540D-1DFB-0F10C0E69BFB}"/>
-          </ac:graphicFrameMkLst>
-        </pc:graphicFrameChg>
-        <pc:picChg chg="add mod">
-          <ac:chgData name="明阳 阮" userId="a4dcf2889a22c6f9" providerId="LiveId" clId="{607C1844-05CD-4CC9-972F-CAE573386568}" dt="2023-12-03T06:39:15.233" v="429" actId="1076"/>
+          <ac:chgData name="明阳 阮" userId="a4dcf2889a22c6f9" providerId="LiveId" clId="{389D68A1-24FC-423B-B5DD-8195EC5F55C7}" dt="2023-10-26T01:11:38.986" v="2826" actId="478"/>
+          <ac:spMkLst>
+            <pc:docMk/>
+            <pc:sldMk cId="797801293" sldId="258"/>
+            <ac:spMk id="70" creationId="{318AA371-AFEF-0E75-CCDD-8978E4B1DBB4}"/>
+          </ac:spMkLst>
+        </pc:spChg>
+        <pc:picChg chg="add del mod">
+          <ac:chgData name="明阳 阮" userId="a4dcf2889a22c6f9" providerId="LiveId" clId="{389D68A1-24FC-423B-B5DD-8195EC5F55C7}" dt="2023-10-26T03:10:16.650" v="3557" actId="478"/>
           <ac:picMkLst>
             <pc:docMk/>
-            <pc:sldMk cId="3219223834" sldId="269"/>
-            <ac:picMk id="3" creationId="{3384CEA7-C9F0-9A4B-AE9A-24FE036192FB}"/>
+            <pc:sldMk cId="797801293" sldId="258"/>
+            <ac:picMk id="5" creationId="{F0C2F569-CB7D-39F5-28DE-C83561152763}"/>
           </ac:picMkLst>
         </pc:picChg>
-        <pc:picChg chg="add del mod">
-          <ac:chgData name="明阳 阮" userId="a4dcf2889a22c6f9" providerId="LiveId" clId="{607C1844-05CD-4CC9-972F-CAE573386568}" dt="2023-12-03T06:39:52.798" v="437" actId="21"/>
+        <pc:picChg chg="add del mod ord">
+          <ac:chgData name="明阳 阮" userId="a4dcf2889a22c6f9" providerId="LiveId" clId="{389D68A1-24FC-423B-B5DD-8195EC5F55C7}" dt="2023-10-26T03:11:03.484" v="3571" actId="478"/>
           <ac:picMkLst>
             <pc:docMk/>
-            <pc:sldMk cId="3219223834" sldId="269"/>
-            <ac:picMk id="17" creationId="{E51026DC-EB9C-4193-CA32-7A0781F018C7}"/>
+            <pc:sldMk cId="797801293" sldId="258"/>
+            <ac:picMk id="45" creationId="{2B21F652-E99D-BB4D-EF65-E6FF2F5B77B8}"/>
+          </ac:picMkLst>
+        </pc:picChg>
+        <pc:picChg chg="add mod ord">
+          <ac:chgData name="明阳 阮" userId="a4dcf2889a22c6f9" providerId="LiveId" clId="{389D68A1-24FC-423B-B5DD-8195EC5F55C7}" dt="2023-10-26T03:11:14.090" v="3575" actId="1076"/>
+          <ac:picMkLst>
+            <pc:docMk/>
+            <pc:sldMk cId="797801293" sldId="258"/>
+            <ac:picMk id="47" creationId="{35723FE9-1EC3-3299-DB11-F6D124DB0762}"/>
+          </ac:picMkLst>
+        </pc:picChg>
+        <pc:picChg chg="add del mod modCrop">
+          <ac:chgData name="明阳 阮" userId="a4dcf2889a22c6f9" providerId="LiveId" clId="{389D68A1-24FC-423B-B5DD-8195EC5F55C7}" dt="2023-10-23T03:29:49.392" v="581" actId="21"/>
+          <ac:picMkLst>
+            <pc:docMk/>
+            <pc:sldMk cId="797801293" sldId="258"/>
+            <ac:picMk id="62" creationId="{DD2F987E-C6B7-AD73-E23F-30C58AE1DAC7}"/>
           </ac:picMkLst>
         </pc:picChg>
         <pc:cxnChg chg="add del mod">
-          <ac:chgData name="明阳 阮" userId="a4dcf2889a22c6f9" providerId="LiveId" clId="{607C1844-05CD-4CC9-972F-CAE573386568}" dt="2023-12-03T06:06:13.204" v="418" actId="21"/>
+          <ac:chgData name="明阳 阮" userId="a4dcf2889a22c6f9" providerId="LiveId" clId="{389D68A1-24FC-423B-B5DD-8195EC5F55C7}" dt="2023-10-23T03:12:40.534" v="381"/>
           <ac:cxnSpMkLst>
             <pc:docMk/>
-            <pc:sldMk cId="3219223834" sldId="269"/>
-            <ac:cxnSpMk id="12" creationId="{70A2C60F-8893-2693-E2ED-2913A2514306}"/>
+            <pc:sldMk cId="797801293" sldId="258"/>
+            <ac:cxnSpMk id="6" creationId="{5110CF40-55BE-89BA-2D34-2B539C27E1AE}"/>
           </ac:cxnSpMkLst>
         </pc:cxnChg>
         <pc:cxnChg chg="add del mod">
-          <ac:chgData name="明阳 阮" userId="a4dcf2889a22c6f9" providerId="LiveId" clId="{607C1844-05CD-4CC9-972F-CAE573386568}" dt="2023-12-03T06:06:13.204" v="418" actId="21"/>
+          <ac:chgData name="明阳 阮" userId="a4dcf2889a22c6f9" providerId="LiveId" clId="{389D68A1-24FC-423B-B5DD-8195EC5F55C7}" dt="2023-10-23T03:12:40.534" v="381"/>
           <ac:cxnSpMkLst>
             <pc:docMk/>
-            <pc:sldMk cId="3219223834" sldId="269"/>
-            <ac:cxnSpMk id="13" creationId="{1E1244FF-B925-DE8F-5FBE-4B2D6FFA8EDF}"/>
+            <pc:sldMk cId="797801293" sldId="258"/>
+            <ac:cxnSpMk id="7" creationId="{064FCF0F-860E-E946-1FAE-E12DCF97A6D1}"/>
+          </ac:cxnSpMkLst>
+        </pc:cxnChg>
+        <pc:cxnChg chg="add del">
+          <ac:chgData name="明阳 阮" userId="a4dcf2889a22c6f9" providerId="LiveId" clId="{389D68A1-24FC-423B-B5DD-8195EC5F55C7}" dt="2023-10-24T06:56:01.517" v="2051" actId="478"/>
+          <ac:cxnSpMkLst>
+            <pc:docMk/>
+            <pc:sldMk cId="797801293" sldId="258"/>
+            <ac:cxnSpMk id="8" creationId="{2FCCA2A9-71CF-25DB-5197-60095B1CA5FC}"/>
+          </ac:cxnSpMkLst>
+        </pc:cxnChg>
+        <pc:cxnChg chg="add mod">
+          <ac:chgData name="明阳 阮" userId="a4dcf2889a22c6f9" providerId="LiveId" clId="{389D68A1-24FC-423B-B5DD-8195EC5F55C7}" dt="2023-10-26T03:11:48.071" v="3583" actId="14100"/>
+          <ac:cxnSpMkLst>
+            <pc:docMk/>
+            <pc:sldMk cId="797801293" sldId="258"/>
+            <ac:cxnSpMk id="10" creationId="{570CD87D-65D0-4ABC-EE71-9ABCE475B697}"/>
           </ac:cxnSpMkLst>
         </pc:cxnChg>
         <pc:cxnChg chg="add del mod">
-          <ac:chgData name="明阳 阮" userId="a4dcf2889a22c6f9" providerId="LiveId" clId="{607C1844-05CD-4CC9-972F-CAE573386568}" dt="2023-12-03T06:06:13.204" v="418" actId="21"/>
+          <ac:chgData name="明阳 阮" userId="a4dcf2889a22c6f9" providerId="LiveId" clId="{389D68A1-24FC-423B-B5DD-8195EC5F55C7}" dt="2023-10-23T03:12:40.534" v="381"/>
           <ac:cxnSpMkLst>
             <pc:docMk/>
-            <pc:sldMk cId="3219223834" sldId="269"/>
-            <ac:cxnSpMk id="14" creationId="{C5662B1D-6C08-964C-ED2B-E14CC3D4A3FE}"/>
+            <pc:sldMk cId="797801293" sldId="258"/>
+            <ac:cxnSpMk id="10" creationId="{92F20C93-7CED-FD5F-9C13-3F6AA4E026D7}"/>
+          </ac:cxnSpMkLst>
+        </pc:cxnChg>
+        <pc:cxnChg chg="add mod">
+          <ac:chgData name="明阳 阮" userId="a4dcf2889a22c6f9" providerId="LiveId" clId="{389D68A1-24FC-423B-B5DD-8195EC5F55C7}" dt="2023-10-26T03:11:50.286" v="3584" actId="14100"/>
+          <ac:cxnSpMkLst>
+            <pc:docMk/>
+            <pc:sldMk cId="797801293" sldId="258"/>
+            <ac:cxnSpMk id="11" creationId="{314C23F8-0120-8D6C-C366-EFBF74C2E356}"/>
+          </ac:cxnSpMkLst>
+        </pc:cxnChg>
+        <pc:cxnChg chg="add del mod">
+          <ac:chgData name="明阳 阮" userId="a4dcf2889a22c6f9" providerId="LiveId" clId="{389D68A1-24FC-423B-B5DD-8195EC5F55C7}" dt="2023-10-23T03:12:40.534" v="381"/>
+          <ac:cxnSpMkLst>
+            <pc:docMk/>
+            <pc:sldMk cId="797801293" sldId="258"/>
+            <ac:cxnSpMk id="14" creationId="{5E8BEE0E-D4C8-56E5-C3C8-9EA82879AF58}"/>
+          </ac:cxnSpMkLst>
+        </pc:cxnChg>
+        <pc:cxnChg chg="add del mod">
+          <ac:chgData name="明阳 阮" userId="a4dcf2889a22c6f9" providerId="LiveId" clId="{389D68A1-24FC-423B-B5DD-8195EC5F55C7}" dt="2023-10-26T02:09:32.983" v="3000" actId="478"/>
+          <ac:cxnSpMkLst>
+            <pc:docMk/>
+            <pc:sldMk cId="797801293" sldId="258"/>
+            <ac:cxnSpMk id="14" creationId="{FC55E21C-06ED-0243-AC14-6F595F51629B}"/>
+          </ac:cxnSpMkLst>
+        </pc:cxnChg>
+        <pc:cxnChg chg="add del mod">
+          <ac:chgData name="明阳 阮" userId="a4dcf2889a22c6f9" providerId="LiveId" clId="{389D68A1-24FC-423B-B5DD-8195EC5F55C7}" dt="2023-10-23T03:12:40.534" v="381"/>
+          <ac:cxnSpMkLst>
+            <pc:docMk/>
+            <pc:sldMk cId="797801293" sldId="258"/>
+            <ac:cxnSpMk id="15" creationId="{829FA796-657F-43CF-3F92-CB1F4FEF6CF5}"/>
+          </ac:cxnSpMkLst>
+        </pc:cxnChg>
+        <pc:cxnChg chg="add mod">
+          <ac:chgData name="明阳 阮" userId="a4dcf2889a22c6f9" providerId="LiveId" clId="{389D68A1-24FC-423B-B5DD-8195EC5F55C7}" dt="2023-10-26T03:12:59.025" v="3596" actId="1076"/>
+          <ac:cxnSpMkLst>
+            <pc:docMk/>
+            <pc:sldMk cId="797801293" sldId="258"/>
+            <ac:cxnSpMk id="22" creationId="{E6B6F740-CECE-9418-6741-D4B1E3594A73}"/>
+          </ac:cxnSpMkLst>
+        </pc:cxnChg>
+        <pc:cxnChg chg="add mod">
+          <ac:chgData name="明阳 阮" userId="a4dcf2889a22c6f9" providerId="LiveId" clId="{389D68A1-24FC-423B-B5DD-8195EC5F55C7}" dt="2023-10-26T03:13:24.285" v="3602" actId="1076"/>
+          <ac:cxnSpMkLst>
+            <pc:docMk/>
+            <pc:sldMk cId="797801293" sldId="258"/>
+            <ac:cxnSpMk id="23" creationId="{747F8288-3A10-EF4A-4F8C-1873DF227B8E}"/>
+          </ac:cxnSpMkLst>
+        </pc:cxnChg>
+        <pc:cxnChg chg="add del mod">
+          <ac:chgData name="明阳 阮" userId="a4dcf2889a22c6f9" providerId="LiveId" clId="{389D68A1-24FC-423B-B5DD-8195EC5F55C7}" dt="2023-10-23T03:13:13.613" v="392" actId="478"/>
+          <ac:cxnSpMkLst>
+            <pc:docMk/>
+            <pc:sldMk cId="797801293" sldId="258"/>
+            <ac:cxnSpMk id="26" creationId="{227BCFF6-FFA2-700A-AEA2-03406143C2A9}"/>
+          </ac:cxnSpMkLst>
+        </pc:cxnChg>
+        <pc:cxnChg chg="add del mod">
+          <ac:chgData name="明阳 阮" userId="a4dcf2889a22c6f9" providerId="LiveId" clId="{389D68A1-24FC-423B-B5DD-8195EC5F55C7}" dt="2023-10-23T03:13:05.356" v="390" actId="478"/>
+          <ac:cxnSpMkLst>
+            <pc:docMk/>
+            <pc:sldMk cId="797801293" sldId="258"/>
+            <ac:cxnSpMk id="30" creationId="{3FA30118-27EF-CB66-5A78-696D0AD00C87}"/>
+          </ac:cxnSpMkLst>
+        </pc:cxnChg>
+        <pc:cxnChg chg="add del mod">
+          <ac:chgData name="明阳 阮" userId="a4dcf2889a22c6f9" providerId="LiveId" clId="{389D68A1-24FC-423B-B5DD-8195EC5F55C7}" dt="2023-10-23T03:12:57.471" v="386" actId="478"/>
+          <ac:cxnSpMkLst>
+            <pc:docMk/>
+            <pc:sldMk cId="797801293" sldId="258"/>
+            <ac:cxnSpMk id="31" creationId="{26096A58-CB0B-8467-3375-39F7F29025C1}"/>
+          </ac:cxnSpMkLst>
+        </pc:cxnChg>
+        <pc:cxnChg chg="add mod">
+          <ac:chgData name="明阳 阮" userId="a4dcf2889a22c6f9" providerId="LiveId" clId="{389D68A1-24FC-423B-B5DD-8195EC5F55C7}" dt="2023-10-26T03:13:15.244" v="3601" actId="1076"/>
+          <ac:cxnSpMkLst>
+            <pc:docMk/>
+            <pc:sldMk cId="797801293" sldId="258"/>
+            <ac:cxnSpMk id="36" creationId="{49624380-2F57-CACF-A8D7-3A65D68D67AE}"/>
+          </ac:cxnSpMkLst>
+        </pc:cxnChg>
+        <pc:cxnChg chg="add del mod">
+          <ac:chgData name="明阳 阮" userId="a4dcf2889a22c6f9" providerId="LiveId" clId="{389D68A1-24FC-423B-B5DD-8195EC5F55C7}" dt="2023-10-23T03:20:38.907" v="476" actId="21"/>
+          <ac:cxnSpMkLst>
+            <pc:docMk/>
+            <pc:sldMk cId="797801293" sldId="258"/>
+            <ac:cxnSpMk id="47" creationId="{5A1A4C17-BF3F-F419-BAB5-8FAE4BF5AE40}"/>
+          </ac:cxnSpMkLst>
+        </pc:cxnChg>
+        <pc:cxnChg chg="add del mod">
+          <ac:chgData name="明阳 阮" userId="a4dcf2889a22c6f9" providerId="LiveId" clId="{389D68A1-24FC-423B-B5DD-8195EC5F55C7}" dt="2023-10-23T03:20:38.907" v="476" actId="21"/>
+          <ac:cxnSpMkLst>
+            <pc:docMk/>
+            <pc:sldMk cId="797801293" sldId="258"/>
+            <ac:cxnSpMk id="55" creationId="{89149EE7-B1A6-4EBE-E874-73FDDAD1036A}"/>
           </ac:cxnSpMkLst>
         </pc:cxnChg>
       </pc:sldChg>
-      <pc:sldChg chg="addSp delSp modSp new mod">
-        <pc:chgData name="明阳 阮" userId="a4dcf2889a22c6f9" providerId="LiveId" clId="{607C1844-05CD-4CC9-972F-CAE573386568}" dt="2023-12-05T10:54:47.567" v="2386" actId="1076"/>
+      <pc:sldChg chg="addSp delSp modSp new mod ord">
+        <pc:chgData name="明阳 阮" userId="a4dcf2889a22c6f9" providerId="LiveId" clId="{389D68A1-24FC-423B-B5DD-8195EC5F55C7}" dt="2023-10-26T03:08:37.885" v="3551"/>
         <pc:sldMkLst>
           <pc:docMk/>
-          <pc:sldMk cId="2493423417" sldId="270"/>
+          <pc:sldMk cId="3201725807" sldId="259"/>
         </pc:sldMkLst>
+        <pc:spChg chg="add mod">
+          <ac:chgData name="明阳 阮" userId="a4dcf2889a22c6f9" providerId="LiveId" clId="{389D68A1-24FC-423B-B5DD-8195EC5F55C7}" dt="2023-10-26T01:11:46.583" v="2829"/>
+          <ac:spMkLst>
+            <pc:docMk/>
+            <pc:sldMk cId="3201725807" sldId="259"/>
+            <ac:spMk id="2" creationId="{02F56F8C-FB99-A29E-64E5-5717D4F46B3D}"/>
+          </ac:spMkLst>
+        </pc:spChg>
         <pc:spChg chg="add del mod">
-          <ac:chgData name="明阳 阮" userId="a4dcf2889a22c6f9" providerId="LiveId" clId="{607C1844-05CD-4CC9-972F-CAE573386568}" dt="2023-12-03T05:39:32.492" v="256" actId="478"/>
-          <ac:spMkLst>
-            <pc:docMk/>
-            <pc:sldMk cId="2493423417" sldId="270"/>
-            <ac:spMk id="2" creationId="{98DA2237-2C5E-2CF1-BA55-C009C309EA8E}"/>
-          </ac:spMkLst>
-        </pc:spChg>
-        <pc:spChg chg="add del mod topLvl">
-          <ac:chgData name="明阳 阮" userId="a4dcf2889a22c6f9" providerId="LiveId" clId="{607C1844-05CD-4CC9-972F-CAE573386568}" dt="2023-12-03T06:06:05.356" v="416" actId="21"/>
-          <ac:spMkLst>
-            <pc:docMk/>
-            <pc:sldMk cId="2493423417" sldId="270"/>
-            <ac:spMk id="3" creationId="{BDF01118-F4F8-2C98-05BA-D474E1CAFE65}"/>
-          </ac:spMkLst>
-        </pc:spChg>
-        <pc:spChg chg="add del mod topLvl">
-          <ac:chgData name="明阳 阮" userId="a4dcf2889a22c6f9" providerId="LiveId" clId="{607C1844-05CD-4CC9-972F-CAE573386568}" dt="2023-12-03T06:06:05.356" v="416" actId="21"/>
-          <ac:spMkLst>
-            <pc:docMk/>
-            <pc:sldMk cId="2493423417" sldId="270"/>
-            <ac:spMk id="4" creationId="{BD410F83-86BD-615A-76B9-5968C9600B58}"/>
+          <ac:chgData name="明阳 阮" userId="a4dcf2889a22c6f9" providerId="LiveId" clId="{389D68A1-24FC-423B-B5DD-8195EC5F55C7}" dt="2023-10-23T03:20:49.201" v="479" actId="478"/>
+          <ac:spMkLst>
+            <pc:docMk/>
+            <pc:sldMk cId="3201725807" sldId="259"/>
+            <ac:spMk id="2" creationId="{3B6D3EA6-0980-908E-451A-99BCBA2EBB26}"/>
           </ac:spMkLst>
         </pc:spChg>
         <pc:spChg chg="add del mod">
-          <ac:chgData name="明阳 阮" userId="a4dcf2889a22c6f9" providerId="LiveId" clId="{607C1844-05CD-4CC9-972F-CAE573386568}" dt="2023-12-04T06:00:07.846" v="1076" actId="478"/>
-          <ac:spMkLst>
-            <pc:docMk/>
-            <pc:sldMk cId="2493423417" sldId="270"/>
-            <ac:spMk id="5" creationId="{1CE2A67E-6295-E087-5201-1A8509057134}"/>
-          </ac:spMkLst>
-        </pc:spChg>
-        <pc:spChg chg="add del mod topLvl">
-          <ac:chgData name="明阳 阮" userId="a4dcf2889a22c6f9" providerId="LiveId" clId="{607C1844-05CD-4CC9-972F-CAE573386568}" dt="2023-12-03T06:06:05.356" v="416" actId="21"/>
-          <ac:spMkLst>
-            <pc:docMk/>
-            <pc:sldMk cId="2493423417" sldId="270"/>
-            <ac:spMk id="5" creationId="{E51581B3-D207-E948-2E25-C95D273FBAC6}"/>
-          </ac:spMkLst>
-        </pc:spChg>
-        <pc:spChg chg="add del mod topLvl">
-          <ac:chgData name="明阳 阮" userId="a4dcf2889a22c6f9" providerId="LiveId" clId="{607C1844-05CD-4CC9-972F-CAE573386568}" dt="2023-12-03T06:06:05.356" v="416" actId="21"/>
-          <ac:spMkLst>
-            <pc:docMk/>
-            <pc:sldMk cId="2493423417" sldId="270"/>
-            <ac:spMk id="6" creationId="{75541DB4-CF25-B115-CD00-82C96D496FA3}"/>
-          </ac:spMkLst>
-        </pc:spChg>
-        <pc:spChg chg="add del mod topLvl">
-          <ac:chgData name="明阳 阮" userId="a4dcf2889a22c6f9" providerId="LiveId" clId="{607C1844-05CD-4CC9-972F-CAE573386568}" dt="2023-12-03T06:06:05.356" v="416" actId="21"/>
-          <ac:spMkLst>
-            <pc:docMk/>
-            <pc:sldMk cId="2493423417" sldId="270"/>
-            <ac:spMk id="7" creationId="{2690EFDC-9E36-988D-B808-BA8CF2A311EE}"/>
-          </ac:spMkLst>
-        </pc:spChg>
-        <pc:spChg chg="add del mod topLvl">
-          <ac:chgData name="明阳 阮" userId="a4dcf2889a22c6f9" providerId="LiveId" clId="{607C1844-05CD-4CC9-972F-CAE573386568}" dt="2023-12-03T06:06:05.356" v="416" actId="21"/>
-          <ac:spMkLst>
-            <pc:docMk/>
-            <pc:sldMk cId="2493423417" sldId="270"/>
-            <ac:spMk id="8" creationId="{0607C058-FFCD-9916-A40D-E56CADE36E4C}"/>
-          </ac:spMkLst>
-        </pc:spChg>
-        <pc:spChg chg="add del mod topLvl">
-          <ac:chgData name="明阳 阮" userId="a4dcf2889a22c6f9" providerId="LiveId" clId="{607C1844-05CD-4CC9-972F-CAE573386568}" dt="2023-12-03T06:06:05.356" v="416" actId="21"/>
-          <ac:spMkLst>
-            <pc:docMk/>
-            <pc:sldMk cId="2493423417" sldId="270"/>
-            <ac:spMk id="9" creationId="{97680A2F-C88C-7591-9381-C820D169022E}"/>
-          </ac:spMkLst>
-        </pc:spChg>
-        <pc:spChg chg="add del mod topLvl">
-          <ac:chgData name="明阳 阮" userId="a4dcf2889a22c6f9" providerId="LiveId" clId="{607C1844-05CD-4CC9-972F-CAE573386568}" dt="2023-12-03T06:06:05.356" v="416" actId="21"/>
-          <ac:spMkLst>
-            <pc:docMk/>
-            <pc:sldMk cId="2493423417" sldId="270"/>
-            <ac:spMk id="10" creationId="{45C58C2C-899F-0D39-D8ED-9745083CA371}"/>
-          </ac:spMkLst>
-        </pc:spChg>
-        <pc:spChg chg="add del mod topLvl">
-          <ac:chgData name="明阳 阮" userId="a4dcf2889a22c6f9" providerId="LiveId" clId="{607C1844-05CD-4CC9-972F-CAE573386568}" dt="2023-12-03T05:53:54.406" v="286" actId="478"/>
-          <ac:spMkLst>
-            <pc:docMk/>
-            <pc:sldMk cId="2493423417" sldId="270"/>
-            <ac:spMk id="11" creationId="{031B6833-5B58-A381-94FE-4CD001AAAB13}"/>
+          <ac:chgData name="明阳 阮" userId="a4dcf2889a22c6f9" providerId="LiveId" clId="{389D68A1-24FC-423B-B5DD-8195EC5F55C7}" dt="2023-10-25T08:57:05.390" v="2787"/>
+          <ac:spMkLst>
+            <pc:docMk/>
+            <pc:sldMk cId="3201725807" sldId="259"/>
+            <ac:spMk id="2" creationId="{EC850661-6E86-D2D2-AB83-CCEB3C75C4F7}"/>
+          </ac:spMkLst>
+        </pc:spChg>
+        <pc:spChg chg="add mod">
+          <ac:chgData name="明阳 阮" userId="a4dcf2889a22c6f9" providerId="LiveId" clId="{389D68A1-24FC-423B-B5DD-8195EC5F55C7}" dt="2023-10-23T04:28:11.962" v="1296" actId="1035"/>
+          <ac:spMkLst>
+            <pc:docMk/>
+            <pc:sldMk cId="3201725807" sldId="259"/>
+            <ac:spMk id="3" creationId="{0098309C-F60D-A64D-4497-96A9166A4418}"/>
+          </ac:spMkLst>
+        </pc:spChg>
+        <pc:spChg chg="add mod">
+          <ac:chgData name="明阳 阮" userId="a4dcf2889a22c6f9" providerId="LiveId" clId="{389D68A1-24FC-423B-B5DD-8195EC5F55C7}" dt="2023-10-26T03:07:55.700" v="3549" actId="207"/>
+          <ac:spMkLst>
+            <pc:docMk/>
+            <pc:sldMk cId="3201725807" sldId="259"/>
+            <ac:spMk id="4" creationId="{0713386E-3D87-F6E5-800D-3A2CD6834303}"/>
+          </ac:spMkLst>
+        </pc:spChg>
+        <pc:spChg chg="add mod">
+          <ac:chgData name="明阳 阮" userId="a4dcf2889a22c6f9" providerId="LiveId" clId="{389D68A1-24FC-423B-B5DD-8195EC5F55C7}" dt="2023-10-23T04:28:11.962" v="1296" actId="1035"/>
+          <ac:spMkLst>
+            <pc:docMk/>
+            <pc:sldMk cId="3201725807" sldId="259"/>
+            <ac:spMk id="5" creationId="{89B44676-E98A-C75E-0DFB-AADCBF578DFE}"/>
+          </ac:spMkLst>
+        </pc:spChg>
+        <pc:spChg chg="add mod">
+          <ac:chgData name="明阳 阮" userId="a4dcf2889a22c6f9" providerId="LiveId" clId="{389D68A1-24FC-423B-B5DD-8195EC5F55C7}" dt="2023-10-26T03:07:51.112" v="3548" actId="207"/>
+          <ac:spMkLst>
+            <pc:docMk/>
+            <pc:sldMk cId="3201725807" sldId="259"/>
+            <ac:spMk id="6" creationId="{139A5E12-0D23-33FA-6A96-EC99AA1AD0BD}"/>
+          </ac:spMkLst>
+        </pc:spChg>
+        <pc:spChg chg="add mod">
+          <ac:chgData name="明阳 阮" userId="a4dcf2889a22c6f9" providerId="LiveId" clId="{389D68A1-24FC-423B-B5DD-8195EC5F55C7}" dt="2023-10-23T04:28:11.962" v="1296" actId="1035"/>
+          <ac:spMkLst>
+            <pc:docMk/>
+            <pc:sldMk cId="3201725807" sldId="259"/>
+            <ac:spMk id="8" creationId="{688B5EEE-8CAB-33BE-D7A1-7C66AFD09785}"/>
+          </ac:spMkLst>
+        </pc:spChg>
+        <pc:spChg chg="add mod">
+          <ac:chgData name="明阳 阮" userId="a4dcf2889a22c6f9" providerId="LiveId" clId="{389D68A1-24FC-423B-B5DD-8195EC5F55C7}" dt="2023-10-23T04:28:11.962" v="1296" actId="1035"/>
+          <ac:spMkLst>
+            <pc:docMk/>
+            <pc:sldMk cId="3201725807" sldId="259"/>
+            <ac:spMk id="9" creationId="{F1E0D209-5930-91CE-BC84-E8C771DFC13D}"/>
           </ac:spMkLst>
         </pc:spChg>
         <pc:spChg chg="add del mod">
-          <ac:chgData name="明阳 阮" userId="a4dcf2889a22c6f9" providerId="LiveId" clId="{607C1844-05CD-4CC9-972F-CAE573386568}" dt="2023-12-02T12:24:53.003" v="20" actId="478"/>
-          <ac:spMkLst>
-            <pc:docMk/>
-            <pc:sldMk cId="2493423417" sldId="270"/>
-            <ac:spMk id="11" creationId="{718015CC-5F11-C724-8274-80B8E76CB3A0}"/>
+          <ac:chgData name="明阳 阮" userId="a4dcf2889a22c6f9" providerId="LiveId" clId="{389D68A1-24FC-423B-B5DD-8195EC5F55C7}" dt="2023-10-23T03:22:55.191" v="500" actId="478"/>
+          <ac:spMkLst>
+            <pc:docMk/>
+            <pc:sldMk cId="3201725807" sldId="259"/>
+            <ac:spMk id="10" creationId="{52C927CD-2492-A5A0-16FA-88C9D7D883F7}"/>
+          </ac:spMkLst>
+        </pc:spChg>
+        <pc:spChg chg="add mod">
+          <ac:chgData name="明阳 阮" userId="a4dcf2889a22c6f9" providerId="LiveId" clId="{389D68A1-24FC-423B-B5DD-8195EC5F55C7}" dt="2023-10-25T08:57:15.790" v="2804" actId="20577"/>
+          <ac:spMkLst>
+            <pc:docMk/>
+            <pc:sldMk cId="3201725807" sldId="259"/>
+            <ac:spMk id="10" creationId="{E37A0931-9E93-2FF7-561B-E949B1C28A74}"/>
+          </ac:spMkLst>
+        </pc:spChg>
+        <pc:spChg chg="add mod">
+          <ac:chgData name="明阳 阮" userId="a4dcf2889a22c6f9" providerId="LiveId" clId="{389D68A1-24FC-423B-B5DD-8195EC5F55C7}" dt="2023-10-26T03:06:57.116" v="3544" actId="207"/>
+          <ac:spMkLst>
+            <pc:docMk/>
+            <pc:sldMk cId="3201725807" sldId="259"/>
+            <ac:spMk id="11" creationId="{CBC1A570-59EF-0490-D476-366281C00381}"/>
+          </ac:spMkLst>
+        </pc:spChg>
+        <pc:spChg chg="add mod ord">
+          <ac:chgData name="明阳 阮" userId="a4dcf2889a22c6f9" providerId="LiveId" clId="{389D68A1-24FC-423B-B5DD-8195EC5F55C7}" dt="2023-10-26T01:55:59.096" v="2935" actId="20577"/>
+          <ac:spMkLst>
+            <pc:docMk/>
+            <pc:sldMk cId="3201725807" sldId="259"/>
+            <ac:spMk id="12" creationId="{F038348A-D60B-B86A-564E-7EF05819C350}"/>
+          </ac:spMkLst>
+        </pc:spChg>
+        <pc:spChg chg="add mod">
+          <ac:chgData name="明阳 阮" userId="a4dcf2889a22c6f9" providerId="LiveId" clId="{389D68A1-24FC-423B-B5DD-8195EC5F55C7}" dt="2023-10-26T03:06:46.302" v="3543" actId="207"/>
+          <ac:spMkLst>
+            <pc:docMk/>
+            <pc:sldMk cId="3201725807" sldId="259"/>
+            <ac:spMk id="13" creationId="{74AA54DD-C59C-AD7E-3C1D-61A86DD3398A}"/>
+          </ac:spMkLst>
+        </pc:spChg>
+        <pc:spChg chg="add mod">
+          <ac:chgData name="明阳 阮" userId="a4dcf2889a22c6f9" providerId="LiveId" clId="{389D68A1-24FC-423B-B5DD-8195EC5F55C7}" dt="2023-10-23T04:28:11.962" v="1296" actId="1035"/>
+          <ac:spMkLst>
+            <pc:docMk/>
+            <pc:sldMk cId="3201725807" sldId="259"/>
+            <ac:spMk id="15" creationId="{6639A8ED-A53B-970E-38D2-6E14DD8F9F6E}"/>
+          </ac:spMkLst>
+        </pc:spChg>
+        <pc:spChg chg="add mod">
+          <ac:chgData name="明阳 阮" userId="a4dcf2889a22c6f9" providerId="LiveId" clId="{389D68A1-24FC-423B-B5DD-8195EC5F55C7}" dt="2023-10-23T04:28:11.962" v="1296" actId="1035"/>
+          <ac:spMkLst>
+            <pc:docMk/>
+            <pc:sldMk cId="3201725807" sldId="259"/>
+            <ac:spMk id="16" creationId="{463AB41A-AB1A-9273-F0D5-B2C4B35E8C2B}"/>
           </ac:spMkLst>
         </pc:spChg>
         <pc:spChg chg="add del mod">
-          <ac:chgData name="明阳 阮" userId="a4dcf2889a22c6f9" providerId="LiveId" clId="{607C1844-05CD-4CC9-972F-CAE573386568}" dt="2023-12-05T05:47:53.353" v="1348" actId="21"/>
-          <ac:spMkLst>
-            <pc:docMk/>
-            <pc:sldMk cId="2493423417" sldId="270"/>
-            <ac:spMk id="11" creationId="{9D357787-AD94-2375-6216-B7F5630D4297}"/>
+          <ac:chgData name="明阳 阮" userId="a4dcf2889a22c6f9" providerId="LiveId" clId="{389D68A1-24FC-423B-B5DD-8195EC5F55C7}" dt="2023-10-25T08:57:06.979" v="2788" actId="478"/>
+          <ac:spMkLst>
+            <pc:docMk/>
+            <pc:sldMk cId="3201725807" sldId="259"/>
+            <ac:spMk id="17" creationId="{AF7D8635-5B67-0977-1BB3-4EA7A977A15B}"/>
+          </ac:spMkLst>
+        </pc:spChg>
+        <pc:spChg chg="add mod">
+          <ac:chgData name="明阳 阮" userId="a4dcf2889a22c6f9" providerId="LiveId" clId="{389D68A1-24FC-423B-B5DD-8195EC5F55C7}" dt="2023-10-24T06:44:30.352" v="2024" actId="1076"/>
+          <ac:spMkLst>
+            <pc:docMk/>
+            <pc:sldMk cId="3201725807" sldId="259"/>
+            <ac:spMk id="18" creationId="{D8DB7BE6-8413-BA1B-5E6D-5F2EDF47C557}"/>
           </ac:spMkLst>
         </pc:spChg>
         <pc:spChg chg="add del mod">
-          <ac:chgData name="明阳 阮" userId="a4dcf2889a22c6f9" providerId="LiveId" clId="{607C1844-05CD-4CC9-972F-CAE573386568}" dt="2023-12-05T05:47:53.353" v="1348" actId="21"/>
-          <ac:spMkLst>
-            <pc:docMk/>
-            <pc:sldMk cId="2493423417" sldId="270"/>
-            <ac:spMk id="12" creationId="{0B5F5089-9ED3-ACDB-2303-52191A491A57}"/>
-          </ac:spMkLst>
-        </pc:spChg>
-        <pc:spChg chg="add mod topLvl">
-          <ac:chgData name="明阳 阮" userId="a4dcf2889a22c6f9" providerId="LiveId" clId="{607C1844-05CD-4CC9-972F-CAE573386568}" dt="2023-12-03T07:15:51.515" v="557" actId="164"/>
-          <ac:spMkLst>
-            <pc:docMk/>
-            <pc:sldMk cId="2493423417" sldId="270"/>
-            <ac:spMk id="12" creationId="{3CA0D313-7039-012F-6055-A7B440F2F8B3}"/>
+          <ac:chgData name="明阳 阮" userId="a4dcf2889a22c6f9" providerId="LiveId" clId="{389D68A1-24FC-423B-B5DD-8195EC5F55C7}" dt="2023-10-23T03:21:21.753" v="485" actId="478"/>
+          <ac:spMkLst>
+            <pc:docMk/>
+            <pc:sldMk cId="3201725807" sldId="259"/>
+            <ac:spMk id="18" creationId="{FEDDF7FC-D669-A0F5-727D-73D1CEC69F67}"/>
+          </ac:spMkLst>
+        </pc:spChg>
+        <pc:spChg chg="add mod">
+          <ac:chgData name="明阳 阮" userId="a4dcf2889a22c6f9" providerId="LiveId" clId="{389D68A1-24FC-423B-B5DD-8195EC5F55C7}" dt="2023-10-23T04:28:11.962" v="1296" actId="1035"/>
+          <ac:spMkLst>
+            <pc:docMk/>
+            <pc:sldMk cId="3201725807" sldId="259"/>
+            <ac:spMk id="19" creationId="{AE58E0E0-363E-8D58-F559-EE5D763C0711}"/>
+          </ac:spMkLst>
+        </pc:spChg>
+        <pc:spChg chg="add mod">
+          <ac:chgData name="明阳 阮" userId="a4dcf2889a22c6f9" providerId="LiveId" clId="{389D68A1-24FC-423B-B5DD-8195EC5F55C7}" dt="2023-10-23T04:28:11.962" v="1296" actId="1035"/>
+          <ac:spMkLst>
+            <pc:docMk/>
+            <pc:sldMk cId="3201725807" sldId="259"/>
+            <ac:spMk id="22" creationId="{77BF3E54-E5C3-DC94-BE1D-6CC67D00D3C9}"/>
+          </ac:spMkLst>
+        </pc:spChg>
+        <pc:spChg chg="add mod">
+          <ac:chgData name="明阳 阮" userId="a4dcf2889a22c6f9" providerId="LiveId" clId="{389D68A1-24FC-423B-B5DD-8195EC5F55C7}" dt="2023-10-26T03:07:05.483" v="3545" actId="207"/>
+          <ac:spMkLst>
+            <pc:docMk/>
+            <pc:sldMk cId="3201725807" sldId="259"/>
+            <ac:spMk id="23" creationId="{E888E348-8933-7B5C-49FD-755501BF78A1}"/>
+          </ac:spMkLst>
+        </pc:spChg>
+        <pc:spChg chg="add mod">
+          <ac:chgData name="明阳 阮" userId="a4dcf2889a22c6f9" providerId="LiveId" clId="{389D68A1-24FC-423B-B5DD-8195EC5F55C7}" dt="2023-10-26T03:06:45.769" v="3542" actId="207"/>
+          <ac:spMkLst>
+            <pc:docMk/>
+            <pc:sldMk cId="3201725807" sldId="259"/>
+            <ac:spMk id="24" creationId="{FDA1C4BA-1D11-2733-A9AC-540EA6990120}"/>
+          </ac:spMkLst>
+        </pc:spChg>
+        <pc:spChg chg="add mod">
+          <ac:chgData name="明阳 阮" userId="a4dcf2889a22c6f9" providerId="LiveId" clId="{389D68A1-24FC-423B-B5DD-8195EC5F55C7}" dt="2023-10-23T04:28:11.962" v="1296" actId="1035"/>
+          <ac:spMkLst>
+            <pc:docMk/>
+            <pc:sldMk cId="3201725807" sldId="259"/>
+            <ac:spMk id="26" creationId="{54D1DFAC-48FB-62B7-FFB3-DD940095707C}"/>
+          </ac:spMkLst>
+        </pc:spChg>
+        <pc:spChg chg="add mod">
+          <ac:chgData name="明阳 阮" userId="a4dcf2889a22c6f9" providerId="LiveId" clId="{389D68A1-24FC-423B-B5DD-8195EC5F55C7}" dt="2023-10-23T04:28:11.962" v="1296" actId="1035"/>
+          <ac:spMkLst>
+            <pc:docMk/>
+            <pc:sldMk cId="3201725807" sldId="259"/>
+            <ac:spMk id="27" creationId="{21D81905-FED0-A79F-106A-104A122EBF37}"/>
+          </ac:spMkLst>
+        </pc:spChg>
+        <pc:spChg chg="add mod">
+          <ac:chgData name="明阳 阮" userId="a4dcf2889a22c6f9" providerId="LiveId" clId="{389D68A1-24FC-423B-B5DD-8195EC5F55C7}" dt="2023-10-25T08:55:50.696" v="2779" actId="1076"/>
+          <ac:spMkLst>
+            <pc:docMk/>
+            <pc:sldMk cId="3201725807" sldId="259"/>
+            <ac:spMk id="28" creationId="{D9AFD9A5-BB7F-8B8B-34FA-A8FDAD790BD1}"/>
           </ac:spMkLst>
         </pc:spChg>
         <pc:spChg chg="add del mod">
-          <ac:chgData name="明阳 阮" userId="a4dcf2889a22c6f9" providerId="LiveId" clId="{607C1844-05CD-4CC9-972F-CAE573386568}" dt="2023-12-02T12:24:53.003" v="20" actId="478"/>
-          <ac:spMkLst>
-            <pc:docMk/>
-            <pc:sldMk cId="2493423417" sldId="270"/>
-            <ac:spMk id="12" creationId="{DD7DFA06-CAE0-6946-0EBE-EF234F65F672}"/>
+          <ac:chgData name="明阳 阮" userId="a4dcf2889a22c6f9" providerId="LiveId" clId="{389D68A1-24FC-423B-B5DD-8195EC5F55C7}" dt="2023-10-23T04:21:00.799" v="894" actId="478"/>
+          <ac:spMkLst>
+            <pc:docMk/>
+            <pc:sldMk cId="3201725807" sldId="259"/>
+            <ac:spMk id="29" creationId="{8B139622-BFC0-C918-E2C9-28756073B0AA}"/>
+          </ac:spMkLst>
+        </pc:spChg>
+        <pc:spChg chg="add mod">
+          <ac:chgData name="明阳 阮" userId="a4dcf2889a22c6f9" providerId="LiveId" clId="{389D68A1-24FC-423B-B5DD-8195EC5F55C7}" dt="2023-10-26T02:21:00.960" v="3206" actId="20577"/>
+          <ac:spMkLst>
+            <pc:docMk/>
+            <pc:sldMk cId="3201725807" sldId="259"/>
+            <ac:spMk id="30" creationId="{9FFAD867-0EE9-D0CC-E693-E08AF68EEFBB}"/>
           </ac:spMkLst>
         </pc:spChg>
         <pc:spChg chg="add del mod">
-          <ac:chgData name="明阳 阮" userId="a4dcf2889a22c6f9" providerId="LiveId" clId="{607C1844-05CD-4CC9-972F-CAE573386568}" dt="2023-12-02T12:24:53.003" v="20" actId="478"/>
-          <ac:spMkLst>
-            <pc:docMk/>
-            <pc:sldMk cId="2493423417" sldId="270"/>
-            <ac:spMk id="13" creationId="{7A51E310-D576-D5C1-BDE7-D265C8FE342F}"/>
-          </ac:spMkLst>
-        </pc:spChg>
-        <pc:spChg chg="add del mod">
-          <ac:chgData name="明阳 阮" userId="a4dcf2889a22c6f9" providerId="LiveId" clId="{607C1844-05CD-4CC9-972F-CAE573386568}" dt="2023-12-05T05:47:53.353" v="1348" actId="21"/>
-          <ac:spMkLst>
-            <pc:docMk/>
-            <pc:sldMk cId="2493423417" sldId="270"/>
-            <ac:spMk id="13" creationId="{B54726AA-E1EA-512C-F48E-2CF36763C53E}"/>
-          </ac:spMkLst>
-        </pc:spChg>
-        <pc:spChg chg="add del mod">
-          <ac:chgData name="明阳 阮" userId="a4dcf2889a22c6f9" providerId="LiveId" clId="{607C1844-05CD-4CC9-972F-CAE573386568}" dt="2023-12-05T05:47:53.353" v="1348" actId="21"/>
-          <ac:spMkLst>
-            <pc:docMk/>
-            <pc:sldMk cId="2493423417" sldId="270"/>
-            <ac:spMk id="14" creationId="{83D29929-F498-0403-EC7C-9E8A60E14058}"/>
-          </ac:spMkLst>
-        </pc:spChg>
-        <pc:spChg chg="add del mod">
-          <ac:chgData name="明阳 阮" userId="a4dcf2889a22c6f9" providerId="LiveId" clId="{607C1844-05CD-4CC9-972F-CAE573386568}" dt="2023-12-02T12:24:53.003" v="20" actId="478"/>
-          <ac:spMkLst>
-            <pc:docMk/>
-            <pc:sldMk cId="2493423417" sldId="270"/>
-            <ac:spMk id="14" creationId="{C150437D-3FF1-F92B-E9E7-95CCB034E6D7}"/>
-          </ac:spMkLst>
-        </pc:spChg>
-        <pc:spChg chg="add del mod">
-          <ac:chgData name="明阳 阮" userId="a4dcf2889a22c6f9" providerId="LiveId" clId="{607C1844-05CD-4CC9-972F-CAE573386568}" dt="2023-12-02T12:24:53.003" v="20" actId="478"/>
-          <ac:spMkLst>
-            <pc:docMk/>
-            <pc:sldMk cId="2493423417" sldId="270"/>
-            <ac:spMk id="15" creationId="{1E6D2780-7135-8D3D-C23A-E4E3AB60DFF9}"/>
-          </ac:spMkLst>
-        </pc:spChg>
-        <pc:spChg chg="add del mod">
-          <ac:chgData name="明阳 阮" userId="a4dcf2889a22c6f9" providerId="LiveId" clId="{607C1844-05CD-4CC9-972F-CAE573386568}" dt="2023-12-02T12:24:53.003" v="20" actId="478"/>
-          <ac:spMkLst>
-            <pc:docMk/>
-            <pc:sldMk cId="2493423417" sldId="270"/>
-            <ac:spMk id="16" creationId="{5FFA5315-4A71-8C6D-FAED-C4D43B4A1F7C}"/>
-          </ac:spMkLst>
-        </pc:spChg>
-        <pc:spChg chg="add del mod">
-          <ac:chgData name="明阳 阮" userId="a4dcf2889a22c6f9" providerId="LiveId" clId="{607C1844-05CD-4CC9-972F-CAE573386568}" dt="2023-12-02T12:27:39.754" v="135" actId="478"/>
-          <ac:spMkLst>
-            <pc:docMk/>
-            <pc:sldMk cId="2493423417" sldId="270"/>
-            <ac:spMk id="20" creationId="{F11A0C89-F0E7-D7FF-7ABA-7A1DEAA20085}"/>
-          </ac:spMkLst>
-        </pc:spChg>
-        <pc:spChg chg="add del mod">
-          <ac:chgData name="明阳 阮" userId="a4dcf2889a22c6f9" providerId="LiveId" clId="{607C1844-05CD-4CC9-972F-CAE573386568}" dt="2023-12-02T12:27:27.319" v="133" actId="478"/>
-          <ac:spMkLst>
-            <pc:docMk/>
-            <pc:sldMk cId="2493423417" sldId="270"/>
-            <ac:spMk id="21" creationId="{6348DD2E-53ED-E2CA-4CC3-0BF4106B5DA7}"/>
-          </ac:spMkLst>
-        </pc:spChg>
-        <pc:spChg chg="add del mod">
-          <ac:chgData name="明阳 阮" userId="a4dcf2889a22c6f9" providerId="LiveId" clId="{607C1844-05CD-4CC9-972F-CAE573386568}" dt="2023-12-02T12:27:39.754" v="135" actId="478"/>
-          <ac:spMkLst>
-            <pc:docMk/>
-            <pc:sldMk cId="2493423417" sldId="270"/>
-            <ac:spMk id="22" creationId="{479B14F8-5FA0-CBE7-BB54-39B638AAE28C}"/>
-          </ac:spMkLst>
-        </pc:spChg>
-        <pc:spChg chg="add del mod">
-          <ac:chgData name="明阳 阮" userId="a4dcf2889a22c6f9" providerId="LiveId" clId="{607C1844-05CD-4CC9-972F-CAE573386568}" dt="2023-12-02T12:27:42.647" v="136" actId="478"/>
-          <ac:spMkLst>
-            <pc:docMk/>
-            <pc:sldMk cId="2493423417" sldId="270"/>
-            <ac:spMk id="23" creationId="{27DEC337-6C92-B666-8E38-80DD5FD72D78}"/>
-          </ac:spMkLst>
-        </pc:spChg>
-        <pc:spChg chg="add del">
-          <ac:chgData name="明阳 阮" userId="a4dcf2889a22c6f9" providerId="LiveId" clId="{607C1844-05CD-4CC9-972F-CAE573386568}" dt="2023-12-03T05:56:58.903" v="313" actId="478"/>
-          <ac:spMkLst>
-            <pc:docMk/>
-            <pc:sldMk cId="2493423417" sldId="270"/>
-            <ac:spMk id="24" creationId="{0EF1C35B-946E-9757-67A0-A5F88814B845}"/>
-          </ac:spMkLst>
-        </pc:spChg>
-        <pc:spChg chg="add del mod">
-          <ac:chgData name="明阳 阮" userId="a4dcf2889a22c6f9" providerId="LiveId" clId="{607C1844-05CD-4CC9-972F-CAE573386568}" dt="2023-12-02T12:31:36.436" v="182" actId="478"/>
-          <ac:spMkLst>
-            <pc:docMk/>
-            <pc:sldMk cId="2493423417" sldId="270"/>
-            <ac:spMk id="24" creationId="{2432D950-6815-C825-4F34-993A5A310F29}"/>
-          </ac:spMkLst>
-        </pc:spChg>
-        <pc:spChg chg="add del mod">
-          <ac:chgData name="明阳 阮" userId="a4dcf2889a22c6f9" providerId="LiveId" clId="{607C1844-05CD-4CC9-972F-CAE573386568}" dt="2023-12-02T12:31:36.436" v="182" actId="478"/>
-          <ac:spMkLst>
-            <pc:docMk/>
-            <pc:sldMk cId="2493423417" sldId="270"/>
-            <ac:spMk id="25" creationId="{FE12A48B-449F-1634-238F-9515630A2848}"/>
-          </ac:spMkLst>
-        </pc:spChg>
-        <pc:spChg chg="add del mod">
-          <ac:chgData name="明阳 阮" userId="a4dcf2889a22c6f9" providerId="LiveId" clId="{607C1844-05CD-4CC9-972F-CAE573386568}" dt="2023-12-02T12:31:36.436" v="182" actId="478"/>
-          <ac:spMkLst>
-            <pc:docMk/>
-            <pc:sldMk cId="2493423417" sldId="270"/>
-            <ac:spMk id="26" creationId="{E06E7379-19B8-0F23-1BAB-09C195919F01}"/>
-          </ac:spMkLst>
-        </pc:spChg>
-        <pc:spChg chg="add del mod">
-          <ac:chgData name="明阳 阮" userId="a4dcf2889a22c6f9" providerId="LiveId" clId="{607C1844-05CD-4CC9-972F-CAE573386568}" dt="2023-12-02T12:31:36.436" v="182" actId="478"/>
-          <ac:spMkLst>
-            <pc:docMk/>
-            <pc:sldMk cId="2493423417" sldId="270"/>
-            <ac:spMk id="27" creationId="{A195F0FF-8C15-C7A2-514D-519342A05DC9}"/>
-          </ac:spMkLst>
-        </pc:spChg>
-        <pc:spChg chg="add del mod">
-          <ac:chgData name="明阳 阮" userId="a4dcf2889a22c6f9" providerId="LiveId" clId="{607C1844-05CD-4CC9-972F-CAE573386568}" dt="2023-12-02T12:31:36.436" v="182" actId="478"/>
-          <ac:spMkLst>
-            <pc:docMk/>
-            <pc:sldMk cId="2493423417" sldId="270"/>
-            <ac:spMk id="28" creationId="{9B6E5A1D-2821-6E93-A86B-CC5935664436}"/>
-          </ac:spMkLst>
-        </pc:spChg>
-        <pc:spChg chg="add del mod">
-          <ac:chgData name="明阳 阮" userId="a4dcf2889a22c6f9" providerId="LiveId" clId="{607C1844-05CD-4CC9-972F-CAE573386568}" dt="2023-12-02T12:31:36.436" v="182" actId="478"/>
-          <ac:spMkLst>
-            <pc:docMk/>
-            <pc:sldMk cId="2493423417" sldId="270"/>
-            <ac:spMk id="29" creationId="{1F2DEC8A-5282-8219-3922-4792814208DA}"/>
-          </ac:spMkLst>
-        </pc:spChg>
-        <pc:spChg chg="add del mod">
-          <ac:chgData name="明阳 阮" userId="a4dcf2889a22c6f9" providerId="LiveId" clId="{607C1844-05CD-4CC9-972F-CAE573386568}" dt="2023-12-05T05:47:53.353" v="1348" actId="21"/>
-          <ac:spMkLst>
-            <pc:docMk/>
-            <pc:sldMk cId="2493423417" sldId="270"/>
-            <ac:spMk id="41" creationId="{B90E3A21-4A3B-1E3E-5DC9-0E78045BF514}"/>
-          </ac:spMkLst>
-        </pc:spChg>
-        <pc:spChg chg="add del mod">
-          <ac:chgData name="明阳 阮" userId="a4dcf2889a22c6f9" providerId="LiveId" clId="{607C1844-05CD-4CC9-972F-CAE573386568}" dt="2023-12-05T05:47:53.353" v="1348" actId="21"/>
-          <ac:spMkLst>
-            <pc:docMk/>
-            <pc:sldMk cId="2493423417" sldId="270"/>
-            <ac:spMk id="42" creationId="{54074648-825C-5246-DEC8-509B219B83C6}"/>
-          </ac:spMkLst>
-        </pc:spChg>
-        <pc:spChg chg="add del mod">
-          <ac:chgData name="明阳 阮" userId="a4dcf2889a22c6f9" providerId="LiveId" clId="{607C1844-05CD-4CC9-972F-CAE573386568}" dt="2023-12-05T05:47:53.353" v="1348" actId="21"/>
-          <ac:spMkLst>
-            <pc:docMk/>
-            <pc:sldMk cId="2493423417" sldId="270"/>
-            <ac:spMk id="43" creationId="{0EA0D1FA-35AC-120F-0F6A-1EFA314BD454}"/>
-          </ac:spMkLst>
-        </pc:spChg>
-        <pc:spChg chg="add del mod">
-          <ac:chgData name="明阳 阮" userId="a4dcf2889a22c6f9" providerId="LiveId" clId="{607C1844-05CD-4CC9-972F-CAE573386568}" dt="2023-12-05T05:47:53.353" v="1348" actId="21"/>
-          <ac:spMkLst>
-            <pc:docMk/>
-            <pc:sldMk cId="2493423417" sldId="270"/>
-            <ac:spMk id="44" creationId="{6203831A-2CBF-B168-4451-68B42B3313BD}"/>
-          </ac:spMkLst>
-        </pc:spChg>
-        <pc:spChg chg="add del mod">
-          <ac:chgData name="明阳 阮" userId="a4dcf2889a22c6f9" providerId="LiveId" clId="{607C1844-05CD-4CC9-972F-CAE573386568}" dt="2023-12-05T05:47:53.353" v="1348" actId="21"/>
-          <ac:spMkLst>
-            <pc:docMk/>
-            <pc:sldMk cId="2493423417" sldId="270"/>
-            <ac:spMk id="45" creationId="{8F37C929-3AF5-5996-8121-E3EAE72E86B0}"/>
-          </ac:spMkLst>
-        </pc:spChg>
-        <pc:spChg chg="add del mod">
-          <ac:chgData name="明阳 阮" userId="a4dcf2889a22c6f9" providerId="LiveId" clId="{607C1844-05CD-4CC9-972F-CAE573386568}" dt="2023-12-05T05:47:53.353" v="1348" actId="21"/>
-          <ac:spMkLst>
-            <pc:docMk/>
-            <pc:sldMk cId="2493423417" sldId="270"/>
-            <ac:spMk id="46" creationId="{3DB30F4C-78E7-5F53-3E74-63D87A7C64E7}"/>
-          </ac:spMkLst>
-        </pc:spChg>
-        <pc:spChg chg="add del mod">
-          <ac:chgData name="明阳 阮" userId="a4dcf2889a22c6f9" providerId="LiveId" clId="{607C1844-05CD-4CC9-972F-CAE573386568}" dt="2023-12-05T05:47:53.353" v="1348" actId="21"/>
-          <ac:spMkLst>
-            <pc:docMk/>
-            <pc:sldMk cId="2493423417" sldId="270"/>
-            <ac:spMk id="47" creationId="{6279E50A-C290-2C1D-4036-8F796BC63440}"/>
-          </ac:spMkLst>
-        </pc:spChg>
-        <pc:spChg chg="add del mod">
-          <ac:chgData name="明阳 阮" userId="a4dcf2889a22c6f9" providerId="LiveId" clId="{607C1844-05CD-4CC9-972F-CAE573386568}" dt="2023-12-05T05:47:53.353" v="1348" actId="21"/>
-          <ac:spMkLst>
-            <pc:docMk/>
-            <pc:sldMk cId="2493423417" sldId="270"/>
-            <ac:spMk id="48" creationId="{D744A6A8-A21D-76F9-CA4D-A884B0970F4A}"/>
-          </ac:spMkLst>
-        </pc:spChg>
-        <pc:grpChg chg="add del mod">
-          <ac:chgData name="明阳 阮" userId="a4dcf2889a22c6f9" providerId="LiveId" clId="{607C1844-05CD-4CC9-972F-CAE573386568}" dt="2023-12-03T05:52:20.264" v="275" actId="165"/>
-          <ac:grpSpMkLst>
-            <pc:docMk/>
-            <pc:sldMk cId="2493423417" sldId="270"/>
-            <ac:grpSpMk id="13" creationId="{47C9E7FF-4220-3B82-6DB6-664156B944B7}"/>
-          </ac:grpSpMkLst>
-        </pc:grpChg>
-        <pc:grpChg chg="add del mod">
-          <ac:chgData name="明阳 阮" userId="a4dcf2889a22c6f9" providerId="LiveId" clId="{607C1844-05CD-4CC9-972F-CAE573386568}" dt="2023-12-03T05:58:20.016" v="320" actId="165"/>
-          <ac:grpSpMkLst>
-            <pc:docMk/>
-            <pc:sldMk cId="2493423417" sldId="270"/>
-            <ac:grpSpMk id="25" creationId="{EE81EF02-6E41-542B-512B-BFFC4C5A0736}"/>
-          </ac:grpSpMkLst>
-        </pc:grpChg>
-        <pc:grpChg chg="add del mod">
-          <ac:chgData name="明阳 阮" userId="a4dcf2889a22c6f9" providerId="LiveId" clId="{607C1844-05CD-4CC9-972F-CAE573386568}" dt="2023-12-03T06:00:22.970" v="341" actId="165"/>
-          <ac:grpSpMkLst>
-            <pc:docMk/>
-            <pc:sldMk cId="2493423417" sldId="270"/>
-            <ac:grpSpMk id="26" creationId="{0508283E-40AB-0BE2-ABE7-D98A3D14D3A5}"/>
-          </ac:grpSpMkLst>
-        </pc:grpChg>
-        <pc:grpChg chg="add del mod">
-          <ac:chgData name="明阳 阮" userId="a4dcf2889a22c6f9" providerId="LiveId" clId="{607C1844-05CD-4CC9-972F-CAE573386568}" dt="2023-12-03T06:03:19.161" v="369" actId="165"/>
-          <ac:grpSpMkLst>
-            <pc:docMk/>
-            <pc:sldMk cId="2493423417" sldId="270"/>
-            <ac:grpSpMk id="35" creationId="{3360A1BB-74DA-1DD9-397C-99E68569FDCE}"/>
-          </ac:grpSpMkLst>
-        </pc:grpChg>
-        <pc:grpChg chg="add del mod">
-          <ac:chgData name="明阳 阮" userId="a4dcf2889a22c6f9" providerId="LiveId" clId="{607C1844-05CD-4CC9-972F-CAE573386568}" dt="2023-12-03T07:08:23.966" v="512" actId="165"/>
-          <ac:grpSpMkLst>
-            <pc:docMk/>
-            <pc:sldMk cId="2493423417" sldId="270"/>
-            <ac:grpSpMk id="52" creationId="{1BE78DB7-E48B-C880-4DFD-B0890AB26DF1}"/>
-          </ac:grpSpMkLst>
-        </pc:grpChg>
-        <pc:grpChg chg="add del mod">
-          <ac:chgData name="明阳 阮" userId="a4dcf2889a22c6f9" providerId="LiveId" clId="{607C1844-05CD-4CC9-972F-CAE573386568}" dt="2023-12-04T04:27:11.041" v="779" actId="478"/>
-          <ac:grpSpMkLst>
-            <pc:docMk/>
-            <pc:sldMk cId="2493423417" sldId="270"/>
-            <ac:grpSpMk id="57" creationId="{EB1245DE-8FC5-DEE1-6D15-08879D01A112}"/>
-          </ac:grpSpMkLst>
-        </pc:grpChg>
-        <pc:picChg chg="add del mod">
-          <ac:chgData name="明阳 阮" userId="a4dcf2889a22c6f9" providerId="LiveId" clId="{607C1844-05CD-4CC9-972F-CAE573386568}" dt="2023-12-03T10:33:38.646" v="747" actId="21"/>
-          <ac:picMkLst>
-            <pc:docMk/>
-            <pc:sldMk cId="2493423417" sldId="270"/>
-            <ac:picMk id="2" creationId="{3788C984-15CA-39FA-EA1E-38A7EFB91417}"/>
-          </ac:picMkLst>
-        </pc:picChg>
-        <pc:picChg chg="add mod">
-          <ac:chgData name="明阳 阮" userId="a4dcf2889a22c6f9" providerId="LiveId" clId="{607C1844-05CD-4CC9-972F-CAE573386568}" dt="2023-12-05T10:54:47.567" v="2386" actId="1076"/>
-          <ac:picMkLst>
-            <pc:docMk/>
-            <pc:sldMk cId="2493423417" sldId="270"/>
-            <ac:picMk id="2" creationId="{7050B2D7-E5CC-D414-5127-D0250484A35B}"/>
-          </ac:picMkLst>
-        </pc:picChg>
-        <pc:picChg chg="add del mod modCrop">
-          <ac:chgData name="明阳 阮" userId="a4dcf2889a22c6f9" providerId="LiveId" clId="{607C1844-05CD-4CC9-972F-CAE573386568}" dt="2023-12-04T06:01:16.495" v="1096" actId="21"/>
-          <ac:picMkLst>
-            <pc:docMk/>
-            <pc:sldMk cId="2493423417" sldId="270"/>
-            <ac:picMk id="7" creationId="{8CB58A4B-0FD5-51A2-B281-65BD9D38334D}"/>
-          </ac:picMkLst>
-        </pc:picChg>
-        <pc:picChg chg="add del mod topLvl modCrop">
-          <ac:chgData name="明阳 阮" userId="a4dcf2889a22c6f9" providerId="LiveId" clId="{607C1844-05CD-4CC9-972F-CAE573386568}" dt="2023-12-03T07:08:25.683" v="513" actId="478"/>
-          <ac:picMkLst>
-            <pc:docMk/>
-            <pc:sldMk cId="2493423417" sldId="270"/>
-            <ac:picMk id="40" creationId="{4D2210D6-3E3A-A7A9-A076-F61912EF0263}"/>
-          </ac:picMkLst>
-        </pc:picChg>
-        <pc:picChg chg="add del mod modCrop">
-          <ac:chgData name="明阳 阮" userId="a4dcf2889a22c6f9" providerId="LiveId" clId="{607C1844-05CD-4CC9-972F-CAE573386568}" dt="2023-12-03T07:11:17.578" v="518" actId="21"/>
-          <ac:picMkLst>
-            <pc:docMk/>
-            <pc:sldMk cId="2493423417" sldId="270"/>
-            <ac:picMk id="54" creationId="{5F1897DC-A7C5-E4C0-6478-06CC45188857}"/>
-          </ac:picMkLst>
-        </pc:picChg>
-        <pc:picChg chg="add mod modCrop">
-          <ac:chgData name="明阳 阮" userId="a4dcf2889a22c6f9" providerId="LiveId" clId="{607C1844-05CD-4CC9-972F-CAE573386568}" dt="2023-12-03T07:15:51.515" v="557" actId="164"/>
-          <ac:picMkLst>
-            <pc:docMk/>
-            <pc:sldMk cId="2493423417" sldId="270"/>
-            <ac:picMk id="56" creationId="{99C189C5-D21B-8206-5FA7-A876516AE352}"/>
-          </ac:picMkLst>
-        </pc:picChg>
-        <pc:cxnChg chg="add del mod">
-          <ac:chgData name="明阳 阮" userId="a4dcf2889a22c6f9" providerId="LiveId" clId="{607C1844-05CD-4CC9-972F-CAE573386568}" dt="2023-12-02T12:34:16.830" v="237" actId="478"/>
+          <ac:chgData name="明阳 阮" userId="a4dcf2889a22c6f9" providerId="LiveId" clId="{389D68A1-24FC-423B-B5DD-8195EC5F55C7}" dt="2023-10-26T01:11:44.659" v="2828" actId="478"/>
+          <ac:spMkLst>
+            <pc:docMk/>
+            <pc:sldMk cId="3201725807" sldId="259"/>
+            <ac:spMk id="31" creationId="{0C21EB6A-DB5F-9CDD-6808-E22FABFD191A}"/>
+          </ac:spMkLst>
+        </pc:spChg>
+        <pc:spChg chg="add mod">
+          <ac:chgData name="明阳 阮" userId="a4dcf2889a22c6f9" providerId="LiveId" clId="{389D68A1-24FC-423B-B5DD-8195EC5F55C7}" dt="2023-10-24T06:44:21.035" v="2023" actId="1076"/>
+          <ac:spMkLst>
+            <pc:docMk/>
+            <pc:sldMk cId="3201725807" sldId="259"/>
+            <ac:spMk id="32" creationId="{C7BCC147-5ACC-1DD8-3589-B958011A5496}"/>
+          </ac:spMkLst>
+        </pc:spChg>
+        <pc:cxnChg chg="add mod">
+          <ac:chgData name="明阳 阮" userId="a4dcf2889a22c6f9" providerId="LiveId" clId="{389D68A1-24FC-423B-B5DD-8195EC5F55C7}" dt="2023-10-23T04:28:11.962" v="1296" actId="1035"/>
           <ac:cxnSpMkLst>
             <pc:docMk/>
-            <pc:sldMk cId="2493423417" sldId="270"/>
-            <ac:cxnSpMk id="2" creationId="{4B37C691-507E-7CC0-29B8-1E5A5F3B3A0F}"/>
+            <pc:sldMk cId="3201725807" sldId="259"/>
+            <ac:cxnSpMk id="7" creationId="{58DC0279-B531-3393-DBC5-46F9E1214308}"/>
           </ac:cxnSpMkLst>
         </pc:cxnChg>
-        <pc:cxnChg chg="add del mod">
-          <ac:chgData name="明阳 阮" userId="a4dcf2889a22c6f9" providerId="LiveId" clId="{607C1844-05CD-4CC9-972F-CAE573386568}" dt="2023-12-04T11:14:24.009" v="1145" actId="478"/>
+        <pc:cxnChg chg="add del">
+          <ac:chgData name="明阳 阮" userId="a4dcf2889a22c6f9" providerId="LiveId" clId="{389D68A1-24FC-423B-B5DD-8195EC5F55C7}" dt="2023-10-24T06:33:26.868" v="2008" actId="11529"/>
           <ac:cxnSpMkLst>
             <pc:docMk/>
-            <pc:sldMk cId="2493423417" sldId="270"/>
-            <ac:cxnSpMk id="4" creationId="{3ECC8DB1-A7D1-F2A5-9893-CB8475AC5BFE}"/>
+            <pc:sldMk cId="3201725807" sldId="259"/>
+            <ac:cxnSpMk id="10" creationId="{D7395555-0D67-8EE4-559C-B2FEB2C628F3}"/>
           </ac:cxnSpMkLst>
         </pc:cxnChg>
-        <pc:cxnChg chg="add del mod">
-          <ac:chgData name="明阳 阮" userId="a4dcf2889a22c6f9" providerId="LiveId" clId="{607C1844-05CD-4CC9-972F-CAE573386568}" dt="2023-12-05T05:47:53.353" v="1348" actId="21"/>
+        <pc:cxnChg chg="add mod">
+          <ac:chgData name="明阳 阮" userId="a4dcf2889a22c6f9" providerId="LiveId" clId="{389D68A1-24FC-423B-B5DD-8195EC5F55C7}" dt="2023-10-23T04:28:11.962" v="1296" actId="1035"/>
           <ac:cxnSpMkLst>
             <pc:docMk/>
-            <pc:sldMk cId="2493423417" sldId="270"/>
-            <ac:cxnSpMk id="9" creationId="{A1D2F6F5-CED3-9B42-3542-DB8B6C98179B}"/>
+            <pc:sldMk cId="3201725807" sldId="259"/>
+            <ac:cxnSpMk id="14" creationId="{81F3C7A8-31E8-F23A-C255-0E65679E9AC6}"/>
           </ac:cxnSpMkLst>
         </pc:cxnChg>
-        <pc:cxnChg chg="add del mod">
-          <ac:chgData name="明阳 阮" userId="a4dcf2889a22c6f9" providerId="LiveId" clId="{607C1844-05CD-4CC9-972F-CAE573386568}" dt="2023-12-05T05:47:53.353" v="1348" actId="21"/>
+        <pc:cxnChg chg="add del">
+          <ac:chgData name="明阳 阮" userId="a4dcf2889a22c6f9" providerId="LiveId" clId="{389D68A1-24FC-423B-B5DD-8195EC5F55C7}" dt="2023-10-23T03:23:31.517" v="506" actId="478"/>
           <ac:cxnSpMkLst>
             <pc:docMk/>
-            <pc:sldMk cId="2493423417" sldId="270"/>
-            <ac:cxnSpMk id="10" creationId="{55459A3D-DE46-2204-2BD2-621F3CE966A1}"/>
+            <pc:sldMk cId="3201725807" sldId="259"/>
+            <ac:cxnSpMk id="21" creationId="{8D2784B5-785F-771F-9DF9-1A53AA7A8449}"/>
           </ac:cxnSpMkLst>
         </pc:cxnChg>
-        <pc:cxnChg chg="add del mod">
-          <ac:chgData name="明阳 阮" userId="a4dcf2889a22c6f9" providerId="LiveId" clId="{607C1844-05CD-4CC9-972F-CAE573386568}" dt="2023-12-02T12:34:18.992" v="238" actId="478"/>
+        <pc:cxnChg chg="add mod">
+          <ac:chgData name="明阳 阮" userId="a4dcf2889a22c6f9" providerId="LiveId" clId="{389D68A1-24FC-423B-B5DD-8195EC5F55C7}" dt="2023-10-23T04:28:11.962" v="1296" actId="1035"/>
           <ac:cxnSpMkLst>
             <pc:docMk/>
-            <pc:sldMk cId="2493423417" sldId="270"/>
-            <ac:cxnSpMk id="17" creationId="{E514BF4D-22B6-ED09-4399-7FD7D10EEA85}"/>
-          </ac:cxnSpMkLst>
-        </pc:cxnChg>
-        <pc:cxnChg chg="add del mod topLvl">
-          <ac:chgData name="明阳 阮" userId="a4dcf2889a22c6f9" providerId="LiveId" clId="{607C1844-05CD-4CC9-972F-CAE573386568}" dt="2023-12-03T05:54:24.897" v="293" actId="478"/>
-          <ac:cxnSpMkLst>
-            <pc:docMk/>
-            <pc:sldMk cId="2493423417" sldId="270"/>
-            <ac:cxnSpMk id="18" creationId="{A900D037-D52C-1774-EF60-82087A055CBF}"/>
-          </ac:cxnSpMkLst>
-        </pc:cxnChg>
-        <pc:cxnChg chg="add del mod">
-          <ac:chgData name="明阳 阮" userId="a4dcf2889a22c6f9" providerId="LiveId" clId="{607C1844-05CD-4CC9-972F-CAE573386568}" dt="2023-12-02T12:24:53.003" v="20" actId="478"/>
-          <ac:cxnSpMkLst>
-            <pc:docMk/>
-            <pc:sldMk cId="2493423417" sldId="270"/>
-            <ac:cxnSpMk id="19" creationId="{EB9FF85B-0153-4D9D-8C86-6E028B993F03}"/>
-          </ac:cxnSpMkLst>
-        </pc:cxnChg>
-        <pc:cxnChg chg="add del mod">
-          <ac:chgData name="明阳 阮" userId="a4dcf2889a22c6f9" providerId="LiveId" clId="{607C1844-05CD-4CC9-972F-CAE573386568}" dt="2023-12-03T05:55:32.186" v="301" actId="478"/>
-          <ac:cxnSpMkLst>
-            <pc:docMk/>
-            <pc:sldMk cId="2493423417" sldId="270"/>
-            <ac:cxnSpMk id="20" creationId="{F7347DAD-A1EB-FEFE-7D38-2FE889F9BA80}"/>
-          </ac:cxnSpMkLst>
-        </pc:cxnChg>
-        <pc:cxnChg chg="add del mod topLvl">
-          <ac:chgData name="明阳 阮" userId="a4dcf2889a22c6f9" providerId="LiveId" clId="{607C1844-05CD-4CC9-972F-CAE573386568}" dt="2023-12-03T06:02:23.823" v="363" actId="478"/>
-          <ac:cxnSpMkLst>
-            <pc:docMk/>
-            <pc:sldMk cId="2493423417" sldId="270"/>
-            <ac:cxnSpMk id="22" creationId="{2C69751F-DCE0-EE4A-15AE-53CAF762B94B}"/>
-          </ac:cxnSpMkLst>
-        </pc:cxnChg>
-        <pc:cxnChg chg="add del mod topLvl">
-          <ac:chgData name="明阳 阮" userId="a4dcf2889a22c6f9" providerId="LiveId" clId="{607C1844-05CD-4CC9-972F-CAE573386568}" dt="2023-12-03T06:00:34.456" v="344" actId="478"/>
-          <ac:cxnSpMkLst>
-            <pc:docMk/>
-            <pc:sldMk cId="2493423417" sldId="270"/>
-            <ac:cxnSpMk id="23" creationId="{3E5A0762-703D-70E2-55AE-48121E32408E}"/>
-          </ac:cxnSpMkLst>
-        </pc:cxnChg>
-        <pc:cxnChg chg="add del mod topLvl">
-          <ac:chgData name="明阳 阮" userId="a4dcf2889a22c6f9" providerId="LiveId" clId="{607C1844-05CD-4CC9-972F-CAE573386568}" dt="2023-12-03T06:04:07.762" v="374" actId="478"/>
-          <ac:cxnSpMkLst>
-            <pc:docMk/>
-            <pc:sldMk cId="2493423417" sldId="270"/>
-            <ac:cxnSpMk id="28" creationId="{9A91B31C-C4F0-166F-6517-50A44215D668}"/>
-          </ac:cxnSpMkLst>
-        </pc:cxnChg>
-        <pc:cxnChg chg="add del mod">
-          <ac:chgData name="明阳 阮" userId="a4dcf2889a22c6f9" providerId="LiveId" clId="{607C1844-05CD-4CC9-972F-CAE573386568}" dt="2023-12-03T06:02:21.636" v="362" actId="478"/>
-          <ac:cxnSpMkLst>
-            <pc:docMk/>
-            <pc:sldMk cId="2493423417" sldId="270"/>
-            <ac:cxnSpMk id="29" creationId="{803A3FF0-D8FF-C81B-B42A-3113EA3219DE}"/>
-          </ac:cxnSpMkLst>
-        </pc:cxnChg>
-        <pc:cxnChg chg="add del mod topLvl">
-          <ac:chgData name="明阳 阮" userId="a4dcf2889a22c6f9" providerId="LiveId" clId="{607C1844-05CD-4CC9-972F-CAE573386568}" dt="2023-12-03T06:06:05.356" v="416" actId="21"/>
-          <ac:cxnSpMkLst>
-            <pc:docMk/>
-            <pc:sldMk cId="2493423417" sldId="270"/>
-            <ac:cxnSpMk id="31" creationId="{40CB38EA-ED33-964F-9CFF-2719B4C8B77C}"/>
-          </ac:cxnSpMkLst>
-        </pc:cxnChg>
-        <pc:cxnChg chg="add del mod topLvl">
-          <ac:chgData name="明阳 阮" userId="a4dcf2889a22c6f9" providerId="LiveId" clId="{607C1844-05CD-4CC9-972F-CAE573386568}" dt="2023-12-03T06:00:31.986" v="343" actId="478"/>
-          <ac:cxnSpMkLst>
-            <pc:docMk/>
-            <pc:sldMk cId="2493423417" sldId="270"/>
-            <ac:cxnSpMk id="32" creationId="{EB310184-F448-D604-E963-4CCDCCE32C0B}"/>
-          </ac:cxnSpMkLst>
-        </pc:cxnChg>
-        <pc:cxnChg chg="add del mod topLvl">
-          <ac:chgData name="明阳 阮" userId="a4dcf2889a22c6f9" providerId="LiveId" clId="{607C1844-05CD-4CC9-972F-CAE573386568}" dt="2023-12-03T05:55:30.360" v="300" actId="478"/>
-          <ac:cxnSpMkLst>
-            <pc:docMk/>
-            <pc:sldMk cId="2493423417" sldId="270"/>
-            <ac:cxnSpMk id="33" creationId="{1F33FFC2-B419-3BC8-BD64-419F5FB321AB}"/>
-          </ac:cxnSpMkLst>
-        </pc:cxnChg>
-        <pc:cxnChg chg="add del mod topLvl">
-          <ac:chgData name="明阳 阮" userId="a4dcf2889a22c6f9" providerId="LiveId" clId="{607C1844-05CD-4CC9-972F-CAE573386568}" dt="2023-12-03T06:04:09.494" v="375" actId="478"/>
-          <ac:cxnSpMkLst>
-            <pc:docMk/>
-            <pc:sldMk cId="2493423417" sldId="270"/>
-            <ac:cxnSpMk id="34" creationId="{FE5125C8-5461-3D1A-126D-A8DC63BE048B}"/>
-          </ac:cxnSpMkLst>
-        </pc:cxnChg>
-        <pc:cxnChg chg="add del mod">
-          <ac:chgData name="明阳 阮" userId="a4dcf2889a22c6f9" providerId="LiveId" clId="{607C1844-05CD-4CC9-972F-CAE573386568}" dt="2023-12-03T06:06:05.356" v="416" actId="21"/>
-          <ac:cxnSpMkLst>
-            <pc:docMk/>
-            <pc:sldMk cId="2493423417" sldId="270"/>
-            <ac:cxnSpMk id="37" creationId="{077DEC13-3150-64FB-B43D-81F18F0D95DD}"/>
-          </ac:cxnSpMkLst>
-        </pc:cxnChg>
-        <pc:cxnChg chg="add del mod">
-          <ac:chgData name="明阳 阮" userId="a4dcf2889a22c6f9" providerId="LiveId" clId="{607C1844-05CD-4CC9-972F-CAE573386568}" dt="2023-12-03T06:06:05.356" v="416" actId="21"/>
-          <ac:cxnSpMkLst>
-            <pc:docMk/>
-            <pc:sldMk cId="2493423417" sldId="270"/>
-            <ac:cxnSpMk id="38" creationId="{4FAAB979-0D22-FB99-702C-40D67ECF5CD1}"/>
-          </ac:cxnSpMkLst>
-        </pc:cxnChg>
-        <pc:cxnChg chg="add del mod">
-          <ac:chgData name="明阳 阮" userId="a4dcf2889a22c6f9" providerId="LiveId" clId="{607C1844-05CD-4CC9-972F-CAE573386568}" dt="2023-12-05T05:47:53.353" v="1348" actId="21"/>
-          <ac:cxnSpMkLst>
-            <pc:docMk/>
-            <pc:sldMk cId="2493423417" sldId="270"/>
-            <ac:cxnSpMk id="49" creationId="{5E71DAFE-14A0-4508-D434-5802E1C09894}"/>
-          </ac:cxnSpMkLst>
-        </pc:cxnChg>
-        <pc:cxnChg chg="add del mod">
-          <ac:chgData name="明阳 阮" userId="a4dcf2889a22c6f9" providerId="LiveId" clId="{607C1844-05CD-4CC9-972F-CAE573386568}" dt="2023-12-04T11:14:22.500" v="1144" actId="478"/>
-          <ac:cxnSpMkLst>
-            <pc:docMk/>
-            <pc:sldMk cId="2493423417" sldId="270"/>
-            <ac:cxnSpMk id="50" creationId="{9905A8B1-A0F1-7751-C648-A43C6913D28C}"/>
-          </ac:cxnSpMkLst>
-        </pc:cxnChg>
-        <pc:cxnChg chg="add del mod">
-          <ac:chgData name="明阳 阮" userId="a4dcf2889a22c6f9" providerId="LiveId" clId="{607C1844-05CD-4CC9-972F-CAE573386568}" dt="2023-12-04T05:29:23.476" v="974" actId="478"/>
-          <ac:cxnSpMkLst>
-            <pc:docMk/>
-            <pc:sldMk cId="2493423417" sldId="270"/>
-            <ac:cxnSpMk id="51" creationId="{B4ADC4DD-147A-6A2B-41E3-E1D2C6806671}"/>
+            <pc:sldMk cId="3201725807" sldId="259"/>
+            <ac:cxnSpMk id="25" creationId="{3D1A254D-1006-BF6A-6409-2975DE248958}"/>
           </ac:cxnSpMkLst>
         </pc:cxnChg>
       </pc:sldChg>
-      <pc:sldChg chg="addSp delSp modSp add mod">
-        <pc:chgData name="明阳 阮" userId="a4dcf2889a22c6f9" providerId="LiveId" clId="{607C1844-05CD-4CC9-972F-CAE573386568}" dt="2023-12-05T10:55:02.053" v="2388"/>
+      <pc:sldChg chg="addSp delSp modSp add mod ord">
+        <pc:chgData name="明阳 阮" userId="a4dcf2889a22c6f9" providerId="LiveId" clId="{389D68A1-24FC-423B-B5DD-8195EC5F55C7}" dt="2023-10-25T08:40:38.779" v="2578"/>
         <pc:sldMkLst>
           <pc:docMk/>
-          <pc:sldMk cId="2031290551" sldId="271"/>
+          <pc:sldMk cId="556811075" sldId="260"/>
         </pc:sldMkLst>
+        <pc:spChg chg="mod">
+          <ac:chgData name="明阳 阮" userId="a4dcf2889a22c6f9" providerId="LiveId" clId="{389D68A1-24FC-423B-B5DD-8195EC5F55C7}" dt="2023-10-25T07:37:32.382" v="2201" actId="1076"/>
+          <ac:spMkLst>
+            <pc:docMk/>
+            <pc:sldMk cId="556811075" sldId="260"/>
+            <ac:spMk id="3" creationId="{00853866-167B-87E3-E0BD-8494D71EC976}"/>
+          </ac:spMkLst>
+        </pc:spChg>
+        <pc:spChg chg="mod">
+          <ac:chgData name="明阳 阮" userId="a4dcf2889a22c6f9" providerId="LiveId" clId="{389D68A1-24FC-423B-B5DD-8195EC5F55C7}" dt="2023-10-25T07:45:31.148" v="2343" actId="1076"/>
+          <ac:spMkLst>
+            <pc:docMk/>
+            <pc:sldMk cId="556811075" sldId="260"/>
+            <ac:spMk id="4" creationId="{B55AA1C3-2D61-59B4-7CE5-F0EC966390BB}"/>
+          </ac:spMkLst>
+        </pc:spChg>
+        <pc:spChg chg="del mod">
+          <ac:chgData name="明阳 阮" userId="a4dcf2889a22c6f9" providerId="LiveId" clId="{389D68A1-24FC-423B-B5DD-8195EC5F55C7}" dt="2023-10-25T07:44:34.636" v="2342" actId="478"/>
+          <ac:spMkLst>
+            <pc:docMk/>
+            <pc:sldMk cId="556811075" sldId="260"/>
+            <ac:spMk id="6" creationId="{21896B62-7E22-FCEB-C86E-72C379C0E603}"/>
+          </ac:spMkLst>
+        </pc:spChg>
+        <pc:spChg chg="add mod">
+          <ac:chgData name="明阳 阮" userId="a4dcf2889a22c6f9" providerId="LiveId" clId="{389D68A1-24FC-423B-B5DD-8195EC5F55C7}" dt="2023-10-25T07:45:53.236" v="2348" actId="1076"/>
+          <ac:spMkLst>
+            <pc:docMk/>
+            <pc:sldMk cId="556811075" sldId="260"/>
+            <ac:spMk id="7" creationId="{1800DDD2-F87F-84F5-D2E4-29E8355B23C3}"/>
+          </ac:spMkLst>
+        </pc:spChg>
+        <pc:spChg chg="add mod">
+          <ac:chgData name="明阳 阮" userId="a4dcf2889a22c6f9" providerId="LiveId" clId="{389D68A1-24FC-423B-B5DD-8195EC5F55C7}" dt="2023-10-25T07:38:41.612" v="2230" actId="1076"/>
+          <ac:spMkLst>
+            <pc:docMk/>
+            <pc:sldMk cId="556811075" sldId="260"/>
+            <ac:spMk id="8" creationId="{90594CA0-8AD3-ECA3-6B51-ED9C692119AD}"/>
+          </ac:spMkLst>
+        </pc:spChg>
         <pc:spChg chg="add del mod">
-          <ac:chgData name="明阳 阮" userId="a4dcf2889a22c6f9" providerId="LiveId" clId="{607C1844-05CD-4CC9-972F-CAE573386568}" dt="2023-12-03T10:30:19.334" v="565"/>
-          <ac:spMkLst>
-            <pc:docMk/>
-            <pc:sldMk cId="2031290551" sldId="271"/>
-            <ac:spMk id="3" creationId="{2F2E61CF-25D3-14FA-15E8-78539AA05896}"/>
+          <ac:chgData name="明阳 阮" userId="a4dcf2889a22c6f9" providerId="LiveId" clId="{389D68A1-24FC-423B-B5DD-8195EC5F55C7}" dt="2023-10-25T07:38:11.673" v="2221" actId="478"/>
+          <ac:spMkLst>
+            <pc:docMk/>
+            <pc:sldMk cId="556811075" sldId="260"/>
+            <ac:spMk id="10" creationId="{1A7CA0A7-445C-4A89-1BA1-8BF9A81FE1D5}"/>
+          </ac:spMkLst>
+        </pc:spChg>
+        <pc:spChg chg="add del mod">
+          <ac:chgData name="明阳 阮" userId="a4dcf2889a22c6f9" providerId="LiveId" clId="{389D68A1-24FC-423B-B5DD-8195EC5F55C7}" dt="2023-10-25T07:38:12.919" v="2222" actId="478"/>
+          <ac:spMkLst>
+            <pc:docMk/>
+            <pc:sldMk cId="556811075" sldId="260"/>
+            <ac:spMk id="11" creationId="{4440BD33-725F-01CF-3B0E-3881F27E20C1}"/>
+          </ac:spMkLst>
+        </pc:spChg>
+        <pc:spChg chg="add del mod">
+          <ac:chgData name="明阳 阮" userId="a4dcf2889a22c6f9" providerId="LiveId" clId="{389D68A1-24FC-423B-B5DD-8195EC5F55C7}" dt="2023-10-25T07:38:14.240" v="2223" actId="478"/>
+          <ac:spMkLst>
+            <pc:docMk/>
+            <pc:sldMk cId="556811075" sldId="260"/>
+            <ac:spMk id="12" creationId="{9F3B2762-6963-6A57-0590-05CC06EE50DC}"/>
+          </ac:spMkLst>
+        </pc:spChg>
+        <pc:spChg chg="del">
+          <ac:chgData name="明阳 阮" userId="a4dcf2889a22c6f9" providerId="LiveId" clId="{389D68A1-24FC-423B-B5DD-8195EC5F55C7}" dt="2023-10-25T07:37:10.505" v="2196" actId="478"/>
+          <ac:spMkLst>
+            <pc:docMk/>
+            <pc:sldMk cId="556811075" sldId="260"/>
+            <ac:spMk id="13" creationId="{A7EB5FFD-7205-5D15-4571-146405DAB754}"/>
+          </ac:spMkLst>
+        </pc:spChg>
+        <pc:spChg chg="add del mod">
+          <ac:chgData name="明阳 阮" userId="a4dcf2889a22c6f9" providerId="LiveId" clId="{389D68A1-24FC-423B-B5DD-8195EC5F55C7}" dt="2023-10-25T07:41:46.680" v="2284" actId="478"/>
+          <ac:spMkLst>
+            <pc:docMk/>
+            <pc:sldMk cId="556811075" sldId="260"/>
+            <ac:spMk id="14" creationId="{4ECC0554-A3F1-2014-264A-FFEFCA159C38}"/>
+          </ac:spMkLst>
+        </pc:spChg>
+        <pc:spChg chg="del mod">
+          <ac:chgData name="明阳 阮" userId="a4dcf2889a22c6f9" providerId="LiveId" clId="{389D68A1-24FC-423B-B5DD-8195EC5F55C7}" dt="2023-10-25T07:38:48.996" v="2232" actId="478"/>
+          <ac:spMkLst>
+            <pc:docMk/>
+            <pc:sldMk cId="556811075" sldId="260"/>
+            <ac:spMk id="15" creationId="{4B90AC33-8E8F-4570-B6BB-D0D002900F4C}"/>
+          </ac:spMkLst>
+        </pc:spChg>
+        <pc:spChg chg="del">
+          <ac:chgData name="明阳 阮" userId="a4dcf2889a22c6f9" providerId="LiveId" clId="{389D68A1-24FC-423B-B5DD-8195EC5F55C7}" dt="2023-10-25T07:38:51.886" v="2233" actId="478"/>
+          <ac:spMkLst>
+            <pc:docMk/>
+            <pc:sldMk cId="556811075" sldId="260"/>
+            <ac:spMk id="16" creationId="{DB7A750A-1870-D2F6-6B49-63EAE60F5E06}"/>
+          </ac:spMkLst>
+        </pc:spChg>
+        <pc:spChg chg="mod">
+          <ac:chgData name="明阳 阮" userId="a4dcf2889a22c6f9" providerId="LiveId" clId="{389D68A1-24FC-423B-B5DD-8195EC5F55C7}" dt="2023-10-25T07:45:39.175" v="2345" actId="14100"/>
+          <ac:spMkLst>
+            <pc:docMk/>
+            <pc:sldMk cId="556811075" sldId="260"/>
+            <ac:spMk id="17" creationId="{363DE5CB-4680-39B5-2EF1-7AB9E639445E}"/>
+          </ac:spMkLst>
+        </pc:spChg>
+        <pc:spChg chg="mod">
+          <ac:chgData name="明阳 阮" userId="a4dcf2889a22c6f9" providerId="LiveId" clId="{389D68A1-24FC-423B-B5DD-8195EC5F55C7}" dt="2023-10-25T07:45:44.703" v="2346" actId="1076"/>
+          <ac:spMkLst>
+            <pc:docMk/>
+            <pc:sldMk cId="556811075" sldId="260"/>
+            <ac:spMk id="18" creationId="{3FB7643F-5EE3-9AA9-89F8-4B778AB9311F}"/>
+          </ac:spMkLst>
+        </pc:spChg>
+        <pc:spChg chg="mod">
+          <ac:chgData name="明阳 阮" userId="a4dcf2889a22c6f9" providerId="LiveId" clId="{389D68A1-24FC-423B-B5DD-8195EC5F55C7}" dt="2023-10-25T07:46:01.502" v="2349" actId="1076"/>
+          <ac:spMkLst>
+            <pc:docMk/>
+            <pc:sldMk cId="556811075" sldId="260"/>
+            <ac:spMk id="19" creationId="{CEADC3FE-AFB9-8D82-1028-6178F541C07A}"/>
+          </ac:spMkLst>
+        </pc:spChg>
+        <pc:spChg chg="del">
+          <ac:chgData name="明阳 阮" userId="a4dcf2889a22c6f9" providerId="LiveId" clId="{389D68A1-24FC-423B-B5DD-8195EC5F55C7}" dt="2023-10-25T07:37:08.584" v="2194" actId="478"/>
+          <ac:spMkLst>
+            <pc:docMk/>
+            <pc:sldMk cId="556811075" sldId="260"/>
+            <ac:spMk id="20" creationId="{D7000C8B-3B57-FE19-BF51-041AEB49F530}"/>
+          </ac:spMkLst>
+        </pc:spChg>
+        <pc:spChg chg="mod">
+          <ac:chgData name="明阳 阮" userId="a4dcf2889a22c6f9" providerId="LiveId" clId="{389D68A1-24FC-423B-B5DD-8195EC5F55C7}" dt="2023-10-25T07:45:31.148" v="2343" actId="1076"/>
+          <ac:spMkLst>
+            <pc:docMk/>
+            <pc:sldMk cId="556811075" sldId="260"/>
+            <ac:spMk id="21" creationId="{FE46EE5E-B09C-A867-8082-A48FBB426E96}"/>
+          </ac:spMkLst>
+        </pc:spChg>
+        <pc:spChg chg="del">
+          <ac:chgData name="明阳 阮" userId="a4dcf2889a22c6f9" providerId="LiveId" clId="{389D68A1-24FC-423B-B5DD-8195EC5F55C7}" dt="2023-10-25T07:37:05.993" v="2192" actId="478"/>
+          <ac:spMkLst>
+            <pc:docMk/>
+            <pc:sldMk cId="556811075" sldId="260"/>
+            <ac:spMk id="22" creationId="{E6EB38CF-C989-A271-926E-4D40981AEAC6}"/>
+          </ac:spMkLst>
+        </pc:spChg>
+        <pc:spChg chg="del">
+          <ac:chgData name="明阳 阮" userId="a4dcf2889a22c6f9" providerId="LiveId" clId="{389D68A1-24FC-423B-B5DD-8195EC5F55C7}" dt="2023-10-25T07:37:04.770" v="2191" actId="478"/>
+          <ac:spMkLst>
+            <pc:docMk/>
+            <pc:sldMk cId="556811075" sldId="260"/>
+            <ac:spMk id="23" creationId="{FD3EA872-9C0B-0C65-1306-84859BD7D773}"/>
+          </ac:spMkLst>
+        </pc:spChg>
+        <pc:spChg chg="mod">
+          <ac:chgData name="明阳 阮" userId="a4dcf2889a22c6f9" providerId="LiveId" clId="{389D68A1-24FC-423B-B5DD-8195EC5F55C7}" dt="2023-10-25T07:38:35.624" v="2229" actId="1076"/>
+          <ac:spMkLst>
+            <pc:docMk/>
+            <pc:sldMk cId="556811075" sldId="260"/>
+            <ac:spMk id="24" creationId="{1B68C04A-93B5-2CFB-C55A-0DFB388209CF}"/>
+          </ac:spMkLst>
+        </pc:spChg>
+        <pc:spChg chg="del">
+          <ac:chgData name="明阳 阮" userId="a4dcf2889a22c6f9" providerId="LiveId" clId="{389D68A1-24FC-423B-B5DD-8195EC5F55C7}" dt="2023-10-25T07:37:06.928" v="2193" actId="478"/>
+          <ac:spMkLst>
+            <pc:docMk/>
+            <pc:sldMk cId="556811075" sldId="260"/>
+            <ac:spMk id="29" creationId="{55B49F78-0345-8486-49C2-739DB7C86DFD}"/>
           </ac:spMkLst>
         </pc:spChg>
         <pc:spChg chg="add mod">
-          <ac:chgData name="明阳 阮" userId="a4dcf2889a22c6f9" providerId="LiveId" clId="{607C1844-05CD-4CC9-972F-CAE573386568}" dt="2023-12-05T05:47:57.417" v="1350" actId="1076"/>
-          <ac:spMkLst>
-            <pc:docMk/>
-            <pc:sldMk cId="2031290551" sldId="271"/>
-            <ac:spMk id="3" creationId="{6B973D2D-3AF8-8F5E-6BAC-8B2D743A04BB}"/>
+          <ac:chgData name="明阳 阮" userId="a4dcf2889a22c6f9" providerId="LiveId" clId="{389D68A1-24FC-423B-B5DD-8195EC5F55C7}" dt="2023-10-25T07:44:26.969" v="2341" actId="1076"/>
+          <ac:spMkLst>
+            <pc:docMk/>
+            <pc:sldMk cId="556811075" sldId="260"/>
+            <ac:spMk id="32" creationId="{61EBF004-8408-1F55-CDBC-9F97414C12A4}"/>
           </ac:spMkLst>
         </pc:spChg>
         <pc:spChg chg="add mod">
-          <ac:chgData name="明阳 阮" userId="a4dcf2889a22c6f9" providerId="LiveId" clId="{607C1844-05CD-4CC9-972F-CAE573386568}" dt="2023-12-05T05:48:00.839" v="1351" actId="1076"/>
-          <ac:spMkLst>
-            <pc:docMk/>
-            <pc:sldMk cId="2031290551" sldId="271"/>
-            <ac:spMk id="5" creationId="{8FA525EC-9A2C-564E-2AC8-F69CAB7EDA7C}"/>
+          <ac:chgData name="明阳 阮" userId="a4dcf2889a22c6f9" providerId="LiveId" clId="{389D68A1-24FC-423B-B5DD-8195EC5F55C7}" dt="2023-10-25T07:46:01.502" v="2349" actId="1076"/>
+          <ac:spMkLst>
+            <pc:docMk/>
+            <pc:sldMk cId="556811075" sldId="260"/>
+            <ac:spMk id="33" creationId="{69A9B4E1-418A-85B6-463B-EC28870F900C}"/>
           </ac:spMkLst>
         </pc:spChg>
         <pc:spChg chg="add mod">
-          <ac:chgData name="明阳 阮" userId="a4dcf2889a22c6f9" providerId="LiveId" clId="{607C1844-05CD-4CC9-972F-CAE573386568}" dt="2023-12-05T05:47:57.417" v="1350" actId="1076"/>
-          <ac:spMkLst>
-            <pc:docMk/>
-            <pc:sldMk cId="2031290551" sldId="271"/>
-            <ac:spMk id="7" creationId="{4C544842-33C6-95E3-E90C-46463249C2E0}"/>
-          </ac:spMkLst>
-        </pc:spChg>
-        <pc:spChg chg="add del mod">
-          <ac:chgData name="明阳 阮" userId="a4dcf2889a22c6f9" providerId="LiveId" clId="{607C1844-05CD-4CC9-972F-CAE573386568}" dt="2023-12-03T10:29:50.051" v="558" actId="478"/>
-          <ac:spMkLst>
-            <pc:docMk/>
-            <pc:sldMk cId="2031290551" sldId="271"/>
-            <ac:spMk id="7" creationId="{732C49FB-38A0-7B69-1685-74152DD0EA08}"/>
+          <ac:chgData name="明阳 阮" userId="a4dcf2889a22c6f9" providerId="LiveId" clId="{389D68A1-24FC-423B-B5DD-8195EC5F55C7}" dt="2023-10-25T07:46:05.993" v="2350" actId="1076"/>
+          <ac:spMkLst>
+            <pc:docMk/>
+            <pc:sldMk cId="556811075" sldId="260"/>
+            <ac:spMk id="34" creationId="{8676FFD5-E607-3789-D67D-ED90A006925E}"/>
           </ac:spMkLst>
         </pc:spChg>
         <pc:spChg chg="add mod">
-          <ac:chgData name="明阳 阮" userId="a4dcf2889a22c6f9" providerId="LiveId" clId="{607C1844-05CD-4CC9-972F-CAE573386568}" dt="2023-12-05T05:47:57.417" v="1350" actId="1076"/>
-          <ac:spMkLst>
-            <pc:docMk/>
-            <pc:sldMk cId="2031290551" sldId="271"/>
-            <ac:spMk id="8" creationId="{5D373507-A159-CD39-66BA-3CC279B6911D}"/>
-          </ac:spMkLst>
-        </pc:spChg>
-        <pc:spChg chg="add del mod">
-          <ac:chgData name="明阳 阮" userId="a4dcf2889a22c6f9" providerId="LiveId" clId="{607C1844-05CD-4CC9-972F-CAE573386568}" dt="2023-12-03T10:29:51.930" v="559" actId="478"/>
-          <ac:spMkLst>
-            <pc:docMk/>
-            <pc:sldMk cId="2031290551" sldId="271"/>
-            <ac:spMk id="8" creationId="{AD290C76-80DF-CFD2-27D8-BAD0D5957958}"/>
+          <ac:chgData name="明阳 阮" userId="a4dcf2889a22c6f9" providerId="LiveId" clId="{389D68A1-24FC-423B-B5DD-8195EC5F55C7}" dt="2023-10-25T07:46:14.085" v="2351" actId="1076"/>
+          <ac:spMkLst>
+            <pc:docMk/>
+            <pc:sldMk cId="556811075" sldId="260"/>
+            <ac:spMk id="35" creationId="{33114778-EBDD-8866-35AF-2B8E56F81C53}"/>
           </ac:spMkLst>
         </pc:spChg>
         <pc:spChg chg="add mod">
-          <ac:chgData name="明阳 阮" userId="a4dcf2889a22c6f9" providerId="LiveId" clId="{607C1844-05CD-4CC9-972F-CAE573386568}" dt="2023-12-05T05:48:00.839" v="1351" actId="1076"/>
-          <ac:spMkLst>
-            <pc:docMk/>
-            <pc:sldMk cId="2031290551" sldId="271"/>
-            <ac:spMk id="9" creationId="{BC95FC28-AB76-077E-D839-0CDC02426E62}"/>
-          </ac:spMkLst>
-        </pc:spChg>
-        <pc:spChg chg="add mod">
-          <ac:chgData name="明阳 阮" userId="a4dcf2889a22c6f9" providerId="LiveId" clId="{607C1844-05CD-4CC9-972F-CAE573386568}" dt="2023-12-05T05:48:00.839" v="1351" actId="1076"/>
-          <ac:spMkLst>
-            <pc:docMk/>
-            <pc:sldMk cId="2031290551" sldId="271"/>
-            <ac:spMk id="10" creationId="{560116AF-BCE9-A986-10C6-7D31F9D6A22D}"/>
-          </ac:spMkLst>
-        </pc:spChg>
-        <pc:spChg chg="add mod">
-          <ac:chgData name="明阳 阮" userId="a4dcf2889a22c6f9" providerId="LiveId" clId="{607C1844-05CD-4CC9-972F-CAE573386568}" dt="2023-12-05T05:47:57.417" v="1350" actId="1076"/>
-          <ac:spMkLst>
-            <pc:docMk/>
-            <pc:sldMk cId="2031290551" sldId="271"/>
-            <ac:spMk id="11" creationId="{CFE8A17C-A0B8-BC6E-E2E7-92A087B80055}"/>
-          </ac:spMkLst>
-        </pc:spChg>
-        <pc:spChg chg="add mod">
-          <ac:chgData name="明阳 阮" userId="a4dcf2889a22c6f9" providerId="LiveId" clId="{607C1844-05CD-4CC9-972F-CAE573386568}" dt="2023-12-05T05:47:57.417" v="1350" actId="1076"/>
-          <ac:spMkLst>
-            <pc:docMk/>
-            <pc:sldMk cId="2031290551" sldId="271"/>
-            <ac:spMk id="12" creationId="{2251DB1A-ECDC-8D59-2865-C530E4895565}"/>
-          </ac:spMkLst>
-        </pc:spChg>
-        <pc:spChg chg="add mod">
-          <ac:chgData name="明阳 阮" userId="a4dcf2889a22c6f9" providerId="LiveId" clId="{607C1844-05CD-4CC9-972F-CAE573386568}" dt="2023-12-05T05:47:57.417" v="1350" actId="1076"/>
-          <ac:spMkLst>
-            <pc:docMk/>
-            <pc:sldMk cId="2031290551" sldId="271"/>
-            <ac:spMk id="13" creationId="{10617CB3-9B75-DB05-6369-F84D19A40DC5}"/>
-          </ac:spMkLst>
-        </pc:spChg>
-        <pc:spChg chg="add mod">
-          <ac:chgData name="明阳 阮" userId="a4dcf2889a22c6f9" providerId="LiveId" clId="{607C1844-05CD-4CC9-972F-CAE573386568}" dt="2023-12-05T05:47:57.417" v="1350" actId="1076"/>
-          <ac:spMkLst>
-            <pc:docMk/>
-            <pc:sldMk cId="2031290551" sldId="271"/>
-            <ac:spMk id="14" creationId="{8F44391F-3F5F-463B-3D83-0EE18FC18011}"/>
-          </ac:spMkLst>
-        </pc:spChg>
-        <pc:spChg chg="add mod">
-          <ac:chgData name="明阳 阮" userId="a4dcf2889a22c6f9" providerId="LiveId" clId="{607C1844-05CD-4CC9-972F-CAE573386568}" dt="2023-12-05T05:47:57.417" v="1350" actId="1076"/>
-          <ac:spMkLst>
-            <pc:docMk/>
-            <pc:sldMk cId="2031290551" sldId="271"/>
-            <ac:spMk id="15" creationId="{AE5226DE-C97C-145D-CBDB-7B79C499EF60}"/>
-          </ac:spMkLst>
-        </pc:spChg>
-        <pc:spChg chg="add mod">
-          <ac:chgData name="明阳 阮" userId="a4dcf2889a22c6f9" providerId="LiveId" clId="{607C1844-05CD-4CC9-972F-CAE573386568}" dt="2023-12-05T05:47:57.417" v="1350" actId="1076"/>
-          <ac:spMkLst>
-            <pc:docMk/>
-            <pc:sldMk cId="2031290551" sldId="271"/>
-            <ac:spMk id="19" creationId="{E208E122-8987-F882-EDCB-52D6A3310BEB}"/>
-          </ac:spMkLst>
-        </pc:spChg>
-        <pc:spChg chg="add mod">
-          <ac:chgData name="明阳 阮" userId="a4dcf2889a22c6f9" providerId="LiveId" clId="{607C1844-05CD-4CC9-972F-CAE573386568}" dt="2023-12-05T05:47:57.417" v="1350" actId="1076"/>
-          <ac:spMkLst>
-            <pc:docMk/>
-            <pc:sldMk cId="2031290551" sldId="271"/>
-            <ac:spMk id="20" creationId="{C8AC8F7D-2208-BA23-C1DE-C6D217BCF0CE}"/>
-          </ac:spMkLst>
-        </pc:spChg>
-        <pc:spChg chg="add mod">
-          <ac:chgData name="明阳 阮" userId="a4dcf2889a22c6f9" providerId="LiveId" clId="{607C1844-05CD-4CC9-972F-CAE573386568}" dt="2023-12-05T05:47:57.417" v="1350" actId="1076"/>
-          <ac:spMkLst>
-            <pc:docMk/>
-            <pc:sldMk cId="2031290551" sldId="271"/>
-            <ac:spMk id="21" creationId="{5C96BF51-99DA-4C10-5BD7-ACCE73857BB6}"/>
-          </ac:spMkLst>
-        </pc:spChg>
-        <pc:spChg chg="add mod">
-          <ac:chgData name="明阳 阮" userId="a4dcf2889a22c6f9" providerId="LiveId" clId="{607C1844-05CD-4CC9-972F-CAE573386568}" dt="2023-12-05T05:47:57.417" v="1350" actId="1076"/>
-          <ac:spMkLst>
-            <pc:docMk/>
-            <pc:sldMk cId="2031290551" sldId="271"/>
-            <ac:spMk id="22" creationId="{08EF1882-74CF-176D-DC40-4D151C3ABEF0}"/>
-          </ac:spMkLst>
-        </pc:spChg>
-        <pc:picChg chg="add mod">
-          <ac:chgData name="明阳 阮" userId="a4dcf2889a22c6f9" providerId="LiveId" clId="{607C1844-05CD-4CC9-972F-CAE573386568}" dt="2023-12-05T05:48:00.839" v="1351" actId="1076"/>
+          <ac:chgData name="明阳 阮" userId="a4dcf2889a22c6f9" providerId="LiveId" clId="{389D68A1-24FC-423B-B5DD-8195EC5F55C7}" dt="2023-10-25T08:40:38.779" v="2578"/>
+          <ac:spMkLst>
+            <pc:docMk/>
+            <pc:sldMk cId="556811075" sldId="260"/>
+            <ac:spMk id="36" creationId="{A1E23529-14AD-1B37-FC0E-5D434B420819}"/>
+          </ac:spMkLst>
+        </pc:spChg>
+        <pc:picChg chg="del mod">
+          <ac:chgData name="明阳 阮" userId="a4dcf2889a22c6f9" providerId="LiveId" clId="{389D68A1-24FC-423B-B5DD-8195EC5F55C7}" dt="2023-10-25T07:37:43.454" v="2206" actId="478"/>
           <ac:picMkLst>
             <pc:docMk/>
-            <pc:sldMk cId="2031290551" sldId="271"/>
-            <ac:picMk id="2" creationId="{7E19131D-51E4-289A-6259-B3E97BB75945}"/>
+            <pc:sldMk cId="556811075" sldId="260"/>
+            <ac:picMk id="25" creationId="{1CB554E5-32F1-2252-4AD4-FA6DAA24E4A3}"/>
           </ac:picMkLst>
         </pc:picChg>
-        <pc:picChg chg="add del mod">
-          <ac:chgData name="明阳 阮" userId="a4dcf2889a22c6f9" providerId="LiveId" clId="{607C1844-05CD-4CC9-972F-CAE573386568}" dt="2023-12-04T06:04:00.530" v="1103" actId="478"/>
-          <ac:picMkLst>
-            <pc:docMk/>
-            <pc:sldMk cId="2031290551" sldId="271"/>
-            <ac:picMk id="3" creationId="{1538B927-2129-C979-B086-245B3F4BE516}"/>
-          </ac:picMkLst>
-        </pc:picChg>
-        <pc:picChg chg="add mod modCrop">
-          <ac:chgData name="明阳 阮" userId="a4dcf2889a22c6f9" providerId="LiveId" clId="{607C1844-05CD-4CC9-972F-CAE573386568}" dt="2023-12-05T05:48:00.839" v="1351" actId="1076"/>
-          <ac:picMkLst>
-            <pc:docMk/>
-            <pc:sldMk cId="2031290551" sldId="271"/>
-            <ac:picMk id="4" creationId="{E6E4C4F2-91D9-F66F-F33A-5D9771EE5B10}"/>
-          </ac:picMkLst>
-        </pc:picChg>
-        <pc:picChg chg="add mod modCrop">
-          <ac:chgData name="明阳 阮" userId="a4dcf2889a22c6f9" providerId="LiveId" clId="{607C1844-05CD-4CC9-972F-CAE573386568}" dt="2023-12-05T05:48:00.839" v="1351" actId="1076"/>
-          <ac:picMkLst>
-            <pc:docMk/>
-            <pc:sldMk cId="2031290551" sldId="271"/>
-            <ac:picMk id="6" creationId="{DEED1951-C43E-0CEB-74F5-1963EC4F2F4B}"/>
-          </ac:picMkLst>
-        </pc:picChg>
-        <pc:picChg chg="add del mod modCrop">
-          <ac:chgData name="明阳 阮" userId="a4dcf2889a22c6f9" providerId="LiveId" clId="{607C1844-05CD-4CC9-972F-CAE573386568}" dt="2023-12-03T10:33:30.229" v="744" actId="21"/>
-          <ac:picMkLst>
-            <pc:docMk/>
-            <pc:sldMk cId="2031290551" sldId="271"/>
-            <ac:picMk id="12" creationId="{D170680D-6B16-8BDC-A065-5D81A0D64656}"/>
-          </ac:picMkLst>
-        </pc:picChg>
-        <pc:picChg chg="add del mod">
-          <ac:chgData name="明阳 阮" userId="a4dcf2889a22c6f9" providerId="LiveId" clId="{607C1844-05CD-4CC9-972F-CAE573386568}" dt="2023-12-05T10:55:02.053" v="2388"/>
-          <ac:picMkLst>
-            <pc:docMk/>
-            <pc:sldMk cId="2031290551" sldId="271"/>
-            <ac:picMk id="23" creationId="{4388258B-FCDE-C559-BEA1-E1ABAE496957}"/>
-          </ac:picMkLst>
-        </pc:picChg>
-        <pc:cxnChg chg="add mod">
-          <ac:chgData name="明阳 阮" userId="a4dcf2889a22c6f9" providerId="LiveId" clId="{607C1844-05CD-4CC9-972F-CAE573386568}" dt="2023-12-05T05:47:57.417" v="1350" actId="1076"/>
+        <pc:cxnChg chg="del">
+          <ac:chgData name="明阳 阮" userId="a4dcf2889a22c6f9" providerId="LiveId" clId="{389D68A1-24FC-423B-B5DD-8195EC5F55C7}" dt="2023-10-25T07:37:09.149" v="2195" actId="478"/>
           <ac:cxnSpMkLst>
             <pc:docMk/>
-            <pc:sldMk cId="2031290551" sldId="271"/>
-            <ac:cxnSpMk id="16" creationId="{022008E6-BFF4-22D8-483D-42E8CE20DC2F}"/>
+            <pc:sldMk cId="556811075" sldId="260"/>
+            <ac:cxnSpMk id="9" creationId="{229B0443-36A8-EA1B-C8A3-DF7784800765}"/>
           </ac:cxnSpMkLst>
         </pc:cxnChg>
         <pc:cxnChg chg="add mod">
-          <ac:chgData name="明阳 阮" userId="a4dcf2889a22c6f9" providerId="LiveId" clId="{607C1844-05CD-4CC9-972F-CAE573386568}" dt="2023-12-05T05:47:57.417" v="1350" actId="1076"/>
+          <ac:chgData name="明阳 阮" userId="a4dcf2889a22c6f9" providerId="LiveId" clId="{389D68A1-24FC-423B-B5DD-8195EC5F55C7}" dt="2023-10-25T07:42:40.687" v="2304" actId="1076"/>
           <ac:cxnSpMkLst>
             <pc:docMk/>
-            <pc:sldMk cId="2031290551" sldId="271"/>
-            <ac:cxnSpMk id="17" creationId="{E0A0BE6B-0F73-77A5-A619-717169AF228C}"/>
-          </ac:cxnSpMkLst>
-        </pc:cxnChg>
-        <pc:cxnChg chg="add mod">
-          <ac:chgData name="明阳 阮" userId="a4dcf2889a22c6f9" providerId="LiveId" clId="{607C1844-05CD-4CC9-972F-CAE573386568}" dt="2023-12-05T05:47:57.417" v="1350" actId="1076"/>
-          <ac:cxnSpMkLst>
-            <pc:docMk/>
-            <pc:sldMk cId="2031290551" sldId="271"/>
-            <ac:cxnSpMk id="18" creationId="{715F97A2-9AD4-16EE-5837-4259EAC19F21}"/>
+            <pc:sldMk cId="556811075" sldId="260"/>
+            <ac:cxnSpMk id="27" creationId="{FC95216B-5D4C-4BE5-9F98-B261415863C1}"/>
           </ac:cxnSpMkLst>
         </pc:cxnChg>
       </pc:sldChg>
-      <pc:sldChg chg="addSp delSp modSp add mod">
-        <pc:chgData name="明阳 阮" userId="a4dcf2889a22c6f9" providerId="LiveId" clId="{607C1844-05CD-4CC9-972F-CAE573386568}" dt="2023-12-05T06:06:23.084" v="1594" actId="21"/>
+      <pc:sldChg chg="addSp modSp new del mod">
+        <pc:chgData name="明阳 阮" userId="a4dcf2889a22c6f9" providerId="LiveId" clId="{389D68A1-24FC-423B-B5DD-8195EC5F55C7}" dt="2023-10-23T03:31:53.501" v="605" actId="47"/>
         <pc:sldMkLst>
           <pc:docMk/>
-          <pc:sldMk cId="1960410275" sldId="272"/>
+          <pc:sldMk cId="3023593682" sldId="260"/>
         </pc:sldMkLst>
-        <pc:spChg chg="add mod topLvl">
-          <ac:chgData name="明阳 阮" userId="a4dcf2889a22c6f9" providerId="LiveId" clId="{607C1844-05CD-4CC9-972F-CAE573386568}" dt="2023-12-04T04:34:57.166" v="903" actId="1076"/>
-          <ac:spMkLst>
-            <pc:docMk/>
-            <pc:sldMk cId="1960410275" sldId="272"/>
-            <ac:spMk id="6" creationId="{C775A561-21D3-E34D-55F6-A25521B8F88C}"/>
-          </ac:spMkLst>
-        </pc:spChg>
-        <pc:grpChg chg="add del mod">
-          <ac:chgData name="明阳 阮" userId="a4dcf2889a22c6f9" providerId="LiveId" clId="{607C1844-05CD-4CC9-972F-CAE573386568}" dt="2023-12-04T04:33:31.711" v="896" actId="165"/>
-          <ac:grpSpMkLst>
-            <pc:docMk/>
-            <pc:sldMk cId="1960410275" sldId="272"/>
-            <ac:grpSpMk id="7" creationId="{6D08BB8A-F4B3-957F-7697-2D7D82B09D7B}"/>
-          </ac:grpSpMkLst>
-        </pc:grpChg>
-        <pc:grpChg chg="add mod">
-          <ac:chgData name="明阳 阮" userId="a4dcf2889a22c6f9" providerId="LiveId" clId="{607C1844-05CD-4CC9-972F-CAE573386568}" dt="2023-12-03T06:54:21.440" v="497" actId="164"/>
-          <ac:grpSpMkLst>
-            <pc:docMk/>
-            <pc:sldMk cId="1960410275" sldId="272"/>
-            <ac:grpSpMk id="13" creationId="{1D5AC6F6-8FE0-E5C1-50AA-866DBAA817AF}"/>
-          </ac:grpSpMkLst>
-        </pc:grpChg>
-        <pc:picChg chg="add del mod">
-          <ac:chgData name="明阳 阮" userId="a4dcf2889a22c6f9" providerId="LiveId" clId="{607C1844-05CD-4CC9-972F-CAE573386568}" dt="2023-12-03T06:51:40.386" v="488" actId="478"/>
+        <pc:spChg chg="add">
+          <ac:chgData name="明阳 阮" userId="a4dcf2889a22c6f9" providerId="LiveId" clId="{389D68A1-24FC-423B-B5DD-8195EC5F55C7}" dt="2023-10-23T03:31:27.177" v="596" actId="11529"/>
+          <ac:spMkLst>
+            <pc:docMk/>
+            <pc:sldMk cId="3023593682" sldId="260"/>
+            <ac:spMk id="4" creationId="{149E48F7-D027-B1A5-3A85-4E2378840BB4}"/>
+          </ac:spMkLst>
+        </pc:spChg>
+        <pc:spChg chg="add mod">
+          <ac:chgData name="明阳 阮" userId="a4dcf2889a22c6f9" providerId="LiveId" clId="{389D68A1-24FC-423B-B5DD-8195EC5F55C7}" dt="2023-10-23T03:31:37.509" v="604" actId="20577"/>
+          <ac:spMkLst>
+            <pc:docMk/>
+            <pc:sldMk cId="3023593682" sldId="260"/>
+            <ac:spMk id="5" creationId="{D83AC63A-6645-60B4-90E8-199BA7E75867}"/>
+          </ac:spMkLst>
+        </pc:spChg>
+        <pc:picChg chg="add mod">
+          <ac:chgData name="明阳 阮" userId="a4dcf2889a22c6f9" providerId="LiveId" clId="{389D68A1-24FC-423B-B5DD-8195EC5F55C7}" dt="2023-10-23T03:31:16.580" v="595" actId="931"/>
           <ac:picMkLst>
             <pc:docMk/>
-            <pc:sldMk cId="1960410275" sldId="272"/>
-            <ac:picMk id="2" creationId="{25AE9769-BD77-7501-8486-18D8A84284C2}"/>
-          </ac:picMkLst>
-        </pc:picChg>
-        <pc:picChg chg="add del mod">
-          <ac:chgData name="明阳 阮" userId="a4dcf2889a22c6f9" providerId="LiveId" clId="{607C1844-05CD-4CC9-972F-CAE573386568}" dt="2023-12-04T04:25:13.202" v="773" actId="478"/>
-          <ac:picMkLst>
-            <pc:docMk/>
-            <pc:sldMk cId="1960410275" sldId="272"/>
-            <ac:picMk id="2" creationId="{33B85E34-73AF-F970-D558-C3A1F1B9476B}"/>
-          </ac:picMkLst>
-        </pc:picChg>
-        <pc:picChg chg="add del mod">
-          <ac:chgData name="明阳 阮" userId="a4dcf2889a22c6f9" providerId="LiveId" clId="{607C1844-05CD-4CC9-972F-CAE573386568}" dt="2023-12-05T06:06:13.255" v="1590" actId="21"/>
-          <ac:picMkLst>
-            <pc:docMk/>
-            <pc:sldMk cId="1960410275" sldId="272"/>
-            <ac:picMk id="3" creationId="{BF81ECCF-9436-BBB7-A463-92BF9F343C11}"/>
-          </ac:picMkLst>
-        </pc:picChg>
-        <pc:picChg chg="add del mod topLvl modCrop">
-          <ac:chgData name="明阳 阮" userId="a4dcf2889a22c6f9" providerId="LiveId" clId="{607C1844-05CD-4CC9-972F-CAE573386568}" dt="2023-12-05T06:06:23.084" v="1594" actId="21"/>
-          <ac:picMkLst>
-            <pc:docMk/>
-            <pc:sldMk cId="1960410275" sldId="272"/>
-            <ac:picMk id="4" creationId="{C6F3E9F1-15A5-C0E9-3AC0-6BE8E735C71E}"/>
-          </ac:picMkLst>
-        </pc:picChg>
-        <pc:picChg chg="add del mod">
-          <ac:chgData name="明阳 阮" userId="a4dcf2889a22c6f9" providerId="LiveId" clId="{607C1844-05CD-4CC9-972F-CAE573386568}" dt="2023-12-04T04:27:06.568" v="777" actId="21"/>
-          <ac:picMkLst>
-            <pc:docMk/>
-            <pc:sldMk cId="1960410275" sldId="272"/>
-            <ac:picMk id="5" creationId="{E686595C-DD1A-201F-7B8A-75AED9EF46E0}"/>
-          </ac:picMkLst>
-        </pc:picChg>
-        <pc:picChg chg="add del mod">
-          <ac:chgData name="明阳 阮" userId="a4dcf2889a22c6f9" providerId="LiveId" clId="{607C1844-05CD-4CC9-972F-CAE573386568}" dt="2023-12-03T06:46:42.331" v="448" actId="478"/>
-          <ac:picMkLst>
-            <pc:docMk/>
-            <pc:sldMk cId="1960410275" sldId="272"/>
-            <ac:picMk id="6" creationId="{07EC5BE8-58F7-7DF9-A930-C4232DBE9182}"/>
-          </ac:picMkLst>
-        </pc:picChg>
-        <pc:picChg chg="add del mod topLvl modCrop">
-          <ac:chgData name="明阳 阮" userId="a4dcf2889a22c6f9" providerId="LiveId" clId="{607C1844-05CD-4CC9-972F-CAE573386568}" dt="2023-12-05T06:06:23.084" v="1594" actId="21"/>
-          <ac:picMkLst>
-            <pc:docMk/>
-            <pc:sldMk cId="1960410275" sldId="272"/>
-            <ac:picMk id="8" creationId="{067DBA8A-EBF3-CC5E-BB8E-C9293E83BB47}"/>
-          </ac:picMkLst>
-        </pc:picChg>
-        <pc:picChg chg="add del mod topLvl modCrop">
-          <ac:chgData name="明阳 阮" userId="a4dcf2889a22c6f9" providerId="LiveId" clId="{607C1844-05CD-4CC9-972F-CAE573386568}" dt="2023-12-05T06:06:23.084" v="1594" actId="21"/>
-          <ac:picMkLst>
-            <pc:docMk/>
-            <pc:sldMk cId="1960410275" sldId="272"/>
-            <ac:picMk id="10" creationId="{5B5108AC-9BCA-B25A-84EC-1866AFCB878B}"/>
-          </ac:picMkLst>
-        </pc:picChg>
-        <pc:picChg chg="add del mod modCrop">
-          <ac:chgData name="明阳 阮" userId="a4dcf2889a22c6f9" providerId="LiveId" clId="{607C1844-05CD-4CC9-972F-CAE573386568}" dt="2023-12-04T04:36:55.739" v="904" actId="478"/>
-          <ac:picMkLst>
-            <pc:docMk/>
-            <pc:sldMk cId="1960410275" sldId="272"/>
-            <ac:picMk id="11" creationId="{CA46AC1A-6A06-2B98-00EB-3387C8D4FFCA}"/>
-          </ac:picMkLst>
-        </pc:picChg>
-        <pc:picChg chg="add del mod ord topLvl modCrop">
-          <ac:chgData name="明阳 阮" userId="a4dcf2889a22c6f9" providerId="LiveId" clId="{607C1844-05CD-4CC9-972F-CAE573386568}" dt="2023-12-05T06:06:02.807" v="1587" actId="478"/>
-          <ac:picMkLst>
-            <pc:docMk/>
-            <pc:sldMk cId="1960410275" sldId="272"/>
-            <ac:picMk id="12" creationId="{F8E51422-0D7E-57A0-F7B9-A961B786475C}"/>
-          </ac:picMkLst>
-        </pc:picChg>
-        <pc:picChg chg="add del mod modCrop">
-          <ac:chgData name="明阳 阮" userId="a4dcf2889a22c6f9" providerId="LiveId" clId="{607C1844-05CD-4CC9-972F-CAE573386568}" dt="2023-12-05T06:05:55.535" v="1582" actId="1076"/>
-          <ac:picMkLst>
-            <pc:docMk/>
-            <pc:sldMk cId="1960410275" sldId="272"/>
-            <ac:picMk id="14" creationId="{093E2078-9906-6CC6-3F53-96CB2B120AB9}"/>
-          </ac:picMkLst>
-        </pc:picChg>
-        <pc:picChg chg="add mod modCrop">
-          <ac:chgData name="明阳 阮" userId="a4dcf2889a22c6f9" providerId="LiveId" clId="{607C1844-05CD-4CC9-972F-CAE573386568}" dt="2023-12-05T06:05:58.919" v="1584" actId="1076"/>
-          <ac:picMkLst>
-            <pc:docMk/>
-            <pc:sldMk cId="1960410275" sldId="272"/>
-            <ac:picMk id="16" creationId="{06283920-28CF-3E4B-6ABA-056C4BB69EE1}"/>
+            <pc:sldMk cId="3023593682" sldId="260"/>
+            <ac:picMk id="3" creationId="{82A54F19-14DB-4665-B030-9021C8766279}"/>
           </ac:picMkLst>
         </pc:picChg>
       </pc:sldChg>
-      <pc:sldChg chg="addSp delSp modSp new mod">
-        <pc:chgData name="明阳 阮" userId="a4dcf2889a22c6f9" providerId="LiveId" clId="{607C1844-05CD-4CC9-972F-CAE573386568}" dt="2023-12-05T11:08:21.397" v="2667" actId="21"/>
+      <pc:sldChg chg="addSp delSp modSp new del mod">
+        <pc:chgData name="明阳 阮" userId="a4dcf2889a22c6f9" providerId="LiveId" clId="{389D68A1-24FC-423B-B5DD-8195EC5F55C7}" dt="2023-10-23T03:30:34.150" v="593" actId="47"/>
         <pc:sldMkLst>
           <pc:docMk/>
-          <pc:sldMk cId="3138551618" sldId="273"/>
+          <pc:sldMk cId="3730859856" sldId="260"/>
         </pc:sldMkLst>
         <pc:spChg chg="add del mod">
-          <ac:chgData name="明阳 阮" userId="a4dcf2889a22c6f9" providerId="LiveId" clId="{607C1844-05CD-4CC9-972F-CAE573386568}" dt="2023-12-05T11:08:21.397" v="2667" actId="21"/>
-          <ac:spMkLst>
-            <pc:docMk/>
-            <pc:sldMk cId="3138551618" sldId="273"/>
-            <ac:spMk id="2" creationId="{78C8BCC4-61DF-94DB-839A-922AC15EA4F1}"/>
+          <ac:chgData name="明阳 阮" userId="a4dcf2889a22c6f9" providerId="LiveId" clId="{389D68A1-24FC-423B-B5DD-8195EC5F55C7}" dt="2023-10-23T03:30:18.100" v="588" actId="478"/>
+          <ac:spMkLst>
+            <pc:docMk/>
+            <pc:sldMk cId="3730859856" sldId="260"/>
+            <ac:spMk id="3" creationId="{DF321270-851A-B220-3F78-037108431DD6}"/>
+          </ac:spMkLst>
+        </pc:spChg>
+        <pc:spChg chg="add">
+          <ac:chgData name="明阳 阮" userId="a4dcf2889a22c6f9" providerId="LiveId" clId="{389D68A1-24FC-423B-B5DD-8195EC5F55C7}" dt="2023-10-23T03:30:27.515" v="589" actId="11529"/>
+          <ac:spMkLst>
+            <pc:docMk/>
+            <pc:sldMk cId="3730859856" sldId="260"/>
+            <ac:spMk id="4" creationId="{39CF2CC5-2E45-FEC9-3B6B-0B65AED9A5E6}"/>
           </ac:spMkLst>
         </pc:spChg>
         <pc:spChg chg="add del mod">
-          <ac:chgData name="明阳 阮" userId="a4dcf2889a22c6f9" providerId="LiveId" clId="{607C1844-05CD-4CC9-972F-CAE573386568}" dt="2023-12-05T11:08:21.397" v="2667" actId="21"/>
-          <ac:spMkLst>
-            <pc:docMk/>
-            <pc:sldMk cId="3138551618" sldId="273"/>
-            <ac:spMk id="3" creationId="{FCB1AD26-1E32-BDDE-A71D-2C4B9F280AD6}"/>
-          </ac:spMkLst>
-        </pc:spChg>
-      </pc:sldChg>
-      <pc:sldChg chg="addSp modSp add mod ord">
-        <pc:chgData name="明阳 阮" userId="a4dcf2889a22c6f9" providerId="LiveId" clId="{607C1844-05CD-4CC9-972F-CAE573386568}" dt="2023-12-05T11:07:53.662" v="2666" actId="20577"/>
-        <pc:sldMkLst>
-          <pc:docMk/>
-          <pc:sldMk cId="1019687452" sldId="274"/>
-        </pc:sldMkLst>
-        <pc:spChg chg="add mod">
-          <ac:chgData name="明阳 阮" userId="a4dcf2889a22c6f9" providerId="LiveId" clId="{607C1844-05CD-4CC9-972F-CAE573386568}" dt="2023-12-05T11:07:53.662" v="2666" actId="20577"/>
-          <ac:spMkLst>
-            <pc:docMk/>
-            <pc:sldMk cId="1019687452" sldId="274"/>
-            <ac:spMk id="2" creationId="{9D88022C-29BC-202B-0FC7-82D90599AE12}"/>
-          </ac:spMkLst>
-        </pc:spChg>
-        <pc:spChg chg="add mod">
-          <ac:chgData name="明阳 阮" userId="a4dcf2889a22c6f9" providerId="LiveId" clId="{607C1844-05CD-4CC9-972F-CAE573386568}" dt="2023-12-05T11:01:28.491" v="2611" actId="20577"/>
-          <ac:spMkLst>
-            <pc:docMk/>
-            <pc:sldMk cId="1019687452" sldId="274"/>
-            <ac:spMk id="8" creationId="{AB13D45A-08DC-D4B6-D389-973D528810B4}"/>
-          </ac:spMkLst>
-        </pc:spChg>
-        <pc:spChg chg="add mod">
-          <ac:chgData name="明阳 阮" userId="a4dcf2889a22c6f9" providerId="LiveId" clId="{607C1844-05CD-4CC9-972F-CAE573386568}" dt="2023-12-05T10:53:33.981" v="2384" actId="20577"/>
-          <ac:spMkLst>
-            <pc:docMk/>
-            <pc:sldMk cId="1019687452" sldId="274"/>
-            <ac:spMk id="9" creationId="{C0D94ADD-EC93-B74F-6470-3789935C6618}"/>
-          </ac:spMkLst>
-        </pc:spChg>
-        <pc:grpChg chg="add mod">
-          <ac:chgData name="明阳 阮" userId="a4dcf2889a22c6f9" providerId="LiveId" clId="{607C1844-05CD-4CC9-972F-CAE573386568}" dt="2023-12-05T10:52:15.761" v="2276" actId="1076"/>
-          <ac:grpSpMkLst>
-            <pc:docMk/>
-            <pc:sldMk cId="1019687452" sldId="274"/>
-            <ac:grpSpMk id="7" creationId="{83380693-7EE8-2663-A3B6-29DCE272706E}"/>
-          </ac:grpSpMkLst>
-        </pc:grpChg>
-        <pc:picChg chg="add mod modCrop">
-          <ac:chgData name="明阳 阮" userId="a4dcf2889a22c6f9" providerId="LiveId" clId="{607C1844-05CD-4CC9-972F-CAE573386568}" dt="2023-12-05T10:52:09.750" v="2275" actId="1076"/>
+          <ac:chgData name="明阳 阮" userId="a4dcf2889a22c6f9" providerId="LiveId" clId="{389D68A1-24FC-423B-B5DD-8195EC5F55C7}" dt="2023-10-23T03:30:33.321" v="592"/>
+          <ac:spMkLst>
+            <pc:docMk/>
+            <pc:sldMk cId="3730859856" sldId="260"/>
+            <ac:spMk id="5" creationId="{7FD0A0C5-62A9-ADF7-0718-2311E2107837}"/>
+          </ac:spMkLst>
+        </pc:spChg>
+        <pc:picChg chg="add mod">
+          <ac:chgData name="明阳 阮" userId="a4dcf2889a22c6f9" providerId="LiveId" clId="{389D68A1-24FC-423B-B5DD-8195EC5F55C7}" dt="2023-10-23T03:30:10.375" v="585" actId="14100"/>
           <ac:picMkLst>
             <pc:docMk/>
-            <pc:sldMk cId="1019687452" sldId="274"/>
-            <ac:picMk id="3" creationId="{50EB25E3-D81D-E756-98FF-1FC64AB613E7}"/>
-          </ac:picMkLst>
-        </pc:picChg>
-        <pc:picChg chg="add mod">
-          <ac:chgData name="明阳 阮" userId="a4dcf2889a22c6f9" providerId="LiveId" clId="{607C1844-05CD-4CC9-972F-CAE573386568}" dt="2023-12-05T06:07:40.798" v="1606" actId="164"/>
-          <ac:picMkLst>
-            <pc:docMk/>
-            <pc:sldMk cId="1019687452" sldId="274"/>
-            <ac:picMk id="4" creationId="{7E9E90D0-7D8B-1B92-D98E-81833C66E632}"/>
-          </ac:picMkLst>
-        </pc:picChg>
-        <pc:picChg chg="add mod">
-          <ac:chgData name="明阳 阮" userId="a4dcf2889a22c6f9" providerId="LiveId" clId="{607C1844-05CD-4CC9-972F-CAE573386568}" dt="2023-12-05T06:07:40.798" v="1606" actId="164"/>
-          <ac:picMkLst>
-            <pc:docMk/>
-            <pc:sldMk cId="1019687452" sldId="274"/>
-            <ac:picMk id="5" creationId="{7335CDB9-248B-71B6-2343-AC3DA70161F1}"/>
-          </ac:picMkLst>
-        </pc:picChg>
-        <pc:picChg chg="add mod">
-          <ac:chgData name="明阳 阮" userId="a4dcf2889a22c6f9" providerId="LiveId" clId="{607C1844-05CD-4CC9-972F-CAE573386568}" dt="2023-12-05T06:09:01.953" v="1674" actId="1076"/>
-          <ac:picMkLst>
-            <pc:docMk/>
-            <pc:sldMk cId="1019687452" sldId="274"/>
-            <ac:picMk id="6" creationId="{113B386C-A948-23A3-0795-B159FD318273}"/>
+            <pc:sldMk cId="3730859856" sldId="260"/>
+            <ac:picMk id="2" creationId="{545FACE9-27A6-7BBB-75F9-87F930A67260}"/>
           </ac:picMkLst>
         </pc:picChg>
       </pc:sldChg>
-      <pc:sldChg chg="addSp modSp add mod">
-        <pc:chgData name="明阳 阮" userId="a4dcf2889a22c6f9" providerId="LiveId" clId="{607C1844-05CD-4CC9-972F-CAE573386568}" dt="2023-12-05T11:08:36.173" v="2773" actId="20577"/>
+      <pc:sldChg chg="new">
+        <pc:chgData name="明阳 阮" userId="a4dcf2889a22c6f9" providerId="LiveId" clId="{389D68A1-24FC-423B-B5DD-8195EC5F55C7}" dt="2023-10-25T08:12:05.098" v="2532" actId="680"/>
         <pc:sldMkLst>
           <pc:docMk/>
-          <pc:sldMk cId="3395683612" sldId="275"/>
+          <pc:sldMk cId="2012497008" sldId="261"/>
         </pc:sldMkLst>
-        <pc:spChg chg="add mod">
-          <ac:chgData name="明阳 阮" userId="a4dcf2889a22c6f9" providerId="LiveId" clId="{607C1844-05CD-4CC9-972F-CAE573386568}" dt="2023-12-05T04:50:36.851" v="1277" actId="20577"/>
-          <ac:spMkLst>
-            <pc:docMk/>
-            <pc:sldMk cId="3395683612" sldId="275"/>
-            <ac:spMk id="2" creationId="{45192325-DA67-43D8-1653-1018BDE248A0}"/>
-          </ac:spMkLst>
-        </pc:spChg>
-        <pc:spChg chg="add mod">
-          <ac:chgData name="明阳 阮" userId="a4dcf2889a22c6f9" providerId="LiveId" clId="{607C1844-05CD-4CC9-972F-CAE573386568}" dt="2023-12-05T11:08:36.173" v="2773" actId="20577"/>
-          <ac:spMkLst>
-            <pc:docMk/>
-            <pc:sldMk cId="3395683612" sldId="275"/>
-            <ac:spMk id="3" creationId="{FBD4FA2D-965F-DA96-E398-1EC3B0109C57}"/>
-          </ac:spMkLst>
-        </pc:spChg>
-        <pc:spChg chg="add mod">
-          <ac:chgData name="明阳 阮" userId="a4dcf2889a22c6f9" providerId="LiveId" clId="{607C1844-05CD-4CC9-972F-CAE573386568}" dt="2023-12-05T11:00:37.813" v="2563" actId="2711"/>
-          <ac:spMkLst>
-            <pc:docMk/>
-            <pc:sldMk cId="3395683612" sldId="275"/>
-            <ac:spMk id="4" creationId="{616E366B-0542-5CF1-65F1-549C2E01D08E}"/>
-          </ac:spMkLst>
-        </pc:spChg>
-        <pc:spChg chg="add mod">
-          <ac:chgData name="明阳 阮" userId="a4dcf2889a22c6f9" providerId="LiveId" clId="{607C1844-05CD-4CC9-972F-CAE573386568}" dt="2023-12-05T11:08:33.673" v="2772" actId="1035"/>
-          <ac:spMkLst>
-            <pc:docMk/>
-            <pc:sldMk cId="3395683612" sldId="275"/>
-            <ac:spMk id="5" creationId="{9ACC0ACB-44AD-92FA-57C7-A6DF9F907E86}"/>
-          </ac:spMkLst>
-        </pc:spChg>
-        <pc:spChg chg="add mod">
-          <ac:chgData name="明阳 阮" userId="a4dcf2889a22c6f9" providerId="LiveId" clId="{607C1844-05CD-4CC9-972F-CAE573386568}" dt="2023-12-05T11:08:33.673" v="2772" actId="1035"/>
-          <ac:spMkLst>
-            <pc:docMk/>
-            <pc:sldMk cId="3395683612" sldId="275"/>
-            <ac:spMk id="6" creationId="{65086E03-1AF3-CECC-18D0-0FEF484A09AC}"/>
-          </ac:spMkLst>
-        </pc:spChg>
       </pc:sldChg>
-      <pc:sldChg chg="addSp delSp modSp add mod ord">
-        <pc:chgData name="明阳 阮" userId="a4dcf2889a22c6f9" providerId="LiveId" clId="{607C1844-05CD-4CC9-972F-CAE573386568}" dt="2023-12-05T10:49:33.742" v="2132"/>
+      <pc:sldChg chg="add ord">
+        <pc:chgData name="明阳 阮" userId="a4dcf2889a22c6f9" providerId="LiveId" clId="{389D68A1-24FC-423B-B5DD-8195EC5F55C7}" dt="2023-10-26T03:02:10.744" v="3479"/>
         <pc:sldMkLst>
           <pc:docMk/>
-          <pc:sldMk cId="1712256725" sldId="276"/>
+          <pc:sldMk cId="2617193400" sldId="262"/>
         </pc:sldMkLst>
-        <pc:spChg chg="mod">
-          <ac:chgData name="明阳 阮" userId="a4dcf2889a22c6f9" providerId="LiveId" clId="{607C1844-05CD-4CC9-972F-CAE573386568}" dt="2023-12-05T10:44:53.416" v="2065" actId="20577"/>
-          <ac:spMkLst>
-            <pc:docMk/>
-            <pc:sldMk cId="1712256725" sldId="276"/>
-            <ac:spMk id="2" creationId="{9D88022C-29BC-202B-0FC7-82D90599AE12}"/>
-          </ac:spMkLst>
-        </pc:spChg>
-        <pc:spChg chg="mod">
-          <ac:chgData name="明阳 阮" userId="a4dcf2889a22c6f9" providerId="LiveId" clId="{607C1844-05CD-4CC9-972F-CAE573386568}" dt="2023-12-05T10:47:00.937" v="2084" actId="1076"/>
-          <ac:spMkLst>
-            <pc:docMk/>
-            <pc:sldMk cId="1712256725" sldId="276"/>
-            <ac:spMk id="8" creationId="{AB13D45A-08DC-D4B6-D389-973D528810B4}"/>
-          </ac:spMkLst>
-        </pc:spChg>
-        <pc:spChg chg="add mod">
-          <ac:chgData name="明阳 阮" userId="a4dcf2889a22c6f9" providerId="LiveId" clId="{607C1844-05CD-4CC9-972F-CAE573386568}" dt="2023-12-05T10:47:10.420" v="2102" actId="1036"/>
-          <ac:spMkLst>
-            <pc:docMk/>
-            <pc:sldMk cId="1712256725" sldId="276"/>
-            <ac:spMk id="9" creationId="{E294672D-763A-4D7F-112F-34B24761F853}"/>
-          </ac:spMkLst>
-        </pc:spChg>
-        <pc:spChg chg="add mod">
-          <ac:chgData name="明阳 阮" userId="a4dcf2889a22c6f9" providerId="LiveId" clId="{607C1844-05CD-4CC9-972F-CAE573386568}" dt="2023-12-05T10:47:10.420" v="2102" actId="1036"/>
-          <ac:spMkLst>
-            <pc:docMk/>
-            <pc:sldMk cId="1712256725" sldId="276"/>
-            <ac:spMk id="10" creationId="{71FC67F8-14A3-4F17-1BE1-6ECC5A09524A}"/>
-          </ac:spMkLst>
-        </pc:spChg>
-        <pc:spChg chg="add mod">
-          <ac:chgData name="明阳 阮" userId="a4dcf2889a22c6f9" providerId="LiveId" clId="{607C1844-05CD-4CC9-972F-CAE573386568}" dt="2023-12-05T10:47:10.420" v="2102" actId="1036"/>
-          <ac:spMkLst>
-            <pc:docMk/>
-            <pc:sldMk cId="1712256725" sldId="276"/>
-            <ac:spMk id="11" creationId="{8815587C-2C95-C759-ABE4-EE36121770AA}"/>
-          </ac:spMkLst>
-        </pc:spChg>
-        <pc:spChg chg="add mod">
-          <ac:chgData name="明阳 阮" userId="a4dcf2889a22c6f9" providerId="LiveId" clId="{607C1844-05CD-4CC9-972F-CAE573386568}" dt="2023-12-05T10:47:10.420" v="2102" actId="1036"/>
-          <ac:spMkLst>
-            <pc:docMk/>
-            <pc:sldMk cId="1712256725" sldId="276"/>
-            <ac:spMk id="12" creationId="{764F0CA7-46AE-E749-1555-76B1E08BC03A}"/>
-          </ac:spMkLst>
-        </pc:spChg>
-        <pc:spChg chg="add mod">
-          <ac:chgData name="明阳 阮" userId="a4dcf2889a22c6f9" providerId="LiveId" clId="{607C1844-05CD-4CC9-972F-CAE573386568}" dt="2023-12-05T10:47:10.420" v="2102" actId="1036"/>
-          <ac:spMkLst>
-            <pc:docMk/>
-            <pc:sldMk cId="1712256725" sldId="276"/>
-            <ac:spMk id="13" creationId="{DD5F8D75-B5C9-2194-25B6-631F0AD8DE17}"/>
-          </ac:spMkLst>
-        </pc:spChg>
-        <pc:spChg chg="add mod">
-          <ac:chgData name="明阳 阮" userId="a4dcf2889a22c6f9" providerId="LiveId" clId="{607C1844-05CD-4CC9-972F-CAE573386568}" dt="2023-12-05T10:47:10.420" v="2102" actId="1036"/>
-          <ac:spMkLst>
-            <pc:docMk/>
-            <pc:sldMk cId="1712256725" sldId="276"/>
-            <ac:spMk id="14" creationId="{CB4326D5-CA4D-448D-A371-0515A2627515}"/>
-          </ac:spMkLst>
-        </pc:spChg>
-        <pc:spChg chg="add mod">
-          <ac:chgData name="明阳 阮" userId="a4dcf2889a22c6f9" providerId="LiveId" clId="{607C1844-05CD-4CC9-972F-CAE573386568}" dt="2023-12-05T10:47:10.420" v="2102" actId="1036"/>
-          <ac:spMkLst>
-            <pc:docMk/>
-            <pc:sldMk cId="1712256725" sldId="276"/>
-            <ac:spMk id="15" creationId="{07B25E5B-CCC4-7EC0-7176-28F6E1E64231}"/>
-          </ac:spMkLst>
-        </pc:spChg>
-        <pc:spChg chg="add mod">
-          <ac:chgData name="明阳 阮" userId="a4dcf2889a22c6f9" providerId="LiveId" clId="{607C1844-05CD-4CC9-972F-CAE573386568}" dt="2023-12-05T10:47:10.420" v="2102" actId="1036"/>
-          <ac:spMkLst>
-            <pc:docMk/>
-            <pc:sldMk cId="1712256725" sldId="276"/>
-            <ac:spMk id="16" creationId="{9FF13239-0A18-5EB7-08DE-7EDF26DC17C6}"/>
-          </ac:spMkLst>
-        </pc:spChg>
-        <pc:spChg chg="add del mod">
-          <ac:chgData name="明阳 阮" userId="a4dcf2889a22c6f9" providerId="LiveId" clId="{607C1844-05CD-4CC9-972F-CAE573386568}" dt="2023-12-05T06:11:43.682" v="1822" actId="478"/>
-          <ac:spMkLst>
-            <pc:docMk/>
-            <pc:sldMk cId="1712256725" sldId="276"/>
-            <ac:spMk id="20" creationId="{13D16C75-563F-CA0B-DA4B-82C2F74228EA}"/>
-          </ac:spMkLst>
-        </pc:spChg>
-        <pc:spChg chg="add del mod">
-          <ac:chgData name="明阳 阮" userId="a4dcf2889a22c6f9" providerId="LiveId" clId="{607C1844-05CD-4CC9-972F-CAE573386568}" dt="2023-12-05T06:11:42.233" v="1821" actId="478"/>
-          <ac:spMkLst>
-            <pc:docMk/>
-            <pc:sldMk cId="1712256725" sldId="276"/>
-            <ac:spMk id="21" creationId="{47E8399B-F675-3A8F-3B8E-7519C76CB0E3}"/>
-          </ac:spMkLst>
-        </pc:spChg>
-        <pc:spChg chg="add del mod">
-          <ac:chgData name="明阳 阮" userId="a4dcf2889a22c6f9" providerId="LiveId" clId="{607C1844-05CD-4CC9-972F-CAE573386568}" dt="2023-12-05T06:11:42.233" v="1821" actId="478"/>
-          <ac:spMkLst>
-            <pc:docMk/>
-            <pc:sldMk cId="1712256725" sldId="276"/>
-            <ac:spMk id="22" creationId="{5F3B471B-A2F3-0195-2EC6-CF24941E2FFC}"/>
-          </ac:spMkLst>
-        </pc:spChg>
-        <pc:spChg chg="add del mod">
-          <ac:chgData name="明阳 阮" userId="a4dcf2889a22c6f9" providerId="LiveId" clId="{607C1844-05CD-4CC9-972F-CAE573386568}" dt="2023-12-05T06:11:42.233" v="1821" actId="478"/>
-          <ac:spMkLst>
-            <pc:docMk/>
-            <pc:sldMk cId="1712256725" sldId="276"/>
-            <ac:spMk id="23" creationId="{0B183E6D-AC1B-DFE5-7D89-758F7DBE72BE}"/>
-          </ac:spMkLst>
-        </pc:spChg>
-        <pc:spChg chg="add mod">
-          <ac:chgData name="明阳 阮" userId="a4dcf2889a22c6f9" providerId="LiveId" clId="{607C1844-05CD-4CC9-972F-CAE573386568}" dt="2023-12-05T10:47:04.070" v="2085" actId="14100"/>
-          <ac:spMkLst>
-            <pc:docMk/>
-            <pc:sldMk cId="1712256725" sldId="276"/>
-            <ac:spMk id="30" creationId="{6AF65DD5-AFD7-9737-07CC-787D87BDEA0D}"/>
-          </ac:spMkLst>
-        </pc:spChg>
-        <pc:grpChg chg="del">
-          <ac:chgData name="明阳 阮" userId="a4dcf2889a22c6f9" providerId="LiveId" clId="{607C1844-05CD-4CC9-972F-CAE573386568}" dt="2023-12-05T06:09:24.323" v="1676" actId="478"/>
-          <ac:grpSpMkLst>
-            <pc:docMk/>
-            <pc:sldMk cId="1712256725" sldId="276"/>
-            <ac:grpSpMk id="7" creationId="{83380693-7EE8-2663-A3B6-29DCE272706E}"/>
-          </ac:grpSpMkLst>
-        </pc:grpChg>
-        <pc:cxnChg chg="add del mod">
-          <ac:chgData name="明阳 阮" userId="a4dcf2889a22c6f9" providerId="LiveId" clId="{607C1844-05CD-4CC9-972F-CAE573386568}" dt="2023-12-05T10:47:10.420" v="2102" actId="1036"/>
-          <ac:cxnSpMkLst>
-            <pc:docMk/>
-            <pc:sldMk cId="1712256725" sldId="276"/>
-            <ac:cxnSpMk id="17" creationId="{C2939910-2CEA-826B-B3E3-D186F509D0CB}"/>
-          </ac:cxnSpMkLst>
-        </pc:cxnChg>
-        <pc:cxnChg chg="add del mod">
-          <ac:chgData name="明阳 阮" userId="a4dcf2889a22c6f9" providerId="LiveId" clId="{607C1844-05CD-4CC9-972F-CAE573386568}" dt="2023-12-05T06:11:28.264" v="1817" actId="478"/>
-          <ac:cxnSpMkLst>
-            <pc:docMk/>
-            <pc:sldMk cId="1712256725" sldId="276"/>
-            <ac:cxnSpMk id="18" creationId="{3B9DEE12-76E7-1974-4B2D-1AA8D41CED03}"/>
-          </ac:cxnSpMkLst>
-        </pc:cxnChg>
-        <pc:cxnChg chg="add del mod">
-          <ac:chgData name="明阳 阮" userId="a4dcf2889a22c6f9" providerId="LiveId" clId="{607C1844-05CD-4CC9-972F-CAE573386568}" dt="2023-12-05T06:11:30.196" v="1818" actId="478"/>
-          <ac:cxnSpMkLst>
-            <pc:docMk/>
-            <pc:sldMk cId="1712256725" sldId="276"/>
-            <ac:cxnSpMk id="19" creationId="{6365CCB6-9642-965D-D9FE-8C461E1FA304}"/>
-          </ac:cxnSpMkLst>
-        </pc:cxnChg>
-        <pc:cxnChg chg="add mod">
-          <ac:chgData name="明阳 阮" userId="a4dcf2889a22c6f9" providerId="LiveId" clId="{607C1844-05CD-4CC9-972F-CAE573386568}" dt="2023-12-05T10:47:10.420" v="2102" actId="1036"/>
-          <ac:cxnSpMkLst>
-            <pc:docMk/>
-            <pc:sldMk cId="1712256725" sldId="276"/>
-            <ac:cxnSpMk id="28" creationId="{5F0DFC87-D5B3-6A65-3DEC-E4358736ED9E}"/>
-          </ac:cxnSpMkLst>
-        </pc:cxnChg>
-        <pc:cxnChg chg="add mod">
-          <ac:chgData name="明阳 阮" userId="a4dcf2889a22c6f9" providerId="LiveId" clId="{607C1844-05CD-4CC9-972F-CAE573386568}" dt="2023-12-05T10:47:10.420" v="2102" actId="1036"/>
-          <ac:cxnSpMkLst>
-            <pc:docMk/>
-            <pc:sldMk cId="1712256725" sldId="276"/>
-            <ac:cxnSpMk id="29" creationId="{91573EC5-7B5C-A0B3-8CAB-A50E3B111AAF}"/>
-          </ac:cxnSpMkLst>
-        </pc:cxnChg>
       </pc:sldChg>
-      <pc:sldChg chg="addSp delSp modSp add mod">
-        <pc:chgData name="明阳 阮" userId="a4dcf2889a22c6f9" providerId="LiveId" clId="{607C1844-05CD-4CC9-972F-CAE573386568}" dt="2023-12-05T10:58:20.932" v="2547" actId="1076"/>
+      <pc:sldChg chg="add ord">
+        <pc:chgData name="明阳 阮" userId="a4dcf2889a22c6f9" providerId="LiveId" clId="{389D68A1-24FC-423B-B5DD-8195EC5F55C7}" dt="2023-10-26T03:18:36.693" v="3688"/>
         <pc:sldMkLst>
           <pc:docMk/>
-          <pc:sldMk cId="855912634" sldId="277"/>
+          <pc:sldMk cId="1409799460" sldId="263"/>
         </pc:sldMkLst>
-        <pc:spChg chg="add mod">
-          <ac:chgData name="明阳 阮" userId="a4dcf2889a22c6f9" providerId="LiveId" clId="{607C1844-05CD-4CC9-972F-CAE573386568}" dt="2023-12-05T10:56:49.849" v="2512" actId="2711"/>
-          <ac:spMkLst>
-            <pc:docMk/>
-            <pc:sldMk cId="855912634" sldId="277"/>
-            <ac:spMk id="6" creationId="{0A85260F-AEAA-4E1A-D4F4-23F4F3C44ECF}"/>
-          </ac:spMkLst>
-        </pc:spChg>
-        <pc:spChg chg="add mod">
-          <ac:chgData name="明阳 阮" userId="a4dcf2889a22c6f9" providerId="LiveId" clId="{607C1844-05CD-4CC9-972F-CAE573386568}" dt="2023-12-05T10:57:45.940" v="2540" actId="1076"/>
-          <ac:spMkLst>
-            <pc:docMk/>
-            <pc:sldMk cId="855912634" sldId="277"/>
-            <ac:spMk id="7" creationId="{78ECAEAB-A9D9-1131-2D34-741E654F786F}"/>
-          </ac:spMkLst>
-        </pc:spChg>
-        <pc:spChg chg="mod">
-          <ac:chgData name="明阳 阮" userId="a4dcf2889a22c6f9" providerId="LiveId" clId="{607C1844-05CD-4CC9-972F-CAE573386568}" dt="2023-12-05T10:56:02.840" v="2502" actId="2711"/>
-          <ac:spMkLst>
-            <pc:docMk/>
-            <pc:sldMk cId="855912634" sldId="277"/>
-            <ac:spMk id="8" creationId="{AB13D45A-08DC-D4B6-D389-973D528810B4}"/>
-          </ac:spMkLst>
-        </pc:spChg>
-        <pc:spChg chg="del">
-          <ac:chgData name="明阳 阮" userId="a4dcf2889a22c6f9" providerId="LiveId" clId="{607C1844-05CD-4CC9-972F-CAE573386568}" dt="2023-12-05T10:55:36.426" v="2446" actId="478"/>
-          <ac:spMkLst>
-            <pc:docMk/>
-            <pc:sldMk cId="855912634" sldId="277"/>
-            <ac:spMk id="9" creationId="{E294672D-763A-4D7F-112F-34B24761F853}"/>
-          </ac:spMkLst>
-        </pc:spChg>
-        <pc:spChg chg="del">
-          <ac:chgData name="明阳 阮" userId="a4dcf2889a22c6f9" providerId="LiveId" clId="{607C1844-05CD-4CC9-972F-CAE573386568}" dt="2023-12-05T10:55:36.426" v="2446" actId="478"/>
-          <ac:spMkLst>
-            <pc:docMk/>
-            <pc:sldMk cId="855912634" sldId="277"/>
-            <ac:spMk id="10" creationId="{71FC67F8-14A3-4F17-1BE1-6ECC5A09524A}"/>
-          </ac:spMkLst>
-        </pc:spChg>
-        <pc:spChg chg="del">
-          <ac:chgData name="明阳 阮" userId="a4dcf2889a22c6f9" providerId="LiveId" clId="{607C1844-05CD-4CC9-972F-CAE573386568}" dt="2023-12-05T10:55:36.426" v="2446" actId="478"/>
-          <ac:spMkLst>
-            <pc:docMk/>
-            <pc:sldMk cId="855912634" sldId="277"/>
-            <ac:spMk id="11" creationId="{8815587C-2C95-C759-ABE4-EE36121770AA}"/>
-          </ac:spMkLst>
-        </pc:spChg>
-        <pc:spChg chg="del">
-          <ac:chgData name="明阳 阮" userId="a4dcf2889a22c6f9" providerId="LiveId" clId="{607C1844-05CD-4CC9-972F-CAE573386568}" dt="2023-12-05T10:55:36.426" v="2446" actId="478"/>
-          <ac:spMkLst>
-            <pc:docMk/>
-            <pc:sldMk cId="855912634" sldId="277"/>
-            <ac:spMk id="12" creationId="{764F0CA7-46AE-E749-1555-76B1E08BC03A}"/>
-          </ac:spMkLst>
-        </pc:spChg>
-        <pc:spChg chg="del">
-          <ac:chgData name="明阳 阮" userId="a4dcf2889a22c6f9" providerId="LiveId" clId="{607C1844-05CD-4CC9-972F-CAE573386568}" dt="2023-12-05T10:55:36.426" v="2446" actId="478"/>
-          <ac:spMkLst>
-            <pc:docMk/>
-            <pc:sldMk cId="855912634" sldId="277"/>
-            <ac:spMk id="13" creationId="{DD5F8D75-B5C9-2194-25B6-631F0AD8DE17}"/>
-          </ac:spMkLst>
-        </pc:spChg>
-        <pc:spChg chg="del">
-          <ac:chgData name="明阳 阮" userId="a4dcf2889a22c6f9" providerId="LiveId" clId="{607C1844-05CD-4CC9-972F-CAE573386568}" dt="2023-12-05T10:55:36.426" v="2446" actId="478"/>
-          <ac:spMkLst>
-            <pc:docMk/>
-            <pc:sldMk cId="855912634" sldId="277"/>
-            <ac:spMk id="14" creationId="{CB4326D5-CA4D-448D-A371-0515A2627515}"/>
-          </ac:spMkLst>
-        </pc:spChg>
-        <pc:spChg chg="del">
-          <ac:chgData name="明阳 阮" userId="a4dcf2889a22c6f9" providerId="LiveId" clId="{607C1844-05CD-4CC9-972F-CAE573386568}" dt="2023-12-05T10:55:36.426" v="2446" actId="478"/>
-          <ac:spMkLst>
-            <pc:docMk/>
-            <pc:sldMk cId="855912634" sldId="277"/>
-            <ac:spMk id="15" creationId="{07B25E5B-CCC4-7EC0-7176-28F6E1E64231}"/>
-          </ac:spMkLst>
-        </pc:spChg>
-        <pc:spChg chg="del">
-          <ac:chgData name="明阳 阮" userId="a4dcf2889a22c6f9" providerId="LiveId" clId="{607C1844-05CD-4CC9-972F-CAE573386568}" dt="2023-12-05T10:55:36.426" v="2446" actId="478"/>
-          <ac:spMkLst>
-            <pc:docMk/>
-            <pc:sldMk cId="855912634" sldId="277"/>
-            <ac:spMk id="16" creationId="{9FF13239-0A18-5EB7-08DE-7EDF26DC17C6}"/>
-          </ac:spMkLst>
-        </pc:spChg>
-        <pc:spChg chg="add mod">
-          <ac:chgData name="明阳 阮" userId="a4dcf2889a22c6f9" providerId="LiveId" clId="{607C1844-05CD-4CC9-972F-CAE573386568}" dt="2023-12-05T10:57:50.866" v="2541" actId="1076"/>
-          <ac:spMkLst>
-            <pc:docMk/>
-            <pc:sldMk cId="855912634" sldId="277"/>
-            <ac:spMk id="18" creationId="{F67FF90A-715C-6F80-26DB-BD284FBBC52F}"/>
-          </ac:spMkLst>
-        </pc:spChg>
-        <pc:spChg chg="add mod">
-          <ac:chgData name="明阳 阮" userId="a4dcf2889a22c6f9" providerId="LiveId" clId="{607C1844-05CD-4CC9-972F-CAE573386568}" dt="2023-12-05T10:58:13.519" v="2545" actId="2085"/>
-          <ac:spMkLst>
-            <pc:docMk/>
-            <pc:sldMk cId="855912634" sldId="277"/>
-            <ac:spMk id="19" creationId="{837659EC-9662-9D9A-5DB8-7204798E0AAA}"/>
-          </ac:spMkLst>
-        </pc:spChg>
-        <pc:spChg chg="add mod">
-          <ac:chgData name="明阳 阮" userId="a4dcf2889a22c6f9" providerId="LiveId" clId="{607C1844-05CD-4CC9-972F-CAE573386568}" dt="2023-12-05T10:58:20.932" v="2547" actId="1076"/>
-          <ac:spMkLst>
-            <pc:docMk/>
-            <pc:sldMk cId="855912634" sldId="277"/>
-            <ac:spMk id="20" creationId="{2AC33191-FD61-5981-FFC2-F249CCEEA083}"/>
-          </ac:spMkLst>
-        </pc:spChg>
-        <pc:spChg chg="del">
-          <ac:chgData name="明阳 阮" userId="a4dcf2889a22c6f9" providerId="LiveId" clId="{607C1844-05CD-4CC9-972F-CAE573386568}" dt="2023-12-05T10:55:36.426" v="2446" actId="478"/>
-          <ac:spMkLst>
-            <pc:docMk/>
-            <pc:sldMk cId="855912634" sldId="277"/>
-            <ac:spMk id="30" creationId="{6AF65DD5-AFD7-9737-07CC-787D87BDEA0D}"/>
-          </ac:spMkLst>
-        </pc:spChg>
-        <pc:picChg chg="add mod">
-          <ac:chgData name="明阳 阮" userId="a4dcf2889a22c6f9" providerId="LiveId" clId="{607C1844-05CD-4CC9-972F-CAE573386568}" dt="2023-12-05T10:57:16.151" v="2523" actId="1076"/>
-          <ac:picMkLst>
-            <pc:docMk/>
-            <pc:sldMk cId="855912634" sldId="277"/>
-            <ac:picMk id="3" creationId="{7D3E9F89-EBF0-9298-8699-E7112A72E822}"/>
-          </ac:picMkLst>
-        </pc:picChg>
-        <pc:picChg chg="add mod">
-          <ac:chgData name="明阳 阮" userId="a4dcf2889a22c6f9" providerId="LiveId" clId="{607C1844-05CD-4CC9-972F-CAE573386568}" dt="2023-12-05T10:57:50.866" v="2541" actId="1076"/>
-          <ac:picMkLst>
-            <pc:docMk/>
-            <pc:sldMk cId="855912634" sldId="277"/>
-            <ac:picMk id="4" creationId="{6519CC44-C3D1-D22D-69BF-88ECA69B2942}"/>
-          </ac:picMkLst>
-        </pc:picChg>
-        <pc:picChg chg="add mod">
-          <ac:chgData name="明阳 阮" userId="a4dcf2889a22c6f9" providerId="LiveId" clId="{607C1844-05CD-4CC9-972F-CAE573386568}" dt="2023-12-05T10:57:45.940" v="2540" actId="1076"/>
-          <ac:picMkLst>
-            <pc:docMk/>
-            <pc:sldMk cId="855912634" sldId="277"/>
-            <ac:picMk id="5" creationId="{DF39050D-5659-DD9D-0430-6125C2FC4945}"/>
-          </ac:picMkLst>
-        </pc:picChg>
-        <pc:cxnChg chg="del">
-          <ac:chgData name="明阳 阮" userId="a4dcf2889a22c6f9" providerId="LiveId" clId="{607C1844-05CD-4CC9-972F-CAE573386568}" dt="2023-12-05T10:55:36.426" v="2446" actId="478"/>
-          <ac:cxnSpMkLst>
-            <pc:docMk/>
-            <pc:sldMk cId="855912634" sldId="277"/>
-            <ac:cxnSpMk id="17" creationId="{C2939910-2CEA-826B-B3E3-D186F509D0CB}"/>
-          </ac:cxnSpMkLst>
-        </pc:cxnChg>
-        <pc:cxnChg chg="del">
-          <ac:chgData name="明阳 阮" userId="a4dcf2889a22c6f9" providerId="LiveId" clId="{607C1844-05CD-4CC9-972F-CAE573386568}" dt="2023-12-05T10:55:36.426" v="2446" actId="478"/>
-          <ac:cxnSpMkLst>
-            <pc:docMk/>
-            <pc:sldMk cId="855912634" sldId="277"/>
-            <ac:cxnSpMk id="28" creationId="{5F0DFC87-D5B3-6A65-3DEC-E4358736ED9E}"/>
-          </ac:cxnSpMkLst>
-        </pc:cxnChg>
-        <pc:cxnChg chg="del">
-          <ac:chgData name="明阳 阮" userId="a4dcf2889a22c6f9" providerId="LiveId" clId="{607C1844-05CD-4CC9-972F-CAE573386568}" dt="2023-12-05T10:55:36.426" v="2446" actId="478"/>
-          <ac:cxnSpMkLst>
-            <pc:docMk/>
-            <pc:sldMk cId="855912634" sldId="277"/>
-            <ac:cxnSpMk id="29" creationId="{91573EC5-7B5C-A0B3-8CAB-A50E3B111AAF}"/>
-          </ac:cxnSpMkLst>
-        </pc:cxnChg>
+      </pc:sldChg>
+      <pc:sldChg chg="add del">
+        <pc:chgData name="明阳 阮" userId="a4dcf2889a22c6f9" providerId="LiveId" clId="{389D68A1-24FC-423B-B5DD-8195EC5F55C7}" dt="2023-10-26T03:05:07.934" v="3528"/>
+        <pc:sldMkLst>
+          <pc:docMk/>
+          <pc:sldMk cId="1469992898" sldId="263"/>
+        </pc:sldMkLst>
+      </pc:sldChg>
+      <pc:sldChg chg="new">
+        <pc:chgData name="明阳 阮" userId="a4dcf2889a22c6f9" providerId="LiveId" clId="{389D68A1-24FC-423B-B5DD-8195EC5F55C7}" dt="2023-10-26T03:37:10.662" v="3967" actId="680"/>
+        <pc:sldMkLst>
+          <pc:docMk/>
+          <pc:sldMk cId="2506533273" sldId="264"/>
+        </pc:sldMkLst>
       </pc:sldChg>
     </pc:docChg>
   </pc:docChgLst>
@@ -4004,7 +4004,7 @@
           <a:p>
             <a:fld id="{20305227-18F9-4A03-8D8F-BE85A99B86E1}" type="datetimeFigureOut">
               <a:rPr kumimoji="1" lang="ja-JP" altLang="en-US" smtClean="0"/>
-              <a:t>2023/12/5</a:t>
+              <a:t>2023/12/6</a:t>
             </a:fld>
             <a:endParaRPr kumimoji="1" lang="ja-JP" altLang="en-US"/>
           </a:p>
@@ -4532,9 +4532,9 @@
           <a:bodyPr/>
           <a:lstStyle/>
           <a:p>
-            <a:fld id="{783D6DAF-3DB9-4E72-A199-CAD930CD53FB}" type="datetimeFigureOut">
+            <a:fld id="{BBBA39A5-3755-40EF-A9A6-85674BD00511}" type="datetime1">
               <a:rPr kumimoji="1" lang="ja-JP" altLang="en-US" smtClean="0"/>
-              <a:t>2023/12/5</a:t>
+              <a:t>2023/12/6</a:t>
             </a:fld>
             <a:endParaRPr kumimoji="1" lang="ja-JP" altLang="en-US"/>
           </a:p>
@@ -4762,9 +4762,9 @@
           <a:bodyPr/>
           <a:lstStyle/>
           <a:p>
-            <a:fld id="{783D6DAF-3DB9-4E72-A199-CAD930CD53FB}" type="datetimeFigureOut">
+            <a:fld id="{54206A17-77D1-43B4-80A0-312EE7C91B7B}" type="datetime1">
               <a:rPr kumimoji="1" lang="ja-JP" altLang="en-US" smtClean="0"/>
-              <a:t>2023/12/5</a:t>
+              <a:t>2023/12/6</a:t>
             </a:fld>
             <a:endParaRPr kumimoji="1" lang="ja-JP" altLang="en-US"/>
           </a:p>
@@ -5002,9 +5002,9 @@
           <a:bodyPr/>
           <a:lstStyle/>
           <a:p>
-            <a:fld id="{783D6DAF-3DB9-4E72-A199-CAD930CD53FB}" type="datetimeFigureOut">
+            <a:fld id="{AE8072AD-7F33-4B79-AD1C-D4CD740B887A}" type="datetime1">
               <a:rPr kumimoji="1" lang="ja-JP" altLang="en-US" smtClean="0"/>
-              <a:t>2023/12/5</a:t>
+              <a:t>2023/12/6</a:t>
             </a:fld>
             <a:endParaRPr kumimoji="1" lang="ja-JP" altLang="en-US"/>
           </a:p>
@@ -5232,9 +5232,9 @@
           <a:bodyPr/>
           <a:lstStyle/>
           <a:p>
-            <a:fld id="{783D6DAF-3DB9-4E72-A199-CAD930CD53FB}" type="datetimeFigureOut">
+            <a:fld id="{995A2788-C965-4BA0-9745-64E991875797}" type="datetime1">
               <a:rPr kumimoji="1" lang="ja-JP" altLang="en-US" smtClean="0"/>
-              <a:t>2023/12/5</a:t>
+              <a:t>2023/12/6</a:t>
             </a:fld>
             <a:endParaRPr kumimoji="1" lang="ja-JP" altLang="en-US"/>
           </a:p>
@@ -5507,9 +5507,9 @@
           <a:bodyPr/>
           <a:lstStyle/>
           <a:p>
-            <a:fld id="{783D6DAF-3DB9-4E72-A199-CAD930CD53FB}" type="datetimeFigureOut">
+            <a:fld id="{EA99477E-E081-49BE-B839-DD05AADD248D}" type="datetime1">
               <a:rPr kumimoji="1" lang="ja-JP" altLang="en-US" smtClean="0"/>
-              <a:t>2023/12/5</a:t>
+              <a:t>2023/12/6</a:t>
             </a:fld>
             <a:endParaRPr kumimoji="1" lang="ja-JP" altLang="en-US"/>
           </a:p>
@@ -5836,9 +5836,9 @@
           <a:bodyPr/>
           <a:lstStyle/>
           <a:p>
-            <a:fld id="{783D6DAF-3DB9-4E72-A199-CAD930CD53FB}" type="datetimeFigureOut">
+            <a:fld id="{9BE9269C-40B1-4456-9550-F0D0DAF34DF7}" type="datetime1">
               <a:rPr kumimoji="1" lang="ja-JP" altLang="en-US" smtClean="0"/>
-              <a:t>2023/12/5</a:t>
+              <a:t>2023/12/6</a:t>
             </a:fld>
             <a:endParaRPr kumimoji="1" lang="ja-JP" altLang="en-US"/>
           </a:p>
@@ -6312,9 +6312,9 @@
           <a:bodyPr/>
           <a:lstStyle/>
           <a:p>
-            <a:fld id="{783D6DAF-3DB9-4E72-A199-CAD930CD53FB}" type="datetimeFigureOut">
+            <a:fld id="{89F6D755-027F-41C4-B80E-70E5EFEE28C7}" type="datetime1">
               <a:rPr kumimoji="1" lang="ja-JP" altLang="en-US" smtClean="0"/>
-              <a:t>2023/12/5</a:t>
+              <a:t>2023/12/6</a:t>
             </a:fld>
             <a:endParaRPr kumimoji="1" lang="ja-JP" altLang="en-US"/>
           </a:p>
@@ -6453,9 +6453,9 @@
           <a:bodyPr/>
           <a:lstStyle/>
           <a:p>
-            <a:fld id="{783D6DAF-3DB9-4E72-A199-CAD930CD53FB}" type="datetimeFigureOut">
+            <a:fld id="{89F95BE3-6D05-409E-9DF0-438CFBBA9E55}" type="datetime1">
               <a:rPr kumimoji="1" lang="ja-JP" altLang="en-US" smtClean="0"/>
-              <a:t>2023/12/5</a:t>
+              <a:t>2023/12/6</a:t>
             </a:fld>
             <a:endParaRPr kumimoji="1" lang="ja-JP" altLang="en-US"/>
           </a:p>
@@ -6566,9 +6566,9 @@
           <a:bodyPr/>
           <a:lstStyle/>
           <a:p>
-            <a:fld id="{783D6DAF-3DB9-4E72-A199-CAD930CD53FB}" type="datetimeFigureOut">
+            <a:fld id="{8B25E6AD-DFF4-4C26-B75B-70B1969C8DA9}" type="datetime1">
               <a:rPr kumimoji="1" lang="ja-JP" altLang="en-US" smtClean="0"/>
-              <a:t>2023/12/5</a:t>
+              <a:t>2023/12/6</a:t>
             </a:fld>
             <a:endParaRPr kumimoji="1" lang="ja-JP" altLang="en-US"/>
           </a:p>
@@ -6909,9 +6909,9 @@
           <a:bodyPr/>
           <a:lstStyle/>
           <a:p>
-            <a:fld id="{783D6DAF-3DB9-4E72-A199-CAD930CD53FB}" type="datetimeFigureOut">
+            <a:fld id="{07334392-BAC9-4A1C-BE7E-0EF1DDBB8D26}" type="datetime1">
               <a:rPr kumimoji="1" lang="ja-JP" altLang="en-US" smtClean="0"/>
-              <a:t>2023/12/5</a:t>
+              <a:t>2023/12/6</a:t>
             </a:fld>
             <a:endParaRPr kumimoji="1" lang="ja-JP" altLang="en-US"/>
           </a:p>
@@ -7197,9 +7197,9 @@
           <a:bodyPr/>
           <a:lstStyle/>
           <a:p>
-            <a:fld id="{783D6DAF-3DB9-4E72-A199-CAD930CD53FB}" type="datetimeFigureOut">
+            <a:fld id="{24961D42-5EA6-49A1-AEF9-4F523217E029}" type="datetime1">
               <a:rPr kumimoji="1" lang="ja-JP" altLang="en-US" smtClean="0"/>
-              <a:t>2023/12/5</a:t>
+              <a:t>2023/12/6</a:t>
             </a:fld>
             <a:endParaRPr kumimoji="1" lang="ja-JP" altLang="en-US"/>
           </a:p>
@@ -7470,9 +7470,9 @@
             </a:lvl1pPr>
           </a:lstStyle>
           <a:p>
-            <a:fld id="{783D6DAF-3DB9-4E72-A199-CAD930CD53FB}" type="datetimeFigureOut">
+            <a:fld id="{4A7000A7-CB5A-444E-A2E3-E8FF8A0FA6F5}" type="datetime1">
               <a:rPr kumimoji="1" lang="ja-JP" altLang="en-US" smtClean="0"/>
-              <a:t>2023/12/5</a:t>
+              <a:t>2023/12/6</a:t>
             </a:fld>
             <a:endParaRPr kumimoji="1" lang="ja-JP" altLang="en-US"/>
           </a:p>
@@ -7589,6 +7589,7 @@
     <p:sldLayoutId id="2147483658" r:id="rId10"/>
     <p:sldLayoutId id="2147483659" r:id="rId11"/>
   </p:sldLayoutIdLst>
+  <p:hf hdr="0" ftr="0" dt="0"/>
   <p:txStyles>
     <p:titleStyle>
       <a:lvl1pPr algn="l" defTabSz="914400" rtl="0" eaLnBrk="1" latinLnBrk="0" hangingPunct="1">
@@ -7997,6 +7998,35 @@
           </a:p>
         </p:txBody>
       </p:sp>
+      <p:sp>
+        <p:nvSpPr>
+          <p:cNvPr id="4" name="灯片编号占位符 3">
+            <a:extLst>
+              <a:ext uri="{FF2B5EF4-FFF2-40B4-BE49-F238E27FC236}">
+                <a16:creationId xmlns:a16="http://schemas.microsoft.com/office/drawing/2014/main" id="{6653A5FA-9CF7-EDA3-679A-A47A87C30857}"/>
+              </a:ext>
+            </a:extLst>
+          </p:cNvPr>
+          <p:cNvSpPr>
+            <a:spLocks noGrp="1"/>
+          </p:cNvSpPr>
+          <p:nvPr>
+            <p:ph type="sldNum" sz="quarter" idx="12"/>
+          </p:nvPr>
+        </p:nvSpPr>
+        <p:spPr/>
+        <p:txBody>
+          <a:bodyPr/>
+          <a:lstStyle/>
+          <a:p>
+            <a:fld id="{736AC65F-1208-4C2D-A435-006612209E61}" type="slidenum">
+              <a:rPr kumimoji="1" lang="ja-JP" altLang="en-US" smtClean="0"/>
+              <a:t>1</a:t>
+            </a:fld>
+            <a:endParaRPr kumimoji="1" lang="ja-JP" altLang="en-US"/>
+          </a:p>
+        </p:txBody>
+      </p:sp>
     </p:spTree>
     <p:extLst>
       <p:ext uri="{BB962C8B-B14F-4D97-AF65-F5344CB8AC3E}">
@@ -8027,6 +8057,35 @@
           <a:chExt cx="0" cy="0"/>
         </a:xfrm>
       </p:grpSpPr>
+      <p:sp>
+        <p:nvSpPr>
+          <p:cNvPr id="2" name="灯片编号占位符 1">
+            <a:extLst>
+              <a:ext uri="{FF2B5EF4-FFF2-40B4-BE49-F238E27FC236}">
+                <a16:creationId xmlns:a16="http://schemas.microsoft.com/office/drawing/2014/main" id="{C1A7C684-E01F-FA84-60E4-3842CD9811A1}"/>
+              </a:ext>
+            </a:extLst>
+          </p:cNvPr>
+          <p:cNvSpPr>
+            <a:spLocks noGrp="1"/>
+          </p:cNvSpPr>
+          <p:nvPr>
+            <p:ph type="sldNum" sz="quarter" idx="12"/>
+          </p:nvPr>
+        </p:nvSpPr>
+        <p:spPr/>
+        <p:txBody>
+          <a:bodyPr/>
+          <a:lstStyle/>
+          <a:p>
+            <a:fld id="{736AC65F-1208-4C2D-A435-006612209E61}" type="slidenum">
+              <a:rPr kumimoji="1" lang="ja-JP" altLang="en-US" smtClean="0"/>
+              <a:t>10</a:t>
+            </a:fld>
+            <a:endParaRPr kumimoji="1" lang="ja-JP" altLang="en-US"/>
+          </a:p>
+        </p:txBody>
+      </p:sp>
     </p:spTree>
     <p:extLst>
       <p:ext uri="{BB962C8B-B14F-4D97-AF65-F5344CB8AC3E}">
@@ -9296,6 +9355,35 @@
           </a:p>
         </p:txBody>
       </p:sp>
+      <p:sp>
+        <p:nvSpPr>
+          <p:cNvPr id="23" name="灯片编号占位符 22">
+            <a:extLst>
+              <a:ext uri="{FF2B5EF4-FFF2-40B4-BE49-F238E27FC236}">
+                <a16:creationId xmlns:a16="http://schemas.microsoft.com/office/drawing/2014/main" id="{3A64F4DB-0934-8888-183B-089AE1FBA025}"/>
+              </a:ext>
+            </a:extLst>
+          </p:cNvPr>
+          <p:cNvSpPr>
+            <a:spLocks noGrp="1"/>
+          </p:cNvSpPr>
+          <p:nvPr>
+            <p:ph type="sldNum" sz="quarter" idx="12"/>
+          </p:nvPr>
+        </p:nvSpPr>
+        <p:spPr/>
+        <p:txBody>
+          <a:bodyPr/>
+          <a:lstStyle/>
+          <a:p>
+            <a:fld id="{736AC65F-1208-4C2D-A435-006612209E61}" type="slidenum">
+              <a:rPr kumimoji="1" lang="ja-JP" altLang="en-US" smtClean="0"/>
+              <a:t>11</a:t>
+            </a:fld>
+            <a:endParaRPr kumimoji="1" lang="ja-JP" altLang="en-US"/>
+          </a:p>
+        </p:txBody>
+      </p:sp>
     </p:spTree>
     <p:extLst>
       <p:ext uri="{BB962C8B-B14F-4D97-AF65-F5344CB8AC3E}">
@@ -9460,6 +9548,35 @@
           </a:prstGeom>
         </p:spPr>
       </p:pic>
+      <p:sp>
+        <p:nvSpPr>
+          <p:cNvPr id="2" name="灯片编号占位符 1">
+            <a:extLst>
+              <a:ext uri="{FF2B5EF4-FFF2-40B4-BE49-F238E27FC236}">
+                <a16:creationId xmlns:a16="http://schemas.microsoft.com/office/drawing/2014/main" id="{13E0EA99-375E-3827-9084-8008930B5566}"/>
+              </a:ext>
+            </a:extLst>
+          </p:cNvPr>
+          <p:cNvSpPr>
+            <a:spLocks noGrp="1"/>
+          </p:cNvSpPr>
+          <p:nvPr>
+            <p:ph type="sldNum" sz="quarter" idx="12"/>
+          </p:nvPr>
+        </p:nvSpPr>
+        <p:spPr/>
+        <p:txBody>
+          <a:bodyPr/>
+          <a:lstStyle/>
+          <a:p>
+            <a:fld id="{736AC65F-1208-4C2D-A435-006612209E61}" type="slidenum">
+              <a:rPr kumimoji="1" lang="ja-JP" altLang="en-US" smtClean="0"/>
+              <a:t>12</a:t>
+            </a:fld>
+            <a:endParaRPr kumimoji="1" lang="ja-JP" altLang="en-US"/>
+          </a:p>
+        </p:txBody>
+      </p:sp>
     </p:spTree>
     <p:extLst>
       <p:ext uri="{BB962C8B-B14F-4D97-AF65-F5344CB8AC3E}">
@@ -9520,6 +9637,35 @@
           </a:prstGeom>
         </p:spPr>
       </p:pic>
+      <p:sp>
+        <p:nvSpPr>
+          <p:cNvPr id="3" name="灯片编号占位符 2">
+            <a:extLst>
+              <a:ext uri="{FF2B5EF4-FFF2-40B4-BE49-F238E27FC236}">
+                <a16:creationId xmlns:a16="http://schemas.microsoft.com/office/drawing/2014/main" id="{7422B70A-27AB-47AE-53E5-E1F7624594B8}"/>
+              </a:ext>
+            </a:extLst>
+          </p:cNvPr>
+          <p:cNvSpPr>
+            <a:spLocks noGrp="1"/>
+          </p:cNvSpPr>
+          <p:nvPr>
+            <p:ph type="sldNum" sz="quarter" idx="12"/>
+          </p:nvPr>
+        </p:nvSpPr>
+        <p:spPr/>
+        <p:txBody>
+          <a:bodyPr/>
+          <a:lstStyle/>
+          <a:p>
+            <a:fld id="{736AC65F-1208-4C2D-A435-006612209E61}" type="slidenum">
+              <a:rPr kumimoji="1" lang="ja-JP" altLang="en-US" smtClean="0"/>
+              <a:t>13</a:t>
+            </a:fld>
+            <a:endParaRPr kumimoji="1" lang="ja-JP" altLang="en-US"/>
+          </a:p>
+        </p:txBody>
+      </p:sp>
     </p:spTree>
     <p:extLst>
       <p:ext uri="{BB962C8B-B14F-4D97-AF65-F5344CB8AC3E}">
@@ -10179,6 +10325,35 @@
           </p:sp>
         </mc:Fallback>
       </mc:AlternateContent>
+      <p:sp>
+        <p:nvSpPr>
+          <p:cNvPr id="7" name="灯片编号占位符 6">
+            <a:extLst>
+              <a:ext uri="{FF2B5EF4-FFF2-40B4-BE49-F238E27FC236}">
+                <a16:creationId xmlns:a16="http://schemas.microsoft.com/office/drawing/2014/main" id="{6DFBAABE-3D75-E11D-5C2E-71A3C69C7024}"/>
+              </a:ext>
+            </a:extLst>
+          </p:cNvPr>
+          <p:cNvSpPr>
+            <a:spLocks noGrp="1"/>
+          </p:cNvSpPr>
+          <p:nvPr>
+            <p:ph type="sldNum" sz="quarter" idx="12"/>
+          </p:nvPr>
+        </p:nvSpPr>
+        <p:spPr/>
+        <p:txBody>
+          <a:bodyPr/>
+          <a:lstStyle/>
+          <a:p>
+            <a:fld id="{736AC65F-1208-4C2D-A435-006612209E61}" type="slidenum">
+              <a:rPr kumimoji="1" lang="ja-JP" altLang="en-US" smtClean="0"/>
+              <a:t>2</a:t>
+            </a:fld>
+            <a:endParaRPr kumimoji="1" lang="ja-JP" altLang="en-US"/>
+          </a:p>
+        </p:txBody>
+      </p:sp>
     </p:spTree>
     <p:extLst>
       <p:ext uri="{BB962C8B-B14F-4D97-AF65-F5344CB8AC3E}">
@@ -11886,6 +12061,35 @@
           </a:p>
         </p:txBody>
       </p:sp>
+      <p:sp>
+        <p:nvSpPr>
+          <p:cNvPr id="9" name="灯片编号占位符 8">
+            <a:extLst>
+              <a:ext uri="{FF2B5EF4-FFF2-40B4-BE49-F238E27FC236}">
+                <a16:creationId xmlns:a16="http://schemas.microsoft.com/office/drawing/2014/main" id="{08538C4B-C6F7-684D-F1D6-15542D063586}"/>
+              </a:ext>
+            </a:extLst>
+          </p:cNvPr>
+          <p:cNvSpPr>
+            <a:spLocks noGrp="1"/>
+          </p:cNvSpPr>
+          <p:nvPr>
+            <p:ph type="sldNum" sz="quarter" idx="12"/>
+          </p:nvPr>
+        </p:nvSpPr>
+        <p:spPr/>
+        <p:txBody>
+          <a:bodyPr/>
+          <a:lstStyle/>
+          <a:p>
+            <a:fld id="{736AC65F-1208-4C2D-A435-006612209E61}" type="slidenum">
+              <a:rPr kumimoji="1" lang="ja-JP" altLang="en-US" smtClean="0"/>
+              <a:t>3</a:t>
+            </a:fld>
+            <a:endParaRPr kumimoji="1" lang="ja-JP" altLang="en-US"/>
+          </a:p>
+        </p:txBody>
+      </p:sp>
     </p:spTree>
     <p:extLst>
       <p:ext uri="{BB962C8B-B14F-4D97-AF65-F5344CB8AC3E}">
@@ -13181,6 +13385,35 @@
           </a:fontRef>
         </p:style>
       </p:cxnSp>
+      <p:sp>
+        <p:nvSpPr>
+          <p:cNvPr id="4" name="灯片编号占位符 3">
+            <a:extLst>
+              <a:ext uri="{FF2B5EF4-FFF2-40B4-BE49-F238E27FC236}">
+                <a16:creationId xmlns:a16="http://schemas.microsoft.com/office/drawing/2014/main" id="{1606DE3C-8727-5144-E418-C7FAFB4D4D43}"/>
+              </a:ext>
+            </a:extLst>
+          </p:cNvPr>
+          <p:cNvSpPr>
+            <a:spLocks noGrp="1"/>
+          </p:cNvSpPr>
+          <p:nvPr>
+            <p:ph type="sldNum" sz="quarter" idx="12"/>
+          </p:nvPr>
+        </p:nvSpPr>
+        <p:spPr/>
+        <p:txBody>
+          <a:bodyPr/>
+          <a:lstStyle/>
+          <a:p>
+            <a:fld id="{736AC65F-1208-4C2D-A435-006612209E61}" type="slidenum">
+              <a:rPr kumimoji="1" lang="ja-JP" altLang="en-US" smtClean="0"/>
+              <a:t>4</a:t>
+            </a:fld>
+            <a:endParaRPr kumimoji="1" lang="ja-JP" altLang="en-US"/>
+          </a:p>
+        </p:txBody>
+      </p:sp>
     </p:spTree>
     <p:extLst>
       <p:ext uri="{BB962C8B-B14F-4D97-AF65-F5344CB8AC3E}">
@@ -13305,7 +13538,7 @@
                 <a:ea typeface="BIZ UDPゴシック" panose="020B0400000000000000" pitchFamily="50" charset="-128"/>
                 <a:cs typeface="Times New Roman" panose="02020603050405020304" pitchFamily="18" charset="0"/>
               </a:rPr>
-              <a:t>Gaussian09</a:t>
+              <a:t>Gaussian16</a:t>
             </a:r>
             <a:r>
               <a:rPr lang="ja-JP" altLang="en-US" sz="2800" dirty="0">
@@ -13466,6 +13699,35 @@
               <a:t>氷表面でのメタノール生成過程における重水素濃縮の解明</a:t>
             </a:r>
             <a:endParaRPr lang="en-US" altLang="ja-JP" sz="2800" b="1" dirty="0"/>
+          </a:p>
+        </p:txBody>
+      </p:sp>
+      <p:sp>
+        <p:nvSpPr>
+          <p:cNvPr id="3" name="灯片编号占位符 2">
+            <a:extLst>
+              <a:ext uri="{FF2B5EF4-FFF2-40B4-BE49-F238E27FC236}">
+                <a16:creationId xmlns:a16="http://schemas.microsoft.com/office/drawing/2014/main" id="{E32EF397-DF08-D6D7-8FDD-1ACB728BD69B}"/>
+              </a:ext>
+            </a:extLst>
+          </p:cNvPr>
+          <p:cNvSpPr>
+            <a:spLocks noGrp="1"/>
+          </p:cNvSpPr>
+          <p:nvPr>
+            <p:ph type="sldNum" sz="quarter" idx="12"/>
+          </p:nvPr>
+        </p:nvSpPr>
+        <p:spPr/>
+        <p:txBody>
+          <a:bodyPr/>
+          <a:lstStyle/>
+          <a:p>
+            <a:fld id="{736AC65F-1208-4C2D-A435-006612209E61}" type="slidenum">
+              <a:rPr kumimoji="1" lang="ja-JP" altLang="en-US" smtClean="0"/>
+              <a:t>5</a:t>
+            </a:fld>
+            <a:endParaRPr kumimoji="1" lang="ja-JP" altLang="en-US"/>
           </a:p>
         </p:txBody>
       </p:sp>
@@ -13641,7 +13903,7 @@
         </p:blipFill>
         <p:spPr>
           <a:xfrm>
-            <a:off x="475188" y="1852039"/>
+            <a:off x="110035" y="1796008"/>
             <a:ext cx="3793031" cy="3383955"/>
           </a:xfrm>
           <a:prstGeom prst="rect">
@@ -13670,7 +13932,7 @@
         </p:blipFill>
         <p:spPr>
           <a:xfrm>
-            <a:off x="4981345" y="3380036"/>
+            <a:off x="5831220" y="3381302"/>
             <a:ext cx="1985612" cy="1842446"/>
           </a:xfrm>
           <a:prstGeom prst="rect">
@@ -13699,7 +13961,7 @@
         </p:blipFill>
         <p:spPr>
           <a:xfrm>
-            <a:off x="9470334" y="4021068"/>
+            <a:off x="10320209" y="4022334"/>
             <a:ext cx="1693035" cy="1214926"/>
           </a:xfrm>
           <a:prstGeom prst="rect">
@@ -13784,7 +14046,7 @@
         </p:nvSpPr>
         <p:spPr>
           <a:xfrm>
-            <a:off x="8789692" y="2301923"/>
+            <a:off x="9639567" y="2303189"/>
             <a:ext cx="2552433" cy="954107"/>
           </a:xfrm>
           <a:prstGeom prst="rect">
@@ -13836,7 +14098,7 @@
         </p:nvSpPr>
         <p:spPr>
           <a:xfrm>
-            <a:off x="4733697" y="2300658"/>
+            <a:off x="5583572" y="2301924"/>
             <a:ext cx="2931612" cy="954107"/>
           </a:xfrm>
           <a:prstGeom prst="rect">
@@ -13899,7 +14161,7 @@
         </p:nvSpPr>
         <p:spPr>
           <a:xfrm>
-            <a:off x="2699384" y="3705916"/>
+            <a:off x="3940185" y="3667500"/>
             <a:ext cx="1703172" cy="474388"/>
           </a:xfrm>
           <a:prstGeom prst="rightArrow">
@@ -13951,7 +14213,7 @@
         </p:nvSpPr>
         <p:spPr>
           <a:xfrm>
-            <a:off x="7279405" y="3705916"/>
+            <a:off x="8129280" y="3707182"/>
             <a:ext cx="1703172" cy="474388"/>
           </a:xfrm>
           <a:prstGeom prst="rightArrow">
@@ -13985,6 +14247,35 @@
           <a:lstStyle/>
           <a:p>
             <a:pPr algn="ctr"/>
+            <a:endParaRPr kumimoji="1" lang="ja-JP" altLang="en-US"/>
+          </a:p>
+        </p:txBody>
+      </p:sp>
+      <p:sp>
+        <p:nvSpPr>
+          <p:cNvPr id="9" name="灯片编号占位符 8">
+            <a:extLst>
+              <a:ext uri="{FF2B5EF4-FFF2-40B4-BE49-F238E27FC236}">
+                <a16:creationId xmlns:a16="http://schemas.microsoft.com/office/drawing/2014/main" id="{C01EEC58-3B49-04C8-81CA-DBF895CD9070}"/>
+              </a:ext>
+            </a:extLst>
+          </p:cNvPr>
+          <p:cNvSpPr>
+            <a:spLocks noGrp="1"/>
+          </p:cNvSpPr>
+          <p:nvPr>
+            <p:ph type="sldNum" sz="quarter" idx="12"/>
+          </p:nvPr>
+        </p:nvSpPr>
+        <p:spPr/>
+        <p:txBody>
+          <a:bodyPr/>
+          <a:lstStyle/>
+          <a:p>
+            <a:fld id="{736AC65F-1208-4C2D-A435-006612209E61}" type="slidenum">
+              <a:rPr kumimoji="1" lang="ja-JP" altLang="en-US" smtClean="0"/>
+              <a:t>6</a:t>
+            </a:fld>
             <a:endParaRPr kumimoji="1" lang="ja-JP" altLang="en-US"/>
           </a:p>
         </p:txBody>
@@ -14637,22 +14928,18 @@
                 <a:ea typeface="Courier New" panose="02070309020205020404" pitchFamily="49" charset="0"/>
                 <a:cs typeface="Times New Roman" panose="02020603050405020304" pitchFamily="18" charset="0"/>
               </a:rPr>
-              <a:t>4.0</a:t>
-            </a:r>
-            <a:r>
-              <a:rPr kumimoji="0" lang="en-US" altLang="ja-JP" sz="2400" b="0" i="0" u="none" strike="noStrike" cap="none" normalizeH="0" baseline="0" dirty="0">
-                <a:ln>
-                  <a:noFill/>
-                </a:ln>
+              <a:t>4.</a:t>
+            </a:r>
+            <a:r>
+              <a:rPr kumimoji="0" lang="en-US" altLang="ja-JP" sz="2400" dirty="0">
                 <a:solidFill>
                   <a:srgbClr val="000000"/>
                 </a:solidFill>
-                <a:effectLst/>
                 <a:latin typeface="Times New Roman" panose="02020603050405020304" pitchFamily="18" charset="0"/>
                 <a:ea typeface="Courier New" panose="02070309020205020404" pitchFamily="49" charset="0"/>
                 <a:cs typeface="Times New Roman" panose="02020603050405020304" pitchFamily="18" charset="0"/>
               </a:rPr>
-              <a:t>56</a:t>
+              <a:t>1</a:t>
             </a:r>
             <a:endParaRPr kumimoji="1" lang="ja-JP" altLang="en-US" sz="2400" dirty="0">
               <a:latin typeface="Times New Roman" panose="02020603050405020304" pitchFamily="18" charset="0"/>
@@ -14702,7 +14989,7 @@
                 <a:ea typeface="Courier New" panose="02070309020205020404" pitchFamily="49" charset="0"/>
                 <a:cs typeface="Times New Roman" panose="02020603050405020304" pitchFamily="18" charset="0"/>
               </a:rPr>
-              <a:t>0.819</a:t>
+              <a:t>0.8</a:t>
             </a:r>
             <a:endParaRPr kumimoji="1" lang="ja-JP" altLang="en-US" sz="2400" dirty="0">
               <a:latin typeface="Times New Roman" panose="02020603050405020304" pitchFamily="18" charset="0"/>
@@ -14747,7 +15034,7 @@
                 <a:latin typeface="Times New Roman" panose="02020603050405020304" pitchFamily="18" charset="0"/>
                 <a:cs typeface="Times New Roman" panose="02020603050405020304" pitchFamily="18" charset="0"/>
               </a:rPr>
-              <a:t>1.886</a:t>
+              <a:t>1.9</a:t>
             </a:r>
             <a:endParaRPr kumimoji="1" lang="ja-JP" altLang="en-US" sz="2400" dirty="0">
               <a:latin typeface="Times New Roman" panose="02020603050405020304" pitchFamily="18" charset="0"/>
@@ -14944,6 +15231,103 @@
               <a:ea typeface="ＭＳ Ｐ明朝" panose="02020600040205080304" pitchFamily="18" charset="-128"/>
               <a:cs typeface="Angsana New" panose="02020603050405020304" pitchFamily="18" charset="-34"/>
             </a:endParaRPr>
+          </a:p>
+        </p:txBody>
+      </p:sp>
+      <p:sp>
+        <p:nvSpPr>
+          <p:cNvPr id="3" name="灯片编号占位符 2">
+            <a:extLst>
+              <a:ext uri="{FF2B5EF4-FFF2-40B4-BE49-F238E27FC236}">
+                <a16:creationId xmlns:a16="http://schemas.microsoft.com/office/drawing/2014/main" id="{CB9283EC-854C-92BC-00BD-55CFE7F8C573}"/>
+              </a:ext>
+            </a:extLst>
+          </p:cNvPr>
+          <p:cNvSpPr>
+            <a:spLocks noGrp="1"/>
+          </p:cNvSpPr>
+          <p:nvPr>
+            <p:ph type="sldNum" sz="quarter" idx="12"/>
+          </p:nvPr>
+        </p:nvSpPr>
+        <p:spPr/>
+        <p:txBody>
+          <a:bodyPr/>
+          <a:lstStyle/>
+          <a:p>
+            <a:fld id="{736AC65F-1208-4C2D-A435-006612209E61}" type="slidenum">
+              <a:rPr kumimoji="1" lang="ja-JP" altLang="en-US" smtClean="0"/>
+              <a:t>7</a:t>
+            </a:fld>
+            <a:endParaRPr kumimoji="1" lang="ja-JP" altLang="en-US"/>
+          </a:p>
+        </p:txBody>
+      </p:sp>
+      <p:sp>
+        <p:nvSpPr>
+          <p:cNvPr id="4" name="文本框 3">
+            <a:extLst>
+              <a:ext uri="{FF2B5EF4-FFF2-40B4-BE49-F238E27FC236}">
+                <a16:creationId xmlns:a16="http://schemas.microsoft.com/office/drawing/2014/main" id="{9DBE148D-E179-38A5-2D07-6E898CE31AC5}"/>
+              </a:ext>
+            </a:extLst>
+          </p:cNvPr>
+          <p:cNvSpPr txBox="1"/>
+          <p:nvPr/>
+        </p:nvSpPr>
+        <p:spPr>
+          <a:xfrm>
+            <a:off x="1809512" y="5542967"/>
+            <a:ext cx="2430474" cy="369332"/>
+          </a:xfrm>
+          <a:prstGeom prst="rect">
+            <a:avLst/>
+          </a:prstGeom>
+          <a:noFill/>
+        </p:spPr>
+        <p:txBody>
+          <a:bodyPr wrap="none" rtlCol="0">
+            <a:spAutoFit/>
+          </a:bodyPr>
+          <a:lstStyle/>
+          <a:p>
+            <a:r>
+              <a:rPr lang="en-US" altLang="ja-JP" sz="1800" b="0" i="0" dirty="0">
+                <a:solidFill>
+                  <a:srgbClr val="374151"/>
+                </a:solidFill>
+                <a:effectLst/>
+                <a:latin typeface="Times New Roman" panose="02020603050405020304" pitchFamily="18" charset="0"/>
+                <a:ea typeface="BIZ UDPゴシック" panose="020B0400000000000000" pitchFamily="50" charset="-128"/>
+                <a:cs typeface="Times New Roman" panose="02020603050405020304" pitchFamily="18" charset="0"/>
+              </a:rPr>
+              <a:t>MRCI+Q/</a:t>
+            </a:r>
+            <a:r>
+              <a:rPr lang="en-US" altLang="ja-JP" sz="1800" b="0" i="0" dirty="0" err="1">
+                <a:solidFill>
+                  <a:srgbClr val="374151"/>
+                </a:solidFill>
+                <a:effectLst/>
+                <a:latin typeface="Times New Roman" panose="02020603050405020304" pitchFamily="18" charset="0"/>
+                <a:ea typeface="BIZ UDPゴシック" panose="020B0400000000000000" pitchFamily="50" charset="-128"/>
+                <a:cs typeface="Times New Roman" panose="02020603050405020304" pitchFamily="18" charset="0"/>
+              </a:rPr>
+              <a:t>aug</a:t>
+            </a:r>
+            <a:r>
+              <a:rPr lang="en-US" altLang="ja-JP" sz="1800" b="0" i="0" dirty="0">
+                <a:solidFill>
+                  <a:srgbClr val="374151"/>
+                </a:solidFill>
+                <a:effectLst/>
+                <a:latin typeface="Times New Roman" panose="02020603050405020304" pitchFamily="18" charset="0"/>
+                <a:ea typeface="BIZ UDPゴシック" panose="020B0400000000000000" pitchFamily="50" charset="-128"/>
+                <a:cs typeface="Times New Roman" panose="02020603050405020304" pitchFamily="18" charset="0"/>
+              </a:rPr>
+              <a:t>-cc-PVQZ</a:t>
+            </a:r>
+            <a:endParaRPr lang="zh-CN" altLang="en-US" dirty="0"/>
           </a:p>
         </p:txBody>
       </p:sp>
@@ -15223,12 +15607,23 @@
           <a:lstStyle/>
           <a:p>
             <a:r>
+              <a:rPr kumimoji="0" lang="en-US" altLang="ja-JP" sz="2800" dirty="0">
+                <a:solidFill>
+                  <a:srgbClr val="000000"/>
+                </a:solidFill>
+                <a:latin typeface="Times New Roman" panose="02020603050405020304" pitchFamily="18" charset="0"/>
+                <a:ea typeface="Courier New" panose="02070309020205020404" pitchFamily="49" charset="0"/>
+                <a:cs typeface="Times New Roman" panose="02020603050405020304" pitchFamily="18" charset="0"/>
+              </a:rPr>
+              <a:t>ω</a:t>
+            </a:r>
+            <a:r>
               <a:rPr lang="en-US" altLang="ja-JP" sz="2800" dirty="0">
                 <a:latin typeface="Times New Roman" panose="02020603050405020304" pitchFamily="18" charset="0"/>
                 <a:ea typeface="BIZ UDPゴシック" panose="020B0400000000000000" pitchFamily="50" charset="-128"/>
                 <a:cs typeface="Times New Roman" panose="02020603050405020304" pitchFamily="18" charset="0"/>
               </a:rPr>
-              <a:t>wB97XD/6-311++G(d , p),</a:t>
+              <a:t>B97XD/6-311++G(d , p),</a:t>
             </a:r>
             <a:r>
               <a:rPr lang="ja-JP" altLang="en-US" sz="2800" dirty="0">
@@ -15349,6 +15744,35 @@
               <a:latin typeface="BIZ UDPゴシック" panose="020B0400000000000000" pitchFamily="50" charset="-128"/>
               <a:ea typeface="BIZ UDPゴシック" panose="020B0400000000000000" pitchFamily="50" charset="-128"/>
             </a:endParaRPr>
+          </a:p>
+        </p:txBody>
+      </p:sp>
+      <p:sp>
+        <p:nvSpPr>
+          <p:cNvPr id="10" name="灯片编号占位符 9">
+            <a:extLst>
+              <a:ext uri="{FF2B5EF4-FFF2-40B4-BE49-F238E27FC236}">
+                <a16:creationId xmlns:a16="http://schemas.microsoft.com/office/drawing/2014/main" id="{80AE8AAF-F925-57BE-68A1-248741BB4F26}"/>
+              </a:ext>
+            </a:extLst>
+          </p:cNvPr>
+          <p:cNvSpPr>
+            <a:spLocks noGrp="1"/>
+          </p:cNvSpPr>
+          <p:nvPr>
+            <p:ph type="sldNum" sz="quarter" idx="12"/>
+          </p:nvPr>
+        </p:nvSpPr>
+        <p:spPr/>
+        <p:txBody>
+          <a:bodyPr/>
+          <a:lstStyle/>
+          <a:p>
+            <a:fld id="{736AC65F-1208-4C2D-A435-006612209E61}" type="slidenum">
+              <a:rPr kumimoji="1" lang="ja-JP" altLang="en-US" smtClean="0"/>
+              <a:t>8</a:t>
+            </a:fld>
+            <a:endParaRPr kumimoji="1" lang="ja-JP" altLang="en-US"/>
           </a:p>
         </p:txBody>
       </p:sp>
@@ -15440,211 +15864,6 @@
       </p:sp>
       <p:sp>
         <p:nvSpPr>
-          <p:cNvPr id="3" name="テキスト ボックス 2">
-            <a:extLst>
-              <a:ext uri="{FF2B5EF4-FFF2-40B4-BE49-F238E27FC236}">
-                <a16:creationId xmlns:a16="http://schemas.microsoft.com/office/drawing/2014/main" id="{FBD4FA2D-965F-DA96-E398-1EC3B0109C57}"/>
-              </a:ext>
-            </a:extLst>
-          </p:cNvPr>
-          <p:cNvSpPr txBox="1"/>
-          <p:nvPr/>
-        </p:nvSpPr>
-        <p:spPr>
-          <a:xfrm>
-            <a:off x="793849" y="973146"/>
-            <a:ext cx="10543335" cy="2677656"/>
-          </a:xfrm>
-          <a:prstGeom prst="rect">
-            <a:avLst/>
-          </a:prstGeom>
-          <a:noFill/>
-        </p:spPr>
-        <p:txBody>
-          <a:bodyPr wrap="square" rtlCol="0">
-            <a:spAutoFit/>
-          </a:bodyPr>
-          <a:lstStyle/>
-          <a:p>
-            <a:pPr marL="457200" indent="-457200">
-              <a:buFont typeface="Arial" panose="020B0604020202020204" pitchFamily="34" charset="0"/>
-              <a:buChar char="•"/>
-            </a:pPr>
-            <a:r>
-              <a:rPr lang="en-US" altLang="ja-JP" sz="2800" b="0" i="0" dirty="0">
-                <a:solidFill>
-                  <a:srgbClr val="374151"/>
-                </a:solidFill>
-                <a:effectLst/>
-                <a:latin typeface="Times New Roman" panose="02020603050405020304" pitchFamily="18" charset="0"/>
-                <a:ea typeface="BIZ UDPゴシック" panose="020B0400000000000000" pitchFamily="50" charset="-128"/>
-                <a:cs typeface="Times New Roman" panose="02020603050405020304" pitchFamily="18" charset="0"/>
-              </a:rPr>
-              <a:t>Table 1</a:t>
-            </a:r>
-            <a:r>
-              <a:rPr lang="ja-JP" altLang="en-US" sz="2800" b="0" i="0" dirty="0">
-                <a:solidFill>
-                  <a:srgbClr val="374151"/>
-                </a:solidFill>
-                <a:effectLst/>
-                <a:latin typeface="BIZ UDPゴシック" panose="020B0400000000000000" pitchFamily="50" charset="-128"/>
-                <a:ea typeface="BIZ UDPゴシック" panose="020B0400000000000000" pitchFamily="50" charset="-128"/>
-              </a:rPr>
-              <a:t>に示された数十種類の汎関数と基底関数の組み合わせから得られた結果の中から、代表的なものを選抜。</a:t>
-            </a:r>
-            <a:endParaRPr lang="en-US" altLang="ja-JP" sz="2800" b="0" i="0" dirty="0">
-              <a:solidFill>
-                <a:srgbClr val="374151"/>
-              </a:solidFill>
-              <a:effectLst/>
-              <a:latin typeface="BIZ UDPゴシック" panose="020B0400000000000000" pitchFamily="50" charset="-128"/>
-              <a:ea typeface="BIZ UDPゴシック" panose="020B0400000000000000" pitchFamily="50" charset="-128"/>
-            </a:endParaRPr>
-          </a:p>
-          <a:p>
-            <a:endParaRPr lang="en-US" altLang="ja-JP" sz="2800" b="0" i="0" dirty="0">
-              <a:solidFill>
-                <a:srgbClr val="374151"/>
-              </a:solidFill>
-              <a:effectLst/>
-              <a:latin typeface="BIZ UDPゴシック" panose="020B0400000000000000" pitchFamily="50" charset="-128"/>
-              <a:ea typeface="BIZ UDPゴシック" panose="020B0400000000000000" pitchFamily="50" charset="-128"/>
-            </a:endParaRPr>
-          </a:p>
-          <a:p>
-            <a:pPr marL="457200" indent="-457200">
-              <a:buFont typeface="Arial" panose="020B0604020202020204" pitchFamily="34" charset="0"/>
-              <a:buChar char="•"/>
-            </a:pPr>
-            <a:r>
-              <a:rPr lang="ja-JP" altLang="en-US" sz="2800" b="0" i="0" dirty="0">
-                <a:solidFill>
-                  <a:srgbClr val="374151"/>
-                </a:solidFill>
-                <a:effectLst/>
-                <a:latin typeface="BIZ UDPゴシック" panose="020B0400000000000000" pitchFamily="50" charset="-128"/>
-                <a:ea typeface="BIZ UDPゴシック" panose="020B0400000000000000" pitchFamily="50" charset="-128"/>
-              </a:rPr>
-              <a:t>先行研究</a:t>
-            </a:r>
-            <a:r>
-              <a:rPr lang="en-US" altLang="ja-JP" sz="2800" b="0" i="0" dirty="0">
-                <a:solidFill>
-                  <a:srgbClr val="374151"/>
-                </a:solidFill>
-                <a:effectLst/>
-                <a:latin typeface="BIZ UDPゴシック" panose="020B0400000000000000" pitchFamily="50" charset="-128"/>
-                <a:ea typeface="BIZ UDPゴシック" panose="020B0400000000000000" pitchFamily="50" charset="-128"/>
-              </a:rPr>
-              <a:t>[3]</a:t>
-            </a:r>
-            <a:r>
-              <a:rPr lang="en-US" altLang="ja-JP" sz="2800" b="0" i="0" dirty="0">
-                <a:solidFill>
-                  <a:srgbClr val="374151"/>
-                </a:solidFill>
-                <a:effectLst/>
-                <a:latin typeface="Times New Roman" panose="02020603050405020304" pitchFamily="18" charset="0"/>
-                <a:ea typeface="BIZ UDPゴシック" panose="020B0400000000000000" pitchFamily="50" charset="-128"/>
-                <a:cs typeface="Times New Roman" panose="02020603050405020304" pitchFamily="18" charset="0"/>
-              </a:rPr>
-              <a:t>MRCI+Q/</a:t>
-            </a:r>
-            <a:r>
-              <a:rPr lang="en-US" altLang="ja-JP" sz="2800" b="0" i="0" dirty="0" err="1">
-                <a:solidFill>
-                  <a:srgbClr val="374151"/>
-                </a:solidFill>
-                <a:effectLst/>
-                <a:latin typeface="Times New Roman" panose="02020603050405020304" pitchFamily="18" charset="0"/>
-                <a:ea typeface="BIZ UDPゴシック" panose="020B0400000000000000" pitchFamily="50" charset="-128"/>
-                <a:cs typeface="Times New Roman" panose="02020603050405020304" pitchFamily="18" charset="0"/>
-              </a:rPr>
-              <a:t>aug</a:t>
-            </a:r>
-            <a:r>
-              <a:rPr lang="en-US" altLang="ja-JP" sz="2800" b="0" i="0" dirty="0">
-                <a:solidFill>
-                  <a:srgbClr val="374151"/>
-                </a:solidFill>
-                <a:effectLst/>
-                <a:latin typeface="Times New Roman" panose="02020603050405020304" pitchFamily="18" charset="0"/>
-                <a:ea typeface="BIZ UDPゴシック" panose="020B0400000000000000" pitchFamily="50" charset="-128"/>
-                <a:cs typeface="Times New Roman" panose="02020603050405020304" pitchFamily="18" charset="0"/>
-              </a:rPr>
-              <a:t>-cc-PVQZ</a:t>
-            </a:r>
-            <a:r>
-              <a:rPr lang="ja-JP" altLang="en-US" sz="2800" b="0" i="0" dirty="0">
-                <a:solidFill>
-                  <a:srgbClr val="374151"/>
-                </a:solidFill>
-                <a:effectLst/>
-                <a:latin typeface="BIZ UDPゴシック" panose="020B0400000000000000" pitchFamily="50" charset="-128"/>
-                <a:ea typeface="BIZ UDPゴシック" panose="020B0400000000000000" pitchFamily="50" charset="-128"/>
-              </a:rPr>
-              <a:t>の値に近い結果を示した組み合わせが、</a:t>
-            </a:r>
-            <a:r>
-              <a:rPr lang="en-US" altLang="ja-JP" sz="2800" b="0" i="0" dirty="0">
-                <a:solidFill>
-                  <a:srgbClr val="374151"/>
-                </a:solidFill>
-                <a:effectLst/>
-                <a:latin typeface="Times New Roman" panose="02020603050405020304" pitchFamily="18" charset="0"/>
-                <a:ea typeface="BIZ UDPゴシック" panose="020B0400000000000000" pitchFamily="50" charset="-128"/>
-                <a:cs typeface="Times New Roman" panose="02020603050405020304" pitchFamily="18" charset="0"/>
-              </a:rPr>
-              <a:t>ωB97XD</a:t>
-            </a:r>
-            <a:r>
-              <a:rPr lang="ja-JP" altLang="en-US" sz="2800" b="0" i="0" dirty="0">
-                <a:solidFill>
-                  <a:srgbClr val="374151"/>
-                </a:solidFill>
-                <a:effectLst/>
-                <a:latin typeface="BIZ UDPゴシック" panose="020B0400000000000000" pitchFamily="50" charset="-128"/>
-                <a:ea typeface="BIZ UDPゴシック" panose="020B0400000000000000" pitchFamily="50" charset="-128"/>
-              </a:rPr>
-              <a:t>汎関数と</a:t>
-            </a:r>
-            <a:r>
-              <a:rPr lang="en-US" altLang="ja-JP" sz="2800" b="0" i="0" dirty="0">
-                <a:solidFill>
-                  <a:srgbClr val="374151"/>
-                </a:solidFill>
-                <a:effectLst/>
-                <a:latin typeface="Times New Roman" panose="02020603050405020304" pitchFamily="18" charset="0"/>
-                <a:ea typeface="BIZ UDPゴシック" panose="020B0400000000000000" pitchFamily="50" charset="-128"/>
-                <a:cs typeface="Times New Roman" panose="02020603050405020304" pitchFamily="18" charset="0"/>
-              </a:rPr>
-              <a:t>6-311++G(d , p)</a:t>
-            </a:r>
-            <a:r>
-              <a:rPr lang="ja-JP" altLang="en-US" sz="2800" b="0" i="0" dirty="0">
-                <a:solidFill>
-                  <a:srgbClr val="374151"/>
-                </a:solidFill>
-                <a:effectLst/>
-                <a:latin typeface="BIZ UDPゴシック" panose="020B0400000000000000" pitchFamily="50" charset="-128"/>
-                <a:ea typeface="BIZ UDPゴシック" panose="020B0400000000000000" pitchFamily="50" charset="-128"/>
-              </a:rPr>
-              <a:t>基底関数であることが分かった。</a:t>
-            </a:r>
-            <a:endParaRPr lang="en-US" altLang="ja-JP" sz="2800" b="0" i="0" dirty="0">
-              <a:solidFill>
-                <a:srgbClr val="374151"/>
-              </a:solidFill>
-              <a:effectLst/>
-              <a:latin typeface="BIZ UDPゴシック" panose="020B0400000000000000" pitchFamily="50" charset="-128"/>
-              <a:ea typeface="BIZ UDPゴシック" panose="020B0400000000000000" pitchFamily="50" charset="-128"/>
-            </a:endParaRPr>
-          </a:p>
-        </p:txBody>
-      </p:sp>
-      <p:sp>
-        <p:nvSpPr>
           <p:cNvPr id="4" name="テキスト ボックス 3">
             <a:extLst>
               <a:ext uri="{FF2B5EF4-FFF2-40B4-BE49-F238E27FC236}">
@@ -15875,6 +16094,35 @@
           </a:p>
           <a:p>
             <a:endParaRPr lang="en-US" altLang="ja-JP" sz="2800" b="1" dirty="0"/>
+          </a:p>
+        </p:txBody>
+      </p:sp>
+      <p:sp>
+        <p:nvSpPr>
+          <p:cNvPr id="7" name="灯片编号占位符 6">
+            <a:extLst>
+              <a:ext uri="{FF2B5EF4-FFF2-40B4-BE49-F238E27FC236}">
+                <a16:creationId xmlns:a16="http://schemas.microsoft.com/office/drawing/2014/main" id="{AF35540F-E34D-18F1-0606-C9724EA0EFE1}"/>
+              </a:ext>
+            </a:extLst>
+          </p:cNvPr>
+          <p:cNvSpPr>
+            <a:spLocks noGrp="1"/>
+          </p:cNvSpPr>
+          <p:nvPr>
+            <p:ph type="sldNum" sz="quarter" idx="12"/>
+          </p:nvPr>
+        </p:nvSpPr>
+        <p:spPr/>
+        <p:txBody>
+          <a:bodyPr/>
+          <a:lstStyle/>
+          <a:p>
+            <a:fld id="{736AC65F-1208-4C2D-A435-006612209E61}" type="slidenum">
+              <a:rPr kumimoji="1" lang="ja-JP" altLang="en-US" smtClean="0"/>
+              <a:t>9</a:t>
+            </a:fld>
+            <a:endParaRPr kumimoji="1" lang="ja-JP" altLang="en-US"/>
           </a:p>
         </p:txBody>
       </p:sp>
